--- a/Report.pptx
+++ b/Report.pptx
@@ -4,6 +4,9 @@
   <p:sldMasterIdLst>
     <p:sldMasterId id="2147483648" r:id="rId1"/>
   </p:sldMasterIdLst>
+  <p:notesMasterIdLst>
+    <p:notesMasterId r:id="rId20"/>
+  </p:notesMasterIdLst>
   <p:sldIdLst>
     <p:sldId id="256" r:id="rId2"/>
     <p:sldId id="257" r:id="rId3"/>
@@ -17,6 +20,12 @@
     <p:sldId id="269" r:id="rId11"/>
     <p:sldId id="271" r:id="rId12"/>
     <p:sldId id="272" r:id="rId13"/>
+    <p:sldId id="273" r:id="rId14"/>
+    <p:sldId id="274" r:id="rId15"/>
+    <p:sldId id="275" r:id="rId16"/>
+    <p:sldId id="276" r:id="rId17"/>
+    <p:sldId id="277" r:id="rId18"/>
+    <p:sldId id="278" r:id="rId19"/>
   </p:sldIdLst>
   <p:sldSz cx="12192000" cy="6858000"/>
   <p:notesSz cx="6858000" cy="9144000"/>
@@ -126,7 +135,7 @@
 <file path=ppt/revisionInfo.xml><?xml version="1.0" encoding="utf-8"?>
 <p1510:revInfo xmlns:a="http://schemas.openxmlformats.org/drawingml/2006/main" xmlns:r="http://schemas.openxmlformats.org/officeDocument/2006/relationships" xmlns:p1510="http://schemas.microsoft.com/office/powerpoint/2015/10/main">
   <p1510:revLst>
-    <p1510:client id="{22D272E4-2158-41E7-8704-8F465140BCC8}" v="17" dt="2023-12-29T13:56:44.461"/>
+    <p1510:client id="{22D272E4-2158-41E7-8704-8F465140BCC8}" v="43" dt="2023-12-29T18:05:00.318"/>
   </p1510:revLst>
 </p1510:revInfo>
 </file>
@@ -136,7 +145,7 @@
   <pc:docChgLst>
     <pc:chgData name="Tommaso Di Riccio" userId="86fd86f00952e091" providerId="LiveId" clId="{22D272E4-2158-41E7-8704-8F465140BCC8}"/>
     <pc:docChg chg="undo redo custSel addSld delSld modSld">
-      <pc:chgData name="Tommaso Di Riccio" userId="86fd86f00952e091" providerId="LiveId" clId="{22D272E4-2158-41E7-8704-8F465140BCC8}" dt="2023-12-29T14:05:53.211" v="2988" actId="680"/>
+      <pc:chgData name="Tommaso Di Riccio" userId="86fd86f00952e091" providerId="LiveId" clId="{22D272E4-2158-41E7-8704-8F465140BCC8}" dt="2023-12-29T19:07:42.816" v="7467" actId="20577"/>
       <pc:docMkLst>
         <pc:docMk/>
       </pc:docMkLst>
@@ -156,13 +165,13 @@
         </pc:spChg>
       </pc:sldChg>
       <pc:sldChg chg="modSp mod">
-        <pc:chgData name="Tommaso Di Riccio" userId="86fd86f00952e091" providerId="LiveId" clId="{22D272E4-2158-41E7-8704-8F465140BCC8}" dt="2023-12-29T08:54:17.259" v="1774" actId="790"/>
+        <pc:chgData name="Tommaso Di Riccio" userId="86fd86f00952e091" providerId="LiveId" clId="{22D272E4-2158-41E7-8704-8F465140BCC8}" dt="2023-12-29T15:57:43.963" v="4826" actId="113"/>
         <pc:sldMkLst>
           <pc:docMk/>
           <pc:sldMk cId="1035383574" sldId="257"/>
         </pc:sldMkLst>
         <pc:spChg chg="mod">
-          <ac:chgData name="Tommaso Di Riccio" userId="86fd86f00952e091" providerId="LiveId" clId="{22D272E4-2158-41E7-8704-8F465140BCC8}" dt="2023-12-29T08:54:17.259" v="1774" actId="790"/>
+          <ac:chgData name="Tommaso Di Riccio" userId="86fd86f00952e091" providerId="LiveId" clId="{22D272E4-2158-41E7-8704-8F465140BCC8}" dt="2023-12-29T15:57:43.963" v="4826" actId="113"/>
           <ac:spMkLst>
             <pc:docMk/>
             <pc:sldMk cId="1035383574" sldId="257"/>
@@ -171,11 +180,19 @@
         </pc:spChg>
       </pc:sldChg>
       <pc:sldChg chg="addSp delSp modSp mod">
-        <pc:chgData name="Tommaso Di Riccio" userId="86fd86f00952e091" providerId="LiveId" clId="{22D272E4-2158-41E7-8704-8F465140BCC8}" dt="2023-12-29T08:54:27.942" v="1775" actId="1076"/>
+        <pc:chgData name="Tommaso Di Riccio" userId="86fd86f00952e091" providerId="LiveId" clId="{22D272E4-2158-41E7-8704-8F465140BCC8}" dt="2023-12-29T15:57:42.263" v="4825" actId="113"/>
         <pc:sldMkLst>
           <pc:docMk/>
           <pc:sldMk cId="3752648632" sldId="258"/>
         </pc:sldMkLst>
+        <pc:spChg chg="mod">
+          <ac:chgData name="Tommaso Di Riccio" userId="86fd86f00952e091" providerId="LiveId" clId="{22D272E4-2158-41E7-8704-8F465140BCC8}" dt="2023-12-29T15:57:42.263" v="4825" actId="113"/>
+          <ac:spMkLst>
+            <pc:docMk/>
+            <pc:sldMk cId="3752648632" sldId="258"/>
+            <ac:spMk id="2" creationId="{FD4A98E0-9341-8C17-AB14-45506C4279AD}"/>
+          </ac:spMkLst>
+        </pc:spChg>
         <pc:spChg chg="mod">
           <ac:chgData name="Tommaso Di Riccio" userId="86fd86f00952e091" providerId="LiveId" clId="{22D272E4-2158-41E7-8704-8F465140BCC8}" dt="2023-12-29T08:54:27.942" v="1775" actId="1076"/>
           <ac:spMkLst>
@@ -194,13 +211,13 @@
         </pc:spChg>
       </pc:sldChg>
       <pc:sldChg chg="modSp new mod">
-        <pc:chgData name="Tommaso Di Riccio" userId="86fd86f00952e091" providerId="LiveId" clId="{22D272E4-2158-41E7-8704-8F465140BCC8}" dt="2023-12-28T12:03:30.721" v="1767" actId="113"/>
+        <pc:chgData name="Tommaso Di Riccio" userId="86fd86f00952e091" providerId="LiveId" clId="{22D272E4-2158-41E7-8704-8F465140BCC8}" dt="2023-12-29T15:57:40.162" v="4824" actId="113"/>
         <pc:sldMkLst>
           <pc:docMk/>
           <pc:sldMk cId="3122407211" sldId="259"/>
         </pc:sldMkLst>
         <pc:spChg chg="mod">
-          <ac:chgData name="Tommaso Di Riccio" userId="86fd86f00952e091" providerId="LiveId" clId="{22D272E4-2158-41E7-8704-8F465140BCC8}" dt="2023-12-28T10:43:08.016" v="111" actId="20577"/>
+          <ac:chgData name="Tommaso Di Riccio" userId="86fd86f00952e091" providerId="LiveId" clId="{22D272E4-2158-41E7-8704-8F465140BCC8}" dt="2023-12-29T15:57:40.162" v="4824" actId="113"/>
           <ac:spMkLst>
             <pc:docMk/>
             <pc:sldMk cId="3122407211" sldId="259"/>
@@ -240,11 +257,19 @@
         </pc:spChg>
       </pc:sldChg>
       <pc:sldChg chg="modSp add mod">
-        <pc:chgData name="Tommaso Di Riccio" userId="86fd86f00952e091" providerId="LiveId" clId="{22D272E4-2158-41E7-8704-8F465140BCC8}" dt="2023-12-28T12:03:27.934" v="1765" actId="113"/>
+        <pc:chgData name="Tommaso Di Riccio" userId="86fd86f00952e091" providerId="LiveId" clId="{22D272E4-2158-41E7-8704-8F465140BCC8}" dt="2023-12-29T15:57:37.638" v="4823" actId="113"/>
         <pc:sldMkLst>
           <pc:docMk/>
           <pc:sldMk cId="2923913015" sldId="261"/>
         </pc:sldMkLst>
+        <pc:spChg chg="mod">
+          <ac:chgData name="Tommaso Di Riccio" userId="86fd86f00952e091" providerId="LiveId" clId="{22D272E4-2158-41E7-8704-8F465140BCC8}" dt="2023-12-29T15:57:37.638" v="4823" actId="113"/>
+          <ac:spMkLst>
+            <pc:docMk/>
+            <pc:sldMk cId="2923913015" sldId="261"/>
+            <ac:spMk id="2" creationId="{E3DA8900-1AD4-6DC8-BDD6-E9330161A9ED}"/>
+          </ac:spMkLst>
+        </pc:spChg>
         <pc:spChg chg="mod">
           <ac:chgData name="Tommaso Di Riccio" userId="86fd86f00952e091" providerId="LiveId" clId="{22D272E4-2158-41E7-8704-8F465140BCC8}" dt="2023-12-28T12:03:27.934" v="1765" actId="113"/>
           <ac:spMkLst>
@@ -255,11 +280,19 @@
         </pc:spChg>
       </pc:sldChg>
       <pc:sldChg chg="modSp add mod">
-        <pc:chgData name="Tommaso Di Riccio" userId="86fd86f00952e091" providerId="LiveId" clId="{22D272E4-2158-41E7-8704-8F465140BCC8}" dt="2023-12-29T08:58:38.100" v="1897" actId="20577"/>
+        <pc:chgData name="Tommaso Di Riccio" userId="86fd86f00952e091" providerId="LiveId" clId="{22D272E4-2158-41E7-8704-8F465140BCC8}" dt="2023-12-29T15:57:35.973" v="4822" actId="113"/>
         <pc:sldMkLst>
           <pc:docMk/>
           <pc:sldMk cId="454432155" sldId="262"/>
         </pc:sldMkLst>
+        <pc:spChg chg="mod">
+          <ac:chgData name="Tommaso Di Riccio" userId="86fd86f00952e091" providerId="LiveId" clId="{22D272E4-2158-41E7-8704-8F465140BCC8}" dt="2023-12-29T15:57:35.973" v="4822" actId="113"/>
+          <ac:spMkLst>
+            <pc:docMk/>
+            <pc:sldMk cId="454432155" sldId="262"/>
+            <ac:spMk id="2" creationId="{B3D50234-5458-7264-EA96-4C4F11AAB29C}"/>
+          </ac:spMkLst>
+        </pc:spChg>
         <pc:spChg chg="mod">
           <ac:chgData name="Tommaso Di Riccio" userId="86fd86f00952e091" providerId="LiveId" clId="{22D272E4-2158-41E7-8704-8F465140BCC8}" dt="2023-12-29T08:58:38.100" v="1897" actId="20577"/>
           <ac:spMkLst>
@@ -277,13 +310,13 @@
         </pc:sldMkLst>
       </pc:sldChg>
       <pc:sldChg chg="addSp delSp modSp new mod">
-        <pc:chgData name="Tommaso Di Riccio" userId="86fd86f00952e091" providerId="LiveId" clId="{22D272E4-2158-41E7-8704-8F465140BCC8}" dt="2023-12-29T11:49:48.432" v="2615" actId="1037"/>
+        <pc:chgData name="Tommaso Di Riccio" userId="86fd86f00952e091" providerId="LiveId" clId="{22D272E4-2158-41E7-8704-8F465140BCC8}" dt="2023-12-29T15:57:23.428" v="4821" actId="113"/>
         <pc:sldMkLst>
           <pc:docMk/>
           <pc:sldMk cId="1699395719" sldId="263"/>
         </pc:sldMkLst>
         <pc:spChg chg="mod">
-          <ac:chgData name="Tommaso Di Riccio" userId="86fd86f00952e091" providerId="LiveId" clId="{22D272E4-2158-41E7-8704-8F465140BCC8}" dt="2023-12-29T09:56:56.218" v="1935" actId="20577"/>
+          <ac:chgData name="Tommaso Di Riccio" userId="86fd86f00952e091" providerId="LiveId" clId="{22D272E4-2158-41E7-8704-8F465140BCC8}" dt="2023-12-29T15:57:23.428" v="4821" actId="113"/>
           <ac:spMkLst>
             <pc:docMk/>
             <pc:sldMk cId="1699395719" sldId="263"/>
@@ -457,13 +490,13 @@
         </pc:spChg>
       </pc:sldChg>
       <pc:sldChg chg="addSp delSp modSp add mod">
-        <pc:chgData name="Tommaso Di Riccio" userId="86fd86f00952e091" providerId="LiveId" clId="{22D272E4-2158-41E7-8704-8F465140BCC8}" dt="2023-12-29T11:49:44.941" v="2609" actId="1037"/>
+        <pc:chgData name="Tommaso Di Riccio" userId="86fd86f00952e091" providerId="LiveId" clId="{22D272E4-2158-41E7-8704-8F465140BCC8}" dt="2023-12-29T15:57:16.710" v="4820" actId="113"/>
         <pc:sldMkLst>
           <pc:docMk/>
           <pc:sldMk cId="2661476949" sldId="267"/>
         </pc:sldMkLst>
         <pc:spChg chg="mod">
-          <ac:chgData name="Tommaso Di Riccio" userId="86fd86f00952e091" providerId="LiveId" clId="{22D272E4-2158-41E7-8704-8F465140BCC8}" dt="2023-12-29T10:16:32.947" v="2458" actId="20577"/>
+          <ac:chgData name="Tommaso Di Riccio" userId="86fd86f00952e091" providerId="LiveId" clId="{22D272E4-2158-41E7-8704-8F465140BCC8}" dt="2023-12-29T15:57:16.710" v="4820" actId="113"/>
           <ac:spMkLst>
             <pc:docMk/>
             <pc:sldMk cId="2661476949" sldId="267"/>
@@ -512,13 +545,13 @@
         </pc:picChg>
       </pc:sldChg>
       <pc:sldChg chg="addSp delSp modSp add mod">
-        <pc:chgData name="Tommaso Di Riccio" userId="86fd86f00952e091" providerId="LiveId" clId="{22D272E4-2158-41E7-8704-8F465140BCC8}" dt="2023-12-29T11:49:41.890" v="2603" actId="1037"/>
+        <pc:chgData name="Tommaso Di Riccio" userId="86fd86f00952e091" providerId="LiveId" clId="{22D272E4-2158-41E7-8704-8F465140BCC8}" dt="2023-12-29T15:57:14.405" v="4819" actId="113"/>
         <pc:sldMkLst>
           <pc:docMk/>
           <pc:sldMk cId="2985542214" sldId="268"/>
         </pc:sldMkLst>
         <pc:spChg chg="mod">
-          <ac:chgData name="Tommaso Di Riccio" userId="86fd86f00952e091" providerId="LiveId" clId="{22D272E4-2158-41E7-8704-8F465140BCC8}" dt="2023-12-29T11:46:44.652" v="2533" actId="20577"/>
+          <ac:chgData name="Tommaso Di Riccio" userId="86fd86f00952e091" providerId="LiveId" clId="{22D272E4-2158-41E7-8704-8F465140BCC8}" dt="2023-12-29T15:57:14.405" v="4819" actId="113"/>
           <ac:spMkLst>
             <pc:docMk/>
             <pc:sldMk cId="2985542214" sldId="268"/>
@@ -567,13 +600,13 @@
         </pc:picChg>
       </pc:sldChg>
       <pc:sldChg chg="addSp delSp modSp add mod">
-        <pc:chgData name="Tommaso Di Riccio" userId="86fd86f00952e091" providerId="LiveId" clId="{22D272E4-2158-41E7-8704-8F465140BCC8}" dt="2023-12-29T11:49:38.715" v="2597" actId="1037"/>
+        <pc:chgData name="Tommaso Di Riccio" userId="86fd86f00952e091" providerId="LiveId" clId="{22D272E4-2158-41E7-8704-8F465140BCC8}" dt="2023-12-29T15:57:08.743" v="4818" actId="113"/>
         <pc:sldMkLst>
           <pc:docMk/>
           <pc:sldMk cId="221542106" sldId="269"/>
         </pc:sldMkLst>
         <pc:spChg chg="mod">
-          <ac:chgData name="Tommaso Di Riccio" userId="86fd86f00952e091" providerId="LiveId" clId="{22D272E4-2158-41E7-8704-8F465140BCC8}" dt="2023-12-29T11:46:56.877" v="2541" actId="20577"/>
+          <ac:chgData name="Tommaso Di Riccio" userId="86fd86f00952e091" providerId="LiveId" clId="{22D272E4-2158-41E7-8704-8F465140BCC8}" dt="2023-12-29T15:57:08.743" v="4818" actId="113"/>
           <ac:spMkLst>
             <pc:docMk/>
             <pc:sldMk cId="221542106" sldId="269"/>
@@ -629,13 +662,13 @@
         </pc:sldMkLst>
       </pc:sldChg>
       <pc:sldChg chg="addSp delSp modSp add mod">
-        <pc:chgData name="Tommaso Di Riccio" userId="86fd86f00952e091" providerId="LiveId" clId="{22D272E4-2158-41E7-8704-8F465140BCC8}" dt="2023-12-29T14:03:37.429" v="2987" actId="1076"/>
+        <pc:chgData name="Tommaso Di Riccio" userId="86fd86f00952e091" providerId="LiveId" clId="{22D272E4-2158-41E7-8704-8F465140BCC8}" dt="2023-12-29T15:57:05.430" v="4817" actId="113"/>
         <pc:sldMkLst>
           <pc:docMk/>
           <pc:sldMk cId="2280227574" sldId="271"/>
         </pc:sldMkLst>
         <pc:spChg chg="mod">
-          <ac:chgData name="Tommaso Di Riccio" userId="86fd86f00952e091" providerId="LiveId" clId="{22D272E4-2158-41E7-8704-8F465140BCC8}" dt="2023-12-29T13:53:14.853" v="2626" actId="20577"/>
+          <ac:chgData name="Tommaso Di Riccio" userId="86fd86f00952e091" providerId="LiveId" clId="{22D272E4-2158-41E7-8704-8F465140BCC8}" dt="2023-12-29T15:57:05.430" v="4817" actId="113"/>
           <ac:spMkLst>
             <pc:docMk/>
             <pc:sldMk cId="2280227574" sldId="271"/>
@@ -659,7 +692,7 @@
           </ac:spMkLst>
         </pc:spChg>
         <pc:graphicFrameChg chg="add mod modGraphic">
-          <ac:chgData name="Tommaso Di Riccio" userId="86fd86f00952e091" providerId="LiveId" clId="{22D272E4-2158-41E7-8704-8F465140BCC8}" dt="2023-12-29T14:03:37.429" v="2987" actId="1076"/>
+          <ac:chgData name="Tommaso Di Riccio" userId="86fd86f00952e091" providerId="LiveId" clId="{22D272E4-2158-41E7-8704-8F465140BCC8}" dt="2023-12-29T15:56:28.443" v="4813" actId="20577"/>
           <ac:graphicFrameMkLst>
             <pc:docMk/>
             <pc:sldMk cId="2280227574" sldId="271"/>
@@ -683,16 +716,806 @@
           </ac:picMkLst>
         </pc:picChg>
       </pc:sldChg>
-      <pc:sldChg chg="new">
-        <pc:chgData name="Tommaso Di Riccio" userId="86fd86f00952e091" providerId="LiveId" clId="{22D272E4-2158-41E7-8704-8F465140BCC8}" dt="2023-12-29T14:05:53.211" v="2988" actId="680"/>
+      <pc:sldChg chg="addSp delSp modSp new mod">
+        <pc:chgData name="Tommaso Di Riccio" userId="86fd86f00952e091" providerId="LiveId" clId="{22D272E4-2158-41E7-8704-8F465140BCC8}" dt="2023-12-29T17:24:50.880" v="5630" actId="1076"/>
         <pc:sldMkLst>
           <pc:docMk/>
           <pc:sldMk cId="1513754791" sldId="272"/>
         </pc:sldMkLst>
+        <pc:spChg chg="mod">
+          <ac:chgData name="Tommaso Di Riccio" userId="86fd86f00952e091" providerId="LiveId" clId="{22D272E4-2158-41E7-8704-8F465140BCC8}" dt="2023-12-29T15:57:02.748" v="4816" actId="113"/>
+          <ac:spMkLst>
+            <pc:docMk/>
+            <pc:sldMk cId="1513754791" sldId="272"/>
+            <ac:spMk id="2" creationId="{32242F0D-F3C7-5888-B659-FAE035653A8D}"/>
+          </ac:spMkLst>
+        </pc:spChg>
+        <pc:spChg chg="del mod">
+          <ac:chgData name="Tommaso Di Riccio" userId="86fd86f00952e091" providerId="LiveId" clId="{22D272E4-2158-41E7-8704-8F465140BCC8}" dt="2023-12-29T14:50:21.237" v="3041" actId="3680"/>
+          <ac:spMkLst>
+            <pc:docMk/>
+            <pc:sldMk cId="1513754791" sldId="272"/>
+            <ac:spMk id="3" creationId="{183E40E1-5092-D478-7646-6A3416157938}"/>
+          </ac:spMkLst>
+        </pc:spChg>
+        <pc:spChg chg="add mod">
+          <ac:chgData name="Tommaso Di Riccio" userId="86fd86f00952e091" providerId="LiveId" clId="{22D272E4-2158-41E7-8704-8F465140BCC8}" dt="2023-12-29T17:24:50.880" v="5630" actId="1076"/>
+          <ac:spMkLst>
+            <pc:docMk/>
+            <pc:sldMk cId="1513754791" sldId="272"/>
+            <ac:spMk id="5" creationId="{1665B87B-FC92-F364-DE84-C3D71D3A032B}"/>
+          </ac:spMkLst>
+        </pc:spChg>
+        <pc:spChg chg="add del mod">
+          <ac:chgData name="Tommaso Di Riccio" userId="86fd86f00952e091" providerId="LiveId" clId="{22D272E4-2158-41E7-8704-8F465140BCC8}" dt="2023-12-29T15:12:49.966" v="3973" actId="21"/>
+          <ac:spMkLst>
+            <pc:docMk/>
+            <pc:sldMk cId="1513754791" sldId="272"/>
+            <ac:spMk id="6" creationId="{E35D67A6-2C4A-5882-7411-8B81DCFBA770}"/>
+          </ac:spMkLst>
+        </pc:spChg>
+        <pc:graphicFrameChg chg="add mod ord modGraphic">
+          <ac:chgData name="Tommaso Di Riccio" userId="86fd86f00952e091" providerId="LiveId" clId="{22D272E4-2158-41E7-8704-8F465140BCC8}" dt="2023-12-29T17:24:18.165" v="5629" actId="14100"/>
+          <ac:graphicFrameMkLst>
+            <pc:docMk/>
+            <pc:sldMk cId="1513754791" sldId="272"/>
+            <ac:graphicFrameMk id="4" creationId="{32248B70-10BD-B73C-B41B-66493B0A2F4B}"/>
+          </ac:graphicFrameMkLst>
+        </pc:graphicFrameChg>
+      </pc:sldChg>
+      <pc:sldChg chg="addSp delSp modSp add mod">
+        <pc:chgData name="Tommaso Di Riccio" userId="86fd86f00952e091" providerId="LiveId" clId="{22D272E4-2158-41E7-8704-8F465140BCC8}" dt="2023-12-29T15:59:06.732" v="4842" actId="1036"/>
+        <pc:sldMkLst>
+          <pc:docMk/>
+          <pc:sldMk cId="1005539396" sldId="273"/>
+        </pc:sldMkLst>
+        <pc:spChg chg="mod">
+          <ac:chgData name="Tommaso Di Riccio" userId="86fd86f00952e091" providerId="LiveId" clId="{22D272E4-2158-41E7-8704-8F465140BCC8}" dt="2023-12-29T15:56:56.303" v="4815" actId="113"/>
+          <ac:spMkLst>
+            <pc:docMk/>
+            <pc:sldMk cId="1005539396" sldId="273"/>
+            <ac:spMk id="2" creationId="{32242F0D-F3C7-5888-B659-FAE035653A8D}"/>
+          </ac:spMkLst>
+        </pc:spChg>
+        <pc:spChg chg="del">
+          <ac:chgData name="Tommaso Di Riccio" userId="86fd86f00952e091" providerId="LiveId" clId="{22D272E4-2158-41E7-8704-8F465140BCC8}" dt="2023-12-29T15:13:06.535" v="4003" actId="478"/>
+          <ac:spMkLst>
+            <pc:docMk/>
+            <pc:sldMk cId="1005539396" sldId="273"/>
+            <ac:spMk id="5" creationId="{1665B87B-FC92-F364-DE84-C3D71D3A032B}"/>
+          </ac:spMkLst>
+        </pc:spChg>
+        <pc:spChg chg="add del mod">
+          <ac:chgData name="Tommaso Di Riccio" userId="86fd86f00952e091" providerId="LiveId" clId="{22D272E4-2158-41E7-8704-8F465140BCC8}" dt="2023-12-29T15:13:05.103" v="4002" actId="478"/>
+          <ac:spMkLst>
+            <pc:docMk/>
+            <pc:sldMk cId="1005539396" sldId="273"/>
+            <ac:spMk id="6" creationId="{216E12C9-E770-747A-27CA-52887183420E}"/>
+          </ac:spMkLst>
+        </pc:spChg>
+        <pc:spChg chg="add del mod">
+          <ac:chgData name="Tommaso Di Riccio" userId="86fd86f00952e091" providerId="LiveId" clId="{22D272E4-2158-41E7-8704-8F465140BCC8}" dt="2023-12-29T15:13:19.106" v="4010"/>
+          <ac:spMkLst>
+            <pc:docMk/>
+            <pc:sldMk cId="1005539396" sldId="273"/>
+            <ac:spMk id="7" creationId="{0FA9E256-6733-E6AD-7F7E-FD31B4A2EBDB}"/>
+          </ac:spMkLst>
+        </pc:spChg>
+        <pc:spChg chg="add mod">
+          <ac:chgData name="Tommaso Di Riccio" userId="86fd86f00952e091" providerId="LiveId" clId="{22D272E4-2158-41E7-8704-8F465140BCC8}" dt="2023-12-29T15:59:06.732" v="4842" actId="1036"/>
+          <ac:spMkLst>
+            <pc:docMk/>
+            <pc:sldMk cId="1005539396" sldId="273"/>
+            <ac:spMk id="8" creationId="{621EA218-A644-8CEF-A045-CF4EE516A81B}"/>
+          </ac:spMkLst>
+        </pc:spChg>
+        <pc:graphicFrameChg chg="del">
+          <ac:chgData name="Tommaso Di Riccio" userId="86fd86f00952e091" providerId="LiveId" clId="{22D272E4-2158-41E7-8704-8F465140BCC8}" dt="2023-12-29T15:13:02.361" v="4001" actId="478"/>
+          <ac:graphicFrameMkLst>
+            <pc:docMk/>
+            <pc:sldMk cId="1005539396" sldId="273"/>
+            <ac:graphicFrameMk id="4" creationId="{32248B70-10BD-B73C-B41B-66493B0A2F4B}"/>
+          </ac:graphicFrameMkLst>
+        </pc:graphicFrameChg>
+      </pc:sldChg>
+      <pc:sldChg chg="addSp delSp modSp add mod">
+        <pc:chgData name="Tommaso Di Riccio" userId="86fd86f00952e091" providerId="LiveId" clId="{22D272E4-2158-41E7-8704-8F465140BCC8}" dt="2023-12-29T16:14:15.686" v="4852" actId="20577"/>
+        <pc:sldMkLst>
+          <pc:docMk/>
+          <pc:sldMk cId="2557478514" sldId="274"/>
+        </pc:sldMkLst>
+        <pc:spChg chg="mod">
+          <ac:chgData name="Tommaso Di Riccio" userId="86fd86f00952e091" providerId="LiveId" clId="{22D272E4-2158-41E7-8704-8F465140BCC8}" dt="2023-12-29T15:56:52.375" v="4814" actId="113"/>
+          <ac:spMkLst>
+            <pc:docMk/>
+            <pc:sldMk cId="2557478514" sldId="274"/>
+            <ac:spMk id="2" creationId="{32242F0D-F3C7-5888-B659-FAE035653A8D}"/>
+          </ac:spMkLst>
+        </pc:spChg>
+        <pc:spChg chg="del mod">
+          <ac:chgData name="Tommaso Di Riccio" userId="86fd86f00952e091" providerId="LiveId" clId="{22D272E4-2158-41E7-8704-8F465140BCC8}" dt="2023-12-29T15:30:17.692" v="4071"/>
+          <ac:spMkLst>
+            <pc:docMk/>
+            <pc:sldMk cId="2557478514" sldId="274"/>
+            <ac:spMk id="8" creationId="{621EA218-A644-8CEF-A045-CF4EE516A81B}"/>
+          </ac:spMkLst>
+        </pc:spChg>
+        <pc:graphicFrameChg chg="add mod modGraphic">
+          <ac:chgData name="Tommaso Di Riccio" userId="86fd86f00952e091" providerId="LiveId" clId="{22D272E4-2158-41E7-8704-8F465140BCC8}" dt="2023-12-29T16:14:15.686" v="4852" actId="20577"/>
+          <ac:graphicFrameMkLst>
+            <pc:docMk/>
+            <pc:sldMk cId="2557478514" sldId="274"/>
+            <ac:graphicFrameMk id="3" creationId="{136464B2-38EC-7390-192F-BA4D624CAA03}"/>
+          </ac:graphicFrameMkLst>
+        </pc:graphicFrameChg>
+      </pc:sldChg>
+      <pc:sldChg chg="addSp delSp modSp add mod">
+        <pc:chgData name="Tommaso Di Riccio" userId="86fd86f00952e091" providerId="LiveId" clId="{22D272E4-2158-41E7-8704-8F465140BCC8}" dt="2023-12-29T17:50:41.170" v="5825" actId="1036"/>
+        <pc:sldMkLst>
+          <pc:docMk/>
+          <pc:sldMk cId="772628214" sldId="275"/>
+        </pc:sldMkLst>
+        <pc:spChg chg="add mod">
+          <ac:chgData name="Tommaso Di Riccio" userId="86fd86f00952e091" providerId="LiveId" clId="{22D272E4-2158-41E7-8704-8F465140BCC8}" dt="2023-12-29T17:14:23.187" v="5253" actId="1038"/>
+          <ac:spMkLst>
+            <pc:docMk/>
+            <pc:sldMk cId="772628214" sldId="275"/>
+            <ac:spMk id="7" creationId="{1DFBB0B1-2BA2-F8D4-9938-35F901E95237}"/>
+          </ac:spMkLst>
+        </pc:spChg>
+        <pc:spChg chg="add mod">
+          <ac:chgData name="Tommaso Di Riccio" userId="86fd86f00952e091" providerId="LiveId" clId="{22D272E4-2158-41E7-8704-8F465140BCC8}" dt="2023-12-29T17:18:17.340" v="5260" actId="1038"/>
+          <ac:spMkLst>
+            <pc:docMk/>
+            <pc:sldMk cId="772628214" sldId="275"/>
+            <ac:spMk id="14" creationId="{FDB0AC52-F07C-AB47-7DC9-7DF45BA4A73E}"/>
+          </ac:spMkLst>
+        </pc:spChg>
+        <pc:spChg chg="add mod">
+          <ac:chgData name="Tommaso Di Riccio" userId="86fd86f00952e091" providerId="LiveId" clId="{22D272E4-2158-41E7-8704-8F465140BCC8}" dt="2023-12-29T17:14:23.187" v="5253" actId="1038"/>
+          <ac:spMkLst>
+            <pc:docMk/>
+            <pc:sldMk cId="772628214" sldId="275"/>
+            <ac:spMk id="17" creationId="{0EDB4EE4-B470-A99C-10B1-C0A7AE2D1A69}"/>
+          </ac:spMkLst>
+        </pc:spChg>
+        <pc:spChg chg="add mod">
+          <ac:chgData name="Tommaso Di Riccio" userId="86fd86f00952e091" providerId="LiveId" clId="{22D272E4-2158-41E7-8704-8F465140BCC8}" dt="2023-12-29T17:31:48.279" v="5792" actId="20577"/>
+          <ac:spMkLst>
+            <pc:docMk/>
+            <pc:sldMk cId="772628214" sldId="275"/>
+            <ac:spMk id="18" creationId="{7DC219A2-9CCE-8674-BA91-882B35D286B1}"/>
+          </ac:spMkLst>
+        </pc:spChg>
+        <pc:spChg chg="add mod">
+          <ac:chgData name="Tommaso Di Riccio" userId="86fd86f00952e091" providerId="LiveId" clId="{22D272E4-2158-41E7-8704-8F465140BCC8}" dt="2023-12-29T17:50:16.580" v="5824" actId="20577"/>
+          <ac:spMkLst>
+            <pc:docMk/>
+            <pc:sldMk cId="772628214" sldId="275"/>
+            <ac:spMk id="19" creationId="{32CCE01E-9465-02BC-1F71-F77D545D0E68}"/>
+          </ac:spMkLst>
+        </pc:spChg>
+        <pc:spChg chg="add mod">
+          <ac:chgData name="Tommaso Di Riccio" userId="86fd86f00952e091" providerId="LiveId" clId="{22D272E4-2158-41E7-8704-8F465140BCC8}" dt="2023-12-29T17:31:50.644" v="5794" actId="20577"/>
+          <ac:spMkLst>
+            <pc:docMk/>
+            <pc:sldMk cId="772628214" sldId="275"/>
+            <ac:spMk id="20" creationId="{26D90E17-7A28-76E7-4A6E-D4991A3F6B9E}"/>
+          </ac:spMkLst>
+        </pc:spChg>
+        <pc:graphicFrameChg chg="del">
+          <ac:chgData name="Tommaso Di Riccio" userId="86fd86f00952e091" providerId="LiveId" clId="{22D272E4-2158-41E7-8704-8F465140BCC8}" dt="2023-12-29T16:07:37.387" v="4844" actId="478"/>
+          <ac:graphicFrameMkLst>
+            <pc:docMk/>
+            <pc:sldMk cId="772628214" sldId="275"/>
+            <ac:graphicFrameMk id="3" creationId="{136464B2-38EC-7390-192F-BA4D624CAA03}"/>
+          </ac:graphicFrameMkLst>
+        </pc:graphicFrameChg>
+        <pc:picChg chg="add del mod">
+          <ac:chgData name="Tommaso Di Riccio" userId="86fd86f00952e091" providerId="LiveId" clId="{22D272E4-2158-41E7-8704-8F465140BCC8}" dt="2023-12-29T16:27:29.798" v="5001" actId="478"/>
+          <ac:picMkLst>
+            <pc:docMk/>
+            <pc:sldMk cId="772628214" sldId="275"/>
+            <ac:picMk id="6" creationId="{03BD0DCF-5185-DCD6-91B5-DE048111A8FE}"/>
+          </ac:picMkLst>
+        </pc:picChg>
+        <pc:picChg chg="add del mod">
+          <ac:chgData name="Tommaso Di Riccio" userId="86fd86f00952e091" providerId="LiveId" clId="{22D272E4-2158-41E7-8704-8F465140BCC8}" dt="2023-12-29T16:20:55.648" v="4996" actId="478"/>
+          <ac:picMkLst>
+            <pc:docMk/>
+            <pc:sldMk cId="772628214" sldId="275"/>
+            <ac:picMk id="8" creationId="{A2338B37-5EC2-BEB5-449A-06D09F37F202}"/>
+          </ac:picMkLst>
+        </pc:picChg>
+        <pc:picChg chg="add del mod">
+          <ac:chgData name="Tommaso Di Riccio" userId="86fd86f00952e091" providerId="LiveId" clId="{22D272E4-2158-41E7-8704-8F465140BCC8}" dt="2023-12-29T16:20:57.433" v="4997" actId="478"/>
+          <ac:picMkLst>
+            <pc:docMk/>
+            <pc:sldMk cId="772628214" sldId="275"/>
+            <ac:picMk id="9" creationId="{EA161E66-85A4-469D-F339-8BD2F26EAE96}"/>
+          </ac:picMkLst>
+        </pc:picChg>
+        <pc:picChg chg="add mod">
+          <ac:chgData name="Tommaso Di Riccio" userId="86fd86f00952e091" providerId="LiveId" clId="{22D272E4-2158-41E7-8704-8F465140BCC8}" dt="2023-12-29T17:03:47.227" v="5062" actId="1076"/>
+          <ac:picMkLst>
+            <pc:docMk/>
+            <pc:sldMk cId="772628214" sldId="275"/>
+            <ac:picMk id="11" creationId="{9AD3F185-04A2-552C-50D3-ED8B41D1808A}"/>
+          </ac:picMkLst>
+        </pc:picChg>
+        <pc:picChg chg="add mod">
+          <ac:chgData name="Tommaso Di Riccio" userId="86fd86f00952e091" providerId="LiveId" clId="{22D272E4-2158-41E7-8704-8F465140BCC8}" dt="2023-12-29T17:49:37.963" v="5814" actId="14826"/>
+          <ac:picMkLst>
+            <pc:docMk/>
+            <pc:sldMk cId="772628214" sldId="275"/>
+            <ac:picMk id="13" creationId="{5FAF3382-625F-3D9D-10F2-68C1E0E633D1}"/>
+          </ac:picMkLst>
+        </pc:picChg>
+        <pc:picChg chg="add mod">
+          <ac:chgData name="Tommaso Di Riccio" userId="86fd86f00952e091" providerId="LiveId" clId="{22D272E4-2158-41E7-8704-8F465140BCC8}" dt="2023-12-29T17:50:41.170" v="5825" actId="1036"/>
+          <ac:picMkLst>
+            <pc:docMk/>
+            <pc:sldMk cId="772628214" sldId="275"/>
+            <ac:picMk id="16" creationId="{024CDACA-59AF-87E1-A293-656EDE936DCB}"/>
+          </ac:picMkLst>
+        </pc:picChg>
+      </pc:sldChg>
+      <pc:sldChg chg="addSp delSp modSp add del mod">
+        <pc:chgData name="Tommaso Di Riccio" userId="86fd86f00952e091" providerId="LiveId" clId="{22D272E4-2158-41E7-8704-8F465140BCC8}" dt="2023-12-29T17:33:02.257" v="5795" actId="47"/>
+        <pc:sldMkLst>
+          <pc:docMk/>
+          <pc:sldMk cId="3176588587" sldId="276"/>
+        </pc:sldMkLst>
+        <pc:spChg chg="add del mod">
+          <ac:chgData name="Tommaso Di Riccio" userId="86fd86f00952e091" providerId="LiveId" clId="{22D272E4-2158-41E7-8704-8F465140BCC8}" dt="2023-12-29T17:30:06.544" v="5749" actId="21"/>
+          <ac:spMkLst>
+            <pc:docMk/>
+            <pc:sldMk cId="3176588587" sldId="276"/>
+            <ac:spMk id="3" creationId="{44CD9C16-33A2-6034-CBFA-D232DA9ADBF1}"/>
+          </ac:spMkLst>
+        </pc:spChg>
+        <pc:spChg chg="add del">
+          <ac:chgData name="Tommaso Di Riccio" userId="86fd86f00952e091" providerId="LiveId" clId="{22D272E4-2158-41E7-8704-8F465140BCC8}" dt="2023-12-29T17:26:33.955" v="5644" actId="478"/>
+          <ac:spMkLst>
+            <pc:docMk/>
+            <pc:sldMk cId="3176588587" sldId="276"/>
+            <ac:spMk id="7" creationId="{1DFBB0B1-2BA2-F8D4-9938-35F901E95237}"/>
+          </ac:spMkLst>
+        </pc:spChg>
+        <pc:spChg chg="add del">
+          <ac:chgData name="Tommaso Di Riccio" userId="86fd86f00952e091" providerId="LiveId" clId="{22D272E4-2158-41E7-8704-8F465140BCC8}" dt="2023-12-29T17:26:35.055" v="5645" actId="478"/>
+          <ac:spMkLst>
+            <pc:docMk/>
+            <pc:sldMk cId="3176588587" sldId="276"/>
+            <ac:spMk id="14" creationId="{FDB0AC52-F07C-AB47-7DC9-7DF45BA4A73E}"/>
+          </ac:spMkLst>
+        </pc:spChg>
+        <pc:spChg chg="add del">
+          <ac:chgData name="Tommaso Di Riccio" userId="86fd86f00952e091" providerId="LiveId" clId="{22D272E4-2158-41E7-8704-8F465140BCC8}" dt="2023-12-29T17:26:36.379" v="5646" actId="478"/>
+          <ac:spMkLst>
+            <pc:docMk/>
+            <pc:sldMk cId="3176588587" sldId="276"/>
+            <ac:spMk id="17" creationId="{0EDB4EE4-B470-A99C-10B1-C0A7AE2D1A69}"/>
+          </ac:spMkLst>
+        </pc:spChg>
+        <pc:picChg chg="add del">
+          <ac:chgData name="Tommaso Di Riccio" userId="86fd86f00952e091" providerId="LiveId" clId="{22D272E4-2158-41E7-8704-8F465140BCC8}" dt="2023-12-29T17:26:31.598" v="5643" actId="478"/>
+          <ac:picMkLst>
+            <pc:docMk/>
+            <pc:sldMk cId="3176588587" sldId="276"/>
+            <ac:picMk id="11" creationId="{9AD3F185-04A2-552C-50D3-ED8B41D1808A}"/>
+          </ac:picMkLst>
+        </pc:picChg>
+        <pc:picChg chg="add del">
+          <ac:chgData name="Tommaso Di Riccio" userId="86fd86f00952e091" providerId="LiveId" clId="{22D272E4-2158-41E7-8704-8F465140BCC8}" dt="2023-12-29T17:26:31.345" v="5642" actId="478"/>
+          <ac:picMkLst>
+            <pc:docMk/>
+            <pc:sldMk cId="3176588587" sldId="276"/>
+            <ac:picMk id="13" creationId="{5FAF3382-625F-3D9D-10F2-68C1E0E633D1}"/>
+          </ac:picMkLst>
+        </pc:picChg>
+        <pc:picChg chg="add del">
+          <ac:chgData name="Tommaso Di Riccio" userId="86fd86f00952e091" providerId="LiveId" clId="{22D272E4-2158-41E7-8704-8F465140BCC8}" dt="2023-12-29T17:26:30.994" v="5641" actId="478"/>
+          <ac:picMkLst>
+            <pc:docMk/>
+            <pc:sldMk cId="3176588587" sldId="276"/>
+            <ac:picMk id="16" creationId="{024CDACA-59AF-87E1-A293-656EDE936DCB}"/>
+          </ac:picMkLst>
+        </pc:picChg>
+      </pc:sldChg>
+      <pc:sldChg chg="addSp delSp modSp add mod">
+        <pc:chgData name="Tommaso Di Riccio" userId="86fd86f00952e091" providerId="LiveId" clId="{22D272E4-2158-41E7-8704-8F465140BCC8}" dt="2023-12-29T18:17:19.259" v="6801" actId="20577"/>
+        <pc:sldMkLst>
+          <pc:docMk/>
+          <pc:sldMk cId="3244110880" sldId="276"/>
+        </pc:sldMkLst>
+        <pc:spChg chg="mod">
+          <ac:chgData name="Tommaso Di Riccio" userId="86fd86f00952e091" providerId="LiveId" clId="{22D272E4-2158-41E7-8704-8F465140BCC8}" dt="2023-12-29T17:52:21.606" v="5846" actId="20577"/>
+          <ac:spMkLst>
+            <pc:docMk/>
+            <pc:sldMk cId="3244110880" sldId="276"/>
+            <ac:spMk id="2" creationId="{32242F0D-F3C7-5888-B659-FAE035653A8D}"/>
+          </ac:spMkLst>
+        </pc:spChg>
+        <pc:spChg chg="add mod">
+          <ac:chgData name="Tommaso Di Riccio" userId="86fd86f00952e091" providerId="LiveId" clId="{22D272E4-2158-41E7-8704-8F465140BCC8}" dt="2023-12-29T18:17:19.259" v="6801" actId="20577"/>
+          <ac:spMkLst>
+            <pc:docMk/>
+            <pc:sldMk cId="3244110880" sldId="276"/>
+            <ac:spMk id="3" creationId="{0448DF09-38BE-4CA2-C490-2A9388B7B27C}"/>
+          </ac:spMkLst>
+        </pc:spChg>
+        <pc:spChg chg="del">
+          <ac:chgData name="Tommaso Di Riccio" userId="86fd86f00952e091" providerId="LiveId" clId="{22D272E4-2158-41E7-8704-8F465140BCC8}" dt="2023-12-29T17:52:08.269" v="5828" actId="478"/>
+          <ac:spMkLst>
+            <pc:docMk/>
+            <pc:sldMk cId="3244110880" sldId="276"/>
+            <ac:spMk id="4" creationId="{8C641C17-29F1-5A64-4F99-F93E2DCFF28B}"/>
+          </ac:spMkLst>
+        </pc:spChg>
+        <pc:spChg chg="del">
+          <ac:chgData name="Tommaso Di Riccio" userId="86fd86f00952e091" providerId="LiveId" clId="{22D272E4-2158-41E7-8704-8F465140BCC8}" dt="2023-12-29T17:52:08.269" v="5828" actId="478"/>
+          <ac:spMkLst>
+            <pc:docMk/>
+            <pc:sldMk cId="3244110880" sldId="276"/>
+            <ac:spMk id="7" creationId="{1DFBB0B1-2BA2-F8D4-9938-35F901E95237}"/>
+          </ac:spMkLst>
+        </pc:spChg>
+        <pc:spChg chg="del">
+          <ac:chgData name="Tommaso Di Riccio" userId="86fd86f00952e091" providerId="LiveId" clId="{22D272E4-2158-41E7-8704-8F465140BCC8}" dt="2023-12-29T17:52:08.269" v="5828" actId="478"/>
+          <ac:spMkLst>
+            <pc:docMk/>
+            <pc:sldMk cId="3244110880" sldId="276"/>
+            <ac:spMk id="14" creationId="{FDB0AC52-F07C-AB47-7DC9-7DF45BA4A73E}"/>
+          </ac:spMkLst>
+        </pc:spChg>
+        <pc:spChg chg="del mod">
+          <ac:chgData name="Tommaso Di Riccio" userId="86fd86f00952e091" providerId="LiveId" clId="{22D272E4-2158-41E7-8704-8F465140BCC8}" dt="2023-12-29T17:52:11.245" v="5830" actId="478"/>
+          <ac:spMkLst>
+            <pc:docMk/>
+            <pc:sldMk cId="3244110880" sldId="276"/>
+            <ac:spMk id="17" creationId="{0EDB4EE4-B470-A99C-10B1-C0A7AE2D1A69}"/>
+          </ac:spMkLst>
+        </pc:spChg>
+        <pc:spChg chg="del">
+          <ac:chgData name="Tommaso Di Riccio" userId="86fd86f00952e091" providerId="LiveId" clId="{22D272E4-2158-41E7-8704-8F465140BCC8}" dt="2023-12-29T17:52:05.624" v="5827" actId="478"/>
+          <ac:spMkLst>
+            <pc:docMk/>
+            <pc:sldMk cId="3244110880" sldId="276"/>
+            <ac:spMk id="18" creationId="{7DC219A2-9CCE-8674-BA91-882B35D286B1}"/>
+          </ac:spMkLst>
+        </pc:spChg>
+        <pc:spChg chg="del">
+          <ac:chgData name="Tommaso Di Riccio" userId="86fd86f00952e091" providerId="LiveId" clId="{22D272E4-2158-41E7-8704-8F465140BCC8}" dt="2023-12-29T17:52:05.624" v="5827" actId="478"/>
+          <ac:spMkLst>
+            <pc:docMk/>
+            <pc:sldMk cId="3244110880" sldId="276"/>
+            <ac:spMk id="19" creationId="{32CCE01E-9465-02BC-1F71-F77D545D0E68}"/>
+          </ac:spMkLst>
+        </pc:spChg>
+        <pc:spChg chg="del">
+          <ac:chgData name="Tommaso Di Riccio" userId="86fd86f00952e091" providerId="LiveId" clId="{22D272E4-2158-41E7-8704-8F465140BCC8}" dt="2023-12-29T17:52:05.624" v="5827" actId="478"/>
+          <ac:spMkLst>
+            <pc:docMk/>
+            <pc:sldMk cId="3244110880" sldId="276"/>
+            <ac:spMk id="20" creationId="{26D90E17-7A28-76E7-4A6E-D4991A3F6B9E}"/>
+          </ac:spMkLst>
+        </pc:spChg>
+        <pc:picChg chg="del">
+          <ac:chgData name="Tommaso Di Riccio" userId="86fd86f00952e091" providerId="LiveId" clId="{22D272E4-2158-41E7-8704-8F465140BCC8}" dt="2023-12-29T17:52:05.624" v="5827" actId="478"/>
+          <ac:picMkLst>
+            <pc:docMk/>
+            <pc:sldMk cId="3244110880" sldId="276"/>
+            <ac:picMk id="11" creationId="{9AD3F185-04A2-552C-50D3-ED8B41D1808A}"/>
+          </ac:picMkLst>
+        </pc:picChg>
+        <pc:picChg chg="del">
+          <ac:chgData name="Tommaso Di Riccio" userId="86fd86f00952e091" providerId="LiveId" clId="{22D272E4-2158-41E7-8704-8F465140BCC8}" dt="2023-12-29T17:52:05.624" v="5827" actId="478"/>
+          <ac:picMkLst>
+            <pc:docMk/>
+            <pc:sldMk cId="3244110880" sldId="276"/>
+            <ac:picMk id="13" creationId="{5FAF3382-625F-3D9D-10F2-68C1E0E633D1}"/>
+          </ac:picMkLst>
+        </pc:picChg>
+        <pc:picChg chg="del">
+          <ac:chgData name="Tommaso Di Riccio" userId="86fd86f00952e091" providerId="LiveId" clId="{22D272E4-2158-41E7-8704-8F465140BCC8}" dt="2023-12-29T17:52:05.624" v="5827" actId="478"/>
+          <ac:picMkLst>
+            <pc:docMk/>
+            <pc:sldMk cId="3244110880" sldId="276"/>
+            <ac:picMk id="16" creationId="{024CDACA-59AF-87E1-A293-656EDE936DCB}"/>
+          </ac:picMkLst>
+        </pc:picChg>
+      </pc:sldChg>
+      <pc:sldChg chg="modSp add mod">
+        <pc:chgData name="Tommaso Di Riccio" userId="86fd86f00952e091" providerId="LiveId" clId="{22D272E4-2158-41E7-8704-8F465140BCC8}" dt="2023-12-29T18:35:03.024" v="7179" actId="20577"/>
+        <pc:sldMkLst>
+          <pc:docMk/>
+          <pc:sldMk cId="689527355" sldId="277"/>
+        </pc:sldMkLst>
+        <pc:spChg chg="mod">
+          <ac:chgData name="Tommaso Di Riccio" userId="86fd86f00952e091" providerId="LiveId" clId="{22D272E4-2158-41E7-8704-8F465140BCC8}" dt="2023-12-29T18:35:03.024" v="7179" actId="20577"/>
+          <ac:spMkLst>
+            <pc:docMk/>
+            <pc:sldMk cId="689527355" sldId="277"/>
+            <ac:spMk id="3" creationId="{0448DF09-38BE-4CA2-C490-2A9388B7B27C}"/>
+          </ac:spMkLst>
+        </pc:spChg>
+      </pc:sldChg>
+      <pc:sldChg chg="modSp add mod">
+        <pc:chgData name="Tommaso Di Riccio" userId="86fd86f00952e091" providerId="LiveId" clId="{22D272E4-2158-41E7-8704-8F465140BCC8}" dt="2023-12-29T19:07:42.816" v="7467" actId="20577"/>
+        <pc:sldMkLst>
+          <pc:docMk/>
+          <pc:sldMk cId="2108753129" sldId="278"/>
+        </pc:sldMkLst>
+        <pc:spChg chg="mod">
+          <ac:chgData name="Tommaso Di Riccio" userId="86fd86f00952e091" providerId="LiveId" clId="{22D272E4-2158-41E7-8704-8F465140BCC8}" dt="2023-12-29T18:45:08.579" v="7190" actId="20577"/>
+          <ac:spMkLst>
+            <pc:docMk/>
+            <pc:sldMk cId="2108753129" sldId="278"/>
+            <ac:spMk id="2" creationId="{32242F0D-F3C7-5888-B659-FAE035653A8D}"/>
+          </ac:spMkLst>
+        </pc:spChg>
+        <pc:spChg chg="mod">
+          <ac:chgData name="Tommaso Di Riccio" userId="86fd86f00952e091" providerId="LiveId" clId="{22D272E4-2158-41E7-8704-8F465140BCC8}" dt="2023-12-29T19:07:42.816" v="7467" actId="20577"/>
+          <ac:spMkLst>
+            <pc:docMk/>
+            <pc:sldMk cId="2108753129" sldId="278"/>
+            <ac:spMk id="3" creationId="{0448DF09-38BE-4CA2-C490-2A9388B7B27C}"/>
+          </ac:spMkLst>
+        </pc:spChg>
       </pc:sldChg>
     </pc:docChg>
   </pc:docChgLst>
 </pc:chgInfo>
+</file>
+
+<file path=ppt/notesMasters/notesMaster1.xml><?xml version="1.0" encoding="utf-8"?>
+<p:notesMaster xmlns:a="http://schemas.openxmlformats.org/drawingml/2006/main" xmlns:r="http://schemas.openxmlformats.org/officeDocument/2006/relationships" xmlns:p="http://schemas.openxmlformats.org/presentationml/2006/main">
+  <p:cSld>
+    <p:bg>
+      <p:bgRef idx="1001">
+        <a:schemeClr val="bg1"/>
+      </p:bgRef>
+    </p:bg>
+    <p:spTree>
+      <p:nvGrpSpPr>
+        <p:cNvPr id="1" name=""/>
+        <p:cNvGrpSpPr/>
+        <p:nvPr/>
+      </p:nvGrpSpPr>
+      <p:grpSpPr>
+        <a:xfrm>
+          <a:off x="0" y="0"/>
+          <a:ext cx="0" cy="0"/>
+          <a:chOff x="0" y="0"/>
+          <a:chExt cx="0" cy="0"/>
+        </a:xfrm>
+      </p:grpSpPr>
+      <p:sp>
+        <p:nvSpPr>
+          <p:cNvPr id="2" name="Segnaposto intestazione 1"/>
+          <p:cNvSpPr>
+            <a:spLocks noGrp="1"/>
+          </p:cNvSpPr>
+          <p:nvPr>
+            <p:ph type="hdr" sz="quarter"/>
+          </p:nvPr>
+        </p:nvSpPr>
+        <p:spPr>
+          <a:xfrm>
+            <a:off x="0" y="0"/>
+            <a:ext cx="2971800" cy="458788"/>
+          </a:xfrm>
+          <a:prstGeom prst="rect">
+            <a:avLst/>
+          </a:prstGeom>
+        </p:spPr>
+        <p:txBody>
+          <a:bodyPr vert="horz" lIns="91440" tIns="45720" rIns="91440" bIns="45720" rtlCol="0"/>
+          <a:lstStyle>
+            <a:lvl1pPr algn="l">
+              <a:defRPr sz="1200"/>
+            </a:lvl1pPr>
+          </a:lstStyle>
+          <a:p>
+            <a:endParaRPr lang="it-IT"/>
+          </a:p>
+        </p:txBody>
+      </p:sp>
+      <p:sp>
+        <p:nvSpPr>
+          <p:cNvPr id="3" name="Segnaposto data 2"/>
+          <p:cNvSpPr>
+            <a:spLocks noGrp="1"/>
+          </p:cNvSpPr>
+          <p:nvPr>
+            <p:ph type="dt" idx="1"/>
+          </p:nvPr>
+        </p:nvSpPr>
+        <p:spPr>
+          <a:xfrm>
+            <a:off x="3884613" y="0"/>
+            <a:ext cx="2971800" cy="458788"/>
+          </a:xfrm>
+          <a:prstGeom prst="rect">
+            <a:avLst/>
+          </a:prstGeom>
+        </p:spPr>
+        <p:txBody>
+          <a:bodyPr vert="horz" lIns="91440" tIns="45720" rIns="91440" bIns="45720" rtlCol="0"/>
+          <a:lstStyle>
+            <a:lvl1pPr algn="r">
+              <a:defRPr sz="1200"/>
+            </a:lvl1pPr>
+          </a:lstStyle>
+          <a:p>
+            <a:fld id="{DC6CAA1B-BAE1-43B3-A051-D11BAD98619E}" type="datetimeFigureOut">
+              <a:rPr lang="it-IT" smtClean="0"/>
+              <a:t>29/12/2023</a:t>
+            </a:fld>
+            <a:endParaRPr lang="it-IT"/>
+          </a:p>
+        </p:txBody>
+      </p:sp>
+      <p:sp>
+        <p:nvSpPr>
+          <p:cNvPr id="4" name="Segnaposto immagine diapositiva 3"/>
+          <p:cNvSpPr>
+            <a:spLocks noGrp="1" noRot="1" noChangeAspect="1"/>
+          </p:cNvSpPr>
+          <p:nvPr>
+            <p:ph type="sldImg" idx="2"/>
+          </p:nvPr>
+        </p:nvSpPr>
+        <p:spPr>
+          <a:xfrm>
+            <a:off x="685800" y="1143000"/>
+            <a:ext cx="5486400" cy="3086100"/>
+          </a:xfrm>
+          <a:prstGeom prst="rect">
+            <a:avLst/>
+          </a:prstGeom>
+          <a:noFill/>
+          <a:ln w="12700">
+            <a:solidFill>
+              <a:prstClr val="black"/>
+            </a:solidFill>
+          </a:ln>
+        </p:spPr>
+        <p:txBody>
+          <a:bodyPr vert="horz" lIns="91440" tIns="45720" rIns="91440" bIns="45720" rtlCol="0" anchor="ctr"/>
+          <a:lstStyle/>
+          <a:p>
+            <a:endParaRPr lang="it-IT"/>
+          </a:p>
+        </p:txBody>
+      </p:sp>
+      <p:sp>
+        <p:nvSpPr>
+          <p:cNvPr id="5" name="Segnaposto note 4"/>
+          <p:cNvSpPr>
+            <a:spLocks noGrp="1"/>
+          </p:cNvSpPr>
+          <p:nvPr>
+            <p:ph type="body" sz="quarter" idx="3"/>
+          </p:nvPr>
+        </p:nvSpPr>
+        <p:spPr>
+          <a:xfrm>
+            <a:off x="685800" y="4400550"/>
+            <a:ext cx="5486400" cy="3600450"/>
+          </a:xfrm>
+          <a:prstGeom prst="rect">
+            <a:avLst/>
+          </a:prstGeom>
+        </p:spPr>
+        <p:txBody>
+          <a:bodyPr vert="horz" lIns="91440" tIns="45720" rIns="91440" bIns="45720" rtlCol="0"/>
+          <a:lstStyle/>
+          <a:p>
+            <a:pPr lvl="0"/>
+            <a:r>
+              <a:rPr lang="it-IT"/>
+              <a:t>Fare clic per modificare gli stili del testo dello schema</a:t>
+            </a:r>
+          </a:p>
+          <a:p>
+            <a:pPr lvl="1"/>
+            <a:r>
+              <a:rPr lang="it-IT"/>
+              <a:t>Secondo livello</a:t>
+            </a:r>
+          </a:p>
+          <a:p>
+            <a:pPr lvl="2"/>
+            <a:r>
+              <a:rPr lang="it-IT"/>
+              <a:t>Terzo livello</a:t>
+            </a:r>
+          </a:p>
+          <a:p>
+            <a:pPr lvl="3"/>
+            <a:r>
+              <a:rPr lang="it-IT"/>
+              <a:t>Quarto livello</a:t>
+            </a:r>
+          </a:p>
+          <a:p>
+            <a:pPr lvl="4"/>
+            <a:r>
+              <a:rPr lang="it-IT"/>
+              <a:t>Quinto livello</a:t>
+            </a:r>
+          </a:p>
+        </p:txBody>
+      </p:sp>
+      <p:sp>
+        <p:nvSpPr>
+          <p:cNvPr id="6" name="Segnaposto piè di pagina 5"/>
+          <p:cNvSpPr>
+            <a:spLocks noGrp="1"/>
+          </p:cNvSpPr>
+          <p:nvPr>
+            <p:ph type="ftr" sz="quarter" idx="4"/>
+          </p:nvPr>
+        </p:nvSpPr>
+        <p:spPr>
+          <a:xfrm>
+            <a:off x="0" y="8685213"/>
+            <a:ext cx="2971800" cy="458787"/>
+          </a:xfrm>
+          <a:prstGeom prst="rect">
+            <a:avLst/>
+          </a:prstGeom>
+        </p:spPr>
+        <p:txBody>
+          <a:bodyPr vert="horz" lIns="91440" tIns="45720" rIns="91440" bIns="45720" rtlCol="0" anchor="b"/>
+          <a:lstStyle>
+            <a:lvl1pPr algn="l">
+              <a:defRPr sz="1200"/>
+            </a:lvl1pPr>
+          </a:lstStyle>
+          <a:p>
+            <a:endParaRPr lang="it-IT"/>
+          </a:p>
+        </p:txBody>
+      </p:sp>
+      <p:sp>
+        <p:nvSpPr>
+          <p:cNvPr id="7" name="Segnaposto numero diapositiva 6"/>
+          <p:cNvSpPr>
+            <a:spLocks noGrp="1"/>
+          </p:cNvSpPr>
+          <p:nvPr>
+            <p:ph type="sldNum" sz="quarter" idx="5"/>
+          </p:nvPr>
+        </p:nvSpPr>
+        <p:spPr>
+          <a:xfrm>
+            <a:off x="3884613" y="8685213"/>
+            <a:ext cx="2971800" cy="458787"/>
+          </a:xfrm>
+          <a:prstGeom prst="rect">
+            <a:avLst/>
+          </a:prstGeom>
+        </p:spPr>
+        <p:txBody>
+          <a:bodyPr vert="horz" lIns="91440" tIns="45720" rIns="91440" bIns="45720" rtlCol="0" anchor="b"/>
+          <a:lstStyle>
+            <a:lvl1pPr algn="r">
+              <a:defRPr sz="1200"/>
+            </a:lvl1pPr>
+          </a:lstStyle>
+          <a:p>
+            <a:fld id="{3B1211F9-CD2A-4209-9ACB-9324D3B968B3}" type="slidenum">
+              <a:rPr lang="it-IT" smtClean="0"/>
+              <a:t>‹N›</a:t>
+            </a:fld>
+            <a:endParaRPr lang="it-IT"/>
+          </a:p>
+        </p:txBody>
+      </p:sp>
+    </p:spTree>
+    <p:extLst>
+      <p:ext uri="{BB962C8B-B14F-4D97-AF65-F5344CB8AC3E}">
+        <p14:creationId xmlns:p14="http://schemas.microsoft.com/office/powerpoint/2010/main" val="4212898806"/>
+      </p:ext>
+    </p:extLst>
+  </p:cSld>
+  <p:clrMap bg1="lt1" tx1="dk1" bg2="lt2" tx2="dk2" accent1="accent1" accent2="accent2" accent3="accent3" accent4="accent4" accent5="accent5" accent6="accent6" hlink="hlink" folHlink="folHlink"/>
+  <p:notesStyle>
+    <a:lvl1pPr marL="0" algn="l" defTabSz="914400" rtl="0" eaLnBrk="1" latinLnBrk="0" hangingPunct="1">
+      <a:defRPr sz="1200" kern="1200">
+        <a:solidFill>
+          <a:schemeClr val="tx1"/>
+        </a:solidFill>
+        <a:latin typeface="+mn-lt"/>
+        <a:ea typeface="+mn-ea"/>
+        <a:cs typeface="+mn-cs"/>
+      </a:defRPr>
+    </a:lvl1pPr>
+    <a:lvl2pPr marL="457200" algn="l" defTabSz="914400" rtl="0" eaLnBrk="1" latinLnBrk="0" hangingPunct="1">
+      <a:defRPr sz="1200" kern="1200">
+        <a:solidFill>
+          <a:schemeClr val="tx1"/>
+        </a:solidFill>
+        <a:latin typeface="+mn-lt"/>
+        <a:ea typeface="+mn-ea"/>
+        <a:cs typeface="+mn-cs"/>
+      </a:defRPr>
+    </a:lvl2pPr>
+    <a:lvl3pPr marL="914400" algn="l" defTabSz="914400" rtl="0" eaLnBrk="1" latinLnBrk="0" hangingPunct="1">
+      <a:defRPr sz="1200" kern="1200">
+        <a:solidFill>
+          <a:schemeClr val="tx1"/>
+        </a:solidFill>
+        <a:latin typeface="+mn-lt"/>
+        <a:ea typeface="+mn-ea"/>
+        <a:cs typeface="+mn-cs"/>
+      </a:defRPr>
+    </a:lvl3pPr>
+    <a:lvl4pPr marL="1371600" algn="l" defTabSz="914400" rtl="0" eaLnBrk="1" latinLnBrk="0" hangingPunct="1">
+      <a:defRPr sz="1200" kern="1200">
+        <a:solidFill>
+          <a:schemeClr val="tx1"/>
+        </a:solidFill>
+        <a:latin typeface="+mn-lt"/>
+        <a:ea typeface="+mn-ea"/>
+        <a:cs typeface="+mn-cs"/>
+      </a:defRPr>
+    </a:lvl4pPr>
+    <a:lvl5pPr marL="1828800" algn="l" defTabSz="914400" rtl="0" eaLnBrk="1" latinLnBrk="0" hangingPunct="1">
+      <a:defRPr sz="1200" kern="1200">
+        <a:solidFill>
+          <a:schemeClr val="tx1"/>
+        </a:solidFill>
+        <a:latin typeface="+mn-lt"/>
+        <a:ea typeface="+mn-ea"/>
+        <a:cs typeface="+mn-cs"/>
+      </a:defRPr>
+    </a:lvl5pPr>
+    <a:lvl6pPr marL="2286000" algn="l" defTabSz="914400" rtl="0" eaLnBrk="1" latinLnBrk="0" hangingPunct="1">
+      <a:defRPr sz="1200" kern="1200">
+        <a:solidFill>
+          <a:schemeClr val="tx1"/>
+        </a:solidFill>
+        <a:latin typeface="+mn-lt"/>
+        <a:ea typeface="+mn-ea"/>
+        <a:cs typeface="+mn-cs"/>
+      </a:defRPr>
+    </a:lvl6pPr>
+    <a:lvl7pPr marL="2743200" algn="l" defTabSz="914400" rtl="0" eaLnBrk="1" latinLnBrk="0" hangingPunct="1">
+      <a:defRPr sz="1200" kern="1200">
+        <a:solidFill>
+          <a:schemeClr val="tx1"/>
+        </a:solidFill>
+        <a:latin typeface="+mn-lt"/>
+        <a:ea typeface="+mn-ea"/>
+        <a:cs typeface="+mn-cs"/>
+      </a:defRPr>
+    </a:lvl7pPr>
+    <a:lvl8pPr marL="3200400" algn="l" defTabSz="914400" rtl="0" eaLnBrk="1" latinLnBrk="0" hangingPunct="1">
+      <a:defRPr sz="1200" kern="1200">
+        <a:solidFill>
+          <a:schemeClr val="tx1"/>
+        </a:solidFill>
+        <a:latin typeface="+mn-lt"/>
+        <a:ea typeface="+mn-ea"/>
+        <a:cs typeface="+mn-cs"/>
+      </a:defRPr>
+    </a:lvl8pPr>
+    <a:lvl9pPr marL="3657600" algn="l" defTabSz="914400" rtl="0" eaLnBrk="1" latinLnBrk="0" hangingPunct="1">
+      <a:defRPr sz="1200" kern="1200">
+        <a:solidFill>
+          <a:schemeClr val="tx1"/>
+        </a:solidFill>
+        <a:latin typeface="+mn-lt"/>
+        <a:ea typeface="+mn-ea"/>
+        <a:cs typeface="+mn-cs"/>
+      </a:defRPr>
+    </a:lvl9pPr>
+  </p:notesStyle>
+</p:notesMaster>
 </file>
 
 <file path=ppt/slideLayouts/slideLayout1.xml><?xml version="1.0" encoding="utf-8"?>
@@ -840,7 +1663,7 @@
           <a:bodyPr/>
           <a:lstStyle/>
           <a:p>
-            <a:fld id="{8348449A-43B4-44D0-A46E-5B04EB3C4B48}" type="datetimeFigureOut">
+            <a:fld id="{9597AF99-7543-4208-9A09-63750D099606}" type="datetime1">
               <a:rPr lang="it-IT" smtClean="0"/>
               <a:t>29/12/2023</a:t>
             </a:fld>
@@ -1038,7 +1861,7 @@
           <a:bodyPr/>
           <a:lstStyle/>
           <a:p>
-            <a:fld id="{8348449A-43B4-44D0-A46E-5B04EB3C4B48}" type="datetimeFigureOut">
+            <a:fld id="{E7D30E2A-E2CD-447E-A8C4-934946B88184}" type="datetime1">
               <a:rPr lang="it-IT" smtClean="0"/>
               <a:t>29/12/2023</a:t>
             </a:fld>
@@ -1246,7 +2069,7 @@
           <a:bodyPr/>
           <a:lstStyle/>
           <a:p>
-            <a:fld id="{8348449A-43B4-44D0-A46E-5B04EB3C4B48}" type="datetimeFigureOut">
+            <a:fld id="{D3027936-96D1-4F0C-920F-11252D1DCF7C}" type="datetime1">
               <a:rPr lang="it-IT" smtClean="0"/>
               <a:t>29/12/2023</a:t>
             </a:fld>
@@ -1444,7 +2267,7 @@
           <a:bodyPr/>
           <a:lstStyle/>
           <a:p>
-            <a:fld id="{8348449A-43B4-44D0-A46E-5B04EB3C4B48}" type="datetimeFigureOut">
+            <a:fld id="{6E693176-7B9D-497B-B83D-24A130A73AD7}" type="datetime1">
               <a:rPr lang="it-IT" smtClean="0"/>
               <a:t>29/12/2023</a:t>
             </a:fld>
@@ -1719,7 +2542,7 @@
           <a:bodyPr/>
           <a:lstStyle/>
           <a:p>
-            <a:fld id="{8348449A-43B4-44D0-A46E-5B04EB3C4B48}" type="datetimeFigureOut">
+            <a:fld id="{40850C47-C9E1-44B1-A766-0D0E09416D17}" type="datetime1">
               <a:rPr lang="it-IT" smtClean="0"/>
               <a:t>29/12/2023</a:t>
             </a:fld>
@@ -1984,7 +2807,7 @@
           <a:bodyPr/>
           <a:lstStyle/>
           <a:p>
-            <a:fld id="{8348449A-43B4-44D0-A46E-5B04EB3C4B48}" type="datetimeFigureOut">
+            <a:fld id="{5FD8E46F-3A5B-41B4-B301-64DC103F3C14}" type="datetime1">
               <a:rPr lang="it-IT" smtClean="0"/>
               <a:t>29/12/2023</a:t>
             </a:fld>
@@ -2396,7 +3219,7 @@
           <a:bodyPr/>
           <a:lstStyle/>
           <a:p>
-            <a:fld id="{8348449A-43B4-44D0-A46E-5B04EB3C4B48}" type="datetimeFigureOut">
+            <a:fld id="{0F471108-E953-4647-8960-14B1F5A6A495}" type="datetime1">
               <a:rPr lang="it-IT" smtClean="0"/>
               <a:t>29/12/2023</a:t>
             </a:fld>
@@ -2537,7 +3360,7 @@
           <a:bodyPr/>
           <a:lstStyle/>
           <a:p>
-            <a:fld id="{8348449A-43B4-44D0-A46E-5B04EB3C4B48}" type="datetimeFigureOut">
+            <a:fld id="{D63DD220-8E98-4BE5-981B-AE6F8C9ED92D}" type="datetime1">
               <a:rPr lang="it-IT" smtClean="0"/>
               <a:t>29/12/2023</a:t>
             </a:fld>
@@ -2650,7 +3473,7 @@
           <a:bodyPr/>
           <a:lstStyle/>
           <a:p>
-            <a:fld id="{8348449A-43B4-44D0-A46E-5B04EB3C4B48}" type="datetimeFigureOut">
+            <a:fld id="{5C1759D6-6E61-4F1D-898E-E020AE9654D3}" type="datetime1">
               <a:rPr lang="it-IT" smtClean="0"/>
               <a:t>29/12/2023</a:t>
             </a:fld>
@@ -2961,7 +3784,7 @@
           <a:bodyPr/>
           <a:lstStyle/>
           <a:p>
-            <a:fld id="{8348449A-43B4-44D0-A46E-5B04EB3C4B48}" type="datetimeFigureOut">
+            <a:fld id="{0E3C1CD7-F9ED-451F-811B-ADB9E6838B1B}" type="datetime1">
               <a:rPr lang="it-IT" smtClean="0"/>
               <a:t>29/12/2023</a:t>
             </a:fld>
@@ -3249,7 +4072,7 @@
           <a:bodyPr/>
           <a:lstStyle/>
           <a:p>
-            <a:fld id="{8348449A-43B4-44D0-A46E-5B04EB3C4B48}" type="datetimeFigureOut">
+            <a:fld id="{24F16348-E4C7-4C62-8335-B2C80B5E326D}" type="datetime1">
               <a:rPr lang="it-IT" smtClean="0"/>
               <a:t>29/12/2023</a:t>
             </a:fld>
@@ -3490,7 +4313,7 @@
             </a:lvl1pPr>
           </a:lstStyle>
           <a:p>
-            <a:fld id="{8348449A-43B4-44D0-A46E-5B04EB3C4B48}" type="datetimeFigureOut">
+            <a:fld id="{A93BCDCC-B3C8-4A08-8EA1-505A1A578C35}" type="datetime1">
               <a:rPr lang="it-IT" smtClean="0"/>
               <a:t>29/12/2023</a:t>
             </a:fld>
@@ -3609,6 +4432,7 @@
     <p:sldLayoutId id="2147483658" r:id="rId10"/>
     <p:sldLayoutId id="2147483659" r:id="rId11"/>
   </p:sldLayoutIdLst>
+  <p:hf hdr="0" ftr="0" dt="0"/>
   <p:txStyles>
     <p:titleStyle>
       <a:lvl1pPr algn="l" defTabSz="914400" rtl="0" eaLnBrk="1" latinLnBrk="0" hangingPunct="1">
@@ -4011,6 +4835,35 @@
           </a:p>
         </p:txBody>
       </p:sp>
+      <p:sp>
+        <p:nvSpPr>
+          <p:cNvPr id="4" name="Segnaposto numero diapositiva 3">
+            <a:extLst>
+              <a:ext uri="{FF2B5EF4-FFF2-40B4-BE49-F238E27FC236}">
+                <a16:creationId xmlns:a16="http://schemas.microsoft.com/office/drawing/2014/main" id="{C8FE8A3E-6B29-5396-1FAD-ACF2D3E96CFA}"/>
+              </a:ext>
+            </a:extLst>
+          </p:cNvPr>
+          <p:cNvSpPr>
+            <a:spLocks noGrp="1"/>
+          </p:cNvSpPr>
+          <p:nvPr>
+            <p:ph type="sldNum" sz="quarter" idx="12"/>
+          </p:nvPr>
+        </p:nvSpPr>
+        <p:spPr/>
+        <p:txBody>
+          <a:bodyPr/>
+          <a:lstStyle/>
+          <a:p>
+            <a:fld id="{642154B9-5AE1-4D93-9ACE-3DF3B522DF2F}" type="slidenum">
+              <a:rPr lang="it-IT" smtClean="0"/>
+              <a:t>1</a:t>
+            </a:fld>
+            <a:endParaRPr lang="it-IT"/>
+          </a:p>
+        </p:txBody>
+      </p:sp>
     </p:spTree>
     <p:extLst>
       <p:ext uri="{BB962C8B-B14F-4D97-AF65-F5344CB8AC3E}">
@@ -4063,16 +4916,20 @@
           <a:lstStyle/>
           <a:p>
             <a:r>
+              <a:rPr lang="it-IT" b="1" dirty="0"/>
+              <a:t>Monk </a:t>
+            </a:r>
+            <a:r>
+              <a:rPr lang="it-IT" b="1" dirty="0" err="1"/>
+              <a:t>Results</a:t>
+            </a:r>
+            <a:r>
+              <a:rPr lang="it-IT" b="1" dirty="0"/>
+              <a:t> </a:t>
+            </a:r>
+            <a:r>
               <a:rPr lang="it-IT" dirty="0"/>
-              <a:t>Monk </a:t>
-            </a:r>
-            <a:r>
-              <a:rPr lang="it-IT" dirty="0" err="1"/>
-              <a:t>Results</a:t>
-            </a:r>
-            <a:r>
-              <a:rPr lang="it-IT" dirty="0"/>
-              <a:t> – Monk 3 (with </a:t>
+              <a:t>– Monk 3 (with </a:t>
             </a:r>
             <a:r>
               <a:rPr lang="it-IT" dirty="0" err="1"/>
@@ -4218,6 +5075,35 @@
           </a:prstGeom>
         </p:spPr>
       </p:pic>
+      <p:sp>
+        <p:nvSpPr>
+          <p:cNvPr id="3" name="Segnaposto numero diapositiva 2">
+            <a:extLst>
+              <a:ext uri="{FF2B5EF4-FFF2-40B4-BE49-F238E27FC236}">
+                <a16:creationId xmlns:a16="http://schemas.microsoft.com/office/drawing/2014/main" id="{E98603F7-2C84-4E60-19D2-974F8EB8A79C}"/>
+              </a:ext>
+            </a:extLst>
+          </p:cNvPr>
+          <p:cNvSpPr>
+            <a:spLocks noGrp="1"/>
+          </p:cNvSpPr>
+          <p:nvPr>
+            <p:ph type="sldNum" sz="quarter" idx="12"/>
+          </p:nvPr>
+        </p:nvSpPr>
+        <p:spPr/>
+        <p:txBody>
+          <a:bodyPr/>
+          <a:lstStyle/>
+          <a:p>
+            <a:fld id="{642154B9-5AE1-4D93-9ACE-3DF3B522DF2F}" type="slidenum">
+              <a:rPr lang="it-IT" smtClean="0"/>
+              <a:t>10</a:t>
+            </a:fld>
+            <a:endParaRPr lang="it-IT"/>
+          </a:p>
+        </p:txBody>
+      </p:sp>
     </p:spTree>
     <p:extLst>
       <p:ext uri="{BB962C8B-B14F-4D97-AF65-F5344CB8AC3E}">
@@ -4270,16 +5156,20 @@
           <a:lstStyle/>
           <a:p>
             <a:r>
+              <a:rPr lang="it-IT" b="1" dirty="0"/>
+              <a:t>Monk </a:t>
+            </a:r>
+            <a:r>
+              <a:rPr lang="it-IT" b="1" dirty="0" err="1"/>
+              <a:t>Results</a:t>
+            </a:r>
+            <a:r>
+              <a:rPr lang="it-IT" b="1" dirty="0"/>
+              <a:t> </a:t>
+            </a:r>
+            <a:r>
               <a:rPr lang="it-IT" dirty="0"/>
-              <a:t>Monk </a:t>
-            </a:r>
-            <a:r>
-              <a:rPr lang="it-IT" dirty="0" err="1"/>
-              <a:t>Results</a:t>
-            </a:r>
-            <a:r>
-              <a:rPr lang="it-IT" dirty="0"/>
-              <a:t> – </a:t>
+              <a:t>– </a:t>
             </a:r>
             <a:r>
               <a:rPr lang="it-IT" dirty="0" err="1"/>
@@ -4304,7 +5194,7 @@
           <p:nvPr>
             <p:extLst>
               <p:ext uri="{D42A27DB-BD31-4B8C-83A1-F6EECF244321}">
-                <p14:modId xmlns:p14="http://schemas.microsoft.com/office/powerpoint/2010/main" val="1805291597"/>
+                <p14:modId xmlns:p14="http://schemas.microsoft.com/office/powerpoint/2010/main" val="1935102765"/>
               </p:ext>
             </p:extLst>
           </p:nvPr>
@@ -4443,10 +5333,10 @@
                     <a:bodyPr/>
                     <a:lstStyle/>
                     <a:p>
-                      <a:pPr algn="ctr"/>
+                      <a:pPr algn="l"/>
                       <a:r>
                         <a:rPr lang="it-IT" dirty="0"/>
-                        <a:t>(4, 1),   0.5,    0</a:t>
+                        <a:t>       (4, 1)     0.5      0</a:t>
                       </a:r>
                     </a:p>
                   </a:txBody>
@@ -4505,10 +5395,10 @@
                     <a:bodyPr/>
                     <a:lstStyle/>
                     <a:p>
-                      <a:pPr algn="ctr"/>
+                      <a:pPr algn="l"/>
                       <a:r>
                         <a:rPr lang="it-IT" dirty="0"/>
-                        <a:t>(3, 1),   0.2,    0</a:t>
+                        <a:t>       (3, 1)     0.2      0</a:t>
                       </a:r>
                     </a:p>
                   </a:txBody>
@@ -4567,10 +5457,10 @@
                     <a:bodyPr/>
                     <a:lstStyle/>
                     <a:p>
-                      <a:pPr algn="ctr"/>
+                      <a:pPr algn="l"/>
                       <a:r>
                         <a:rPr lang="it-IT" dirty="0"/>
-                        <a:t>(4, 1),   0.3,    0</a:t>
+                        <a:t>       (4, 1)     0.3      0</a:t>
                       </a:r>
                     </a:p>
                   </a:txBody>
@@ -4629,10 +5519,10 @@
                     <a:bodyPr/>
                     <a:lstStyle/>
                     <a:p>
-                      <a:pPr algn="ctr"/>
+                      <a:pPr algn="l"/>
                       <a:r>
                         <a:rPr lang="it-IT" dirty="0"/>
-                        <a:t>(4, 1),   0.3,  0.01</a:t>
+                        <a:t>       (4, 1)     0.3    0.01</a:t>
                       </a:r>
                     </a:p>
                   </a:txBody>
@@ -4676,6 +5566,35 @@
           </a:graphicData>
         </a:graphic>
       </p:graphicFrame>
+      <p:sp>
+        <p:nvSpPr>
+          <p:cNvPr id="3" name="Segnaposto numero diapositiva 2">
+            <a:extLst>
+              <a:ext uri="{FF2B5EF4-FFF2-40B4-BE49-F238E27FC236}">
+                <a16:creationId xmlns:a16="http://schemas.microsoft.com/office/drawing/2014/main" id="{64E3CFC9-ED2F-8F49-5A50-F56921281519}"/>
+              </a:ext>
+            </a:extLst>
+          </p:cNvPr>
+          <p:cNvSpPr>
+            <a:spLocks noGrp="1"/>
+          </p:cNvSpPr>
+          <p:nvPr>
+            <p:ph type="sldNum" sz="quarter" idx="12"/>
+          </p:nvPr>
+        </p:nvSpPr>
+        <p:spPr/>
+        <p:txBody>
+          <a:bodyPr/>
+          <a:lstStyle/>
+          <a:p>
+            <a:fld id="{642154B9-5AE1-4D93-9ACE-3DF3B522DF2F}" type="slidenum">
+              <a:rPr lang="it-IT" smtClean="0"/>
+              <a:t>11</a:t>
+            </a:fld>
+            <a:endParaRPr lang="it-IT"/>
+          </a:p>
+        </p:txBody>
+      </p:sp>
     </p:spTree>
     <p:extLst>
       <p:ext uri="{BB962C8B-B14F-4D97-AF65-F5344CB8AC3E}">
@@ -4727,24 +5646,183 @@
           <a:bodyPr/>
           <a:lstStyle/>
           <a:p>
-            <a:endParaRPr lang="it-IT"/>
-          </a:p>
-        </p:txBody>
-      </p:sp>
-      <p:sp>
-        <p:nvSpPr>
-          <p:cNvPr id="3" name="Segnaposto contenuto 2">
-            <a:extLst>
-              <a:ext uri="{FF2B5EF4-FFF2-40B4-BE49-F238E27FC236}">
-                <a16:creationId xmlns:a16="http://schemas.microsoft.com/office/drawing/2014/main" id="{183E40E1-5092-D478-7646-6A3416157938}"/>
-              </a:ext>
-            </a:extLst>
-          </p:cNvPr>
-          <p:cNvSpPr>
-            <a:spLocks noGrp="1"/>
-          </p:cNvSpPr>
+            <a:r>
+              <a:rPr lang="it-IT" b="1" dirty="0"/>
+              <a:t>CUP Validation schema </a:t>
+            </a:r>
+            <a:r>
+              <a:rPr lang="it-IT" dirty="0"/>
+              <a:t>– Data splitting</a:t>
+            </a:r>
+          </a:p>
+        </p:txBody>
+      </p:sp>
+      <p:graphicFrame>
+        <p:nvGraphicFramePr>
+          <p:cNvPr id="4" name="Segnaposto contenuto 3">
+            <a:extLst>
+              <a:ext uri="{FF2B5EF4-FFF2-40B4-BE49-F238E27FC236}">
+                <a16:creationId xmlns:a16="http://schemas.microsoft.com/office/drawing/2014/main" id="{32248B70-10BD-B73C-B41B-66493B0A2F4B}"/>
+              </a:ext>
+            </a:extLst>
+          </p:cNvPr>
+          <p:cNvGraphicFramePr>
+            <a:graphicFrameLocks noGrp="1"/>
+          </p:cNvGraphicFramePr>
           <p:nvPr>
             <p:ph idx="1"/>
+            <p:extLst>
+              <p:ext uri="{D42A27DB-BD31-4B8C-83A1-F6EECF244321}">
+                <p14:modId xmlns:p14="http://schemas.microsoft.com/office/powerpoint/2010/main" val="2214959636"/>
+              </p:ext>
+            </p:extLst>
+          </p:nvPr>
+        </p:nvGraphicFramePr>
+        <p:xfrm>
+          <a:off x="838200" y="2240866"/>
+          <a:ext cx="10515600" cy="944880"/>
+        </p:xfrm>
+        <a:graphic>
+          <a:graphicData uri="http://schemas.openxmlformats.org/drawingml/2006/table">
+            <a:tbl>
+              <a:tblPr firstRow="1" bandRow="1">
+                <a:tableStyleId>{5940675A-B579-460E-94D1-54222C63F5DA}</a:tableStyleId>
+              </a:tblPr>
+              <a:tblGrid>
+                <a:gridCol w="7475621">
+                  <a:extLst>
+                    <a:ext uri="{9D8B030D-6E8A-4147-A177-3AD203B41FA5}">
+                      <a16:colId xmlns:a16="http://schemas.microsoft.com/office/drawing/2014/main" val="2221611071"/>
+                    </a:ext>
+                  </a:extLst>
+                </a:gridCol>
+                <a:gridCol w="3039979">
+                  <a:extLst>
+                    <a:ext uri="{9D8B030D-6E8A-4147-A177-3AD203B41FA5}">
+                      <a16:colId xmlns:a16="http://schemas.microsoft.com/office/drawing/2014/main" val="1555407550"/>
+                    </a:ext>
+                  </a:extLst>
+                </a:gridCol>
+              </a:tblGrid>
+              <a:tr h="880882">
+                <a:tc>
+                  <a:txBody>
+                    <a:bodyPr/>
+                    <a:lstStyle/>
+                    <a:p>
+                      <a:pPr algn="ctr"/>
+                      <a:r>
+                        <a:rPr lang="it-IT" sz="2800" dirty="0"/>
+                        <a:t>5-Fold-CV</a:t>
+                      </a:r>
+                    </a:p>
+                    <a:p>
+                      <a:pPr algn="ctr"/>
+                      <a:r>
+                        <a:rPr lang="it-IT" sz="2800" dirty="0"/>
+                        <a:t>Training + Validation (90%)</a:t>
+                      </a:r>
+                    </a:p>
+                  </a:txBody>
+                  <a:tcPr/>
+                </a:tc>
+                <a:tc>
+                  <a:txBody>
+                    <a:bodyPr/>
+                    <a:lstStyle/>
+                    <a:p>
+                      <a:pPr algn="ctr"/>
+                      <a:r>
+                        <a:rPr lang="it-IT" sz="2800" dirty="0" err="1"/>
+                        <a:t>Hold</a:t>
+                      </a:r>
+                      <a:r>
+                        <a:rPr lang="it-IT" sz="2800" dirty="0"/>
+                        <a:t>-out</a:t>
+                      </a:r>
+                    </a:p>
+                    <a:p>
+                      <a:pPr algn="ctr"/>
+                      <a:r>
+                        <a:rPr lang="it-IT" sz="2800" dirty="0" err="1"/>
+                        <a:t>Internal</a:t>
+                      </a:r>
+                      <a:r>
+                        <a:rPr lang="it-IT" sz="2800" dirty="0"/>
+                        <a:t> Test (10%)</a:t>
+                      </a:r>
+                    </a:p>
+                  </a:txBody>
+                  <a:tcPr/>
+                </a:tc>
+                <a:extLst>
+                  <a:ext uri="{0D108BD9-81ED-4DB2-BD59-A6C34878D82A}">
+                    <a16:rowId xmlns:a16="http://schemas.microsoft.com/office/drawing/2014/main" val="399343504"/>
+                  </a:ext>
+                </a:extLst>
+              </a:tr>
+            </a:tbl>
+          </a:graphicData>
+        </a:graphic>
+      </p:graphicFrame>
+      <p:sp>
+        <p:nvSpPr>
+          <p:cNvPr id="5" name="CasellaDiTesto 4">
+            <a:extLst>
+              <a:ext uri="{FF2B5EF4-FFF2-40B4-BE49-F238E27FC236}">
+                <a16:creationId xmlns:a16="http://schemas.microsoft.com/office/drawing/2014/main" id="{1665B87B-FC92-F364-DE84-C3D71D3A032B}"/>
+              </a:ext>
+            </a:extLst>
+          </p:cNvPr>
+          <p:cNvSpPr txBox="1"/>
+          <p:nvPr/>
+        </p:nvSpPr>
+        <p:spPr>
+          <a:xfrm>
+            <a:off x="838200" y="3831739"/>
+            <a:ext cx="10515600" cy="2246769"/>
+          </a:xfrm>
+          <a:prstGeom prst="rect">
+            <a:avLst/>
+          </a:prstGeom>
+          <a:noFill/>
+        </p:spPr>
+        <p:txBody>
+          <a:bodyPr wrap="square" rtlCol="0">
+            <a:spAutoFit/>
+          </a:bodyPr>
+          <a:lstStyle/>
+          <a:p>
+            <a:r>
+              <a:rPr lang="en-US" sz="2800" dirty="0"/>
+              <a:t>First, we did a retraining on Training + Validation data to estimate the error on the Hold-out dataset.</a:t>
+            </a:r>
+          </a:p>
+          <a:p>
+            <a:endParaRPr lang="en-US" sz="2800" dirty="0"/>
+          </a:p>
+          <a:p>
+            <a:r>
+              <a:rPr lang="en-US" sz="2800" dirty="0"/>
+              <a:t>At the end, we did a retraining on all data before estimating the CUP test data </a:t>
+            </a:r>
+          </a:p>
+        </p:txBody>
+      </p:sp>
+      <p:sp>
+        <p:nvSpPr>
+          <p:cNvPr id="7" name="Segnaposto numero diapositiva 6">
+            <a:extLst>
+              <a:ext uri="{FF2B5EF4-FFF2-40B4-BE49-F238E27FC236}">
+                <a16:creationId xmlns:a16="http://schemas.microsoft.com/office/drawing/2014/main" id="{30E5C4C9-B5D1-5E95-4AE8-F1B4F5FF3134}"/>
+              </a:ext>
+            </a:extLst>
+          </p:cNvPr>
+          <p:cNvSpPr>
+            <a:spLocks noGrp="1"/>
+          </p:cNvSpPr>
+          <p:nvPr>
+            <p:ph type="sldNum" sz="quarter" idx="12"/>
           </p:nvPr>
         </p:nvSpPr>
         <p:spPr/>
@@ -4752,6 +5830,10 @@
           <a:bodyPr/>
           <a:lstStyle/>
           <a:p>
+            <a:fld id="{642154B9-5AE1-4D93-9ACE-3DF3B522DF2F}" type="slidenum">
+              <a:rPr lang="it-IT" smtClean="0"/>
+              <a:t>12</a:t>
+            </a:fld>
             <a:endParaRPr lang="it-IT"/>
           </a:p>
         </p:txBody>
@@ -4760,6 +5842,1762 @@
     <p:extLst>
       <p:ext uri="{BB962C8B-B14F-4D97-AF65-F5344CB8AC3E}">
         <p14:creationId xmlns:p14="http://schemas.microsoft.com/office/powerpoint/2010/main" val="1513754791"/>
+      </p:ext>
+    </p:extLst>
+  </p:cSld>
+  <p:clrMapOvr>
+    <a:masterClrMapping/>
+  </p:clrMapOvr>
+</p:sld>
+</file>
+
+<file path=ppt/slides/slide13.xml><?xml version="1.0" encoding="utf-8"?>
+<p:sld xmlns:a="http://schemas.openxmlformats.org/drawingml/2006/main" xmlns:r="http://schemas.openxmlformats.org/officeDocument/2006/relationships" xmlns:p="http://schemas.openxmlformats.org/presentationml/2006/main">
+  <p:cSld>
+    <p:spTree>
+      <p:nvGrpSpPr>
+        <p:cNvPr id="1" name=""/>
+        <p:cNvGrpSpPr/>
+        <p:nvPr/>
+      </p:nvGrpSpPr>
+      <p:grpSpPr>
+        <a:xfrm>
+          <a:off x="0" y="0"/>
+          <a:ext cx="0" cy="0"/>
+          <a:chOff x="0" y="0"/>
+          <a:chExt cx="0" cy="0"/>
+        </a:xfrm>
+      </p:grpSpPr>
+      <p:sp>
+        <p:nvSpPr>
+          <p:cNvPr id="2" name="Titolo 1">
+            <a:extLst>
+              <a:ext uri="{FF2B5EF4-FFF2-40B4-BE49-F238E27FC236}">
+                <a16:creationId xmlns:a16="http://schemas.microsoft.com/office/drawing/2014/main" id="{32242F0D-F3C7-5888-B659-FAE035653A8D}"/>
+              </a:ext>
+            </a:extLst>
+          </p:cNvPr>
+          <p:cNvSpPr>
+            <a:spLocks noGrp="1"/>
+          </p:cNvSpPr>
+          <p:nvPr>
+            <p:ph type="title"/>
+          </p:nvPr>
+        </p:nvSpPr>
+        <p:spPr/>
+        <p:txBody>
+          <a:bodyPr/>
+          <a:lstStyle/>
+          <a:p>
+            <a:r>
+              <a:rPr lang="it-IT" b="1" dirty="0"/>
+              <a:t>CUP Validation schema </a:t>
+            </a:r>
+            <a:r>
+              <a:rPr lang="it-IT" dirty="0"/>
+              <a:t>– Preliminary trials</a:t>
+            </a:r>
+          </a:p>
+        </p:txBody>
+      </p:sp>
+      <p:sp>
+        <p:nvSpPr>
+          <p:cNvPr id="8" name="CasellaDiTesto 7">
+            <a:extLst>
+              <a:ext uri="{FF2B5EF4-FFF2-40B4-BE49-F238E27FC236}">
+                <a16:creationId xmlns:a16="http://schemas.microsoft.com/office/drawing/2014/main" id="{621EA218-A644-8CEF-A045-CF4EE516A81B}"/>
+              </a:ext>
+            </a:extLst>
+          </p:cNvPr>
+          <p:cNvSpPr txBox="1"/>
+          <p:nvPr/>
+        </p:nvSpPr>
+        <p:spPr>
+          <a:xfrm>
+            <a:off x="838200" y="1793326"/>
+            <a:ext cx="10515600" cy="4154984"/>
+          </a:xfrm>
+          <a:prstGeom prst="rect">
+            <a:avLst/>
+          </a:prstGeom>
+          <a:noFill/>
+        </p:spPr>
+        <p:txBody>
+          <a:bodyPr wrap="square" rtlCol="0">
+            <a:spAutoFit/>
+          </a:bodyPr>
+          <a:lstStyle/>
+          <a:p>
+            <a:r>
+              <a:rPr lang="en-US" sz="2400" dirty="0"/>
+              <a:t>We experimented with various network architectures, beginning with smaller ones (2 layers, a few dozen units) and progressively increasing their sizes, culminating in a 5-layer structure with nearly one thousand units</a:t>
+            </a:r>
+          </a:p>
+          <a:p>
+            <a:endParaRPr lang="en-US" sz="2400" dirty="0"/>
+          </a:p>
+          <a:p>
+            <a:r>
+              <a:rPr lang="en-US" sz="2400" dirty="0"/>
+              <a:t>For each architecture, we performed a  grid search to evaluate different activation functions, learning rates, batch sizes, momentum values, and regularization lambdas</a:t>
+            </a:r>
+          </a:p>
+          <a:p>
+            <a:endParaRPr lang="en-US" sz="2400" dirty="0"/>
+          </a:p>
+          <a:p>
+            <a:r>
+              <a:rPr lang="en-US" sz="2400" dirty="0"/>
+              <a:t>Following these initial grid searches, we executed a more refined grid search to find the optimal parameters based on the best-performing configurations identified in the previous steps</a:t>
+            </a:r>
+          </a:p>
+        </p:txBody>
+      </p:sp>
+      <p:sp>
+        <p:nvSpPr>
+          <p:cNvPr id="9" name="Segnaposto numero diapositiva 8">
+            <a:extLst>
+              <a:ext uri="{FF2B5EF4-FFF2-40B4-BE49-F238E27FC236}">
+                <a16:creationId xmlns:a16="http://schemas.microsoft.com/office/drawing/2014/main" id="{90568876-4A3E-149E-05A7-769D2120F3E4}"/>
+              </a:ext>
+            </a:extLst>
+          </p:cNvPr>
+          <p:cNvSpPr>
+            <a:spLocks noGrp="1"/>
+          </p:cNvSpPr>
+          <p:nvPr>
+            <p:ph type="sldNum" sz="quarter" idx="12"/>
+          </p:nvPr>
+        </p:nvSpPr>
+        <p:spPr/>
+        <p:txBody>
+          <a:bodyPr/>
+          <a:lstStyle/>
+          <a:p>
+            <a:fld id="{642154B9-5AE1-4D93-9ACE-3DF3B522DF2F}" type="slidenum">
+              <a:rPr lang="it-IT" smtClean="0"/>
+              <a:t>13</a:t>
+            </a:fld>
+            <a:endParaRPr lang="it-IT"/>
+          </a:p>
+        </p:txBody>
+      </p:sp>
+    </p:spTree>
+    <p:extLst>
+      <p:ext uri="{BB962C8B-B14F-4D97-AF65-F5344CB8AC3E}">
+        <p14:creationId xmlns:p14="http://schemas.microsoft.com/office/powerpoint/2010/main" val="1005539396"/>
+      </p:ext>
+    </p:extLst>
+  </p:cSld>
+  <p:clrMapOvr>
+    <a:masterClrMapping/>
+  </p:clrMapOvr>
+</p:sld>
+</file>
+
+<file path=ppt/slides/slide14.xml><?xml version="1.0" encoding="utf-8"?>
+<p:sld xmlns:a="http://schemas.openxmlformats.org/drawingml/2006/main" xmlns:r="http://schemas.openxmlformats.org/officeDocument/2006/relationships" xmlns:p="http://schemas.openxmlformats.org/presentationml/2006/main">
+  <p:cSld>
+    <p:spTree>
+      <p:nvGrpSpPr>
+        <p:cNvPr id="1" name=""/>
+        <p:cNvGrpSpPr/>
+        <p:nvPr/>
+      </p:nvGrpSpPr>
+      <p:grpSpPr>
+        <a:xfrm>
+          <a:off x="0" y="0"/>
+          <a:ext cx="0" cy="0"/>
+          <a:chOff x="0" y="0"/>
+          <a:chExt cx="0" cy="0"/>
+        </a:xfrm>
+      </p:grpSpPr>
+      <p:sp>
+        <p:nvSpPr>
+          <p:cNvPr id="2" name="Titolo 1">
+            <a:extLst>
+              <a:ext uri="{FF2B5EF4-FFF2-40B4-BE49-F238E27FC236}">
+                <a16:creationId xmlns:a16="http://schemas.microsoft.com/office/drawing/2014/main" id="{32242F0D-F3C7-5888-B659-FAE035653A8D}"/>
+              </a:ext>
+            </a:extLst>
+          </p:cNvPr>
+          <p:cNvSpPr>
+            <a:spLocks noGrp="1"/>
+          </p:cNvSpPr>
+          <p:nvPr>
+            <p:ph type="title"/>
+          </p:nvPr>
+        </p:nvSpPr>
+        <p:spPr/>
+        <p:txBody>
+          <a:bodyPr/>
+          <a:lstStyle/>
+          <a:p>
+            <a:r>
+              <a:rPr lang="en-US" b="1" dirty="0"/>
+              <a:t>CUP Validation schema </a:t>
+            </a:r>
+            <a:r>
+              <a:rPr lang="en-US" dirty="0"/>
+              <a:t>– Grid search</a:t>
+            </a:r>
+          </a:p>
+        </p:txBody>
+      </p:sp>
+      <p:graphicFrame>
+        <p:nvGraphicFramePr>
+          <p:cNvPr id="3" name="Tabella 2">
+            <a:extLst>
+              <a:ext uri="{FF2B5EF4-FFF2-40B4-BE49-F238E27FC236}">
+                <a16:creationId xmlns:a16="http://schemas.microsoft.com/office/drawing/2014/main" id="{136464B2-38EC-7390-192F-BA4D624CAA03}"/>
+              </a:ext>
+            </a:extLst>
+          </p:cNvPr>
+          <p:cNvGraphicFramePr>
+            <a:graphicFrameLocks noGrp="1"/>
+          </p:cNvGraphicFramePr>
+          <p:nvPr>
+            <p:extLst>
+              <p:ext uri="{D42A27DB-BD31-4B8C-83A1-F6EECF244321}">
+                <p14:modId xmlns:p14="http://schemas.microsoft.com/office/powerpoint/2010/main" val="3856147991"/>
+              </p:ext>
+            </p:extLst>
+          </p:nvPr>
+        </p:nvGraphicFramePr>
+        <p:xfrm>
+          <a:off x="2420352" y="1564201"/>
+          <a:ext cx="7351296" cy="5003322"/>
+        </p:xfrm>
+        <a:graphic>
+          <a:graphicData uri="http://schemas.openxmlformats.org/drawingml/2006/table">
+            <a:tbl>
+              <a:tblPr firstRow="1" bandRow="1">
+                <a:tableStyleId>{5940675A-B579-460E-94D1-54222C63F5DA}</a:tableStyleId>
+              </a:tblPr>
+              <a:tblGrid>
+                <a:gridCol w="3265224">
+                  <a:extLst>
+                    <a:ext uri="{9D8B030D-6E8A-4147-A177-3AD203B41FA5}">
+                      <a16:colId xmlns:a16="http://schemas.microsoft.com/office/drawing/2014/main" val="4178770465"/>
+                    </a:ext>
+                  </a:extLst>
+                </a:gridCol>
+                <a:gridCol w="4086072">
+                  <a:extLst>
+                    <a:ext uri="{9D8B030D-6E8A-4147-A177-3AD203B41FA5}">
+                      <a16:colId xmlns:a16="http://schemas.microsoft.com/office/drawing/2014/main" val="1638727958"/>
+                    </a:ext>
+                  </a:extLst>
+                </a:gridCol>
+              </a:tblGrid>
+              <a:tr h="411702">
+                <a:tc>
+                  <a:txBody>
+                    <a:bodyPr/>
+                    <a:lstStyle/>
+                    <a:p>
+                      <a:pPr algn="ctr"/>
+                      <a:r>
+                        <a:rPr lang="en-US" b="1" noProof="0" dirty="0"/>
+                        <a:t>Hyperparameters</a:t>
+                      </a:r>
+                    </a:p>
+                  </a:txBody>
+                  <a:tcPr/>
+                </a:tc>
+                <a:tc>
+                  <a:txBody>
+                    <a:bodyPr/>
+                    <a:lstStyle/>
+                    <a:p>
+                      <a:pPr algn="ctr"/>
+                      <a:r>
+                        <a:rPr lang="en-US" b="1" noProof="0" dirty="0"/>
+                        <a:t>Configuration tested</a:t>
+                      </a:r>
+                    </a:p>
+                  </a:txBody>
+                  <a:tcPr/>
+                </a:tc>
+                <a:extLst>
+                  <a:ext uri="{0D108BD9-81ED-4DB2-BD59-A6C34878D82A}">
+                    <a16:rowId xmlns:a16="http://schemas.microsoft.com/office/drawing/2014/main" val="2808750613"/>
+                  </a:ext>
+                </a:extLst>
+              </a:tr>
+              <a:tr h="417420">
+                <a:tc>
+                  <a:txBody>
+                    <a:bodyPr/>
+                    <a:lstStyle/>
+                    <a:p>
+                      <a:r>
+                        <a:rPr lang="en-US" noProof="0" dirty="0"/>
+                        <a:t>Number of layer</a:t>
+                      </a:r>
+                    </a:p>
+                  </a:txBody>
+                  <a:tcPr/>
+                </a:tc>
+                <a:tc>
+                  <a:txBody>
+                    <a:bodyPr/>
+                    <a:lstStyle/>
+                    <a:p>
+                      <a:r>
+                        <a:rPr lang="en-US" noProof="0" dirty="0"/>
+                        <a:t>From  2  to  5  layers</a:t>
+                      </a:r>
+                    </a:p>
+                  </a:txBody>
+                  <a:tcPr/>
+                </a:tc>
+                <a:extLst>
+                  <a:ext uri="{0D108BD9-81ED-4DB2-BD59-A6C34878D82A}">
+                    <a16:rowId xmlns:a16="http://schemas.microsoft.com/office/drawing/2014/main" val="3593317239"/>
+                  </a:ext>
+                </a:extLst>
+              </a:tr>
+              <a:tr h="417420">
+                <a:tc>
+                  <a:txBody>
+                    <a:bodyPr/>
+                    <a:lstStyle/>
+                    <a:p>
+                      <a:r>
+                        <a:rPr lang="en-US" noProof="0" dirty="0"/>
+                        <a:t>Units on each layer</a:t>
+                      </a:r>
+                    </a:p>
+                  </a:txBody>
+                  <a:tcPr/>
+                </a:tc>
+                <a:tc>
+                  <a:txBody>
+                    <a:bodyPr/>
+                    <a:lstStyle/>
+                    <a:p>
+                      <a:r>
+                        <a:rPr lang="en-US" noProof="0" dirty="0"/>
+                        <a:t>From  10  to  200  units</a:t>
+                      </a:r>
+                    </a:p>
+                  </a:txBody>
+                  <a:tcPr/>
+                </a:tc>
+                <a:extLst>
+                  <a:ext uri="{0D108BD9-81ED-4DB2-BD59-A6C34878D82A}">
+                    <a16:rowId xmlns:a16="http://schemas.microsoft.com/office/drawing/2014/main" val="13791384"/>
+                  </a:ext>
+                </a:extLst>
+              </a:tr>
+              <a:tr h="417420">
+                <a:tc>
+                  <a:txBody>
+                    <a:bodyPr/>
+                    <a:lstStyle/>
+                    <a:p>
+                      <a:r>
+                        <a:rPr lang="en-US" noProof="0" dirty="0"/>
+                        <a:t>Activation functions</a:t>
+                      </a:r>
+                    </a:p>
+                  </a:txBody>
+                  <a:tcPr/>
+                </a:tc>
+                <a:tc>
+                  <a:txBody>
+                    <a:bodyPr/>
+                    <a:lstStyle/>
+                    <a:p>
+                      <a:r>
+                        <a:rPr lang="en-US" noProof="0" dirty="0" err="1"/>
+                        <a:t>ReLU</a:t>
+                      </a:r>
+                      <a:r>
+                        <a:rPr lang="en-US" noProof="0" dirty="0"/>
+                        <a:t>, Leaky </a:t>
+                      </a:r>
+                      <a:r>
+                        <a:rPr lang="en-US" noProof="0" dirty="0" err="1"/>
+                        <a:t>ReLU</a:t>
+                      </a:r>
+                      <a:r>
+                        <a:rPr lang="en-US" noProof="0" dirty="0"/>
+                        <a:t>, </a:t>
+                      </a:r>
+                      <a:r>
+                        <a:rPr lang="en-US" noProof="0" dirty="0" err="1"/>
+                        <a:t>Selu</a:t>
+                      </a:r>
+                      <a:r>
+                        <a:rPr lang="en-US" noProof="0" dirty="0"/>
+                        <a:t>, Tanh</a:t>
+                      </a:r>
+                    </a:p>
+                  </a:txBody>
+                  <a:tcPr/>
+                </a:tc>
+                <a:extLst>
+                  <a:ext uri="{0D108BD9-81ED-4DB2-BD59-A6C34878D82A}">
+                    <a16:rowId xmlns:a16="http://schemas.microsoft.com/office/drawing/2014/main" val="218199436"/>
+                  </a:ext>
+                </a:extLst>
+              </a:tr>
+              <a:tr h="417420">
+                <a:tc>
+                  <a:txBody>
+                    <a:bodyPr/>
+                    <a:lstStyle/>
+                    <a:p>
+                      <a:r>
+                        <a:rPr lang="en-US" noProof="0" dirty="0"/>
+                        <a:t>Weight </a:t>
+                      </a:r>
+                      <a:r>
+                        <a:rPr lang="en-US" noProof="0" dirty="0" err="1"/>
+                        <a:t>init</a:t>
+                      </a:r>
+                      <a:endParaRPr lang="en-US" noProof="0" dirty="0"/>
+                    </a:p>
+                  </a:txBody>
+                  <a:tcPr/>
+                </a:tc>
+                <a:tc>
+                  <a:txBody>
+                    <a:bodyPr/>
+                    <a:lstStyle/>
+                    <a:p>
+                      <a:r>
+                        <a:rPr lang="en-US" noProof="0" dirty="0"/>
+                        <a:t>Random uniform, </a:t>
+                      </a:r>
+                      <a:r>
+                        <a:rPr lang="en-US" noProof="0" dirty="0" err="1"/>
+                        <a:t>Glorot</a:t>
+                      </a:r>
+                      <a:r>
+                        <a:rPr lang="en-US" noProof="0" dirty="0"/>
+                        <a:t> and Bengio</a:t>
+                      </a:r>
+                    </a:p>
+                  </a:txBody>
+                  <a:tcPr/>
+                </a:tc>
+                <a:extLst>
+                  <a:ext uri="{0D108BD9-81ED-4DB2-BD59-A6C34878D82A}">
+                    <a16:rowId xmlns:a16="http://schemas.microsoft.com/office/drawing/2014/main" val="2960025086"/>
+                  </a:ext>
+                </a:extLst>
+              </a:tr>
+              <a:tr h="417420">
+                <a:tc>
+                  <a:txBody>
+                    <a:bodyPr/>
+                    <a:lstStyle/>
+                    <a:p>
+                      <a:r>
+                        <a:rPr lang="en-US" noProof="0" dirty="0"/>
+                        <a:t>Epochs</a:t>
+                      </a:r>
+                    </a:p>
+                  </a:txBody>
+                  <a:tcPr/>
+                </a:tc>
+                <a:tc>
+                  <a:txBody>
+                    <a:bodyPr/>
+                    <a:lstStyle/>
+                    <a:p>
+                      <a:r>
+                        <a:rPr lang="en-US" noProof="0" dirty="0"/>
+                        <a:t>From  500  to  100 000</a:t>
+                      </a:r>
+                    </a:p>
+                  </a:txBody>
+                  <a:tcPr/>
+                </a:tc>
+                <a:extLst>
+                  <a:ext uri="{0D108BD9-81ED-4DB2-BD59-A6C34878D82A}">
+                    <a16:rowId xmlns:a16="http://schemas.microsoft.com/office/drawing/2014/main" val="2810274668"/>
+                  </a:ext>
+                </a:extLst>
+              </a:tr>
+              <a:tr h="417420">
+                <a:tc>
+                  <a:txBody>
+                    <a:bodyPr/>
+                    <a:lstStyle/>
+                    <a:p>
+                      <a:r>
+                        <a:rPr lang="en-US" noProof="0" dirty="0"/>
+                        <a:t>Batch size</a:t>
+                      </a:r>
+                    </a:p>
+                  </a:txBody>
+                  <a:tcPr/>
+                </a:tc>
+                <a:tc>
+                  <a:txBody>
+                    <a:bodyPr/>
+                    <a:lstStyle/>
+                    <a:p>
+                      <a:r>
+                        <a:rPr lang="en-US" noProof="0" dirty="0"/>
+                        <a:t>From  50  to  all data</a:t>
+                      </a:r>
+                    </a:p>
+                  </a:txBody>
+                  <a:tcPr/>
+                </a:tc>
+                <a:extLst>
+                  <a:ext uri="{0D108BD9-81ED-4DB2-BD59-A6C34878D82A}">
+                    <a16:rowId xmlns:a16="http://schemas.microsoft.com/office/drawing/2014/main" val="3251450277"/>
+                  </a:ext>
+                </a:extLst>
+              </a:tr>
+              <a:tr h="417420">
+                <a:tc>
+                  <a:txBody>
+                    <a:bodyPr/>
+                    <a:lstStyle/>
+                    <a:p>
+                      <a:r>
+                        <a:rPr lang="en-US" noProof="0" dirty="0"/>
+                        <a:t>Learning rate</a:t>
+                      </a:r>
+                    </a:p>
+                  </a:txBody>
+                  <a:tcPr/>
+                </a:tc>
+                <a:tc>
+                  <a:txBody>
+                    <a:bodyPr/>
+                    <a:lstStyle/>
+                    <a:p>
+                      <a:r>
+                        <a:rPr lang="en-US" noProof="0" dirty="0"/>
+                        <a:t>From  0.0001  to  0.008</a:t>
+                      </a:r>
+                    </a:p>
+                  </a:txBody>
+                  <a:tcPr/>
+                </a:tc>
+                <a:extLst>
+                  <a:ext uri="{0D108BD9-81ED-4DB2-BD59-A6C34878D82A}">
+                    <a16:rowId xmlns:a16="http://schemas.microsoft.com/office/drawing/2014/main" val="3487497310"/>
+                  </a:ext>
+                </a:extLst>
+              </a:tr>
+              <a:tr h="417420">
+                <a:tc>
+                  <a:txBody>
+                    <a:bodyPr/>
+                    <a:lstStyle/>
+                    <a:p>
+                      <a:r>
+                        <a:rPr lang="en-US" noProof="0" dirty="0"/>
+                        <a:t>Momentum alpha</a:t>
+                      </a:r>
+                    </a:p>
+                  </a:txBody>
+                  <a:tcPr/>
+                </a:tc>
+                <a:tc>
+                  <a:txBody>
+                    <a:bodyPr/>
+                    <a:lstStyle/>
+                    <a:p>
+                      <a:r>
+                        <a:rPr lang="en-US" noProof="0" dirty="0"/>
+                        <a:t>From  0  to  0.95</a:t>
+                      </a:r>
+                    </a:p>
+                  </a:txBody>
+                  <a:tcPr/>
+                </a:tc>
+                <a:extLst>
+                  <a:ext uri="{0D108BD9-81ED-4DB2-BD59-A6C34878D82A}">
+                    <a16:rowId xmlns:a16="http://schemas.microsoft.com/office/drawing/2014/main" val="3641678924"/>
+                  </a:ext>
+                </a:extLst>
+              </a:tr>
+              <a:tr h="417420">
+                <a:tc>
+                  <a:txBody>
+                    <a:bodyPr/>
+                    <a:lstStyle/>
+                    <a:p>
+                      <a:r>
+                        <a:rPr lang="en-US" noProof="0" dirty="0"/>
+                        <a:t>Nesterov momentum</a:t>
+                      </a:r>
+                    </a:p>
+                  </a:txBody>
+                  <a:tcPr/>
+                </a:tc>
+                <a:tc>
+                  <a:txBody>
+                    <a:bodyPr/>
+                    <a:lstStyle/>
+                    <a:p>
+                      <a:r>
+                        <a:rPr lang="en-US" noProof="0" dirty="0"/>
+                        <a:t>True   -   False</a:t>
+                      </a:r>
+                    </a:p>
+                  </a:txBody>
+                  <a:tcPr/>
+                </a:tc>
+                <a:extLst>
+                  <a:ext uri="{0D108BD9-81ED-4DB2-BD59-A6C34878D82A}">
+                    <a16:rowId xmlns:a16="http://schemas.microsoft.com/office/drawing/2014/main" val="864014814"/>
+                  </a:ext>
+                </a:extLst>
+              </a:tr>
+              <a:tr h="417420">
+                <a:tc>
+                  <a:txBody>
+                    <a:bodyPr/>
+                    <a:lstStyle/>
+                    <a:p>
+                      <a:r>
+                        <a:rPr lang="en-US" noProof="0" dirty="0"/>
+                        <a:t>Regularization lambda</a:t>
+                      </a:r>
+                    </a:p>
+                  </a:txBody>
+                  <a:tcPr/>
+                </a:tc>
+                <a:tc>
+                  <a:txBody>
+                    <a:bodyPr/>
+                    <a:lstStyle/>
+                    <a:p>
+                      <a:r>
+                        <a:rPr lang="en-US" noProof="0" dirty="0"/>
+                        <a:t>0,   0.0001,   0.00001,   0.000005</a:t>
+                      </a:r>
+                    </a:p>
+                  </a:txBody>
+                  <a:tcPr/>
+                </a:tc>
+                <a:extLst>
+                  <a:ext uri="{0D108BD9-81ED-4DB2-BD59-A6C34878D82A}">
+                    <a16:rowId xmlns:a16="http://schemas.microsoft.com/office/drawing/2014/main" val="107418239"/>
+                  </a:ext>
+                </a:extLst>
+              </a:tr>
+              <a:tr h="417420">
+                <a:tc>
+                  <a:txBody>
+                    <a:bodyPr/>
+                    <a:lstStyle/>
+                    <a:p>
+                      <a:r>
+                        <a:rPr lang="en-US" noProof="0" dirty="0"/>
+                        <a:t>Early stopping</a:t>
+                      </a:r>
+                    </a:p>
+                  </a:txBody>
+                  <a:tcPr/>
+                </a:tc>
+                <a:tc>
+                  <a:txBody>
+                    <a:bodyPr/>
+                    <a:lstStyle/>
+                    <a:p>
+                      <a:pPr marL="0" marR="0" lvl="0" indent="0" algn="l" defTabSz="914400" rtl="0" eaLnBrk="1" fontAlgn="auto" latinLnBrk="0" hangingPunct="1">
+                        <a:lnSpc>
+                          <a:spcPct val="100000"/>
+                        </a:lnSpc>
+                        <a:spcBef>
+                          <a:spcPts val="0"/>
+                        </a:spcBef>
+                        <a:spcAft>
+                          <a:spcPts val="0"/>
+                        </a:spcAft>
+                        <a:buClrTx/>
+                        <a:buSzTx/>
+                        <a:buFontTx/>
+                        <a:buNone/>
+                        <a:tabLst/>
+                        <a:defRPr/>
+                      </a:pPr>
+                      <a:r>
+                        <a:rPr lang="en-US" noProof="0" dirty="0"/>
+                        <a:t>True   -   False</a:t>
+                      </a:r>
+                    </a:p>
+                  </a:txBody>
+                  <a:tcPr/>
+                </a:tc>
+                <a:extLst>
+                  <a:ext uri="{0D108BD9-81ED-4DB2-BD59-A6C34878D82A}">
+                    <a16:rowId xmlns:a16="http://schemas.microsoft.com/office/drawing/2014/main" val="1033886598"/>
+                  </a:ext>
+                </a:extLst>
+              </a:tr>
+            </a:tbl>
+          </a:graphicData>
+        </a:graphic>
+      </p:graphicFrame>
+      <p:sp>
+        <p:nvSpPr>
+          <p:cNvPr id="4" name="Segnaposto numero diapositiva 3">
+            <a:extLst>
+              <a:ext uri="{FF2B5EF4-FFF2-40B4-BE49-F238E27FC236}">
+                <a16:creationId xmlns:a16="http://schemas.microsoft.com/office/drawing/2014/main" id="{8C641C17-29F1-5A64-4F99-F93E2DCFF28B}"/>
+              </a:ext>
+            </a:extLst>
+          </p:cNvPr>
+          <p:cNvSpPr>
+            <a:spLocks noGrp="1"/>
+          </p:cNvSpPr>
+          <p:nvPr>
+            <p:ph type="sldNum" sz="quarter" idx="12"/>
+          </p:nvPr>
+        </p:nvSpPr>
+        <p:spPr/>
+        <p:txBody>
+          <a:bodyPr/>
+          <a:lstStyle/>
+          <a:p>
+            <a:fld id="{642154B9-5AE1-4D93-9ACE-3DF3B522DF2F}" type="slidenum">
+              <a:rPr lang="it-IT" smtClean="0"/>
+              <a:t>14</a:t>
+            </a:fld>
+            <a:endParaRPr lang="it-IT" dirty="0"/>
+          </a:p>
+        </p:txBody>
+      </p:sp>
+    </p:spTree>
+    <p:extLst>
+      <p:ext uri="{BB962C8B-B14F-4D97-AF65-F5344CB8AC3E}">
+        <p14:creationId xmlns:p14="http://schemas.microsoft.com/office/powerpoint/2010/main" val="2557478514"/>
+      </p:ext>
+    </p:extLst>
+  </p:cSld>
+  <p:clrMapOvr>
+    <a:masterClrMapping/>
+  </p:clrMapOvr>
+</p:sld>
+</file>
+
+<file path=ppt/slides/slide15.xml><?xml version="1.0" encoding="utf-8"?>
+<p:sld xmlns:a="http://schemas.openxmlformats.org/drawingml/2006/main" xmlns:r="http://schemas.openxmlformats.org/officeDocument/2006/relationships" xmlns:p="http://schemas.openxmlformats.org/presentationml/2006/main">
+  <p:cSld>
+    <p:spTree>
+      <p:nvGrpSpPr>
+        <p:cNvPr id="1" name=""/>
+        <p:cNvGrpSpPr/>
+        <p:nvPr/>
+      </p:nvGrpSpPr>
+      <p:grpSpPr>
+        <a:xfrm>
+          <a:off x="0" y="0"/>
+          <a:ext cx="0" cy="0"/>
+          <a:chOff x="0" y="0"/>
+          <a:chExt cx="0" cy="0"/>
+        </a:xfrm>
+      </p:grpSpPr>
+      <p:sp>
+        <p:nvSpPr>
+          <p:cNvPr id="2" name="Titolo 1">
+            <a:extLst>
+              <a:ext uri="{FF2B5EF4-FFF2-40B4-BE49-F238E27FC236}">
+                <a16:creationId xmlns:a16="http://schemas.microsoft.com/office/drawing/2014/main" id="{32242F0D-F3C7-5888-B659-FAE035653A8D}"/>
+              </a:ext>
+            </a:extLst>
+          </p:cNvPr>
+          <p:cNvSpPr>
+            <a:spLocks noGrp="1"/>
+          </p:cNvSpPr>
+          <p:nvPr>
+            <p:ph type="title"/>
+          </p:nvPr>
+        </p:nvSpPr>
+        <p:spPr/>
+        <p:txBody>
+          <a:bodyPr/>
+          <a:lstStyle/>
+          <a:p>
+            <a:r>
+              <a:rPr lang="en-US" b="1" dirty="0"/>
+              <a:t>CUP Validation schema </a:t>
+            </a:r>
+            <a:r>
+              <a:rPr lang="en-US" dirty="0"/>
+              <a:t>– Grid search</a:t>
+            </a:r>
+          </a:p>
+        </p:txBody>
+      </p:sp>
+      <p:sp>
+        <p:nvSpPr>
+          <p:cNvPr id="4" name="Segnaposto numero diapositiva 3">
+            <a:extLst>
+              <a:ext uri="{FF2B5EF4-FFF2-40B4-BE49-F238E27FC236}">
+                <a16:creationId xmlns:a16="http://schemas.microsoft.com/office/drawing/2014/main" id="{8C641C17-29F1-5A64-4F99-F93E2DCFF28B}"/>
+              </a:ext>
+            </a:extLst>
+          </p:cNvPr>
+          <p:cNvSpPr>
+            <a:spLocks noGrp="1"/>
+          </p:cNvSpPr>
+          <p:nvPr>
+            <p:ph type="sldNum" sz="quarter" idx="12"/>
+          </p:nvPr>
+        </p:nvSpPr>
+        <p:spPr/>
+        <p:txBody>
+          <a:bodyPr/>
+          <a:lstStyle/>
+          <a:p>
+            <a:fld id="{642154B9-5AE1-4D93-9ACE-3DF3B522DF2F}" type="slidenum">
+              <a:rPr lang="it-IT" smtClean="0"/>
+              <a:t>15</a:t>
+            </a:fld>
+            <a:endParaRPr lang="it-IT" dirty="0"/>
+          </a:p>
+        </p:txBody>
+      </p:sp>
+      <p:sp>
+        <p:nvSpPr>
+          <p:cNvPr id="7" name="CasellaDiTesto 6">
+            <a:extLst>
+              <a:ext uri="{FF2B5EF4-FFF2-40B4-BE49-F238E27FC236}">
+                <a16:creationId xmlns:a16="http://schemas.microsoft.com/office/drawing/2014/main" id="{1DFBB0B1-2BA2-F8D4-9938-35F901E95237}"/>
+              </a:ext>
+            </a:extLst>
+          </p:cNvPr>
+          <p:cNvSpPr txBox="1"/>
+          <p:nvPr/>
+        </p:nvSpPr>
+        <p:spPr>
+          <a:xfrm>
+            <a:off x="333676" y="4699348"/>
+            <a:ext cx="3825551" cy="1754326"/>
+          </a:xfrm>
+          <a:prstGeom prst="rect">
+            <a:avLst/>
+          </a:prstGeom>
+          <a:noFill/>
+        </p:spPr>
+        <p:txBody>
+          <a:bodyPr wrap="square" rtlCol="0">
+            <a:spAutoFit/>
+          </a:bodyPr>
+          <a:lstStyle/>
+          <a:p>
+            <a:r>
+              <a:rPr lang="it-IT" dirty="0" err="1"/>
+              <a:t>Units</a:t>
+            </a:r>
+            <a:r>
+              <a:rPr lang="it-IT" dirty="0"/>
+              <a:t>: (10, 3)</a:t>
+            </a:r>
+          </a:p>
+          <a:p>
+            <a:r>
+              <a:rPr lang="it-IT" dirty="0" err="1"/>
+              <a:t>Activations</a:t>
+            </a:r>
+            <a:r>
+              <a:rPr lang="it-IT" dirty="0"/>
+              <a:t> </a:t>
+            </a:r>
+            <a:r>
+              <a:rPr lang="it-IT" dirty="0" err="1"/>
+              <a:t>func</a:t>
+            </a:r>
+            <a:r>
+              <a:rPr lang="it-IT" dirty="0"/>
+              <a:t>: (</a:t>
+            </a:r>
+            <a:r>
+              <a:rPr lang="it-IT" dirty="0" err="1"/>
+              <a:t>Relu</a:t>
+            </a:r>
+            <a:r>
+              <a:rPr lang="it-IT" dirty="0"/>
+              <a:t>, Identity)</a:t>
+            </a:r>
+          </a:p>
+          <a:p>
+            <a:r>
+              <a:rPr lang="it-IT" dirty="0"/>
+              <a:t>Learning rate: 0.008</a:t>
+            </a:r>
+          </a:p>
+          <a:p>
+            <a:r>
+              <a:rPr lang="it-IT" dirty="0"/>
+              <a:t>Momentum alpha: 0.85</a:t>
+            </a:r>
+          </a:p>
+          <a:p>
+            <a:r>
+              <a:rPr lang="it-IT" dirty="0"/>
+              <a:t>Batch</a:t>
+            </a:r>
+          </a:p>
+          <a:p>
+            <a:r>
+              <a:rPr lang="it-IT" dirty="0"/>
+              <a:t>Lambda: 0</a:t>
+            </a:r>
+          </a:p>
+        </p:txBody>
+      </p:sp>
+      <p:pic>
+        <p:nvPicPr>
+          <p:cNvPr id="11" name="Immagine 10" descr="Immagine che contiene testo, schermata, linea, diagramma&#10;&#10;Descrizione generata automaticamente">
+            <a:extLst>
+              <a:ext uri="{FF2B5EF4-FFF2-40B4-BE49-F238E27FC236}">
+                <a16:creationId xmlns:a16="http://schemas.microsoft.com/office/drawing/2014/main" id="{9AD3F185-04A2-552C-50D3-ED8B41D1808A}"/>
+              </a:ext>
+            </a:extLst>
+          </p:cNvPr>
+          <p:cNvPicPr>
+            <a:picLocks noChangeAspect="1"/>
+          </p:cNvPicPr>
+          <p:nvPr/>
+        </p:nvPicPr>
+        <p:blipFill>
+          <a:blip r:embed="rId2">
+            <a:extLst>
+              <a:ext uri="{28A0092B-C50C-407E-A947-70E740481C1C}">
+                <a14:useLocalDpi xmlns:a14="http://schemas.microsoft.com/office/drawing/2010/main" val="0"/>
+              </a:ext>
+            </a:extLst>
+          </a:blip>
+          <a:stretch>
+            <a:fillRect/>
+          </a:stretch>
+        </p:blipFill>
+        <p:spPr>
+          <a:xfrm>
+            <a:off x="212377" y="1571426"/>
+            <a:ext cx="3721413" cy="2867907"/>
+          </a:xfrm>
+          <a:prstGeom prst="rect">
+            <a:avLst/>
+          </a:prstGeom>
+        </p:spPr>
+      </p:pic>
+      <p:pic>
+        <p:nvPicPr>
+          <p:cNvPr id="13" name="Immagine 12">
+            <a:extLst>
+              <a:ext uri="{FF2B5EF4-FFF2-40B4-BE49-F238E27FC236}">
+                <a16:creationId xmlns:a16="http://schemas.microsoft.com/office/drawing/2014/main" id="{5FAF3382-625F-3D9D-10F2-68C1E0E633D1}"/>
+              </a:ext>
+            </a:extLst>
+          </p:cNvPr>
+          <p:cNvPicPr>
+            <a:picLocks noChangeAspect="1"/>
+          </p:cNvPicPr>
+          <p:nvPr/>
+        </p:nvPicPr>
+        <p:blipFill>
+          <a:blip r:embed="rId3">
+            <a:extLst>
+              <a:ext uri="{28A0092B-C50C-407E-A947-70E740481C1C}">
+                <a14:useLocalDpi xmlns:a14="http://schemas.microsoft.com/office/drawing/2010/main" val="0"/>
+              </a:ext>
+            </a:extLst>
+          </a:blip>
+          <a:srcRect/>
+          <a:stretch/>
+        </p:blipFill>
+        <p:spPr>
+          <a:xfrm>
+            <a:off x="4338314" y="1571426"/>
+            <a:ext cx="3619615" cy="2867907"/>
+          </a:xfrm>
+          <a:prstGeom prst="rect">
+            <a:avLst/>
+          </a:prstGeom>
+        </p:spPr>
+      </p:pic>
+      <p:sp>
+        <p:nvSpPr>
+          <p:cNvPr id="14" name="CasellaDiTesto 13">
+            <a:extLst>
+              <a:ext uri="{FF2B5EF4-FFF2-40B4-BE49-F238E27FC236}">
+                <a16:creationId xmlns:a16="http://schemas.microsoft.com/office/drawing/2014/main" id="{FDB0AC52-F07C-AB47-7DC9-7DF45BA4A73E}"/>
+              </a:ext>
+            </a:extLst>
+          </p:cNvPr>
+          <p:cNvSpPr txBox="1"/>
+          <p:nvPr/>
+        </p:nvSpPr>
+        <p:spPr>
+          <a:xfrm>
+            <a:off x="4357141" y="4699348"/>
+            <a:ext cx="4143570" cy="1754326"/>
+          </a:xfrm>
+          <a:prstGeom prst="rect">
+            <a:avLst/>
+          </a:prstGeom>
+          <a:noFill/>
+        </p:spPr>
+        <p:txBody>
+          <a:bodyPr wrap="square" rtlCol="0">
+            <a:spAutoFit/>
+          </a:bodyPr>
+          <a:lstStyle/>
+          <a:p>
+            <a:r>
+              <a:rPr lang="it-IT" dirty="0" err="1"/>
+              <a:t>Units</a:t>
+            </a:r>
+            <a:r>
+              <a:rPr lang="it-IT" dirty="0"/>
+              <a:t>: (30, 30, 3)</a:t>
+            </a:r>
+          </a:p>
+          <a:p>
+            <a:r>
+              <a:rPr lang="it-IT" dirty="0" err="1"/>
+              <a:t>Activations</a:t>
+            </a:r>
+            <a:r>
+              <a:rPr lang="it-IT" dirty="0"/>
+              <a:t> </a:t>
+            </a:r>
+            <a:r>
+              <a:rPr lang="it-IT" dirty="0" err="1"/>
+              <a:t>func</a:t>
+            </a:r>
+            <a:r>
+              <a:rPr lang="it-IT" dirty="0"/>
+              <a:t>: (</a:t>
+            </a:r>
+            <a:r>
+              <a:rPr lang="it-IT" dirty="0" err="1"/>
+              <a:t>Selu</a:t>
+            </a:r>
+            <a:r>
+              <a:rPr lang="it-IT" dirty="0"/>
+              <a:t>, </a:t>
+            </a:r>
+            <a:r>
+              <a:rPr lang="it-IT" dirty="0" err="1"/>
+              <a:t>Selu</a:t>
+            </a:r>
+            <a:r>
+              <a:rPr lang="it-IT" dirty="0"/>
+              <a:t>, Identity)</a:t>
+            </a:r>
+          </a:p>
+          <a:p>
+            <a:r>
+              <a:rPr lang="it-IT" dirty="0"/>
+              <a:t>Learning rate: 0.008</a:t>
+            </a:r>
+          </a:p>
+          <a:p>
+            <a:r>
+              <a:rPr lang="it-IT" dirty="0"/>
+              <a:t>Momentum alpha: 0.85</a:t>
+            </a:r>
+          </a:p>
+          <a:p>
+            <a:r>
+              <a:rPr lang="it-IT" dirty="0"/>
+              <a:t>Batch</a:t>
+            </a:r>
+          </a:p>
+          <a:p>
+            <a:r>
+              <a:rPr lang="it-IT" dirty="0"/>
+              <a:t>Lambda: 0</a:t>
+            </a:r>
+          </a:p>
+        </p:txBody>
+      </p:sp>
+      <p:pic>
+        <p:nvPicPr>
+          <p:cNvPr id="16" name="Immagine 15" descr="Immagine che contiene testo, schermata, linea, diagramma&#10;&#10;Descrizione generata automaticamente">
+            <a:extLst>
+              <a:ext uri="{FF2B5EF4-FFF2-40B4-BE49-F238E27FC236}">
+                <a16:creationId xmlns:a16="http://schemas.microsoft.com/office/drawing/2014/main" id="{024CDACA-59AF-87E1-A293-656EDE936DCB}"/>
+              </a:ext>
+            </a:extLst>
+          </p:cNvPr>
+          <p:cNvPicPr>
+            <a:picLocks noChangeAspect="1"/>
+          </p:cNvPicPr>
+          <p:nvPr/>
+        </p:nvPicPr>
+        <p:blipFill>
+          <a:blip r:embed="rId4">
+            <a:extLst>
+              <a:ext uri="{28A0092B-C50C-407E-A947-70E740481C1C}">
+                <a14:useLocalDpi xmlns:a14="http://schemas.microsoft.com/office/drawing/2010/main" val="0"/>
+              </a:ext>
+            </a:extLst>
+          </a:blip>
+          <a:stretch>
+            <a:fillRect/>
+          </a:stretch>
+        </p:blipFill>
+        <p:spPr>
+          <a:xfrm>
+            <a:off x="8362455" y="1552005"/>
+            <a:ext cx="3619614" cy="2867906"/>
+          </a:xfrm>
+          <a:prstGeom prst="rect">
+            <a:avLst/>
+          </a:prstGeom>
+        </p:spPr>
+      </p:pic>
+      <p:sp>
+        <p:nvSpPr>
+          <p:cNvPr id="17" name="CasellaDiTesto 16">
+            <a:extLst>
+              <a:ext uri="{FF2B5EF4-FFF2-40B4-BE49-F238E27FC236}">
+                <a16:creationId xmlns:a16="http://schemas.microsoft.com/office/drawing/2014/main" id="{0EDB4EE4-B470-A99C-10B1-C0A7AE2D1A69}"/>
+              </a:ext>
+            </a:extLst>
+          </p:cNvPr>
+          <p:cNvSpPr txBox="1"/>
+          <p:nvPr/>
+        </p:nvSpPr>
+        <p:spPr>
+          <a:xfrm>
+            <a:off x="8454056" y="4629973"/>
+            <a:ext cx="3298886" cy="2031325"/>
+          </a:xfrm>
+          <a:prstGeom prst="rect">
+            <a:avLst/>
+          </a:prstGeom>
+          <a:noFill/>
+        </p:spPr>
+        <p:txBody>
+          <a:bodyPr wrap="square" rtlCol="0">
+            <a:spAutoFit/>
+          </a:bodyPr>
+          <a:lstStyle/>
+          <a:p>
+            <a:r>
+              <a:rPr lang="it-IT" dirty="0" err="1"/>
+              <a:t>Units</a:t>
+            </a:r>
+            <a:r>
+              <a:rPr lang="it-IT" dirty="0"/>
+              <a:t>: (40, 40, 40, 40, 3)</a:t>
+            </a:r>
+          </a:p>
+          <a:p>
+            <a:r>
+              <a:rPr lang="it-IT" dirty="0" err="1"/>
+              <a:t>Activations</a:t>
+            </a:r>
+            <a:r>
+              <a:rPr lang="it-IT" dirty="0"/>
+              <a:t> </a:t>
+            </a:r>
+            <a:r>
+              <a:rPr lang="it-IT" dirty="0" err="1"/>
+              <a:t>func</a:t>
+            </a:r>
+            <a:r>
+              <a:rPr lang="it-IT" dirty="0"/>
+              <a:t>: (</a:t>
+            </a:r>
+            <a:r>
+              <a:rPr lang="it-IT" dirty="0" err="1"/>
+              <a:t>Selu</a:t>
+            </a:r>
+            <a:r>
+              <a:rPr lang="it-IT" dirty="0"/>
+              <a:t>, </a:t>
+            </a:r>
+            <a:r>
+              <a:rPr lang="it-IT" dirty="0" err="1"/>
+              <a:t>Selu</a:t>
+            </a:r>
+            <a:r>
+              <a:rPr lang="it-IT" dirty="0"/>
+              <a:t>,  </a:t>
+            </a:r>
+            <a:r>
+              <a:rPr lang="it-IT" dirty="0" err="1"/>
+              <a:t>Selu</a:t>
+            </a:r>
+            <a:r>
+              <a:rPr lang="it-IT" dirty="0"/>
+              <a:t>, </a:t>
+            </a:r>
+            <a:r>
+              <a:rPr lang="it-IT" dirty="0" err="1"/>
+              <a:t>Selu</a:t>
+            </a:r>
+            <a:r>
+              <a:rPr lang="it-IT" dirty="0"/>
+              <a:t>, Identity)</a:t>
+            </a:r>
+          </a:p>
+          <a:p>
+            <a:r>
+              <a:rPr lang="it-IT" dirty="0"/>
+              <a:t>Learning rate: 0.0005</a:t>
+            </a:r>
+          </a:p>
+          <a:p>
+            <a:r>
+              <a:rPr lang="it-IT" dirty="0"/>
+              <a:t>Momentum alpha: 0.9</a:t>
+            </a:r>
+          </a:p>
+          <a:p>
+            <a:r>
+              <a:rPr lang="it-IT" dirty="0" err="1"/>
+              <a:t>Minibatch</a:t>
+            </a:r>
+            <a:r>
+              <a:rPr lang="it-IT" dirty="0"/>
+              <a:t> size: 200</a:t>
+            </a:r>
+          </a:p>
+          <a:p>
+            <a:r>
+              <a:rPr lang="it-IT" dirty="0"/>
+              <a:t>Lambda: 0</a:t>
+            </a:r>
+          </a:p>
+        </p:txBody>
+      </p:sp>
+      <p:sp>
+        <p:nvSpPr>
+          <p:cNvPr id="18" name="CasellaDiTesto 17">
+            <a:extLst>
+              <a:ext uri="{FF2B5EF4-FFF2-40B4-BE49-F238E27FC236}">
+                <a16:creationId xmlns:a16="http://schemas.microsoft.com/office/drawing/2014/main" id="{7DC219A2-9CCE-8674-BA91-882B35D286B1}"/>
+              </a:ext>
+            </a:extLst>
+          </p:cNvPr>
+          <p:cNvSpPr txBox="1"/>
+          <p:nvPr/>
+        </p:nvSpPr>
+        <p:spPr>
+          <a:xfrm>
+            <a:off x="1239080" y="2088279"/>
+            <a:ext cx="2621567" cy="584775"/>
+          </a:xfrm>
+          <a:prstGeom prst="rect">
+            <a:avLst/>
+          </a:prstGeom>
+          <a:noFill/>
+        </p:spPr>
+        <p:txBody>
+          <a:bodyPr wrap="square" rtlCol="0">
+            <a:spAutoFit/>
+          </a:bodyPr>
+          <a:lstStyle/>
+          <a:p>
+            <a:pPr algn="r"/>
+            <a:r>
+              <a:rPr lang="it-IT" sz="1600" dirty="0"/>
+              <a:t>Training MEE:  1.9000</a:t>
+            </a:r>
+          </a:p>
+          <a:p>
+            <a:pPr algn="r"/>
+            <a:r>
+              <a:rPr lang="it-IT" sz="1600" dirty="0"/>
+              <a:t>Validation MEE:   2.1368</a:t>
+            </a:r>
+          </a:p>
+        </p:txBody>
+      </p:sp>
+      <p:sp>
+        <p:nvSpPr>
+          <p:cNvPr id="19" name="CasellaDiTesto 18">
+            <a:extLst>
+              <a:ext uri="{FF2B5EF4-FFF2-40B4-BE49-F238E27FC236}">
+                <a16:creationId xmlns:a16="http://schemas.microsoft.com/office/drawing/2014/main" id="{32CCE01E-9465-02BC-1F71-F77D545D0E68}"/>
+              </a:ext>
+            </a:extLst>
+          </p:cNvPr>
+          <p:cNvSpPr txBox="1"/>
+          <p:nvPr/>
+        </p:nvSpPr>
+        <p:spPr>
+          <a:xfrm>
+            <a:off x="5291676" y="2088279"/>
+            <a:ext cx="2621567" cy="584775"/>
+          </a:xfrm>
+          <a:prstGeom prst="rect">
+            <a:avLst/>
+          </a:prstGeom>
+          <a:noFill/>
+        </p:spPr>
+        <p:txBody>
+          <a:bodyPr wrap="square" rtlCol="0">
+            <a:spAutoFit/>
+          </a:bodyPr>
+          <a:lstStyle/>
+          <a:p>
+            <a:pPr algn="r"/>
+            <a:r>
+              <a:rPr lang="it-IT" sz="1600" dirty="0"/>
+              <a:t>Training MEE:  0.5500</a:t>
+            </a:r>
+          </a:p>
+          <a:p>
+            <a:pPr algn="r"/>
+            <a:r>
+              <a:rPr lang="it-IT" sz="1600" dirty="0"/>
+              <a:t>Validation MEE:   0.8747</a:t>
+            </a:r>
+          </a:p>
+        </p:txBody>
+      </p:sp>
+      <p:sp>
+        <p:nvSpPr>
+          <p:cNvPr id="20" name="CasellaDiTesto 19">
+            <a:extLst>
+              <a:ext uri="{FF2B5EF4-FFF2-40B4-BE49-F238E27FC236}">
+                <a16:creationId xmlns:a16="http://schemas.microsoft.com/office/drawing/2014/main" id="{26D90E17-7A28-76E7-4A6E-D4991A3F6B9E}"/>
+              </a:ext>
+            </a:extLst>
+          </p:cNvPr>
+          <p:cNvSpPr txBox="1"/>
+          <p:nvPr/>
+        </p:nvSpPr>
+        <p:spPr>
+          <a:xfrm>
+            <a:off x="9260296" y="2088278"/>
+            <a:ext cx="2621567" cy="584775"/>
+          </a:xfrm>
+          <a:prstGeom prst="rect">
+            <a:avLst/>
+          </a:prstGeom>
+          <a:noFill/>
+        </p:spPr>
+        <p:txBody>
+          <a:bodyPr wrap="square" rtlCol="0">
+            <a:spAutoFit/>
+          </a:bodyPr>
+          <a:lstStyle/>
+          <a:p>
+            <a:pPr algn="r"/>
+            <a:r>
+              <a:rPr lang="it-IT" sz="1600" dirty="0"/>
+              <a:t>Training MEE:  0.4600</a:t>
+            </a:r>
+          </a:p>
+          <a:p>
+            <a:pPr algn="r"/>
+            <a:r>
+              <a:rPr lang="it-IT" sz="1600" dirty="0"/>
+              <a:t>Validation MEE:   0.7773</a:t>
+            </a:r>
+          </a:p>
+        </p:txBody>
+      </p:sp>
+    </p:spTree>
+    <p:extLst>
+      <p:ext uri="{BB962C8B-B14F-4D97-AF65-F5344CB8AC3E}">
+        <p14:creationId xmlns:p14="http://schemas.microsoft.com/office/powerpoint/2010/main" val="772628214"/>
+      </p:ext>
+    </p:extLst>
+  </p:cSld>
+  <p:clrMapOvr>
+    <a:masterClrMapping/>
+  </p:clrMapOvr>
+</p:sld>
+</file>
+
+<file path=ppt/slides/slide16.xml><?xml version="1.0" encoding="utf-8"?>
+<p:sld xmlns:a="http://schemas.openxmlformats.org/drawingml/2006/main" xmlns:r="http://schemas.openxmlformats.org/officeDocument/2006/relationships" xmlns:p="http://schemas.openxmlformats.org/presentationml/2006/main">
+  <p:cSld>
+    <p:spTree>
+      <p:nvGrpSpPr>
+        <p:cNvPr id="1" name=""/>
+        <p:cNvGrpSpPr/>
+        <p:nvPr/>
+      </p:nvGrpSpPr>
+      <p:grpSpPr>
+        <a:xfrm>
+          <a:off x="0" y="0"/>
+          <a:ext cx="0" cy="0"/>
+          <a:chOff x="0" y="0"/>
+          <a:chExt cx="0" cy="0"/>
+        </a:xfrm>
+      </p:grpSpPr>
+      <p:sp>
+        <p:nvSpPr>
+          <p:cNvPr id="2" name="Titolo 1">
+            <a:extLst>
+              <a:ext uri="{FF2B5EF4-FFF2-40B4-BE49-F238E27FC236}">
+                <a16:creationId xmlns:a16="http://schemas.microsoft.com/office/drawing/2014/main" id="{32242F0D-F3C7-5888-B659-FAE035653A8D}"/>
+              </a:ext>
+            </a:extLst>
+          </p:cNvPr>
+          <p:cNvSpPr>
+            <a:spLocks noGrp="1"/>
+          </p:cNvSpPr>
+          <p:nvPr>
+            <p:ph type="title"/>
+          </p:nvPr>
+        </p:nvSpPr>
+        <p:spPr/>
+        <p:txBody>
+          <a:bodyPr/>
+          <a:lstStyle/>
+          <a:p>
+            <a:r>
+              <a:rPr lang="en-US" b="1" dirty="0"/>
+              <a:t>Discussion</a:t>
+            </a:r>
+            <a:endParaRPr lang="en-US" dirty="0"/>
+          </a:p>
+        </p:txBody>
+      </p:sp>
+      <p:sp>
+        <p:nvSpPr>
+          <p:cNvPr id="3" name="CasellaDiTesto 2">
+            <a:extLst>
+              <a:ext uri="{FF2B5EF4-FFF2-40B4-BE49-F238E27FC236}">
+                <a16:creationId xmlns:a16="http://schemas.microsoft.com/office/drawing/2014/main" id="{0448DF09-38BE-4CA2-C490-2A9388B7B27C}"/>
+              </a:ext>
+            </a:extLst>
+          </p:cNvPr>
+          <p:cNvSpPr txBox="1"/>
+          <p:nvPr/>
+        </p:nvSpPr>
+        <p:spPr>
+          <a:xfrm>
+            <a:off x="914400" y="1690688"/>
+            <a:ext cx="10758196" cy="4524315"/>
+          </a:xfrm>
+          <a:prstGeom prst="rect">
+            <a:avLst/>
+          </a:prstGeom>
+          <a:noFill/>
+        </p:spPr>
+        <p:txBody>
+          <a:bodyPr wrap="square" rtlCol="0">
+            <a:spAutoFit/>
+          </a:bodyPr>
+          <a:lstStyle/>
+          <a:p>
+            <a:pPr marL="285750" indent="-285750">
+              <a:buFont typeface="Arial" panose="020B0604020202020204" pitchFamily="34" charset="0"/>
+              <a:buChar char="•"/>
+            </a:pPr>
+            <a:r>
+              <a:rPr lang="en-US" sz="2400" dirty="0"/>
+              <a:t>To experiment, we tried many times to overfit the data with big networks and many </a:t>
+            </a:r>
+            <a:r>
+              <a:rPr lang="it-IT" sz="2400" dirty="0"/>
+              <a:t>training </a:t>
+            </a:r>
+            <a:r>
+              <a:rPr lang="en-US" sz="2400" dirty="0"/>
+              <a:t>epochs but</a:t>
+            </a:r>
+            <a:r>
+              <a:rPr lang="it-IT" sz="2400" dirty="0"/>
+              <a:t> </a:t>
+            </a:r>
+            <a:r>
+              <a:rPr lang="en-US" sz="2400" dirty="0"/>
+              <a:t>were unable to do so. We only observed that the validation loss start to decrease slower than the training loss. To verify if there were any issues with our simulator, we conducted tests with Keras and obtained the same results.</a:t>
+            </a:r>
+          </a:p>
+          <a:p>
+            <a:pPr marL="285750" indent="-285750">
+              <a:buFont typeface="Arial" panose="020B0604020202020204" pitchFamily="34" charset="0"/>
+              <a:buChar char="•"/>
+            </a:pPr>
+            <a:endParaRPr lang="en-US" sz="2400" dirty="0"/>
+          </a:p>
+          <a:p>
+            <a:pPr marL="285750" indent="-285750">
+              <a:buFont typeface="Arial" panose="020B0604020202020204" pitchFamily="34" charset="0"/>
+              <a:buChar char="•"/>
+            </a:pPr>
+            <a:r>
+              <a:rPr lang="en-US" sz="2400" dirty="0"/>
+              <a:t>Computing gradients for all the patterns with matrix multiplication, instead of computing them for one pattern at time using scalar products gives a massive improvement in executions time. This enhancement enables the testing of bigger networks and higher epochs in reasonable time.</a:t>
+            </a:r>
+          </a:p>
+          <a:p>
+            <a:pPr marL="285750" indent="-285750">
+              <a:buFont typeface="Arial" panose="020B0604020202020204" pitchFamily="34" charset="0"/>
+              <a:buChar char="•"/>
+            </a:pPr>
+            <a:endParaRPr lang="en-US" sz="2400" dirty="0"/>
+          </a:p>
+          <a:p>
+            <a:pPr marL="285750" indent="-285750">
+              <a:buFont typeface="Arial" panose="020B0604020202020204" pitchFamily="34" charset="0"/>
+              <a:buChar char="•"/>
+            </a:pPr>
+            <a:r>
+              <a:rPr lang="en-US" sz="2400" dirty="0"/>
+              <a:t>Momentum is essential for good learning (especially with batch)</a:t>
+            </a:r>
+            <a:endParaRPr lang="it-IT" sz="2400" dirty="0"/>
+          </a:p>
+        </p:txBody>
+      </p:sp>
+    </p:spTree>
+    <p:extLst>
+      <p:ext uri="{BB962C8B-B14F-4D97-AF65-F5344CB8AC3E}">
+        <p14:creationId xmlns:p14="http://schemas.microsoft.com/office/powerpoint/2010/main" val="3244110880"/>
+      </p:ext>
+    </p:extLst>
+  </p:cSld>
+  <p:clrMapOvr>
+    <a:masterClrMapping/>
+  </p:clrMapOvr>
+</p:sld>
+</file>
+
+<file path=ppt/slides/slide17.xml><?xml version="1.0" encoding="utf-8"?>
+<p:sld xmlns:a="http://schemas.openxmlformats.org/drawingml/2006/main" xmlns:r="http://schemas.openxmlformats.org/officeDocument/2006/relationships" xmlns:p="http://schemas.openxmlformats.org/presentationml/2006/main">
+  <p:cSld>
+    <p:spTree>
+      <p:nvGrpSpPr>
+        <p:cNvPr id="1" name=""/>
+        <p:cNvGrpSpPr/>
+        <p:nvPr/>
+      </p:nvGrpSpPr>
+      <p:grpSpPr>
+        <a:xfrm>
+          <a:off x="0" y="0"/>
+          <a:ext cx="0" cy="0"/>
+          <a:chOff x="0" y="0"/>
+          <a:chExt cx="0" cy="0"/>
+        </a:xfrm>
+      </p:grpSpPr>
+      <p:sp>
+        <p:nvSpPr>
+          <p:cNvPr id="2" name="Titolo 1">
+            <a:extLst>
+              <a:ext uri="{FF2B5EF4-FFF2-40B4-BE49-F238E27FC236}">
+                <a16:creationId xmlns:a16="http://schemas.microsoft.com/office/drawing/2014/main" id="{32242F0D-F3C7-5888-B659-FAE035653A8D}"/>
+              </a:ext>
+            </a:extLst>
+          </p:cNvPr>
+          <p:cNvSpPr>
+            <a:spLocks noGrp="1"/>
+          </p:cNvSpPr>
+          <p:nvPr>
+            <p:ph type="title"/>
+          </p:nvPr>
+        </p:nvSpPr>
+        <p:spPr/>
+        <p:txBody>
+          <a:bodyPr/>
+          <a:lstStyle/>
+          <a:p>
+            <a:r>
+              <a:rPr lang="en-US" b="1" dirty="0"/>
+              <a:t>Discussion</a:t>
+            </a:r>
+            <a:endParaRPr lang="en-US" dirty="0"/>
+          </a:p>
+        </p:txBody>
+      </p:sp>
+      <p:sp>
+        <p:nvSpPr>
+          <p:cNvPr id="3" name="CasellaDiTesto 2">
+            <a:extLst>
+              <a:ext uri="{FF2B5EF4-FFF2-40B4-BE49-F238E27FC236}">
+                <a16:creationId xmlns:a16="http://schemas.microsoft.com/office/drawing/2014/main" id="{0448DF09-38BE-4CA2-C490-2A9388B7B27C}"/>
+              </a:ext>
+            </a:extLst>
+          </p:cNvPr>
+          <p:cNvSpPr txBox="1"/>
+          <p:nvPr/>
+        </p:nvSpPr>
+        <p:spPr>
+          <a:xfrm>
+            <a:off x="914400" y="1690688"/>
+            <a:ext cx="10758196" cy="3416320"/>
+          </a:xfrm>
+          <a:prstGeom prst="rect">
+            <a:avLst/>
+          </a:prstGeom>
+          <a:noFill/>
+        </p:spPr>
+        <p:txBody>
+          <a:bodyPr wrap="square" rtlCol="0">
+            <a:spAutoFit/>
+          </a:bodyPr>
+          <a:lstStyle/>
+          <a:p>
+            <a:pPr marL="285750" indent="-285750">
+              <a:buFont typeface="Arial" panose="020B0604020202020204" pitchFamily="34" charset="0"/>
+              <a:buChar char="•"/>
+            </a:pPr>
+            <a:r>
+              <a:rPr lang="en-US" sz="2400" dirty="0" err="1"/>
+              <a:t>ReLU</a:t>
+            </a:r>
+            <a:r>
+              <a:rPr lang="en-US" sz="2400" dirty="0"/>
+              <a:t> (and its variants like Leaky </a:t>
+            </a:r>
+            <a:r>
+              <a:rPr lang="en-US" sz="2400" dirty="0" err="1"/>
+              <a:t>ReLU</a:t>
+            </a:r>
+            <a:r>
+              <a:rPr lang="en-US" sz="2400" dirty="0"/>
+              <a:t> and </a:t>
+            </a:r>
+            <a:r>
+              <a:rPr lang="en-US" sz="2400" dirty="0" err="1"/>
+              <a:t>SeLU</a:t>
+            </a:r>
+            <a:r>
+              <a:rPr lang="en-US" sz="2400" dirty="0"/>
+              <a:t>) tends to perform better than other activation functions during the training, with a more uniform and stable gradient descent.</a:t>
+            </a:r>
+          </a:p>
+          <a:p>
+            <a:pPr marL="285750" indent="-285750">
+              <a:buFont typeface="Arial" panose="020B0604020202020204" pitchFamily="34" charset="0"/>
+              <a:buChar char="•"/>
+            </a:pPr>
+            <a:endParaRPr lang="en-US" sz="2400" dirty="0"/>
+          </a:p>
+          <a:p>
+            <a:pPr marL="285750" indent="-285750">
+              <a:buFont typeface="Arial" panose="020B0604020202020204" pitchFamily="34" charset="0"/>
+              <a:buChar char="•"/>
+            </a:pPr>
+            <a:r>
+              <a:rPr lang="en-US" sz="2400" dirty="0"/>
+              <a:t>We realized that performing model selection require a lot of time, more than we had anticipated. Given that small tweaks to neural network hyperparameters yield significant variations in both training dynamics and outcomes, the combinations of hyperparameters to test are truly numerous, and for each is required a careful review.</a:t>
+            </a:r>
+          </a:p>
+        </p:txBody>
+      </p:sp>
+    </p:spTree>
+    <p:extLst>
+      <p:ext uri="{BB962C8B-B14F-4D97-AF65-F5344CB8AC3E}">
+        <p14:creationId xmlns:p14="http://schemas.microsoft.com/office/powerpoint/2010/main" val="689527355"/>
+      </p:ext>
+    </p:extLst>
+  </p:cSld>
+  <p:clrMapOvr>
+    <a:masterClrMapping/>
+  </p:clrMapOvr>
+</p:sld>
+</file>
+
+<file path=ppt/slides/slide18.xml><?xml version="1.0" encoding="utf-8"?>
+<p:sld xmlns:a="http://schemas.openxmlformats.org/drawingml/2006/main" xmlns:r="http://schemas.openxmlformats.org/officeDocument/2006/relationships" xmlns:p="http://schemas.openxmlformats.org/presentationml/2006/main">
+  <p:cSld>
+    <p:spTree>
+      <p:nvGrpSpPr>
+        <p:cNvPr id="1" name=""/>
+        <p:cNvGrpSpPr/>
+        <p:nvPr/>
+      </p:nvGrpSpPr>
+      <p:grpSpPr>
+        <a:xfrm>
+          <a:off x="0" y="0"/>
+          <a:ext cx="0" cy="0"/>
+          <a:chOff x="0" y="0"/>
+          <a:chExt cx="0" cy="0"/>
+        </a:xfrm>
+      </p:grpSpPr>
+      <p:sp>
+        <p:nvSpPr>
+          <p:cNvPr id="2" name="Titolo 1">
+            <a:extLst>
+              <a:ext uri="{FF2B5EF4-FFF2-40B4-BE49-F238E27FC236}">
+                <a16:creationId xmlns:a16="http://schemas.microsoft.com/office/drawing/2014/main" id="{32242F0D-F3C7-5888-B659-FAE035653A8D}"/>
+              </a:ext>
+            </a:extLst>
+          </p:cNvPr>
+          <p:cNvSpPr>
+            <a:spLocks noGrp="1"/>
+          </p:cNvSpPr>
+          <p:nvPr>
+            <p:ph type="title"/>
+          </p:nvPr>
+        </p:nvSpPr>
+        <p:spPr/>
+        <p:txBody>
+          <a:bodyPr/>
+          <a:lstStyle/>
+          <a:p>
+            <a:r>
+              <a:rPr lang="en-US" b="1" dirty="0"/>
+              <a:t>Conclusion</a:t>
+            </a:r>
+            <a:endParaRPr lang="en-US" dirty="0"/>
+          </a:p>
+        </p:txBody>
+      </p:sp>
+      <p:sp>
+        <p:nvSpPr>
+          <p:cNvPr id="3" name="CasellaDiTesto 2">
+            <a:extLst>
+              <a:ext uri="{FF2B5EF4-FFF2-40B4-BE49-F238E27FC236}">
+                <a16:creationId xmlns:a16="http://schemas.microsoft.com/office/drawing/2014/main" id="{0448DF09-38BE-4CA2-C490-2A9388B7B27C}"/>
+              </a:ext>
+            </a:extLst>
+          </p:cNvPr>
+          <p:cNvSpPr txBox="1"/>
+          <p:nvPr/>
+        </p:nvSpPr>
+        <p:spPr>
+          <a:xfrm>
+            <a:off x="914400" y="1690688"/>
+            <a:ext cx="10758196" cy="3416320"/>
+          </a:xfrm>
+          <a:prstGeom prst="rect">
+            <a:avLst/>
+          </a:prstGeom>
+          <a:noFill/>
+        </p:spPr>
+        <p:txBody>
+          <a:bodyPr wrap="square" rtlCol="0">
+            <a:spAutoFit/>
+          </a:bodyPr>
+          <a:lstStyle/>
+          <a:p>
+            <a:r>
+              <a:rPr lang="en-US" sz="2400" dirty="0"/>
+              <a:t>This project allowed us to find a connection between the theory and the practice studied during the course, indeed we dialed with overfitting, regularization, networks architecture and many other aspects discussed in the lectures.</a:t>
+            </a:r>
+          </a:p>
+          <a:p>
+            <a:endParaRPr lang="en-US" sz="2400" dirty="0"/>
+          </a:p>
+          <a:p>
+            <a:r>
+              <a:rPr lang="en-US" sz="2400" dirty="0"/>
+              <a:t>Creating an NN simulator from scratch was a demanding challenge, but very educational. This collaborative project not only expanded our technical knowledge but also enriched our experience in working collaboratively within a group setting.</a:t>
+            </a:r>
+          </a:p>
+          <a:p>
+            <a:endParaRPr lang="en-US" sz="2400" dirty="0"/>
+          </a:p>
+          <a:p>
+            <a:endParaRPr lang="en-US" sz="2400" dirty="0"/>
+          </a:p>
+        </p:txBody>
+      </p:sp>
+    </p:spTree>
+    <p:extLst>
+      <p:ext uri="{BB962C8B-B14F-4D97-AF65-F5344CB8AC3E}">
+        <p14:creationId xmlns:p14="http://schemas.microsoft.com/office/powerpoint/2010/main" val="2108753129"/>
       </p:ext>
     </p:extLst>
   </p:cSld>
@@ -4808,7 +7646,7 @@
           <a:lstStyle/>
           <a:p>
             <a:r>
-              <a:rPr lang="en-US" dirty="0"/>
+              <a:rPr lang="en-US" b="1" dirty="0"/>
               <a:t>Objectives</a:t>
             </a:r>
           </a:p>
@@ -4863,6 +7701,35 @@
           </a:p>
           <a:p>
             <a:endParaRPr lang="en-US" dirty="0"/>
+          </a:p>
+        </p:txBody>
+      </p:sp>
+      <p:sp>
+        <p:nvSpPr>
+          <p:cNvPr id="4" name="Segnaposto numero diapositiva 3">
+            <a:extLst>
+              <a:ext uri="{FF2B5EF4-FFF2-40B4-BE49-F238E27FC236}">
+                <a16:creationId xmlns:a16="http://schemas.microsoft.com/office/drawing/2014/main" id="{86A4CF5A-6F2E-EB31-2E04-56EAACBEF952}"/>
+              </a:ext>
+            </a:extLst>
+          </p:cNvPr>
+          <p:cNvSpPr>
+            <a:spLocks noGrp="1"/>
+          </p:cNvSpPr>
+          <p:nvPr>
+            <p:ph type="sldNum" sz="quarter" idx="12"/>
+          </p:nvPr>
+        </p:nvSpPr>
+        <p:spPr/>
+        <p:txBody>
+          <a:bodyPr/>
+          <a:lstStyle/>
+          <a:p>
+            <a:fld id="{642154B9-5AE1-4D93-9ACE-3DF3B522DF2F}" type="slidenum">
+              <a:rPr lang="it-IT" smtClean="0"/>
+              <a:t>2</a:t>
+            </a:fld>
+            <a:endParaRPr lang="it-IT"/>
           </a:p>
         </p:txBody>
       </p:sp>
@@ -4918,7 +7785,7 @@
           <a:lstStyle/>
           <a:p>
             <a:r>
-              <a:rPr lang="it-IT" dirty="0"/>
+              <a:rPr lang="it-IT" b="1" dirty="0"/>
               <a:t>Method</a:t>
             </a:r>
           </a:p>
@@ -5013,6 +7880,35 @@
               <a:buNone/>
             </a:pPr>
             <a:endParaRPr lang="en-US" dirty="0"/>
+          </a:p>
+        </p:txBody>
+      </p:sp>
+      <p:sp>
+        <p:nvSpPr>
+          <p:cNvPr id="4" name="Segnaposto numero diapositiva 3">
+            <a:extLst>
+              <a:ext uri="{FF2B5EF4-FFF2-40B4-BE49-F238E27FC236}">
+                <a16:creationId xmlns:a16="http://schemas.microsoft.com/office/drawing/2014/main" id="{C61F8777-F710-C2DA-368D-C7207EAE0C57}"/>
+              </a:ext>
+            </a:extLst>
+          </p:cNvPr>
+          <p:cNvSpPr>
+            <a:spLocks noGrp="1"/>
+          </p:cNvSpPr>
+          <p:nvPr>
+            <p:ph type="sldNum" sz="quarter" idx="12"/>
+          </p:nvPr>
+        </p:nvSpPr>
+        <p:spPr/>
+        <p:txBody>
+          <a:bodyPr/>
+          <a:lstStyle/>
+          <a:p>
+            <a:fld id="{642154B9-5AE1-4D93-9ACE-3DF3B522DF2F}" type="slidenum">
+              <a:rPr lang="it-IT" smtClean="0"/>
+              <a:t>3</a:t>
+            </a:fld>
+            <a:endParaRPr lang="it-IT"/>
           </a:p>
         </p:txBody>
       </p:sp>
@@ -5068,7 +7964,7 @@
           <a:lstStyle/>
           <a:p>
             <a:r>
-              <a:rPr lang="it-IT" dirty="0"/>
+              <a:rPr lang="it-IT" b="1" dirty="0"/>
               <a:t>Method</a:t>
             </a:r>
           </a:p>
@@ -5137,6 +8033,35 @@
               <a:rPr lang="en-US" dirty="0"/>
               <a:t>: a class representing a layer of the Neural Network. It contains the number of units, with all the weights, and the activation function chosen by the user. During training, each layer compute its gradient and the error signal to propagate to the previous layer.</a:t>
             </a:r>
+          </a:p>
+        </p:txBody>
+      </p:sp>
+      <p:sp>
+        <p:nvSpPr>
+          <p:cNvPr id="4" name="Segnaposto numero diapositiva 3">
+            <a:extLst>
+              <a:ext uri="{FF2B5EF4-FFF2-40B4-BE49-F238E27FC236}">
+                <a16:creationId xmlns:a16="http://schemas.microsoft.com/office/drawing/2014/main" id="{32DFF621-12E4-26F1-1B2A-EA00FECF827C}"/>
+              </a:ext>
+            </a:extLst>
+          </p:cNvPr>
+          <p:cNvSpPr>
+            <a:spLocks noGrp="1"/>
+          </p:cNvSpPr>
+          <p:nvPr>
+            <p:ph type="sldNum" sz="quarter" idx="12"/>
+          </p:nvPr>
+        </p:nvSpPr>
+        <p:spPr/>
+        <p:txBody>
+          <a:bodyPr/>
+          <a:lstStyle/>
+          <a:p>
+            <a:fld id="{642154B9-5AE1-4D93-9ACE-3DF3B522DF2F}" type="slidenum">
+              <a:rPr lang="it-IT" smtClean="0"/>
+              <a:t>4</a:t>
+            </a:fld>
+            <a:endParaRPr lang="it-IT"/>
           </a:p>
         </p:txBody>
       </p:sp>
@@ -5192,7 +8117,7 @@
           <a:lstStyle/>
           <a:p>
             <a:r>
-              <a:rPr lang="it-IT" dirty="0"/>
+              <a:rPr lang="it-IT" b="1" dirty="0"/>
               <a:t>Method</a:t>
             </a:r>
           </a:p>
@@ -5286,6 +8211,35 @@
               <a:rPr lang="en-US" dirty="0"/>
               <a:t>Early stopping</a:t>
             </a:r>
+          </a:p>
+        </p:txBody>
+      </p:sp>
+      <p:sp>
+        <p:nvSpPr>
+          <p:cNvPr id="4" name="Segnaposto numero diapositiva 3">
+            <a:extLst>
+              <a:ext uri="{FF2B5EF4-FFF2-40B4-BE49-F238E27FC236}">
+                <a16:creationId xmlns:a16="http://schemas.microsoft.com/office/drawing/2014/main" id="{1B6A770E-E337-5377-8796-6B574F090E47}"/>
+              </a:ext>
+            </a:extLst>
+          </p:cNvPr>
+          <p:cNvSpPr>
+            <a:spLocks noGrp="1"/>
+          </p:cNvSpPr>
+          <p:nvPr>
+            <p:ph type="sldNum" sz="quarter" idx="12"/>
+          </p:nvPr>
+        </p:nvSpPr>
+        <p:spPr/>
+        <p:txBody>
+          <a:bodyPr/>
+          <a:lstStyle/>
+          <a:p>
+            <a:fld id="{642154B9-5AE1-4D93-9ACE-3DF3B522DF2F}" type="slidenum">
+              <a:rPr lang="it-IT" smtClean="0"/>
+              <a:t>5</a:t>
+            </a:fld>
+            <a:endParaRPr lang="it-IT"/>
           </a:p>
         </p:txBody>
       </p:sp>
@@ -5341,7 +8295,7 @@
           <a:lstStyle/>
           <a:p>
             <a:r>
-              <a:rPr lang="it-IT" dirty="0"/>
+              <a:rPr lang="it-IT" b="1" dirty="0"/>
               <a:t>Method</a:t>
             </a:r>
           </a:p>
@@ -5449,6 +8403,35 @@
               <a:rPr lang="en-US" dirty="0"/>
               <a:t>: generic utility functions (e.g., dataset reading, weights init, …)</a:t>
             </a:r>
+          </a:p>
+        </p:txBody>
+      </p:sp>
+      <p:sp>
+        <p:nvSpPr>
+          <p:cNvPr id="4" name="Segnaposto numero diapositiva 3">
+            <a:extLst>
+              <a:ext uri="{FF2B5EF4-FFF2-40B4-BE49-F238E27FC236}">
+                <a16:creationId xmlns:a16="http://schemas.microsoft.com/office/drawing/2014/main" id="{69F2FE71-BA57-9F5B-1900-2E2A967CDF5E}"/>
+              </a:ext>
+            </a:extLst>
+          </p:cNvPr>
+          <p:cNvSpPr>
+            <a:spLocks noGrp="1"/>
+          </p:cNvSpPr>
+          <p:nvPr>
+            <p:ph type="sldNum" sz="quarter" idx="12"/>
+          </p:nvPr>
+        </p:nvSpPr>
+        <p:spPr/>
+        <p:txBody>
+          <a:bodyPr/>
+          <a:lstStyle/>
+          <a:p>
+            <a:fld id="{642154B9-5AE1-4D93-9ACE-3DF3B522DF2F}" type="slidenum">
+              <a:rPr lang="it-IT" smtClean="0"/>
+              <a:t>6</a:t>
+            </a:fld>
+            <a:endParaRPr lang="it-IT"/>
           </a:p>
         </p:txBody>
       </p:sp>
@@ -5504,16 +8487,20 @@
           <a:lstStyle/>
           <a:p>
             <a:r>
+              <a:rPr lang="it-IT" b="1" dirty="0"/>
+              <a:t>Monk </a:t>
+            </a:r>
+            <a:r>
+              <a:rPr lang="it-IT" b="1" dirty="0" err="1"/>
+              <a:t>Results</a:t>
+            </a:r>
+            <a:r>
+              <a:rPr lang="it-IT" b="1" dirty="0"/>
+              <a:t> </a:t>
+            </a:r>
+            <a:r>
               <a:rPr lang="it-IT" dirty="0"/>
-              <a:t>Monk </a:t>
-            </a:r>
-            <a:r>
-              <a:rPr lang="it-IT" dirty="0" err="1"/>
-              <a:t>Results</a:t>
-            </a:r>
-            <a:r>
-              <a:rPr lang="it-IT" dirty="0"/>
-              <a:t> – Monk 1</a:t>
+              <a:t>– Monk 1</a:t>
             </a:r>
           </a:p>
         </p:txBody>
@@ -5648,6 +8635,35 @@
               <a:rPr lang="en-US" sz="2400" dirty="0"/>
               <a:t>:   Batch,   Learning rate: 0.5,   Momentum: 0.5,   No regularization</a:t>
             </a:r>
+          </a:p>
+        </p:txBody>
+      </p:sp>
+      <p:sp>
+        <p:nvSpPr>
+          <p:cNvPr id="3" name="Segnaposto numero diapositiva 2">
+            <a:extLst>
+              <a:ext uri="{FF2B5EF4-FFF2-40B4-BE49-F238E27FC236}">
+                <a16:creationId xmlns:a16="http://schemas.microsoft.com/office/drawing/2014/main" id="{B0C88ACA-1DBD-CFE6-049D-C84FDDD07739}"/>
+              </a:ext>
+            </a:extLst>
+          </p:cNvPr>
+          <p:cNvSpPr>
+            <a:spLocks noGrp="1"/>
+          </p:cNvSpPr>
+          <p:nvPr>
+            <p:ph type="sldNum" sz="quarter" idx="12"/>
+          </p:nvPr>
+        </p:nvSpPr>
+        <p:spPr/>
+        <p:txBody>
+          <a:bodyPr/>
+          <a:lstStyle/>
+          <a:p>
+            <a:fld id="{642154B9-5AE1-4D93-9ACE-3DF3B522DF2F}" type="slidenum">
+              <a:rPr lang="it-IT" smtClean="0"/>
+              <a:t>7</a:t>
+            </a:fld>
+            <a:endParaRPr lang="it-IT"/>
           </a:p>
         </p:txBody>
       </p:sp>
@@ -5703,16 +8719,20 @@
           <a:lstStyle/>
           <a:p>
             <a:r>
+              <a:rPr lang="it-IT" b="1" dirty="0"/>
+              <a:t>Monk </a:t>
+            </a:r>
+            <a:r>
+              <a:rPr lang="it-IT" b="1" dirty="0" err="1"/>
+              <a:t>Results</a:t>
+            </a:r>
+            <a:r>
+              <a:rPr lang="it-IT" b="1" dirty="0"/>
+              <a:t> </a:t>
+            </a:r>
+            <a:r>
               <a:rPr lang="it-IT" dirty="0"/>
-              <a:t>Monk </a:t>
-            </a:r>
-            <a:r>
-              <a:rPr lang="it-IT" dirty="0" err="1"/>
-              <a:t>Results</a:t>
-            </a:r>
-            <a:r>
-              <a:rPr lang="it-IT" dirty="0"/>
-              <a:t> – Monk 2</a:t>
+              <a:t>– Monk 2</a:t>
             </a:r>
           </a:p>
         </p:txBody>
@@ -5858,6 +8878,35 @@
           </a:prstGeom>
         </p:spPr>
       </p:pic>
+      <p:sp>
+        <p:nvSpPr>
+          <p:cNvPr id="5" name="Segnaposto numero diapositiva 4">
+            <a:extLst>
+              <a:ext uri="{FF2B5EF4-FFF2-40B4-BE49-F238E27FC236}">
+                <a16:creationId xmlns:a16="http://schemas.microsoft.com/office/drawing/2014/main" id="{7645A5DC-31ED-7D43-9E85-3BD77A322D3B}"/>
+              </a:ext>
+            </a:extLst>
+          </p:cNvPr>
+          <p:cNvSpPr>
+            <a:spLocks noGrp="1"/>
+          </p:cNvSpPr>
+          <p:nvPr>
+            <p:ph type="sldNum" sz="quarter" idx="12"/>
+          </p:nvPr>
+        </p:nvSpPr>
+        <p:spPr/>
+        <p:txBody>
+          <a:bodyPr/>
+          <a:lstStyle/>
+          <a:p>
+            <a:fld id="{642154B9-5AE1-4D93-9ACE-3DF3B522DF2F}" type="slidenum">
+              <a:rPr lang="it-IT" smtClean="0"/>
+              <a:t>8</a:t>
+            </a:fld>
+            <a:endParaRPr lang="it-IT"/>
+          </a:p>
+        </p:txBody>
+      </p:sp>
     </p:spTree>
     <p:extLst>
       <p:ext uri="{BB962C8B-B14F-4D97-AF65-F5344CB8AC3E}">
@@ -5910,16 +8959,20 @@
           <a:lstStyle/>
           <a:p>
             <a:r>
+              <a:rPr lang="it-IT" b="1" dirty="0"/>
+              <a:t>Monk </a:t>
+            </a:r>
+            <a:r>
+              <a:rPr lang="it-IT" b="1" dirty="0" err="1"/>
+              <a:t>Results</a:t>
+            </a:r>
+            <a:r>
+              <a:rPr lang="it-IT" b="1" dirty="0"/>
+              <a:t> </a:t>
+            </a:r>
+            <a:r>
               <a:rPr lang="it-IT" dirty="0"/>
-              <a:t>Monk </a:t>
-            </a:r>
-            <a:r>
-              <a:rPr lang="it-IT" dirty="0" err="1"/>
-              <a:t>Results</a:t>
-            </a:r>
-            <a:r>
-              <a:rPr lang="it-IT" dirty="0"/>
-              <a:t> – Monk 3 (no </a:t>
+              <a:t>– Monk 3 (no </a:t>
             </a:r>
             <a:r>
               <a:rPr lang="it-IT" dirty="0" err="1"/>
@@ -6065,6 +9118,35 @@
           </a:prstGeom>
         </p:spPr>
       </p:pic>
+      <p:sp>
+        <p:nvSpPr>
+          <p:cNvPr id="3" name="Segnaposto numero diapositiva 2">
+            <a:extLst>
+              <a:ext uri="{FF2B5EF4-FFF2-40B4-BE49-F238E27FC236}">
+                <a16:creationId xmlns:a16="http://schemas.microsoft.com/office/drawing/2014/main" id="{F70E3DA0-27A0-3B2A-212C-4CE321D5A62B}"/>
+              </a:ext>
+            </a:extLst>
+          </p:cNvPr>
+          <p:cNvSpPr>
+            <a:spLocks noGrp="1"/>
+          </p:cNvSpPr>
+          <p:nvPr>
+            <p:ph type="sldNum" sz="quarter" idx="12"/>
+          </p:nvPr>
+        </p:nvSpPr>
+        <p:spPr/>
+        <p:txBody>
+          <a:bodyPr/>
+          <a:lstStyle/>
+          <a:p>
+            <a:fld id="{642154B9-5AE1-4D93-9ACE-3DF3B522DF2F}" type="slidenum">
+              <a:rPr lang="it-IT" smtClean="0"/>
+              <a:t>9</a:t>
+            </a:fld>
+            <a:endParaRPr lang="it-IT"/>
+          </a:p>
+        </p:txBody>
+      </p:sp>
     </p:spTree>
     <p:extLst>
       <p:ext uri="{BB962C8B-B14F-4D97-AF65-F5344CB8AC3E}">
@@ -6371,4 +9453,299 @@
     </a:ext>
   </a:extLst>
 </a:theme>
+</file>
+
+<file path=ppt/theme/theme2.xml><?xml version="1.0" encoding="utf-8"?>
+<a:theme xmlns:a="http://schemas.openxmlformats.org/drawingml/2006/main" name="Tema di Office">
+  <a:themeElements>
+    <a:clrScheme name="Office">
+      <a:dk1>
+        <a:sysClr val="windowText" lastClr="000000"/>
+      </a:dk1>
+      <a:lt1>
+        <a:sysClr val="window" lastClr="FFFFFF"/>
+      </a:lt1>
+      <a:dk2>
+        <a:srgbClr val="44546A"/>
+      </a:dk2>
+      <a:lt2>
+        <a:srgbClr val="E7E6E6"/>
+      </a:lt2>
+      <a:accent1>
+        <a:srgbClr val="4472C4"/>
+      </a:accent1>
+      <a:accent2>
+        <a:srgbClr val="ED7D31"/>
+      </a:accent2>
+      <a:accent3>
+        <a:srgbClr val="A5A5A5"/>
+      </a:accent3>
+      <a:accent4>
+        <a:srgbClr val="FFC000"/>
+      </a:accent4>
+      <a:accent5>
+        <a:srgbClr val="5B9BD5"/>
+      </a:accent5>
+      <a:accent6>
+        <a:srgbClr val="70AD47"/>
+      </a:accent6>
+      <a:hlink>
+        <a:srgbClr val="0563C1"/>
+      </a:hlink>
+      <a:folHlink>
+        <a:srgbClr val="954F72"/>
+      </a:folHlink>
+    </a:clrScheme>
+    <a:fontScheme name="Office">
+      <a:majorFont>
+        <a:latin typeface="Calibri Light" panose="020F0302020204030204"/>
+        <a:ea typeface=""/>
+        <a:cs typeface=""/>
+        <a:font script="Jpan" typeface="游ゴシック Light"/>
+        <a:font script="Hang" typeface="맑은 고딕"/>
+        <a:font script="Hans" typeface="等线 Light"/>
+        <a:font script="Hant" typeface="新細明體"/>
+        <a:font script="Arab" typeface="Times New Roman"/>
+        <a:font script="Hebr" typeface="Times New Roman"/>
+        <a:font script="Thai" typeface="Angsana New"/>
+        <a:font script="Ethi" typeface="Nyala"/>
+        <a:font script="Beng" typeface="Vrinda"/>
+        <a:font script="Gujr" typeface="Shruti"/>
+        <a:font script="Khmr" typeface="MoolBoran"/>
+        <a:font script="Knda" typeface="Tunga"/>
+        <a:font script="Guru" typeface="Raavi"/>
+        <a:font script="Cans" typeface="Euphemia"/>
+        <a:font script="Cher" typeface="Plantagenet Cherokee"/>
+        <a:font script="Yiii" typeface="Microsoft Yi Baiti"/>
+        <a:font script="Tibt" typeface="Microsoft Himalaya"/>
+        <a:font script="Thaa" typeface="MV Boli"/>
+        <a:font script="Deva" typeface="Mangal"/>
+        <a:font script="Telu" typeface="Gautami"/>
+        <a:font script="Taml" typeface="Latha"/>
+        <a:font script="Syrc" typeface="Estrangelo Edessa"/>
+        <a:font script="Orya" typeface="Kalinga"/>
+        <a:font script="Mlym" typeface="Kartika"/>
+        <a:font script="Laoo" typeface="DokChampa"/>
+        <a:font script="Sinh" typeface="Iskoola Pota"/>
+        <a:font script="Mong" typeface="Mongolian Baiti"/>
+        <a:font script="Viet" typeface="Times New Roman"/>
+        <a:font script="Uigh" typeface="Microsoft Uighur"/>
+        <a:font script="Geor" typeface="Sylfaen"/>
+        <a:font script="Armn" typeface="Arial"/>
+        <a:font script="Bugi" typeface="Leelawadee UI"/>
+        <a:font script="Bopo" typeface="Microsoft JhengHei"/>
+        <a:font script="Java" typeface="Javanese Text"/>
+        <a:font script="Lisu" typeface="Segoe UI"/>
+        <a:font script="Mymr" typeface="Myanmar Text"/>
+        <a:font script="Nkoo" typeface="Ebrima"/>
+        <a:font script="Olck" typeface="Nirmala UI"/>
+        <a:font script="Osma" typeface="Ebrima"/>
+        <a:font script="Phag" typeface="Phagspa"/>
+        <a:font script="Syrn" typeface="Estrangelo Edessa"/>
+        <a:font script="Syrj" typeface="Estrangelo Edessa"/>
+        <a:font script="Syre" typeface="Estrangelo Edessa"/>
+        <a:font script="Sora" typeface="Nirmala UI"/>
+        <a:font script="Tale" typeface="Microsoft Tai Le"/>
+        <a:font script="Talu" typeface="Microsoft New Tai Lue"/>
+        <a:font script="Tfng" typeface="Ebrima"/>
+      </a:majorFont>
+      <a:minorFont>
+        <a:latin typeface="Calibri" panose="020F0502020204030204"/>
+        <a:ea typeface=""/>
+        <a:cs typeface=""/>
+        <a:font script="Jpan" typeface="游ゴシック"/>
+        <a:font script="Hang" typeface="맑은 고딕"/>
+        <a:font script="Hans" typeface="等线"/>
+        <a:font script="Hant" typeface="新細明體"/>
+        <a:font script="Arab" typeface="Arial"/>
+        <a:font script="Hebr" typeface="Arial"/>
+        <a:font script="Thai" typeface="Cordia New"/>
+        <a:font script="Ethi" typeface="Nyala"/>
+        <a:font script="Beng" typeface="Vrinda"/>
+        <a:font script="Gujr" typeface="Shruti"/>
+        <a:font script="Khmr" typeface="DaunPenh"/>
+        <a:font script="Knda" typeface="Tunga"/>
+        <a:font script="Guru" typeface="Raavi"/>
+        <a:font script="Cans" typeface="Euphemia"/>
+        <a:font script="Cher" typeface="Plantagenet Cherokee"/>
+        <a:font script="Yiii" typeface="Microsoft Yi Baiti"/>
+        <a:font script="Tibt" typeface="Microsoft Himalaya"/>
+        <a:font script="Thaa" typeface="MV Boli"/>
+        <a:font script="Deva" typeface="Mangal"/>
+        <a:font script="Telu" typeface="Gautami"/>
+        <a:font script="Taml" typeface="Latha"/>
+        <a:font script="Syrc" typeface="Estrangelo Edessa"/>
+        <a:font script="Orya" typeface="Kalinga"/>
+        <a:font script="Mlym" typeface="Kartika"/>
+        <a:font script="Laoo" typeface="DokChampa"/>
+        <a:font script="Sinh" typeface="Iskoola Pota"/>
+        <a:font script="Mong" typeface="Mongolian Baiti"/>
+        <a:font script="Viet" typeface="Arial"/>
+        <a:font script="Uigh" typeface="Microsoft Uighur"/>
+        <a:font script="Geor" typeface="Sylfaen"/>
+        <a:font script="Armn" typeface="Arial"/>
+        <a:font script="Bugi" typeface="Leelawadee UI"/>
+        <a:font script="Bopo" typeface="Microsoft JhengHei"/>
+        <a:font script="Java" typeface="Javanese Text"/>
+        <a:font script="Lisu" typeface="Segoe UI"/>
+        <a:font script="Mymr" typeface="Myanmar Text"/>
+        <a:font script="Nkoo" typeface="Ebrima"/>
+        <a:font script="Olck" typeface="Nirmala UI"/>
+        <a:font script="Osma" typeface="Ebrima"/>
+        <a:font script="Phag" typeface="Phagspa"/>
+        <a:font script="Syrn" typeface="Estrangelo Edessa"/>
+        <a:font script="Syrj" typeface="Estrangelo Edessa"/>
+        <a:font script="Syre" typeface="Estrangelo Edessa"/>
+        <a:font script="Sora" typeface="Nirmala UI"/>
+        <a:font script="Tale" typeface="Microsoft Tai Le"/>
+        <a:font script="Talu" typeface="Microsoft New Tai Lue"/>
+        <a:font script="Tfng" typeface="Ebrima"/>
+      </a:minorFont>
+    </a:fontScheme>
+    <a:fmtScheme name="Office">
+      <a:fillStyleLst>
+        <a:solidFill>
+          <a:schemeClr val="phClr"/>
+        </a:solidFill>
+        <a:gradFill rotWithShape="1">
+          <a:gsLst>
+            <a:gs pos="0">
+              <a:schemeClr val="phClr">
+                <a:lumMod val="110000"/>
+                <a:satMod val="105000"/>
+                <a:tint val="67000"/>
+              </a:schemeClr>
+            </a:gs>
+            <a:gs pos="50000">
+              <a:schemeClr val="phClr">
+                <a:lumMod val="105000"/>
+                <a:satMod val="103000"/>
+                <a:tint val="73000"/>
+              </a:schemeClr>
+            </a:gs>
+            <a:gs pos="100000">
+              <a:schemeClr val="phClr">
+                <a:lumMod val="105000"/>
+                <a:satMod val="109000"/>
+                <a:tint val="81000"/>
+              </a:schemeClr>
+            </a:gs>
+          </a:gsLst>
+          <a:lin ang="5400000" scaled="0"/>
+        </a:gradFill>
+        <a:gradFill rotWithShape="1">
+          <a:gsLst>
+            <a:gs pos="0">
+              <a:schemeClr val="phClr">
+                <a:satMod val="103000"/>
+                <a:lumMod val="102000"/>
+                <a:tint val="94000"/>
+              </a:schemeClr>
+            </a:gs>
+            <a:gs pos="50000">
+              <a:schemeClr val="phClr">
+                <a:satMod val="110000"/>
+                <a:lumMod val="100000"/>
+                <a:shade val="100000"/>
+              </a:schemeClr>
+            </a:gs>
+            <a:gs pos="100000">
+              <a:schemeClr val="phClr">
+                <a:lumMod val="99000"/>
+                <a:satMod val="120000"/>
+                <a:shade val="78000"/>
+              </a:schemeClr>
+            </a:gs>
+          </a:gsLst>
+          <a:lin ang="5400000" scaled="0"/>
+        </a:gradFill>
+      </a:fillStyleLst>
+      <a:lnStyleLst>
+        <a:ln w="6350" cap="flat" cmpd="sng" algn="ctr">
+          <a:solidFill>
+            <a:schemeClr val="phClr"/>
+          </a:solidFill>
+          <a:prstDash val="solid"/>
+          <a:miter lim="800000"/>
+        </a:ln>
+        <a:ln w="12700" cap="flat" cmpd="sng" algn="ctr">
+          <a:solidFill>
+            <a:schemeClr val="phClr"/>
+          </a:solidFill>
+          <a:prstDash val="solid"/>
+          <a:miter lim="800000"/>
+        </a:ln>
+        <a:ln w="19050" cap="flat" cmpd="sng" algn="ctr">
+          <a:solidFill>
+            <a:schemeClr val="phClr"/>
+          </a:solidFill>
+          <a:prstDash val="solid"/>
+          <a:miter lim="800000"/>
+        </a:ln>
+      </a:lnStyleLst>
+      <a:effectStyleLst>
+        <a:effectStyle>
+          <a:effectLst/>
+        </a:effectStyle>
+        <a:effectStyle>
+          <a:effectLst/>
+        </a:effectStyle>
+        <a:effectStyle>
+          <a:effectLst>
+            <a:outerShdw blurRad="57150" dist="19050" dir="5400000" algn="ctr" rotWithShape="0">
+              <a:srgbClr val="000000">
+                <a:alpha val="63000"/>
+              </a:srgbClr>
+            </a:outerShdw>
+          </a:effectLst>
+        </a:effectStyle>
+      </a:effectStyleLst>
+      <a:bgFillStyleLst>
+        <a:solidFill>
+          <a:schemeClr val="phClr"/>
+        </a:solidFill>
+        <a:solidFill>
+          <a:schemeClr val="phClr">
+            <a:tint val="95000"/>
+            <a:satMod val="170000"/>
+          </a:schemeClr>
+        </a:solidFill>
+        <a:gradFill rotWithShape="1">
+          <a:gsLst>
+            <a:gs pos="0">
+              <a:schemeClr val="phClr">
+                <a:tint val="93000"/>
+                <a:satMod val="150000"/>
+                <a:shade val="98000"/>
+                <a:lumMod val="102000"/>
+              </a:schemeClr>
+            </a:gs>
+            <a:gs pos="50000">
+              <a:schemeClr val="phClr">
+                <a:tint val="98000"/>
+                <a:satMod val="130000"/>
+                <a:shade val="90000"/>
+                <a:lumMod val="103000"/>
+              </a:schemeClr>
+            </a:gs>
+            <a:gs pos="100000">
+              <a:schemeClr val="phClr">
+                <a:shade val="63000"/>
+                <a:satMod val="120000"/>
+              </a:schemeClr>
+            </a:gs>
+          </a:gsLst>
+          <a:lin ang="5400000" scaled="0"/>
+        </a:gradFill>
+      </a:bgFillStyleLst>
+    </a:fmtScheme>
+  </a:themeElements>
+  <a:objectDefaults/>
+  <a:extraClrSchemeLst/>
+  <a:extLst>
+    <a:ext uri="{05A4C25C-085E-4340-85A3-A5531E510DB2}">
+      <thm15:themeFamily xmlns:thm15="http://schemas.microsoft.com/office/thememl/2012/main" name="Office Theme" id="{62F939B6-93AF-4DB8-9C6B-D6C7DFDC589F}" vid="{4A3C46E8-61CC-4603-A589-7422A47A8E4A}"/>
+    </a:ext>
+  </a:extLst>
+</a:theme>
 </file>
--- a/Report.pptx
+++ b/Report.pptx
@@ -5,7 +5,7 @@
     <p:sldMasterId id="2147483648" r:id="rId1"/>
   </p:sldMasterIdLst>
   <p:notesMasterIdLst>
-    <p:notesMasterId r:id="rId20"/>
+    <p:notesMasterId r:id="rId22"/>
   </p:notesMasterIdLst>
   <p:sldIdLst>
     <p:sldId id="256" r:id="rId2"/>
@@ -23,9 +23,11 @@
     <p:sldId id="273" r:id="rId14"/>
     <p:sldId id="274" r:id="rId15"/>
     <p:sldId id="275" r:id="rId16"/>
-    <p:sldId id="276" r:id="rId17"/>
-    <p:sldId id="277" r:id="rId18"/>
-    <p:sldId id="278" r:id="rId19"/>
+    <p:sldId id="279" r:id="rId17"/>
+    <p:sldId id="280" r:id="rId18"/>
+    <p:sldId id="276" r:id="rId19"/>
+    <p:sldId id="277" r:id="rId20"/>
+    <p:sldId id="278" r:id="rId21"/>
   </p:sldIdLst>
   <p:sldSz cx="12192000" cy="6858000"/>
   <p:notesSz cx="6858000" cy="9144000"/>
@@ -135,7 +137,7 @@
 <file path=ppt/revisionInfo.xml><?xml version="1.0" encoding="utf-8"?>
 <p1510:revInfo xmlns:a="http://schemas.openxmlformats.org/drawingml/2006/main" xmlns:r="http://schemas.openxmlformats.org/officeDocument/2006/relationships" xmlns:p1510="http://schemas.microsoft.com/office/powerpoint/2015/10/main">
   <p1510:revLst>
-    <p1510:client id="{22D272E4-2158-41E7-8704-8F465140BCC8}" v="43" dt="2023-12-29T18:05:00.318"/>
+    <p1510:client id="{22D272E4-2158-41E7-8704-8F465140BCC8}" v="45" dt="2023-12-30T10:42:20.599"/>
   </p1510:revLst>
 </p1510:revInfo>
 </file>
@@ -145,7 +147,7 @@
   <pc:docChgLst>
     <pc:chgData name="Tommaso Di Riccio" userId="86fd86f00952e091" providerId="LiveId" clId="{22D272E4-2158-41E7-8704-8F465140BCC8}"/>
     <pc:docChg chg="undo redo custSel addSld delSld modSld">
-      <pc:chgData name="Tommaso Di Riccio" userId="86fd86f00952e091" providerId="LiveId" clId="{22D272E4-2158-41E7-8704-8F465140BCC8}" dt="2023-12-29T19:07:42.816" v="7467" actId="20577"/>
+      <pc:chgData name="Tommaso Di Riccio" userId="86fd86f00952e091" providerId="LiveId" clId="{22D272E4-2158-41E7-8704-8F465140BCC8}" dt="2023-12-30T11:41:41.551" v="8680" actId="680"/>
       <pc:docMkLst>
         <pc:docMk/>
       </pc:docMkLst>
@@ -819,7 +821,7 @@
         </pc:graphicFrameChg>
       </pc:sldChg>
       <pc:sldChg chg="addSp delSp modSp add mod">
-        <pc:chgData name="Tommaso Di Riccio" userId="86fd86f00952e091" providerId="LiveId" clId="{22D272E4-2158-41E7-8704-8F465140BCC8}" dt="2023-12-29T16:14:15.686" v="4852" actId="20577"/>
+        <pc:chgData name="Tommaso Di Riccio" userId="86fd86f00952e091" providerId="LiveId" clId="{22D272E4-2158-41E7-8704-8F465140BCC8}" dt="2023-12-30T10:40:37.070" v="7742" actId="20577"/>
         <pc:sldMkLst>
           <pc:docMk/>
           <pc:sldMk cId="2557478514" sldId="274"/>
@@ -841,7 +843,7 @@
           </ac:spMkLst>
         </pc:spChg>
         <pc:graphicFrameChg chg="add mod modGraphic">
-          <ac:chgData name="Tommaso Di Riccio" userId="86fd86f00952e091" providerId="LiveId" clId="{22D272E4-2158-41E7-8704-8F465140BCC8}" dt="2023-12-29T16:14:15.686" v="4852" actId="20577"/>
+          <ac:chgData name="Tommaso Di Riccio" userId="86fd86f00952e091" providerId="LiveId" clId="{22D272E4-2158-41E7-8704-8F465140BCC8}" dt="2023-12-30T10:40:37.070" v="7742" actId="20577"/>
           <ac:graphicFrameMkLst>
             <pc:docMk/>
             <pc:sldMk cId="2557478514" sldId="274"/>
@@ -850,13 +852,13 @@
         </pc:graphicFrameChg>
       </pc:sldChg>
       <pc:sldChg chg="addSp delSp modSp add mod">
-        <pc:chgData name="Tommaso Di Riccio" userId="86fd86f00952e091" providerId="LiveId" clId="{22D272E4-2158-41E7-8704-8F465140BCC8}" dt="2023-12-29T17:50:41.170" v="5825" actId="1036"/>
+        <pc:chgData name="Tommaso Di Riccio" userId="86fd86f00952e091" providerId="LiveId" clId="{22D272E4-2158-41E7-8704-8F465140BCC8}" dt="2023-12-30T10:48:18.418" v="8242" actId="1038"/>
         <pc:sldMkLst>
           <pc:docMk/>
           <pc:sldMk cId="772628214" sldId="275"/>
         </pc:sldMkLst>
         <pc:spChg chg="add mod">
-          <ac:chgData name="Tommaso Di Riccio" userId="86fd86f00952e091" providerId="LiveId" clId="{22D272E4-2158-41E7-8704-8F465140BCC8}" dt="2023-12-29T17:14:23.187" v="5253" actId="1038"/>
+          <ac:chgData name="Tommaso Di Riccio" userId="86fd86f00952e091" providerId="LiveId" clId="{22D272E4-2158-41E7-8704-8F465140BCC8}" dt="2023-12-30T10:48:18.418" v="8242" actId="1038"/>
           <ac:spMkLst>
             <pc:docMk/>
             <pc:sldMk cId="772628214" sldId="275"/>
@@ -864,7 +866,7 @@
           </ac:spMkLst>
         </pc:spChg>
         <pc:spChg chg="add mod">
-          <ac:chgData name="Tommaso Di Riccio" userId="86fd86f00952e091" providerId="LiveId" clId="{22D272E4-2158-41E7-8704-8F465140BCC8}" dt="2023-12-29T17:18:17.340" v="5260" actId="1038"/>
+          <ac:chgData name="Tommaso Di Riccio" userId="86fd86f00952e091" providerId="LiveId" clId="{22D272E4-2158-41E7-8704-8F465140BCC8}" dt="2023-12-30T10:48:18.418" v="8242" actId="1038"/>
           <ac:spMkLst>
             <pc:docMk/>
             <pc:sldMk cId="772628214" sldId="275"/>
@@ -872,7 +874,7 @@
           </ac:spMkLst>
         </pc:spChg>
         <pc:spChg chg="add mod">
-          <ac:chgData name="Tommaso Di Riccio" userId="86fd86f00952e091" providerId="LiveId" clId="{22D272E4-2158-41E7-8704-8F465140BCC8}" dt="2023-12-29T17:14:23.187" v="5253" actId="1038"/>
+          <ac:chgData name="Tommaso Di Riccio" userId="86fd86f00952e091" providerId="LiveId" clId="{22D272E4-2158-41E7-8704-8F465140BCC8}" dt="2023-12-30T10:48:18.418" v="8242" actId="1038"/>
           <ac:spMkLst>
             <pc:docMk/>
             <pc:sldMk cId="772628214" sldId="275"/>
@@ -1127,13 +1129,13 @@
         </pc:picChg>
       </pc:sldChg>
       <pc:sldChg chg="modSp add mod">
-        <pc:chgData name="Tommaso Di Riccio" userId="86fd86f00952e091" providerId="LiveId" clId="{22D272E4-2158-41E7-8704-8F465140BCC8}" dt="2023-12-29T18:35:03.024" v="7179" actId="20577"/>
+        <pc:chgData name="Tommaso Di Riccio" userId="86fd86f00952e091" providerId="LiveId" clId="{22D272E4-2158-41E7-8704-8F465140BCC8}" dt="2023-12-30T10:29:34.832" v="7604" actId="20577"/>
         <pc:sldMkLst>
           <pc:docMk/>
           <pc:sldMk cId="689527355" sldId="277"/>
         </pc:sldMkLst>
         <pc:spChg chg="mod">
-          <ac:chgData name="Tommaso Di Riccio" userId="86fd86f00952e091" providerId="LiveId" clId="{22D272E4-2158-41E7-8704-8F465140BCC8}" dt="2023-12-29T18:35:03.024" v="7179" actId="20577"/>
+          <ac:chgData name="Tommaso Di Riccio" userId="86fd86f00952e091" providerId="LiveId" clId="{22D272E4-2158-41E7-8704-8F465140BCC8}" dt="2023-12-30T10:29:34.832" v="7604" actId="20577"/>
           <ac:spMkLst>
             <pc:docMk/>
             <pc:sldMk cId="689527355" sldId="277"/>
@@ -1142,13 +1144,13 @@
         </pc:spChg>
       </pc:sldChg>
       <pc:sldChg chg="modSp add mod">
-        <pc:chgData name="Tommaso Di Riccio" userId="86fd86f00952e091" providerId="LiveId" clId="{22D272E4-2158-41E7-8704-8F465140BCC8}" dt="2023-12-29T19:07:42.816" v="7467" actId="20577"/>
+        <pc:chgData name="Tommaso Di Riccio" userId="86fd86f00952e091" providerId="LiveId" clId="{22D272E4-2158-41E7-8704-8F465140BCC8}" dt="2023-12-30T10:36:18.117" v="7640" actId="20577"/>
         <pc:sldMkLst>
           <pc:docMk/>
           <pc:sldMk cId="2108753129" sldId="278"/>
         </pc:sldMkLst>
         <pc:spChg chg="mod">
-          <ac:chgData name="Tommaso Di Riccio" userId="86fd86f00952e091" providerId="LiveId" clId="{22D272E4-2158-41E7-8704-8F465140BCC8}" dt="2023-12-29T18:45:08.579" v="7190" actId="20577"/>
+          <ac:chgData name="Tommaso Di Riccio" userId="86fd86f00952e091" providerId="LiveId" clId="{22D272E4-2158-41E7-8704-8F465140BCC8}" dt="2023-12-30T10:36:18.117" v="7640" actId="20577"/>
           <ac:spMkLst>
             <pc:docMk/>
             <pc:sldMk cId="2108753129" sldId="278"/>
@@ -1156,13 +1158,123 @@
           </ac:spMkLst>
         </pc:spChg>
         <pc:spChg chg="mod">
-          <ac:chgData name="Tommaso Di Riccio" userId="86fd86f00952e091" providerId="LiveId" clId="{22D272E4-2158-41E7-8704-8F465140BCC8}" dt="2023-12-29T19:07:42.816" v="7467" actId="20577"/>
+          <ac:chgData name="Tommaso Di Riccio" userId="86fd86f00952e091" providerId="LiveId" clId="{22D272E4-2158-41E7-8704-8F465140BCC8}" dt="2023-12-30T10:36:03.162" v="7639" actId="1076"/>
           <ac:spMkLst>
             <pc:docMk/>
             <pc:sldMk cId="2108753129" sldId="278"/>
             <ac:spMk id="3" creationId="{0448DF09-38BE-4CA2-C490-2A9388B7B27C}"/>
           </ac:spMkLst>
         </pc:spChg>
+      </pc:sldChg>
+      <pc:sldChg chg="addSp delSp modSp add mod">
+        <pc:chgData name="Tommaso Di Riccio" userId="86fd86f00952e091" providerId="LiveId" clId="{22D272E4-2158-41E7-8704-8F465140BCC8}" dt="2023-12-30T10:58:23.474" v="8679" actId="1076"/>
+        <pc:sldMkLst>
+          <pc:docMk/>
+          <pc:sldMk cId="3208590103" sldId="279"/>
+        </pc:sldMkLst>
+        <pc:spChg chg="mod">
+          <ac:chgData name="Tommaso Di Riccio" userId="86fd86f00952e091" providerId="LiveId" clId="{22D272E4-2158-41E7-8704-8F465140BCC8}" dt="2023-12-30T10:41:53.455" v="7755" actId="20577"/>
+          <ac:spMkLst>
+            <pc:docMk/>
+            <pc:sldMk cId="3208590103" sldId="279"/>
+            <ac:spMk id="2" creationId="{32242F0D-F3C7-5888-B659-FAE035653A8D}"/>
+          </ac:spMkLst>
+        </pc:spChg>
+        <pc:spChg chg="add mod">
+          <ac:chgData name="Tommaso Di Riccio" userId="86fd86f00952e091" providerId="LiveId" clId="{22D272E4-2158-41E7-8704-8F465140BCC8}" dt="2023-12-30T10:58:23.474" v="8679" actId="1076"/>
+          <ac:spMkLst>
+            <pc:docMk/>
+            <pc:sldMk cId="3208590103" sldId="279"/>
+            <ac:spMk id="3" creationId="{54E0DD3B-63BC-7DC6-3291-D2FDFE5BC30B}"/>
+          </ac:spMkLst>
+        </pc:spChg>
+        <pc:spChg chg="del">
+          <ac:chgData name="Tommaso Di Riccio" userId="86fd86f00952e091" providerId="LiveId" clId="{22D272E4-2158-41E7-8704-8F465140BCC8}" dt="2023-12-30T10:41:46.650" v="7748" actId="478"/>
+          <ac:spMkLst>
+            <pc:docMk/>
+            <pc:sldMk cId="3208590103" sldId="279"/>
+            <ac:spMk id="4" creationId="{8C641C17-29F1-5A64-4F99-F93E2DCFF28B}"/>
+          </ac:spMkLst>
+        </pc:spChg>
+        <pc:spChg chg="del">
+          <ac:chgData name="Tommaso Di Riccio" userId="86fd86f00952e091" providerId="LiveId" clId="{22D272E4-2158-41E7-8704-8F465140BCC8}" dt="2023-12-30T10:41:46.650" v="7748" actId="478"/>
+          <ac:spMkLst>
+            <pc:docMk/>
+            <pc:sldMk cId="3208590103" sldId="279"/>
+            <ac:spMk id="7" creationId="{1DFBB0B1-2BA2-F8D4-9938-35F901E95237}"/>
+          </ac:spMkLst>
+        </pc:spChg>
+        <pc:spChg chg="del">
+          <ac:chgData name="Tommaso Di Riccio" userId="86fd86f00952e091" providerId="LiveId" clId="{22D272E4-2158-41E7-8704-8F465140BCC8}" dt="2023-12-30T10:41:46.650" v="7748" actId="478"/>
+          <ac:spMkLst>
+            <pc:docMk/>
+            <pc:sldMk cId="3208590103" sldId="279"/>
+            <ac:spMk id="14" creationId="{FDB0AC52-F07C-AB47-7DC9-7DF45BA4A73E}"/>
+          </ac:spMkLst>
+        </pc:spChg>
+        <pc:spChg chg="del">
+          <ac:chgData name="Tommaso Di Riccio" userId="86fd86f00952e091" providerId="LiveId" clId="{22D272E4-2158-41E7-8704-8F465140BCC8}" dt="2023-12-30T10:41:46.650" v="7748" actId="478"/>
+          <ac:spMkLst>
+            <pc:docMk/>
+            <pc:sldMk cId="3208590103" sldId="279"/>
+            <ac:spMk id="17" creationId="{0EDB4EE4-B470-A99C-10B1-C0A7AE2D1A69}"/>
+          </ac:spMkLst>
+        </pc:spChg>
+        <pc:spChg chg="del">
+          <ac:chgData name="Tommaso Di Riccio" userId="86fd86f00952e091" providerId="LiveId" clId="{22D272E4-2158-41E7-8704-8F465140BCC8}" dt="2023-12-30T10:41:46.650" v="7748" actId="478"/>
+          <ac:spMkLst>
+            <pc:docMk/>
+            <pc:sldMk cId="3208590103" sldId="279"/>
+            <ac:spMk id="18" creationId="{7DC219A2-9CCE-8674-BA91-882B35D286B1}"/>
+          </ac:spMkLst>
+        </pc:spChg>
+        <pc:spChg chg="del mod">
+          <ac:chgData name="Tommaso Di Riccio" userId="86fd86f00952e091" providerId="LiveId" clId="{22D272E4-2158-41E7-8704-8F465140BCC8}" dt="2023-12-30T10:41:46.650" v="7748" actId="478"/>
+          <ac:spMkLst>
+            <pc:docMk/>
+            <pc:sldMk cId="3208590103" sldId="279"/>
+            <ac:spMk id="19" creationId="{32CCE01E-9465-02BC-1F71-F77D545D0E68}"/>
+          </ac:spMkLst>
+        </pc:spChg>
+        <pc:spChg chg="del">
+          <ac:chgData name="Tommaso Di Riccio" userId="86fd86f00952e091" providerId="LiveId" clId="{22D272E4-2158-41E7-8704-8F465140BCC8}" dt="2023-12-30T10:41:46.650" v="7748" actId="478"/>
+          <ac:spMkLst>
+            <pc:docMk/>
+            <pc:sldMk cId="3208590103" sldId="279"/>
+            <ac:spMk id="20" creationId="{26D90E17-7A28-76E7-4A6E-D4991A3F6B9E}"/>
+          </ac:spMkLst>
+        </pc:spChg>
+        <pc:picChg chg="del">
+          <ac:chgData name="Tommaso Di Riccio" userId="86fd86f00952e091" providerId="LiveId" clId="{22D272E4-2158-41E7-8704-8F465140BCC8}" dt="2023-12-30T10:41:41.040" v="7744" actId="478"/>
+          <ac:picMkLst>
+            <pc:docMk/>
+            <pc:sldMk cId="3208590103" sldId="279"/>
+            <ac:picMk id="11" creationId="{9AD3F185-04A2-552C-50D3-ED8B41D1808A}"/>
+          </ac:picMkLst>
+        </pc:picChg>
+        <pc:picChg chg="del">
+          <ac:chgData name="Tommaso Di Riccio" userId="86fd86f00952e091" providerId="LiveId" clId="{22D272E4-2158-41E7-8704-8F465140BCC8}" dt="2023-12-30T10:41:41.441" v="7745" actId="478"/>
+          <ac:picMkLst>
+            <pc:docMk/>
+            <pc:sldMk cId="3208590103" sldId="279"/>
+            <ac:picMk id="13" creationId="{5FAF3382-625F-3D9D-10F2-68C1E0E633D1}"/>
+          </ac:picMkLst>
+        </pc:picChg>
+        <pc:picChg chg="del">
+          <ac:chgData name="Tommaso Di Riccio" userId="86fd86f00952e091" providerId="LiveId" clId="{22D272E4-2158-41E7-8704-8F465140BCC8}" dt="2023-12-30T10:41:41.960" v="7746" actId="478"/>
+          <ac:picMkLst>
+            <pc:docMk/>
+            <pc:sldMk cId="3208590103" sldId="279"/>
+            <ac:picMk id="16" creationId="{024CDACA-59AF-87E1-A293-656EDE936DCB}"/>
+          </ac:picMkLst>
+        </pc:picChg>
+      </pc:sldChg>
+      <pc:sldChg chg="new">
+        <pc:chgData name="Tommaso Di Riccio" userId="86fd86f00952e091" providerId="LiveId" clId="{22D272E4-2158-41E7-8704-8F465140BCC8}" dt="2023-12-30T11:41:41.551" v="8680" actId="680"/>
+        <pc:sldMkLst>
+          <pc:docMk/>
+          <pc:sldMk cId="32131640" sldId="280"/>
+        </pc:sldMkLst>
       </pc:sldChg>
     </pc:docChg>
   </pc:docChgLst>
@@ -1251,7 +1363,7 @@
           <a:p>
             <a:fld id="{DC6CAA1B-BAE1-43B3-A051-D11BAD98619E}" type="datetimeFigureOut">
               <a:rPr lang="it-IT" smtClean="0"/>
-              <a:t>29/12/2023</a:t>
+              <a:t>30/12/2023</a:t>
             </a:fld>
             <a:endParaRPr lang="it-IT"/>
           </a:p>
@@ -1665,7 +1777,7 @@
           <a:p>
             <a:fld id="{9597AF99-7543-4208-9A09-63750D099606}" type="datetime1">
               <a:rPr lang="it-IT" smtClean="0"/>
-              <a:t>29/12/2023</a:t>
+              <a:t>30/12/2023</a:t>
             </a:fld>
             <a:endParaRPr lang="it-IT"/>
           </a:p>
@@ -1863,7 +1975,7 @@
           <a:p>
             <a:fld id="{E7D30E2A-E2CD-447E-A8C4-934946B88184}" type="datetime1">
               <a:rPr lang="it-IT" smtClean="0"/>
-              <a:t>29/12/2023</a:t>
+              <a:t>30/12/2023</a:t>
             </a:fld>
             <a:endParaRPr lang="it-IT"/>
           </a:p>
@@ -2071,7 +2183,7 @@
           <a:p>
             <a:fld id="{D3027936-96D1-4F0C-920F-11252D1DCF7C}" type="datetime1">
               <a:rPr lang="it-IT" smtClean="0"/>
-              <a:t>29/12/2023</a:t>
+              <a:t>30/12/2023</a:t>
             </a:fld>
             <a:endParaRPr lang="it-IT"/>
           </a:p>
@@ -2269,7 +2381,7 @@
           <a:p>
             <a:fld id="{6E693176-7B9D-497B-B83D-24A130A73AD7}" type="datetime1">
               <a:rPr lang="it-IT" smtClean="0"/>
-              <a:t>29/12/2023</a:t>
+              <a:t>30/12/2023</a:t>
             </a:fld>
             <a:endParaRPr lang="it-IT"/>
           </a:p>
@@ -2544,7 +2656,7 @@
           <a:p>
             <a:fld id="{40850C47-C9E1-44B1-A766-0D0E09416D17}" type="datetime1">
               <a:rPr lang="it-IT" smtClean="0"/>
-              <a:t>29/12/2023</a:t>
+              <a:t>30/12/2023</a:t>
             </a:fld>
             <a:endParaRPr lang="it-IT"/>
           </a:p>
@@ -2809,7 +2921,7 @@
           <a:p>
             <a:fld id="{5FD8E46F-3A5B-41B4-B301-64DC103F3C14}" type="datetime1">
               <a:rPr lang="it-IT" smtClean="0"/>
-              <a:t>29/12/2023</a:t>
+              <a:t>30/12/2023</a:t>
             </a:fld>
             <a:endParaRPr lang="it-IT"/>
           </a:p>
@@ -3221,7 +3333,7 @@
           <a:p>
             <a:fld id="{0F471108-E953-4647-8960-14B1F5A6A495}" type="datetime1">
               <a:rPr lang="it-IT" smtClean="0"/>
-              <a:t>29/12/2023</a:t>
+              <a:t>30/12/2023</a:t>
             </a:fld>
             <a:endParaRPr lang="it-IT"/>
           </a:p>
@@ -3362,7 +3474,7 @@
           <a:p>
             <a:fld id="{D63DD220-8E98-4BE5-981B-AE6F8C9ED92D}" type="datetime1">
               <a:rPr lang="it-IT" smtClean="0"/>
-              <a:t>29/12/2023</a:t>
+              <a:t>30/12/2023</a:t>
             </a:fld>
             <a:endParaRPr lang="it-IT"/>
           </a:p>
@@ -3475,7 +3587,7 @@
           <a:p>
             <a:fld id="{5C1759D6-6E61-4F1D-898E-E020AE9654D3}" type="datetime1">
               <a:rPr lang="it-IT" smtClean="0"/>
-              <a:t>29/12/2023</a:t>
+              <a:t>30/12/2023</a:t>
             </a:fld>
             <a:endParaRPr lang="it-IT"/>
           </a:p>
@@ -3786,7 +3898,7 @@
           <a:p>
             <a:fld id="{0E3C1CD7-F9ED-451F-811B-ADB9E6838B1B}" type="datetime1">
               <a:rPr lang="it-IT" smtClean="0"/>
-              <a:t>29/12/2023</a:t>
+              <a:t>30/12/2023</a:t>
             </a:fld>
             <a:endParaRPr lang="it-IT"/>
           </a:p>
@@ -4074,7 +4186,7 @@
           <a:p>
             <a:fld id="{24F16348-E4C7-4C62-8335-B2C80B5E326D}" type="datetime1">
               <a:rPr lang="it-IT" smtClean="0"/>
-              <a:t>29/12/2023</a:t>
+              <a:t>30/12/2023</a:t>
             </a:fld>
             <a:endParaRPr lang="it-IT"/>
           </a:p>
@@ -4315,7 +4427,7 @@
           <a:p>
             <a:fld id="{A93BCDCC-B3C8-4A08-8EA1-505A1A578C35}" type="datetime1">
               <a:rPr lang="it-IT" smtClean="0"/>
-              <a:t>29/12/2023</a:t>
+              <a:t>30/12/2023</a:t>
             </a:fld>
             <a:endParaRPr lang="it-IT"/>
           </a:p>
@@ -6059,7 +6171,7 @@
           <p:nvPr>
             <p:extLst>
               <p:ext uri="{D42A27DB-BD31-4B8C-83A1-F6EECF244321}">
-                <p14:modId xmlns:p14="http://schemas.microsoft.com/office/powerpoint/2010/main" val="3856147991"/>
+                <p14:modId xmlns:p14="http://schemas.microsoft.com/office/powerpoint/2010/main" val="985935849"/>
               </p:ext>
             </p:extLst>
           </p:nvPr>
@@ -6252,13 +6364,8 @@
                     <a:p>
                       <a:r>
                         <a:rPr lang="en-US" noProof="0" dirty="0"/>
-                        <a:t>Weight </a:t>
+                        <a:t>Weight initialization</a:t>
                       </a:r>
-                      <a:r>
-                        <a:rPr lang="en-US" noProof="0" dirty="0" err="1"/>
-                        <a:t>init</a:t>
-                      </a:r>
-                      <a:endParaRPr lang="en-US" noProof="0" dirty="0"/>
                     </a:p>
                   </a:txBody>
                   <a:tcPr/>
@@ -6676,7 +6783,7 @@
         </p:nvSpPr>
         <p:spPr>
           <a:xfrm>
-            <a:off x="333676" y="4699348"/>
+            <a:off x="361669" y="4690017"/>
             <a:ext cx="3825551" cy="1754326"/>
           </a:xfrm>
           <a:prstGeom prst="rect">
@@ -6691,17 +6798,17 @@
           <a:lstStyle/>
           <a:p>
             <a:r>
-              <a:rPr lang="it-IT" dirty="0" err="1"/>
+              <a:rPr lang="it-IT" b="1" i="1" dirty="0" err="1"/>
               <a:t>Units</a:t>
             </a:r>
             <a:r>
               <a:rPr lang="it-IT" dirty="0"/>
-              <a:t>: (10, 3)</a:t>
-            </a:r>
-          </a:p>
-          <a:p>
-            <a:r>
-              <a:rPr lang="it-IT" dirty="0" err="1"/>
+              <a:t>:  (10, 3)</a:t>
+            </a:r>
+          </a:p>
+          <a:p>
+            <a:r>
+              <a:rPr lang="it-IT" b="1" i="1" dirty="0" err="1"/>
               <a:t>Activations</a:t>
             </a:r>
             <a:r>
@@ -6709,12 +6816,12 @@
               <a:t> </a:t>
             </a:r>
             <a:r>
-              <a:rPr lang="it-IT" dirty="0" err="1"/>
+              <a:rPr lang="it-IT" b="1" i="1" dirty="0" err="1"/>
               <a:t>func</a:t>
             </a:r>
             <a:r>
               <a:rPr lang="it-IT" dirty="0"/>
-              <a:t>: (</a:t>
+              <a:t>:  (</a:t>
             </a:r>
             <a:r>
               <a:rPr lang="it-IT" dirty="0" err="1"/>
@@ -6727,26 +6834,54 @@
           </a:p>
           <a:p>
             <a:r>
+              <a:rPr lang="it-IT" b="1" i="1" dirty="0"/>
+              <a:t>Learning</a:t>
+            </a:r>
+            <a:r>
               <a:rPr lang="it-IT" dirty="0"/>
-              <a:t>Learning rate: 0.008</a:t>
-            </a:r>
-          </a:p>
-          <a:p>
+              <a:t> </a:t>
+            </a:r>
+            <a:r>
+              <a:rPr lang="it-IT" b="1" i="1" dirty="0"/>
+              <a:t>rate</a:t>
+            </a:r>
             <a:r>
               <a:rPr lang="it-IT" dirty="0"/>
-              <a:t>Momentum alpha: 0.85</a:t>
-            </a:r>
-          </a:p>
-          <a:p>
+              <a:t>:  0.008</a:t>
+            </a:r>
+          </a:p>
+          <a:p>
+            <a:r>
+              <a:rPr lang="it-IT" b="1" i="1" dirty="0"/>
+              <a:t>Momentum</a:t>
+            </a:r>
             <a:r>
               <a:rPr lang="it-IT" dirty="0"/>
+              <a:t> </a:t>
+            </a:r>
+            <a:r>
+              <a:rPr lang="it-IT" b="1" i="1" dirty="0"/>
+              <a:t>alpha</a:t>
+            </a:r>
+            <a:r>
+              <a:rPr lang="it-IT" dirty="0"/>
+              <a:t>:  0.85</a:t>
+            </a:r>
+          </a:p>
+          <a:p>
+            <a:r>
+              <a:rPr lang="it-IT" b="1" i="1" dirty="0"/>
               <a:t>Batch</a:t>
             </a:r>
           </a:p>
           <a:p>
             <a:r>
+              <a:rPr lang="it-IT" b="1" i="1" dirty="0"/>
+              <a:t>Lambda</a:t>
+            </a:r>
+            <a:r>
               <a:rPr lang="it-IT" dirty="0"/>
-              <a:t>Lambda: 0</a:t>
+              <a:t>:  0</a:t>
             </a:r>
           </a:p>
         </p:txBody>
@@ -6836,7 +6971,7 @@
         </p:nvSpPr>
         <p:spPr>
           <a:xfrm>
-            <a:off x="4357141" y="4699348"/>
+            <a:off x="4385134" y="4690017"/>
             <a:ext cx="4143570" cy="1754326"/>
           </a:xfrm>
           <a:prstGeom prst="rect">
@@ -6851,17 +6986,17 @@
           <a:lstStyle/>
           <a:p>
             <a:r>
-              <a:rPr lang="it-IT" dirty="0" err="1"/>
+              <a:rPr lang="it-IT" b="1" i="1" dirty="0" err="1"/>
               <a:t>Units</a:t>
             </a:r>
             <a:r>
               <a:rPr lang="it-IT" dirty="0"/>
-              <a:t>: (30, 30, 3)</a:t>
-            </a:r>
-          </a:p>
-          <a:p>
-            <a:r>
-              <a:rPr lang="it-IT" dirty="0" err="1"/>
+              <a:t>:  (30, 30, 3)</a:t>
+            </a:r>
+          </a:p>
+          <a:p>
+            <a:r>
+              <a:rPr lang="it-IT" b="1" i="1" dirty="0" err="1"/>
               <a:t>Activations</a:t>
             </a:r>
             <a:r>
@@ -6869,12 +7004,12 @@
               <a:t> </a:t>
             </a:r>
             <a:r>
-              <a:rPr lang="it-IT" dirty="0" err="1"/>
+              <a:rPr lang="it-IT" b="1" i="1" dirty="0" err="1"/>
               <a:t>func</a:t>
             </a:r>
             <a:r>
               <a:rPr lang="it-IT" dirty="0"/>
-              <a:t>: (</a:t>
+              <a:t>:  (</a:t>
             </a:r>
             <a:r>
               <a:rPr lang="it-IT" dirty="0" err="1"/>
@@ -6895,26 +7030,54 @@
           </a:p>
           <a:p>
             <a:r>
+              <a:rPr lang="it-IT" b="1" i="1" dirty="0"/>
+              <a:t>Learning</a:t>
+            </a:r>
+            <a:r>
               <a:rPr lang="it-IT" dirty="0"/>
-              <a:t>Learning rate: 0.008</a:t>
-            </a:r>
-          </a:p>
-          <a:p>
+              <a:t> </a:t>
+            </a:r>
+            <a:r>
+              <a:rPr lang="it-IT" b="1" i="1" dirty="0"/>
+              <a:t>rate</a:t>
+            </a:r>
             <a:r>
               <a:rPr lang="it-IT" dirty="0"/>
-              <a:t>Momentum alpha: 0.85</a:t>
-            </a:r>
-          </a:p>
-          <a:p>
+              <a:t>:  0.008</a:t>
+            </a:r>
+          </a:p>
+          <a:p>
+            <a:r>
+              <a:rPr lang="it-IT" b="1" i="1" dirty="0"/>
+              <a:t>Momentum</a:t>
+            </a:r>
             <a:r>
               <a:rPr lang="it-IT" dirty="0"/>
+              <a:t> </a:t>
+            </a:r>
+            <a:r>
+              <a:rPr lang="it-IT" b="1" i="1" dirty="0"/>
+              <a:t>alpha</a:t>
+            </a:r>
+            <a:r>
+              <a:rPr lang="it-IT" dirty="0"/>
+              <a:t>:  0.85</a:t>
+            </a:r>
+          </a:p>
+          <a:p>
+            <a:r>
+              <a:rPr lang="it-IT" b="1" i="1" dirty="0"/>
               <a:t>Batch</a:t>
             </a:r>
           </a:p>
           <a:p>
             <a:r>
+              <a:rPr lang="it-IT" b="1" i="1" dirty="0"/>
+              <a:t>Lambda</a:t>
+            </a:r>
+            <a:r>
               <a:rPr lang="it-IT" dirty="0"/>
-              <a:t>Lambda: 0</a:t>
+              <a:t>:  0</a:t>
             </a:r>
           </a:p>
         </p:txBody>
@@ -6969,8 +7132,8 @@
         </p:nvSpPr>
         <p:spPr>
           <a:xfrm>
-            <a:off x="8454056" y="4629973"/>
-            <a:ext cx="3298886" cy="2031325"/>
+            <a:off x="8482049" y="4620642"/>
+            <a:ext cx="3404268" cy="2031325"/>
           </a:xfrm>
           <a:prstGeom prst="rect">
             <a:avLst/>
@@ -6984,17 +7147,17 @@
           <a:lstStyle/>
           <a:p>
             <a:r>
-              <a:rPr lang="it-IT" dirty="0" err="1"/>
+              <a:rPr lang="it-IT" b="1" i="1" dirty="0" err="1"/>
               <a:t>Units</a:t>
             </a:r>
             <a:r>
               <a:rPr lang="it-IT" dirty="0"/>
-              <a:t>: (40, 40, 40, 40, 3)</a:t>
-            </a:r>
-          </a:p>
-          <a:p>
-            <a:r>
-              <a:rPr lang="it-IT" dirty="0" err="1"/>
+              <a:t>:  (40, 40, 40, 40, 3)</a:t>
+            </a:r>
+          </a:p>
+          <a:p>
+            <a:r>
+              <a:rPr lang="it-IT" b="1" i="1" dirty="0" err="1"/>
               <a:t>Activations</a:t>
             </a:r>
             <a:r>
@@ -7002,12 +7165,12 @@
               <a:t> </a:t>
             </a:r>
             <a:r>
-              <a:rPr lang="it-IT" dirty="0" err="1"/>
+              <a:rPr lang="it-IT" b="1" i="1" dirty="0" err="1"/>
               <a:t>func</a:t>
             </a:r>
             <a:r>
               <a:rPr lang="it-IT" dirty="0"/>
-              <a:t>: (</a:t>
+              <a:t>:  (</a:t>
             </a:r>
             <a:r>
               <a:rPr lang="it-IT" dirty="0" err="1"/>
@@ -7044,30 +7207,73 @@
           </a:p>
           <a:p>
             <a:r>
+              <a:rPr lang="it-IT" b="1" i="1" dirty="0"/>
+              <a:t>Learning</a:t>
+            </a:r>
+            <a:r>
               <a:rPr lang="it-IT" dirty="0"/>
-              <a:t>Learning rate: 0.0005</a:t>
-            </a:r>
-          </a:p>
-          <a:p>
+              <a:t> </a:t>
+            </a:r>
+            <a:r>
+              <a:rPr lang="it-IT" b="1" i="1" dirty="0"/>
+              <a:t>rate</a:t>
+            </a:r>
             <a:r>
               <a:rPr lang="it-IT" dirty="0"/>
-              <a:t>Momentum alpha: 0.9</a:t>
-            </a:r>
-          </a:p>
-          <a:p>
-            <a:r>
-              <a:rPr lang="it-IT" dirty="0" err="1"/>
+              <a:t>:  0.0005 </a:t>
+            </a:r>
+            <a:r>
+              <a:rPr lang="it-IT" dirty="0">
+                <a:sym typeface="Wingdings" panose="05000000000000000000" pitchFamily="2" charset="2"/>
+              </a:rPr>
+              <a:t>→ 0.00005</a:t>
+            </a:r>
+            <a:endParaRPr lang="it-IT" dirty="0"/>
+          </a:p>
+          <a:p>
+            <a:r>
+              <a:rPr lang="it-IT" b="1" i="1" dirty="0"/>
+              <a:t>Momentum</a:t>
+            </a:r>
+            <a:r>
+              <a:rPr lang="it-IT" dirty="0"/>
+              <a:t> </a:t>
+            </a:r>
+            <a:r>
+              <a:rPr lang="it-IT" b="1" i="1" dirty="0"/>
+              <a:t>alpha</a:t>
+            </a:r>
+            <a:r>
+              <a:rPr lang="it-IT" dirty="0"/>
+              <a:t>:  0.9</a:t>
+            </a:r>
+          </a:p>
+          <a:p>
+            <a:r>
+              <a:rPr lang="it-IT" b="1" i="1" dirty="0" err="1"/>
               <a:t>Minibatch</a:t>
             </a:r>
             <a:r>
               <a:rPr lang="it-IT" dirty="0"/>
-              <a:t> size: 200</a:t>
-            </a:r>
-          </a:p>
-          <a:p>
+              <a:t> </a:t>
+            </a:r>
+            <a:r>
+              <a:rPr lang="it-IT" b="1" i="1" dirty="0"/>
+              <a:t>size</a:t>
+            </a:r>
             <a:r>
               <a:rPr lang="it-IT" dirty="0"/>
-              <a:t>Lambda: 0</a:t>
+              <a:t>:  200</a:t>
+            </a:r>
+          </a:p>
+          <a:p>
+            <a:r>
+              <a:rPr lang="it-IT" b="1" i="1" dirty="0"/>
+              <a:t>Lambda</a:t>
+            </a:r>
+            <a:r>
+              <a:rPr lang="it-IT" dirty="0"/>
+              <a:t>:  0</a:t>
             </a:r>
           </a:p>
         </p:txBody>
@@ -7254,7 +7460,7 @@
           <a:p>
             <a:r>
               <a:rPr lang="en-US" b="1" dirty="0"/>
-              <a:t>Discussion</a:t>
+              <a:t>CUP Results</a:t>
             </a:r>
             <a:endParaRPr lang="en-US" dirty="0"/>
           </a:p>
@@ -7265,7 +7471,7 @@
           <p:cNvPr id="3" name="CasellaDiTesto 2">
             <a:extLst>
               <a:ext uri="{FF2B5EF4-FFF2-40B4-BE49-F238E27FC236}">
-                <a16:creationId xmlns:a16="http://schemas.microsoft.com/office/drawing/2014/main" id="{0448DF09-38BE-4CA2-C490-2A9388B7B27C}"/>
+                <a16:creationId xmlns:a16="http://schemas.microsoft.com/office/drawing/2014/main" id="{54E0DD3B-63BC-7DC6-3291-D2FDFE5BC30B}"/>
               </a:ext>
             </a:extLst>
           </p:cNvPr>
@@ -7274,8 +7480,8 @@
         </p:nvSpPr>
         <p:spPr>
           <a:xfrm>
-            <a:off x="914400" y="1690688"/>
-            <a:ext cx="10758196" cy="4524315"/>
+            <a:off x="951722" y="1690688"/>
+            <a:ext cx="10674221" cy="4524315"/>
           </a:xfrm>
           <a:prstGeom prst="rect">
             <a:avLst/>
@@ -7288,72 +7494,50 @@
           </a:bodyPr>
           <a:lstStyle/>
           <a:p>
-            <a:pPr marL="285750" indent="-285750">
-              <a:buFont typeface="Arial" panose="020B0604020202020204" pitchFamily="34" charset="0"/>
-              <a:buChar char="•"/>
-            </a:pPr>
             <a:r>
               <a:rPr lang="en-US" sz="2400" dirty="0"/>
-              <a:t>To experiment, we tried many times to overfit the data with big networks and many </a:t>
-            </a:r>
-            <a:r>
-              <a:rPr lang="it-IT" sz="2400" dirty="0"/>
-              <a:t>training </a:t>
-            </a:r>
+              <a:t>With the various grid searches, we noted that with more layer and more units the validation loss tends to decrease.</a:t>
+            </a:r>
+          </a:p>
+          <a:p>
+            <a:endParaRPr lang="en-US" sz="2400" dirty="0"/>
+          </a:p>
+          <a:p>
             <a:r>
               <a:rPr lang="en-US" sz="2400" dirty="0"/>
-              <a:t>epochs but</a:t>
-            </a:r>
-            <a:r>
-              <a:rPr lang="it-IT" sz="2400" dirty="0"/>
-              <a:t> </a:t>
-            </a:r>
+              <a:t>In all the grid search in which was possible to have no regularization, the best model was the one not regularized.</a:t>
+            </a:r>
+          </a:p>
+          <a:p>
             <a:r>
               <a:rPr lang="en-US" sz="2400" dirty="0"/>
-              <a:t>were unable to do so. We only observed that the validation loss start to decrease slower than the training loss. To verify if there were any issues with our simulator, we conducted tests with Keras and obtained the same results.</a:t>
-            </a:r>
-          </a:p>
-          <a:p>
-            <a:pPr marL="285750" indent="-285750">
-              <a:buFont typeface="Arial" panose="020B0604020202020204" pitchFamily="34" charset="0"/>
-              <a:buChar char="•"/>
-            </a:pPr>
+              <a:t>At the same time a higher momentum was preferred.</a:t>
+            </a:r>
+          </a:p>
+          <a:p>
             <a:endParaRPr lang="en-US" sz="2400" dirty="0"/>
           </a:p>
           <a:p>
-            <a:pPr marL="285750" indent="-285750">
-              <a:buFont typeface="Arial" panose="020B0604020202020204" pitchFamily="34" charset="0"/>
-              <a:buChar char="•"/>
-            </a:pPr>
             <a:r>
               <a:rPr lang="en-US" sz="2400" dirty="0"/>
-              <a:t>Computing gradients for all the patterns with matrix multiplication, instead of computing them for one pattern at time using scalar products gives a massive improvement in executions time. This enhancement enables the testing of bigger networks and higher epochs in reasonable time.</a:t>
-            </a:r>
-          </a:p>
-          <a:p>
-            <a:pPr marL="285750" indent="-285750">
-              <a:buFont typeface="Arial" panose="020B0604020202020204" pitchFamily="34" charset="0"/>
-              <a:buChar char="•"/>
-            </a:pPr>
+              <a:t>Training the model with batch shows a more stable curve with very low impact on the training speed.</a:t>
+            </a:r>
+          </a:p>
+          <a:p>
             <a:endParaRPr lang="en-US" sz="2400" dirty="0"/>
           </a:p>
           <a:p>
-            <a:pPr marL="285750" indent="-285750">
-              <a:buFont typeface="Arial" panose="020B0604020202020204" pitchFamily="34" charset="0"/>
-              <a:buChar char="•"/>
-            </a:pPr>
             <a:r>
               <a:rPr lang="en-US" sz="2400" dirty="0"/>
-              <a:t>Momentum is essential for good learning (especially with batch)</a:t>
-            </a:r>
-            <a:endParaRPr lang="it-IT" sz="2400" dirty="0"/>
+              <a:t>Given this, we chose to move towards large models with either no or low regularization, a high momentum, trained with batch and we did a last grid search.</a:t>
+            </a:r>
           </a:p>
         </p:txBody>
       </p:sp>
     </p:spTree>
     <p:extLst>
       <p:ext uri="{BB962C8B-B14F-4D97-AF65-F5344CB8AC3E}">
-        <p14:creationId xmlns:p14="http://schemas.microsoft.com/office/powerpoint/2010/main" val="3244110880"/>
+        <p14:creationId xmlns:p14="http://schemas.microsoft.com/office/powerpoint/2010/main" val="3208590103"/>
       </p:ext>
     </p:extLst>
   </p:cSld>
@@ -7385,7 +7569,7 @@
           <p:cNvPr id="2" name="Titolo 1">
             <a:extLst>
               <a:ext uri="{FF2B5EF4-FFF2-40B4-BE49-F238E27FC236}">
-                <a16:creationId xmlns:a16="http://schemas.microsoft.com/office/drawing/2014/main" id="{32242F0D-F3C7-5888-B659-FAE035653A8D}"/>
+                <a16:creationId xmlns:a16="http://schemas.microsoft.com/office/drawing/2014/main" id="{525B4A98-95E4-1C0A-FEA5-267F85CBE9F5}"/>
               </a:ext>
             </a:extLst>
           </p:cNvPr>
@@ -7401,94 +7585,68 @@
           <a:bodyPr/>
           <a:lstStyle/>
           <a:p>
-            <a:r>
-              <a:rPr lang="en-US" b="1" dirty="0"/>
-              <a:t>Discussion</a:t>
-            </a:r>
-            <a:endParaRPr lang="en-US" dirty="0"/>
-          </a:p>
-        </p:txBody>
-      </p:sp>
-      <p:sp>
-        <p:nvSpPr>
-          <p:cNvPr id="3" name="CasellaDiTesto 2">
-            <a:extLst>
-              <a:ext uri="{FF2B5EF4-FFF2-40B4-BE49-F238E27FC236}">
-                <a16:creationId xmlns:a16="http://schemas.microsoft.com/office/drawing/2014/main" id="{0448DF09-38BE-4CA2-C490-2A9388B7B27C}"/>
-              </a:ext>
-            </a:extLst>
-          </p:cNvPr>
-          <p:cNvSpPr txBox="1"/>
-          <p:nvPr/>
-        </p:nvSpPr>
-        <p:spPr>
-          <a:xfrm>
-            <a:off x="914400" y="1690688"/>
-            <a:ext cx="10758196" cy="3416320"/>
-          </a:xfrm>
-          <a:prstGeom prst="rect">
-            <a:avLst/>
-          </a:prstGeom>
-          <a:noFill/>
-        </p:spPr>
-        <p:txBody>
-          <a:bodyPr wrap="square" rtlCol="0">
-            <a:spAutoFit/>
-          </a:bodyPr>
-          <a:lstStyle/>
-          <a:p>
-            <a:pPr marL="285750" indent="-285750">
-              <a:buFont typeface="Arial" panose="020B0604020202020204" pitchFamily="34" charset="0"/>
-              <a:buChar char="•"/>
-            </a:pPr>
-            <a:r>
-              <a:rPr lang="en-US" sz="2400" dirty="0" err="1"/>
-              <a:t>ReLU</a:t>
-            </a:r>
-            <a:r>
-              <a:rPr lang="en-US" sz="2400" dirty="0"/>
-              <a:t> (and its variants like Leaky </a:t>
-            </a:r>
-            <a:r>
-              <a:rPr lang="en-US" sz="2400" dirty="0" err="1"/>
-              <a:t>ReLU</a:t>
-            </a:r>
-            <a:r>
-              <a:rPr lang="en-US" sz="2400" dirty="0"/>
-              <a:t> and </a:t>
-            </a:r>
-            <a:r>
-              <a:rPr lang="en-US" sz="2400" dirty="0" err="1"/>
-              <a:t>SeLU</a:t>
-            </a:r>
-            <a:r>
-              <a:rPr lang="en-US" sz="2400" dirty="0"/>
-              <a:t>) tends to perform better than other activation functions during the training, with a more uniform and stable gradient descent.</a:t>
-            </a:r>
-          </a:p>
-          <a:p>
-            <a:pPr marL="285750" indent="-285750">
-              <a:buFont typeface="Arial" panose="020B0604020202020204" pitchFamily="34" charset="0"/>
-              <a:buChar char="•"/>
-            </a:pPr>
-            <a:endParaRPr lang="en-US" sz="2400" dirty="0"/>
-          </a:p>
-          <a:p>
-            <a:pPr marL="285750" indent="-285750">
-              <a:buFont typeface="Arial" panose="020B0604020202020204" pitchFamily="34" charset="0"/>
-              <a:buChar char="•"/>
-            </a:pPr>
-            <a:r>
-              <a:rPr lang="en-US" sz="2400" dirty="0"/>
-              <a:t>We realized that performing model selection require a lot of time, more than we had anticipated. Given that small tweaks to neural network hyperparameters yield significant variations in both training dynamics and outcomes, the combinations of hyperparameters to test are truly numerous, and for each is required a careful review.</a:t>
-            </a:r>
+            <a:endParaRPr lang="it-IT"/>
+          </a:p>
+        </p:txBody>
+      </p:sp>
+      <p:sp>
+        <p:nvSpPr>
+          <p:cNvPr id="3" name="Segnaposto contenuto 2">
+            <a:extLst>
+              <a:ext uri="{FF2B5EF4-FFF2-40B4-BE49-F238E27FC236}">
+                <a16:creationId xmlns:a16="http://schemas.microsoft.com/office/drawing/2014/main" id="{898D3325-B379-F040-0DAA-F25CF072AFC0}"/>
+              </a:ext>
+            </a:extLst>
+          </p:cNvPr>
+          <p:cNvSpPr>
+            <a:spLocks noGrp="1"/>
+          </p:cNvSpPr>
+          <p:nvPr>
+            <p:ph idx="1"/>
+          </p:nvPr>
+        </p:nvSpPr>
+        <p:spPr/>
+        <p:txBody>
+          <a:bodyPr/>
+          <a:lstStyle/>
+          <a:p>
+            <a:endParaRPr lang="it-IT"/>
+          </a:p>
+        </p:txBody>
+      </p:sp>
+      <p:sp>
+        <p:nvSpPr>
+          <p:cNvPr id="4" name="Segnaposto numero diapositiva 3">
+            <a:extLst>
+              <a:ext uri="{FF2B5EF4-FFF2-40B4-BE49-F238E27FC236}">
+                <a16:creationId xmlns:a16="http://schemas.microsoft.com/office/drawing/2014/main" id="{4C11A3A1-F2FF-000C-0585-34D005B95E97}"/>
+              </a:ext>
+            </a:extLst>
+          </p:cNvPr>
+          <p:cNvSpPr>
+            <a:spLocks noGrp="1"/>
+          </p:cNvSpPr>
+          <p:nvPr>
+            <p:ph type="sldNum" sz="quarter" idx="12"/>
+          </p:nvPr>
+        </p:nvSpPr>
+        <p:spPr/>
+        <p:txBody>
+          <a:bodyPr/>
+          <a:lstStyle/>
+          <a:p>
+            <a:fld id="{642154B9-5AE1-4D93-9ACE-3DF3B522DF2F}" type="slidenum">
+              <a:rPr lang="it-IT" smtClean="0"/>
+              <a:t>17</a:t>
+            </a:fld>
+            <a:endParaRPr lang="it-IT"/>
           </a:p>
         </p:txBody>
       </p:sp>
     </p:spTree>
     <p:extLst>
       <p:ext uri="{BB962C8B-B14F-4D97-AF65-F5344CB8AC3E}">
-        <p14:creationId xmlns:p14="http://schemas.microsoft.com/office/powerpoint/2010/main" val="689527355"/>
+        <p14:creationId xmlns:p14="http://schemas.microsoft.com/office/powerpoint/2010/main" val="32131640"/>
       </p:ext>
     </p:extLst>
   </p:cSld>
@@ -7538,7 +7696,7 @@
           <a:p>
             <a:r>
               <a:rPr lang="en-US" b="1" dirty="0"/>
-              <a:t>Conclusion</a:t>
+              <a:t>Discussion</a:t>
             </a:r>
             <a:endParaRPr lang="en-US" dirty="0"/>
           </a:p>
@@ -7559,7 +7717,7 @@
         <p:spPr>
           <a:xfrm>
             <a:off x="914400" y="1690688"/>
-            <a:ext cx="10758196" cy="3416320"/>
+            <a:ext cx="10758196" cy="4524315"/>
           </a:xfrm>
           <a:prstGeom prst="rect">
             <a:avLst/>
@@ -7572,32 +7730,224 @@
           </a:bodyPr>
           <a:lstStyle/>
           <a:p>
+            <a:pPr marL="285750" indent="-285750">
+              <a:buFont typeface="Arial" panose="020B0604020202020204" pitchFamily="34" charset="0"/>
+              <a:buChar char="•"/>
+            </a:pPr>
             <a:r>
               <a:rPr lang="en-US" sz="2400" dirty="0"/>
-              <a:t>This project allowed us to find a connection between the theory and the practice studied during the course, indeed we dialed with overfitting, regularization, networks architecture and many other aspects discussed in the lectures.</a:t>
-            </a:r>
-          </a:p>
-          <a:p>
+              <a:t>To experiment, we tried many times to overfit the data with big networks and many </a:t>
+            </a:r>
+            <a:r>
+              <a:rPr lang="it-IT" sz="2400" dirty="0"/>
+              <a:t>training </a:t>
+            </a:r>
+            <a:r>
+              <a:rPr lang="en-US" sz="2400" dirty="0"/>
+              <a:t>epochs but</a:t>
+            </a:r>
+            <a:r>
+              <a:rPr lang="it-IT" sz="2400" dirty="0"/>
+              <a:t> </a:t>
+            </a:r>
+            <a:r>
+              <a:rPr lang="en-US" sz="2400" dirty="0"/>
+              <a:t>were unable to do so. We only observed that the validation loss start to decrease slower than the training loss. To verify if there were any issues with our simulator, we conducted tests with Keras and obtained the same results.</a:t>
+            </a:r>
+          </a:p>
+          <a:p>
+            <a:pPr marL="285750" indent="-285750">
+              <a:buFont typeface="Arial" panose="020B0604020202020204" pitchFamily="34" charset="0"/>
+              <a:buChar char="•"/>
+            </a:pPr>
             <a:endParaRPr lang="en-US" sz="2400" dirty="0"/>
           </a:p>
           <a:p>
+            <a:pPr marL="285750" indent="-285750">
+              <a:buFont typeface="Arial" panose="020B0604020202020204" pitchFamily="34" charset="0"/>
+              <a:buChar char="•"/>
+            </a:pPr>
             <a:r>
               <a:rPr lang="en-US" sz="2400" dirty="0"/>
-              <a:t>Creating an NN simulator from scratch was a demanding challenge, but very educational. This collaborative project not only expanded our technical knowledge but also enriched our experience in working collaboratively within a group setting.</a:t>
-            </a:r>
-          </a:p>
-          <a:p>
+              <a:t>Computing gradients for all the patterns with matrix multiplication, instead of computing them for one pattern at time using scalar products gives a massive improvement in executions time. This enhancement enables the testing of bigger networks and higher epochs in reasonable time.</a:t>
+            </a:r>
+          </a:p>
+          <a:p>
+            <a:pPr marL="285750" indent="-285750">
+              <a:buFont typeface="Arial" panose="020B0604020202020204" pitchFamily="34" charset="0"/>
+              <a:buChar char="•"/>
+            </a:pPr>
             <a:endParaRPr lang="en-US" sz="2400" dirty="0"/>
           </a:p>
           <a:p>
-            <a:endParaRPr lang="en-US" sz="2400" dirty="0"/>
+            <a:pPr marL="285750" indent="-285750">
+              <a:buFont typeface="Arial" panose="020B0604020202020204" pitchFamily="34" charset="0"/>
+              <a:buChar char="•"/>
+            </a:pPr>
+            <a:r>
+              <a:rPr lang="en-US" sz="2400" dirty="0"/>
+              <a:t>Momentum is essential for good learning (especially with batch)</a:t>
+            </a:r>
+            <a:endParaRPr lang="it-IT" sz="2400" dirty="0"/>
           </a:p>
         </p:txBody>
       </p:sp>
     </p:spTree>
     <p:extLst>
       <p:ext uri="{BB962C8B-B14F-4D97-AF65-F5344CB8AC3E}">
-        <p14:creationId xmlns:p14="http://schemas.microsoft.com/office/powerpoint/2010/main" val="2108753129"/>
+        <p14:creationId xmlns:p14="http://schemas.microsoft.com/office/powerpoint/2010/main" val="3244110880"/>
+      </p:ext>
+    </p:extLst>
+  </p:cSld>
+  <p:clrMapOvr>
+    <a:masterClrMapping/>
+  </p:clrMapOvr>
+</p:sld>
+</file>
+
+<file path=ppt/slides/slide19.xml><?xml version="1.0" encoding="utf-8"?>
+<p:sld xmlns:a="http://schemas.openxmlformats.org/drawingml/2006/main" xmlns:r="http://schemas.openxmlformats.org/officeDocument/2006/relationships" xmlns:p="http://schemas.openxmlformats.org/presentationml/2006/main">
+  <p:cSld>
+    <p:spTree>
+      <p:nvGrpSpPr>
+        <p:cNvPr id="1" name=""/>
+        <p:cNvGrpSpPr/>
+        <p:nvPr/>
+      </p:nvGrpSpPr>
+      <p:grpSpPr>
+        <a:xfrm>
+          <a:off x="0" y="0"/>
+          <a:ext cx="0" cy="0"/>
+          <a:chOff x="0" y="0"/>
+          <a:chExt cx="0" cy="0"/>
+        </a:xfrm>
+      </p:grpSpPr>
+      <p:sp>
+        <p:nvSpPr>
+          <p:cNvPr id="2" name="Titolo 1">
+            <a:extLst>
+              <a:ext uri="{FF2B5EF4-FFF2-40B4-BE49-F238E27FC236}">
+                <a16:creationId xmlns:a16="http://schemas.microsoft.com/office/drawing/2014/main" id="{32242F0D-F3C7-5888-B659-FAE035653A8D}"/>
+              </a:ext>
+            </a:extLst>
+          </p:cNvPr>
+          <p:cNvSpPr>
+            <a:spLocks noGrp="1"/>
+          </p:cNvSpPr>
+          <p:nvPr>
+            <p:ph type="title"/>
+          </p:nvPr>
+        </p:nvSpPr>
+        <p:spPr/>
+        <p:txBody>
+          <a:bodyPr/>
+          <a:lstStyle/>
+          <a:p>
+            <a:r>
+              <a:rPr lang="en-US" b="1" dirty="0"/>
+              <a:t>Discussion</a:t>
+            </a:r>
+            <a:endParaRPr lang="en-US" dirty="0"/>
+          </a:p>
+        </p:txBody>
+      </p:sp>
+      <p:sp>
+        <p:nvSpPr>
+          <p:cNvPr id="3" name="CasellaDiTesto 2">
+            <a:extLst>
+              <a:ext uri="{FF2B5EF4-FFF2-40B4-BE49-F238E27FC236}">
+                <a16:creationId xmlns:a16="http://schemas.microsoft.com/office/drawing/2014/main" id="{0448DF09-38BE-4CA2-C490-2A9388B7B27C}"/>
+              </a:ext>
+            </a:extLst>
+          </p:cNvPr>
+          <p:cNvSpPr txBox="1"/>
+          <p:nvPr/>
+        </p:nvSpPr>
+        <p:spPr>
+          <a:xfrm>
+            <a:off x="914400" y="1690688"/>
+            <a:ext cx="10758196" cy="4524315"/>
+          </a:xfrm>
+          <a:prstGeom prst="rect">
+            <a:avLst/>
+          </a:prstGeom>
+          <a:noFill/>
+        </p:spPr>
+        <p:txBody>
+          <a:bodyPr wrap="square" rtlCol="0">
+            <a:spAutoFit/>
+          </a:bodyPr>
+          <a:lstStyle/>
+          <a:p>
+            <a:pPr marL="285750" indent="-285750">
+              <a:buFont typeface="Arial" panose="020B0604020202020204" pitchFamily="34" charset="0"/>
+              <a:buChar char="•"/>
+            </a:pPr>
+            <a:r>
+              <a:rPr lang="en-US" sz="2400" dirty="0" err="1"/>
+              <a:t>ReLU</a:t>
+            </a:r>
+            <a:r>
+              <a:rPr lang="en-US" sz="2400" dirty="0"/>
+              <a:t> (and its variants like Leaky </a:t>
+            </a:r>
+            <a:r>
+              <a:rPr lang="en-US" sz="2400" dirty="0" err="1"/>
+              <a:t>ReLU</a:t>
+            </a:r>
+            <a:r>
+              <a:rPr lang="en-US" sz="2400" dirty="0"/>
+              <a:t> and </a:t>
+            </a:r>
+            <a:r>
+              <a:rPr lang="en-US" sz="2400" dirty="0" err="1"/>
+              <a:t>SeLU</a:t>
+            </a:r>
+            <a:r>
+              <a:rPr lang="en-US" sz="2400" dirty="0"/>
+              <a:t>) tends to perform better than other activation functions during the training, with a more uniform and stable gradient descent.</a:t>
+            </a:r>
+          </a:p>
+          <a:p>
+            <a:pPr marL="285750" indent="-285750">
+              <a:buFont typeface="Arial" panose="020B0604020202020204" pitchFamily="34" charset="0"/>
+              <a:buChar char="•"/>
+            </a:pPr>
+            <a:endParaRPr lang="en-US" sz="2400" dirty="0"/>
+          </a:p>
+          <a:p>
+            <a:pPr marL="285750" indent="-285750">
+              <a:buFont typeface="Arial" panose="020B0604020202020204" pitchFamily="34" charset="0"/>
+              <a:buChar char="•"/>
+            </a:pPr>
+            <a:r>
+              <a:rPr lang="en-US" sz="2400" dirty="0"/>
+              <a:t>We realized that performing model selection require a lot of time, more than we had anticipated. Given that small tweaks to neural network hyperparameters yield significant variations in both training dynamics and outcomes, the combinations of hyperparameters to test are truly numerous, and for each is required a careful review.</a:t>
+            </a:r>
+          </a:p>
+          <a:p>
+            <a:pPr marL="285750" indent="-285750">
+              <a:buFont typeface="Arial" panose="020B0604020202020204" pitchFamily="34" charset="0"/>
+              <a:buChar char="•"/>
+            </a:pPr>
+            <a:endParaRPr lang="en-US" sz="2400" dirty="0"/>
+          </a:p>
+          <a:p>
+            <a:pPr marL="285750" indent="-285750">
+              <a:buFont typeface="Arial" panose="020B0604020202020204" pitchFamily="34" charset="0"/>
+              <a:buChar char="•"/>
+            </a:pPr>
+            <a:r>
+              <a:rPr lang="en-US" sz="2400" dirty="0"/>
+              <a:t>Rescaling the data using znorm (mean to 0, standard deviation to 1) did not improve the results</a:t>
+            </a:r>
+          </a:p>
+        </p:txBody>
+      </p:sp>
+    </p:spTree>
+    <p:extLst>
+      <p:ext uri="{BB962C8B-B14F-4D97-AF65-F5344CB8AC3E}">
+        <p14:creationId xmlns:p14="http://schemas.microsoft.com/office/powerpoint/2010/main" val="689527355"/>
       </p:ext>
     </p:extLst>
   </p:cSld>
@@ -7737,6 +8087,118 @@
     <p:extLst>
       <p:ext uri="{BB962C8B-B14F-4D97-AF65-F5344CB8AC3E}">
         <p14:creationId xmlns:p14="http://schemas.microsoft.com/office/powerpoint/2010/main" val="1035383574"/>
+      </p:ext>
+    </p:extLst>
+  </p:cSld>
+  <p:clrMapOvr>
+    <a:masterClrMapping/>
+  </p:clrMapOvr>
+</p:sld>
+</file>
+
+<file path=ppt/slides/slide20.xml><?xml version="1.0" encoding="utf-8"?>
+<p:sld xmlns:a="http://schemas.openxmlformats.org/drawingml/2006/main" xmlns:r="http://schemas.openxmlformats.org/officeDocument/2006/relationships" xmlns:p="http://schemas.openxmlformats.org/presentationml/2006/main">
+  <p:cSld>
+    <p:spTree>
+      <p:nvGrpSpPr>
+        <p:cNvPr id="1" name=""/>
+        <p:cNvGrpSpPr/>
+        <p:nvPr/>
+      </p:nvGrpSpPr>
+      <p:grpSpPr>
+        <a:xfrm>
+          <a:off x="0" y="0"/>
+          <a:ext cx="0" cy="0"/>
+          <a:chOff x="0" y="0"/>
+          <a:chExt cx="0" cy="0"/>
+        </a:xfrm>
+      </p:grpSpPr>
+      <p:sp>
+        <p:nvSpPr>
+          <p:cNvPr id="2" name="Titolo 1">
+            <a:extLst>
+              <a:ext uri="{FF2B5EF4-FFF2-40B4-BE49-F238E27FC236}">
+                <a16:creationId xmlns:a16="http://schemas.microsoft.com/office/drawing/2014/main" id="{32242F0D-F3C7-5888-B659-FAE035653A8D}"/>
+              </a:ext>
+            </a:extLst>
+          </p:cNvPr>
+          <p:cNvSpPr>
+            <a:spLocks noGrp="1"/>
+          </p:cNvSpPr>
+          <p:nvPr>
+            <p:ph type="title"/>
+          </p:nvPr>
+        </p:nvSpPr>
+        <p:spPr/>
+        <p:txBody>
+          <a:bodyPr/>
+          <a:lstStyle/>
+          <a:p>
+            <a:r>
+              <a:rPr lang="en-US" b="1" dirty="0"/>
+              <a:t>Conclusions</a:t>
+            </a:r>
+            <a:endParaRPr lang="en-US" dirty="0"/>
+          </a:p>
+        </p:txBody>
+      </p:sp>
+      <p:sp>
+        <p:nvSpPr>
+          <p:cNvPr id="3" name="CasellaDiTesto 2">
+            <a:extLst>
+              <a:ext uri="{FF2B5EF4-FFF2-40B4-BE49-F238E27FC236}">
+                <a16:creationId xmlns:a16="http://schemas.microsoft.com/office/drawing/2014/main" id="{0448DF09-38BE-4CA2-C490-2A9388B7B27C}"/>
+              </a:ext>
+            </a:extLst>
+          </p:cNvPr>
+          <p:cNvSpPr txBox="1"/>
+          <p:nvPr/>
+        </p:nvSpPr>
+        <p:spPr>
+          <a:xfrm>
+            <a:off x="838200" y="1690688"/>
+            <a:ext cx="10758196" cy="4154984"/>
+          </a:xfrm>
+          <a:prstGeom prst="rect">
+            <a:avLst/>
+          </a:prstGeom>
+          <a:noFill/>
+        </p:spPr>
+        <p:txBody>
+          <a:bodyPr wrap="square" rtlCol="0">
+            <a:spAutoFit/>
+          </a:bodyPr>
+          <a:lstStyle/>
+          <a:p>
+            <a:r>
+              <a:rPr lang="en-US" sz="2400" dirty="0"/>
+              <a:t>This project allowed us to find a connection between the theory and the practice studied during the course, indeed we dialed with overfitting, regularization, networks architecture and many other aspects discussed in the lectures.</a:t>
+            </a:r>
+          </a:p>
+          <a:p>
+            <a:endParaRPr lang="en-US" sz="2400" dirty="0"/>
+          </a:p>
+          <a:p>
+            <a:r>
+              <a:rPr lang="en-US" sz="2400" dirty="0"/>
+              <a:t>Creating an NN simulator from scratch was a demanding challenge, but very educational. This collaborative project not only expanded our technical knowledge but also enriched our experience in working collaboratively within a group setting.</a:t>
+            </a:r>
+          </a:p>
+          <a:p>
+            <a:endParaRPr lang="en-US" sz="2400" dirty="0"/>
+          </a:p>
+          <a:p>
+            <a:r>
+              <a:rPr lang="en-US" sz="2400" dirty="0"/>
+              <a:t>In conclusion regarding our project, we believe we've not only delved into fascinating concepts but also acquired practical skills that will prove precious in our academic and professional journey ahead. </a:t>
+            </a:r>
+          </a:p>
+        </p:txBody>
+      </p:sp>
+    </p:spTree>
+    <p:extLst>
+      <p:ext uri="{BB962C8B-B14F-4D97-AF65-F5344CB8AC3E}">
+        <p14:creationId xmlns:p14="http://schemas.microsoft.com/office/powerpoint/2010/main" val="2108753129"/>
       </p:ext>
     </p:extLst>
   </p:cSld>

--- a/Report.pptx
+++ b/Report.pptx
@@ -5,7 +5,7 @@
     <p:sldMasterId id="2147483648" r:id="rId1"/>
   </p:sldMasterIdLst>
   <p:notesMasterIdLst>
-    <p:notesMasterId r:id="rId22"/>
+    <p:notesMasterId r:id="rId27"/>
   </p:notesMasterIdLst>
   <p:sldIdLst>
     <p:sldId id="256" r:id="rId2"/>
@@ -24,10 +24,15 @@
     <p:sldId id="274" r:id="rId15"/>
     <p:sldId id="275" r:id="rId16"/>
     <p:sldId id="279" r:id="rId17"/>
-    <p:sldId id="280" r:id="rId18"/>
-    <p:sldId id="276" r:id="rId19"/>
-    <p:sldId id="277" r:id="rId20"/>
-    <p:sldId id="278" r:id="rId21"/>
+    <p:sldId id="282" r:id="rId18"/>
+    <p:sldId id="283" r:id="rId19"/>
+    <p:sldId id="284" r:id="rId20"/>
+    <p:sldId id="276" r:id="rId21"/>
+    <p:sldId id="277" r:id="rId22"/>
+    <p:sldId id="278" r:id="rId23"/>
+    <p:sldId id="285" r:id="rId24"/>
+    <p:sldId id="286" r:id="rId25"/>
+    <p:sldId id="287" r:id="rId26"/>
   </p:sldIdLst>
   <p:sldSz cx="12192000" cy="6858000"/>
   <p:notesSz cx="6858000" cy="9144000"/>
@@ -137,13 +142,479 @@
 <file path=ppt/revisionInfo.xml><?xml version="1.0" encoding="utf-8"?>
 <p1510:revInfo xmlns:a="http://schemas.openxmlformats.org/drawingml/2006/main" xmlns:r="http://schemas.openxmlformats.org/officeDocument/2006/relationships" xmlns:p1510="http://schemas.microsoft.com/office/powerpoint/2015/10/main">
   <p1510:revLst>
-    <p1510:client id="{22D272E4-2158-41E7-8704-8F465140BCC8}" v="45" dt="2023-12-30T10:42:20.599"/>
+    <p1510:client id="{8DC893BE-A14E-4D7D-8698-92E2535F8177}" v="31" dt="2023-12-31T16:07:18.358"/>
   </p1510:revLst>
 </p1510:revInfo>
 </file>
 
 <file path=ppt/changesInfos/changesInfo1.xml><?xml version="1.0" encoding="utf-8"?>
 <pc:chgInfo xmlns:a="http://schemas.openxmlformats.org/drawingml/2006/main" xmlns:r="http://schemas.openxmlformats.org/officeDocument/2006/relationships" xmlns:ac="http://schemas.microsoft.com/office/drawing/2013/main/command" xmlns:pc="http://schemas.microsoft.com/office/powerpoint/2013/main/command">
+  <pc:docChgLst>
+    <pc:chgData name="Tommaso Di Riccio" userId="86fd86f00952e091" providerId="LiveId" clId="{8DC893BE-A14E-4D7D-8698-92E2535F8177}"/>
+    <pc:docChg chg="undo custSel addSld delSld modSld modMainMaster">
+      <pc:chgData name="Tommaso Di Riccio" userId="86fd86f00952e091" providerId="LiveId" clId="{8DC893BE-A14E-4D7D-8698-92E2535F8177}" dt="2023-12-31T16:08:30.907" v="1560" actId="14100"/>
+      <pc:docMkLst>
+        <pc:docMk/>
+      </pc:docMkLst>
+      <pc:sldChg chg="modSp mod">
+        <pc:chgData name="Tommaso Di Riccio" userId="86fd86f00952e091" providerId="LiveId" clId="{8DC893BE-A14E-4D7D-8698-92E2535F8177}" dt="2023-12-31T14:53:16.245" v="996" actId="14100"/>
+        <pc:sldMkLst>
+          <pc:docMk/>
+          <pc:sldMk cId="3924954156" sldId="256"/>
+        </pc:sldMkLst>
+        <pc:spChg chg="mod">
+          <ac:chgData name="Tommaso Di Riccio" userId="86fd86f00952e091" providerId="LiveId" clId="{8DC893BE-A14E-4D7D-8698-92E2535F8177}" dt="2023-12-31T14:53:16.245" v="996" actId="14100"/>
+          <ac:spMkLst>
+            <pc:docMk/>
+            <pc:sldMk cId="3924954156" sldId="256"/>
+            <ac:spMk id="3" creationId="{E72EFCE1-6882-947D-D325-52468642DAFE}"/>
+          </ac:spMkLst>
+        </pc:spChg>
+      </pc:sldChg>
+      <pc:sldChg chg="modSp mod">
+        <pc:chgData name="Tommaso Di Riccio" userId="86fd86f00952e091" providerId="LiveId" clId="{8DC893BE-A14E-4D7D-8698-92E2535F8177}" dt="2023-12-31T15:21:40.203" v="1118" actId="20577"/>
+        <pc:sldMkLst>
+          <pc:docMk/>
+          <pc:sldMk cId="1035383574" sldId="257"/>
+        </pc:sldMkLst>
+        <pc:spChg chg="mod">
+          <ac:chgData name="Tommaso Di Riccio" userId="86fd86f00952e091" providerId="LiveId" clId="{8DC893BE-A14E-4D7D-8698-92E2535F8177}" dt="2023-12-31T15:21:40.203" v="1118" actId="20577"/>
+          <ac:spMkLst>
+            <pc:docMk/>
+            <pc:sldMk cId="1035383574" sldId="257"/>
+            <ac:spMk id="3" creationId="{44613253-3423-3031-784D-6A66531EC89A}"/>
+          </ac:spMkLst>
+        </pc:spChg>
+      </pc:sldChg>
+      <pc:sldChg chg="modSp mod">
+        <pc:chgData name="Tommaso Di Riccio" userId="86fd86f00952e091" providerId="LiveId" clId="{8DC893BE-A14E-4D7D-8698-92E2535F8177}" dt="2023-12-31T15:23:59.863" v="1265" actId="255"/>
+        <pc:sldMkLst>
+          <pc:docMk/>
+          <pc:sldMk cId="3752648632" sldId="258"/>
+        </pc:sldMkLst>
+        <pc:spChg chg="mod">
+          <ac:chgData name="Tommaso Di Riccio" userId="86fd86f00952e091" providerId="LiveId" clId="{8DC893BE-A14E-4D7D-8698-92E2535F8177}" dt="2023-12-31T15:23:59.863" v="1265" actId="255"/>
+          <ac:spMkLst>
+            <pc:docMk/>
+            <pc:sldMk cId="3752648632" sldId="258"/>
+            <ac:spMk id="3" creationId="{53BF7ED8-D815-81A4-00F9-D4F294486FE8}"/>
+          </ac:spMkLst>
+        </pc:spChg>
+      </pc:sldChg>
+      <pc:sldChg chg="modSp mod">
+        <pc:chgData name="Tommaso Di Riccio" userId="86fd86f00952e091" providerId="LiveId" clId="{8DC893BE-A14E-4D7D-8698-92E2535F8177}" dt="2023-12-31T15:24:55.351" v="1282" actId="20577"/>
+        <pc:sldMkLst>
+          <pc:docMk/>
+          <pc:sldMk cId="2923913015" sldId="261"/>
+        </pc:sldMkLst>
+        <pc:spChg chg="mod">
+          <ac:chgData name="Tommaso Di Riccio" userId="86fd86f00952e091" providerId="LiveId" clId="{8DC893BE-A14E-4D7D-8698-92E2535F8177}" dt="2023-12-31T15:24:55.351" v="1282" actId="20577"/>
+          <ac:spMkLst>
+            <pc:docMk/>
+            <pc:sldMk cId="2923913015" sldId="261"/>
+            <ac:spMk id="3" creationId="{956D2AF0-B145-E99F-B9CB-D111DC6D0769}"/>
+          </ac:spMkLst>
+        </pc:spChg>
+      </pc:sldChg>
+      <pc:sldChg chg="modSp mod">
+        <pc:chgData name="Tommaso Di Riccio" userId="86fd86f00952e091" providerId="LiveId" clId="{8DC893BE-A14E-4D7D-8698-92E2535F8177}" dt="2023-12-31T15:25:32.150" v="1294" actId="20577"/>
+        <pc:sldMkLst>
+          <pc:docMk/>
+          <pc:sldMk cId="454432155" sldId="262"/>
+        </pc:sldMkLst>
+        <pc:spChg chg="mod">
+          <ac:chgData name="Tommaso Di Riccio" userId="86fd86f00952e091" providerId="LiveId" clId="{8DC893BE-A14E-4D7D-8698-92E2535F8177}" dt="2023-12-31T15:25:32.150" v="1294" actId="20577"/>
+          <ac:spMkLst>
+            <pc:docMk/>
+            <pc:sldMk cId="454432155" sldId="262"/>
+            <ac:spMk id="3" creationId="{E4E00E2D-6FDA-A561-A136-2FBC5B27DFD0}"/>
+          </ac:spMkLst>
+        </pc:spChg>
+      </pc:sldChg>
+      <pc:sldChg chg="modSp mod">
+        <pc:chgData name="Tommaso Di Riccio" userId="86fd86f00952e091" providerId="LiveId" clId="{8DC893BE-A14E-4D7D-8698-92E2535F8177}" dt="2023-12-31T14:51:41.381" v="976" actId="2710"/>
+        <pc:sldMkLst>
+          <pc:docMk/>
+          <pc:sldMk cId="1699395719" sldId="263"/>
+        </pc:sldMkLst>
+        <pc:spChg chg="mod">
+          <ac:chgData name="Tommaso Di Riccio" userId="86fd86f00952e091" providerId="LiveId" clId="{8DC893BE-A14E-4D7D-8698-92E2535F8177}" dt="2023-12-31T14:51:41.381" v="976" actId="2710"/>
+          <ac:spMkLst>
+            <pc:docMk/>
+            <pc:sldMk cId="1699395719" sldId="263"/>
+            <ac:spMk id="12" creationId="{AB1903AD-6EDE-48BB-5F37-3977933308EF}"/>
+          </ac:spMkLst>
+        </pc:spChg>
+      </pc:sldChg>
+      <pc:sldChg chg="modSp mod">
+        <pc:chgData name="Tommaso Di Riccio" userId="86fd86f00952e091" providerId="LiveId" clId="{8DC893BE-A14E-4D7D-8698-92E2535F8177}" dt="2023-12-31T14:51:46.423" v="978" actId="2710"/>
+        <pc:sldMkLst>
+          <pc:docMk/>
+          <pc:sldMk cId="2661476949" sldId="267"/>
+        </pc:sldMkLst>
+        <pc:spChg chg="mod">
+          <ac:chgData name="Tommaso Di Riccio" userId="86fd86f00952e091" providerId="LiveId" clId="{8DC893BE-A14E-4D7D-8698-92E2535F8177}" dt="2023-12-31T14:51:46.423" v="978" actId="2710"/>
+          <ac:spMkLst>
+            <pc:docMk/>
+            <pc:sldMk cId="2661476949" sldId="267"/>
+            <ac:spMk id="12" creationId="{AB1903AD-6EDE-48BB-5F37-3977933308EF}"/>
+          </ac:spMkLst>
+        </pc:spChg>
+      </pc:sldChg>
+      <pc:sldChg chg="modSp mod">
+        <pc:chgData name="Tommaso Di Riccio" userId="86fd86f00952e091" providerId="LiveId" clId="{8DC893BE-A14E-4D7D-8698-92E2535F8177}" dt="2023-12-31T14:51:51.837" v="980" actId="2710"/>
+        <pc:sldMkLst>
+          <pc:docMk/>
+          <pc:sldMk cId="2985542214" sldId="268"/>
+        </pc:sldMkLst>
+        <pc:spChg chg="mod">
+          <ac:chgData name="Tommaso Di Riccio" userId="86fd86f00952e091" providerId="LiveId" clId="{8DC893BE-A14E-4D7D-8698-92E2535F8177}" dt="2023-12-31T14:51:51.837" v="980" actId="2710"/>
+          <ac:spMkLst>
+            <pc:docMk/>
+            <pc:sldMk cId="2985542214" sldId="268"/>
+            <ac:spMk id="12" creationId="{AB1903AD-6EDE-48BB-5F37-3977933308EF}"/>
+          </ac:spMkLst>
+        </pc:spChg>
+      </pc:sldChg>
+      <pc:sldChg chg="modSp mod">
+        <pc:chgData name="Tommaso Di Riccio" userId="86fd86f00952e091" providerId="LiveId" clId="{8DC893BE-A14E-4D7D-8698-92E2535F8177}" dt="2023-12-31T14:51:56.967" v="982" actId="2710"/>
+        <pc:sldMkLst>
+          <pc:docMk/>
+          <pc:sldMk cId="221542106" sldId="269"/>
+        </pc:sldMkLst>
+        <pc:spChg chg="mod">
+          <ac:chgData name="Tommaso Di Riccio" userId="86fd86f00952e091" providerId="LiveId" clId="{8DC893BE-A14E-4D7D-8698-92E2535F8177}" dt="2023-12-31T14:51:56.967" v="982" actId="2710"/>
+          <ac:spMkLst>
+            <pc:docMk/>
+            <pc:sldMk cId="221542106" sldId="269"/>
+            <ac:spMk id="12" creationId="{AB1903AD-6EDE-48BB-5F37-3977933308EF}"/>
+          </ac:spMkLst>
+        </pc:spChg>
+      </pc:sldChg>
+      <pc:sldChg chg="modSp mod">
+        <pc:chgData name="Tommaso Di Riccio" userId="86fd86f00952e091" providerId="LiveId" clId="{8DC893BE-A14E-4D7D-8698-92E2535F8177}" dt="2023-12-30T18:41:34.626" v="26" actId="20577"/>
+        <pc:sldMkLst>
+          <pc:docMk/>
+          <pc:sldMk cId="2280227574" sldId="271"/>
+        </pc:sldMkLst>
+        <pc:graphicFrameChg chg="modGraphic">
+          <ac:chgData name="Tommaso Di Riccio" userId="86fd86f00952e091" providerId="LiveId" clId="{8DC893BE-A14E-4D7D-8698-92E2535F8177}" dt="2023-12-30T18:41:34.626" v="26" actId="20577"/>
+          <ac:graphicFrameMkLst>
+            <pc:docMk/>
+            <pc:sldMk cId="2280227574" sldId="271"/>
+            <ac:graphicFrameMk id="5" creationId="{6F78BEA2-0FED-3FE1-64C8-9730D71E9BBF}"/>
+          </ac:graphicFrameMkLst>
+        </pc:graphicFrameChg>
+      </pc:sldChg>
+      <pc:sldChg chg="modSp mod">
+        <pc:chgData name="Tommaso Di Riccio" userId="86fd86f00952e091" providerId="LiveId" clId="{8DC893BE-A14E-4D7D-8698-92E2535F8177}" dt="2023-12-31T09:31:00.606" v="44" actId="20577"/>
+        <pc:sldMkLst>
+          <pc:docMk/>
+          <pc:sldMk cId="1513754791" sldId="272"/>
+        </pc:sldMkLst>
+        <pc:spChg chg="mod">
+          <ac:chgData name="Tommaso Di Riccio" userId="86fd86f00952e091" providerId="LiveId" clId="{8DC893BE-A14E-4D7D-8698-92E2535F8177}" dt="2023-12-31T09:31:00.606" v="44" actId="20577"/>
+          <ac:spMkLst>
+            <pc:docMk/>
+            <pc:sldMk cId="1513754791" sldId="272"/>
+            <ac:spMk id="5" creationId="{1665B87B-FC92-F364-DE84-C3D71D3A032B}"/>
+          </ac:spMkLst>
+        </pc:spChg>
+      </pc:sldChg>
+      <pc:sldChg chg="modSp mod">
+        <pc:chgData name="Tommaso Di Riccio" userId="86fd86f00952e091" providerId="LiveId" clId="{8DC893BE-A14E-4D7D-8698-92E2535F8177}" dt="2023-12-31T15:26:10.094" v="1297" actId="20577"/>
+        <pc:sldMkLst>
+          <pc:docMk/>
+          <pc:sldMk cId="1005539396" sldId="273"/>
+        </pc:sldMkLst>
+        <pc:spChg chg="mod">
+          <ac:chgData name="Tommaso Di Riccio" userId="86fd86f00952e091" providerId="LiveId" clId="{8DC893BE-A14E-4D7D-8698-92E2535F8177}" dt="2023-12-31T15:26:10.094" v="1297" actId="20577"/>
+          <ac:spMkLst>
+            <pc:docMk/>
+            <pc:sldMk cId="1005539396" sldId="273"/>
+            <ac:spMk id="8" creationId="{621EA218-A644-8CEF-A045-CF4EE516A81B}"/>
+          </ac:spMkLst>
+        </pc:spChg>
+      </pc:sldChg>
+      <pc:sldChg chg="modSp mod">
+        <pc:chgData name="Tommaso Di Riccio" userId="86fd86f00952e091" providerId="LiveId" clId="{8DC893BE-A14E-4D7D-8698-92E2535F8177}" dt="2023-12-31T15:33:27.154" v="1329" actId="20577"/>
+        <pc:sldMkLst>
+          <pc:docMk/>
+          <pc:sldMk cId="2557478514" sldId="274"/>
+        </pc:sldMkLst>
+        <pc:graphicFrameChg chg="modGraphic">
+          <ac:chgData name="Tommaso Di Riccio" userId="86fd86f00952e091" providerId="LiveId" clId="{8DC893BE-A14E-4D7D-8698-92E2535F8177}" dt="2023-12-31T15:33:27.154" v="1329" actId="20577"/>
+          <ac:graphicFrameMkLst>
+            <pc:docMk/>
+            <pc:sldMk cId="2557478514" sldId="274"/>
+            <ac:graphicFrameMk id="3" creationId="{136464B2-38EC-7390-192F-BA4D624CAA03}"/>
+          </ac:graphicFrameMkLst>
+        </pc:graphicFrameChg>
+      </pc:sldChg>
+      <pc:sldChg chg="modSp mod">
+        <pc:chgData name="Tommaso Di Riccio" userId="86fd86f00952e091" providerId="LiveId" clId="{8DC893BE-A14E-4D7D-8698-92E2535F8177}" dt="2023-12-30T18:27:41.078" v="12" actId="1076"/>
+        <pc:sldMkLst>
+          <pc:docMk/>
+          <pc:sldMk cId="3208590103" sldId="279"/>
+        </pc:sldMkLst>
+        <pc:spChg chg="mod">
+          <ac:chgData name="Tommaso Di Riccio" userId="86fd86f00952e091" providerId="LiveId" clId="{8DC893BE-A14E-4D7D-8698-92E2535F8177}" dt="2023-12-30T18:27:41.078" v="12" actId="1076"/>
+          <ac:spMkLst>
+            <pc:docMk/>
+            <pc:sldMk cId="3208590103" sldId="279"/>
+            <ac:spMk id="3" creationId="{54E0DD3B-63BC-7DC6-3291-D2FDFE5BC30B}"/>
+          </ac:spMkLst>
+        </pc:spChg>
+      </pc:sldChg>
+      <pc:sldChg chg="del">
+        <pc:chgData name="Tommaso Di Riccio" userId="86fd86f00952e091" providerId="LiveId" clId="{8DC893BE-A14E-4D7D-8698-92E2535F8177}" dt="2023-12-30T18:27:45.253" v="13" actId="2696"/>
+        <pc:sldMkLst>
+          <pc:docMk/>
+          <pc:sldMk cId="32131640" sldId="280"/>
+        </pc:sldMkLst>
+      </pc:sldChg>
+      <pc:sldChg chg="new del">
+        <pc:chgData name="Tommaso Di Riccio" userId="86fd86f00952e091" providerId="LiveId" clId="{8DC893BE-A14E-4D7D-8698-92E2535F8177}" dt="2023-12-31T10:59:13.408" v="46" actId="47"/>
+        <pc:sldMkLst>
+          <pc:docMk/>
+          <pc:sldMk cId="633348318" sldId="280"/>
+        </pc:sldMkLst>
+      </pc:sldChg>
+      <pc:sldChg chg="new del">
+        <pc:chgData name="Tommaso Di Riccio" userId="86fd86f00952e091" providerId="LiveId" clId="{8DC893BE-A14E-4D7D-8698-92E2535F8177}" dt="2023-12-31T10:59:16.718" v="48" actId="47"/>
+        <pc:sldMkLst>
+          <pc:docMk/>
+          <pc:sldMk cId="1859242612" sldId="281"/>
+        </pc:sldMkLst>
+      </pc:sldChg>
+      <pc:sldChg chg="modSp add mod">
+        <pc:chgData name="Tommaso Di Riccio" userId="86fd86f00952e091" providerId="LiveId" clId="{8DC893BE-A14E-4D7D-8698-92E2535F8177}" dt="2023-12-31T16:08:30.907" v="1560" actId="14100"/>
+        <pc:sldMkLst>
+          <pc:docMk/>
+          <pc:sldMk cId="322801493" sldId="282"/>
+        </pc:sldMkLst>
+        <pc:spChg chg="mod">
+          <ac:chgData name="Tommaso Di Riccio" userId="86fd86f00952e091" providerId="LiveId" clId="{8DC893BE-A14E-4D7D-8698-92E2535F8177}" dt="2023-12-31T16:08:30.907" v="1560" actId="14100"/>
+          <ac:spMkLst>
+            <pc:docMk/>
+            <pc:sldMk cId="322801493" sldId="282"/>
+            <ac:spMk id="3" creationId="{54E0DD3B-63BC-7DC6-3291-D2FDFE5BC30B}"/>
+          </ac:spMkLst>
+        </pc:spChg>
+      </pc:sldChg>
+      <pc:sldChg chg="addSp delSp modSp add mod">
+        <pc:chgData name="Tommaso Di Riccio" userId="86fd86f00952e091" providerId="LiveId" clId="{8DC893BE-A14E-4D7D-8698-92E2535F8177}" dt="2023-12-31T11:14:54.474" v="525" actId="20577"/>
+        <pc:sldMkLst>
+          <pc:docMk/>
+          <pc:sldMk cId="2195169816" sldId="283"/>
+        </pc:sldMkLst>
+        <pc:spChg chg="mod">
+          <ac:chgData name="Tommaso Di Riccio" userId="86fd86f00952e091" providerId="LiveId" clId="{8DC893BE-A14E-4D7D-8698-92E2535F8177}" dt="2023-12-31T11:13:24.995" v="458" actId="20577"/>
+          <ac:spMkLst>
+            <pc:docMk/>
+            <pc:sldMk cId="2195169816" sldId="283"/>
+            <ac:spMk id="2" creationId="{32242F0D-F3C7-5888-B659-FAE035653A8D}"/>
+          </ac:spMkLst>
+        </pc:spChg>
+        <pc:spChg chg="del mod">
+          <ac:chgData name="Tommaso Di Riccio" userId="86fd86f00952e091" providerId="LiveId" clId="{8DC893BE-A14E-4D7D-8698-92E2535F8177}" dt="2023-12-31T11:07:53.639" v="368"/>
+          <ac:spMkLst>
+            <pc:docMk/>
+            <pc:sldMk cId="2195169816" sldId="283"/>
+            <ac:spMk id="3" creationId="{54E0DD3B-63BC-7DC6-3291-D2FDFE5BC30B}"/>
+          </ac:spMkLst>
+        </pc:spChg>
+        <pc:graphicFrameChg chg="add mod modGraphic">
+          <ac:chgData name="Tommaso Di Riccio" userId="86fd86f00952e091" providerId="LiveId" clId="{8DC893BE-A14E-4D7D-8698-92E2535F8177}" dt="2023-12-31T11:14:54.474" v="525" actId="20577"/>
+          <ac:graphicFrameMkLst>
+            <pc:docMk/>
+            <pc:sldMk cId="2195169816" sldId="283"/>
+            <ac:graphicFrameMk id="9" creationId="{9759CEE4-6FE6-04AC-EE3A-60B9C06FA088}"/>
+          </ac:graphicFrameMkLst>
+        </pc:graphicFrameChg>
+        <pc:picChg chg="add mod">
+          <ac:chgData name="Tommaso Di Riccio" userId="86fd86f00952e091" providerId="LiveId" clId="{8DC893BE-A14E-4D7D-8698-92E2535F8177}" dt="2023-12-31T11:12:41.640" v="445" actId="1076"/>
+          <ac:picMkLst>
+            <pc:docMk/>
+            <pc:sldMk cId="2195169816" sldId="283"/>
+            <ac:picMk id="6" creationId="{D7B58223-1FA5-09D4-2E77-D46F4A02A3B6}"/>
+          </ac:picMkLst>
+        </pc:picChg>
+        <pc:picChg chg="add mod">
+          <ac:chgData name="Tommaso Di Riccio" userId="86fd86f00952e091" providerId="LiveId" clId="{8DC893BE-A14E-4D7D-8698-92E2535F8177}" dt="2023-12-31T11:12:20.505" v="443" actId="1076"/>
+          <ac:picMkLst>
+            <pc:docMk/>
+            <pc:sldMk cId="2195169816" sldId="283"/>
+            <ac:picMk id="8" creationId="{37CDE704-8F33-192B-69F9-F3FF4ECDBD42}"/>
+          </ac:picMkLst>
+        </pc:picChg>
+      </pc:sldChg>
+      <pc:sldChg chg="modSp add mod">
+        <pc:chgData name="Tommaso Di Riccio" userId="86fd86f00952e091" providerId="LiveId" clId="{8DC893BE-A14E-4D7D-8698-92E2535F8177}" dt="2023-12-31T11:15:44.081" v="527" actId="14826"/>
+        <pc:sldMkLst>
+          <pc:docMk/>
+          <pc:sldMk cId="863095605" sldId="284"/>
+        </pc:sldMkLst>
+        <pc:spChg chg="mod">
+          <ac:chgData name="Tommaso Di Riccio" userId="86fd86f00952e091" providerId="LiveId" clId="{8DC893BE-A14E-4D7D-8698-92E2535F8177}" dt="2023-12-31T11:13:33.735" v="463" actId="20577"/>
+          <ac:spMkLst>
+            <pc:docMk/>
+            <pc:sldMk cId="863095605" sldId="284"/>
+            <ac:spMk id="2" creationId="{32242F0D-F3C7-5888-B659-FAE035653A8D}"/>
+          </ac:spMkLst>
+        </pc:spChg>
+        <pc:graphicFrameChg chg="modGraphic">
+          <ac:chgData name="Tommaso Di Riccio" userId="86fd86f00952e091" providerId="LiveId" clId="{8DC893BE-A14E-4D7D-8698-92E2535F8177}" dt="2023-12-31T11:14:27.817" v="501" actId="20577"/>
+          <ac:graphicFrameMkLst>
+            <pc:docMk/>
+            <pc:sldMk cId="863095605" sldId="284"/>
+            <ac:graphicFrameMk id="9" creationId="{9759CEE4-6FE6-04AC-EE3A-60B9C06FA088}"/>
+          </ac:graphicFrameMkLst>
+        </pc:graphicFrameChg>
+        <pc:picChg chg="mod">
+          <ac:chgData name="Tommaso Di Riccio" userId="86fd86f00952e091" providerId="LiveId" clId="{8DC893BE-A14E-4D7D-8698-92E2535F8177}" dt="2023-12-31T11:15:44.081" v="527" actId="14826"/>
+          <ac:picMkLst>
+            <pc:docMk/>
+            <pc:sldMk cId="863095605" sldId="284"/>
+            <ac:picMk id="6" creationId="{D7B58223-1FA5-09D4-2E77-D46F4A02A3B6}"/>
+          </ac:picMkLst>
+        </pc:picChg>
+        <pc:picChg chg="mod">
+          <ac:chgData name="Tommaso Di Riccio" userId="86fd86f00952e091" providerId="LiveId" clId="{8DC893BE-A14E-4D7D-8698-92E2535F8177}" dt="2023-12-31T11:15:32.608" v="526" actId="14826"/>
+          <ac:picMkLst>
+            <pc:docMk/>
+            <pc:sldMk cId="863095605" sldId="284"/>
+            <ac:picMk id="8" creationId="{37CDE704-8F33-192B-69F9-F3FF4ECDBD42}"/>
+          </ac:picMkLst>
+        </pc:picChg>
+      </pc:sldChg>
+      <pc:sldChg chg="modSp add mod">
+        <pc:chgData name="Tommaso Di Riccio" userId="86fd86f00952e091" providerId="LiveId" clId="{8DC893BE-A14E-4D7D-8698-92E2535F8177}" dt="2023-12-31T15:29:29.010" v="1298" actId="1076"/>
+        <pc:sldMkLst>
+          <pc:docMk/>
+          <pc:sldMk cId="3940796087" sldId="285"/>
+        </pc:sldMkLst>
+        <pc:spChg chg="mod">
+          <ac:chgData name="Tommaso Di Riccio" userId="86fd86f00952e091" providerId="LiveId" clId="{8DC893BE-A14E-4D7D-8698-92E2535F8177}" dt="2023-12-31T15:29:29.010" v="1298" actId="1076"/>
+          <ac:spMkLst>
+            <pc:docMk/>
+            <pc:sldMk cId="3940796087" sldId="285"/>
+            <ac:spMk id="3" creationId="{0448DF09-38BE-4CA2-C490-2A9388B7B27C}"/>
+          </ac:spMkLst>
+        </pc:spChg>
+      </pc:sldChg>
+      <pc:sldChg chg="modSp add mod">
+        <pc:chgData name="Tommaso Di Riccio" userId="86fd86f00952e091" providerId="LiveId" clId="{8DC893BE-A14E-4D7D-8698-92E2535F8177}" dt="2023-12-31T15:51:41.199" v="1467" actId="20577"/>
+        <pc:sldMkLst>
+          <pc:docMk/>
+          <pc:sldMk cId="2307646240" sldId="286"/>
+        </pc:sldMkLst>
+        <pc:spChg chg="mod">
+          <ac:chgData name="Tommaso Di Riccio" userId="86fd86f00952e091" providerId="LiveId" clId="{8DC893BE-A14E-4D7D-8698-92E2535F8177}" dt="2023-12-31T15:30:24.074" v="1309" actId="20577"/>
+          <ac:spMkLst>
+            <pc:docMk/>
+            <pc:sldMk cId="2307646240" sldId="286"/>
+            <ac:spMk id="2" creationId="{32242F0D-F3C7-5888-B659-FAE035653A8D}"/>
+          </ac:spMkLst>
+        </pc:spChg>
+        <pc:spChg chg="mod">
+          <ac:chgData name="Tommaso Di Riccio" userId="86fd86f00952e091" providerId="LiveId" clId="{8DC893BE-A14E-4D7D-8698-92E2535F8177}" dt="2023-12-31T15:51:41.199" v="1467" actId="20577"/>
+          <ac:spMkLst>
+            <pc:docMk/>
+            <pc:sldMk cId="2307646240" sldId="286"/>
+            <ac:spMk id="3" creationId="{0448DF09-38BE-4CA2-C490-2A9388B7B27C}"/>
+          </ac:spMkLst>
+        </pc:spChg>
+      </pc:sldChg>
+      <pc:sldChg chg="addSp delSp modSp add mod">
+        <pc:chgData name="Tommaso Di Riccio" userId="86fd86f00952e091" providerId="LiveId" clId="{8DC893BE-A14E-4D7D-8698-92E2535F8177}" dt="2023-12-31T16:07:51.188" v="1555" actId="14100"/>
+        <pc:sldMkLst>
+          <pc:docMk/>
+          <pc:sldMk cId="2573645154" sldId="287"/>
+        </pc:sldMkLst>
+        <pc:spChg chg="mod">
+          <ac:chgData name="Tommaso Di Riccio" userId="86fd86f00952e091" providerId="LiveId" clId="{8DC893BE-A14E-4D7D-8698-92E2535F8177}" dt="2023-12-31T15:33:48.868" v="1340" actId="20577"/>
+          <ac:spMkLst>
+            <pc:docMk/>
+            <pc:sldMk cId="2573645154" sldId="287"/>
+            <ac:spMk id="2" creationId="{32242F0D-F3C7-5888-B659-FAE035653A8D}"/>
+          </ac:spMkLst>
+        </pc:spChg>
+        <pc:spChg chg="mod">
+          <ac:chgData name="Tommaso Di Riccio" userId="86fd86f00952e091" providerId="LiveId" clId="{8DC893BE-A14E-4D7D-8698-92E2535F8177}" dt="2023-12-31T16:06:40.154" v="1516" actId="1076"/>
+          <ac:spMkLst>
+            <pc:docMk/>
+            <pc:sldMk cId="2573645154" sldId="287"/>
+            <ac:spMk id="3" creationId="{0448DF09-38BE-4CA2-C490-2A9388B7B27C}"/>
+          </ac:spMkLst>
+        </pc:spChg>
+        <pc:spChg chg="add mod">
+          <ac:chgData name="Tommaso Di Riccio" userId="86fd86f00952e091" providerId="LiveId" clId="{8DC893BE-A14E-4D7D-8698-92E2535F8177}" dt="2023-12-31T16:06:30.519" v="1515" actId="1037"/>
+          <ac:spMkLst>
+            <pc:docMk/>
+            <pc:sldMk cId="2573645154" sldId="287"/>
+            <ac:spMk id="9" creationId="{F1E30FC7-05A4-38BE-89A2-8C4CDEE2F4FE}"/>
+          </ac:spMkLst>
+        </pc:spChg>
+        <pc:spChg chg="add mod">
+          <ac:chgData name="Tommaso Di Riccio" userId="86fd86f00952e091" providerId="LiveId" clId="{8DC893BE-A14E-4D7D-8698-92E2535F8177}" dt="2023-12-31T16:07:51.188" v="1555" actId="14100"/>
+          <ac:spMkLst>
+            <pc:docMk/>
+            <pc:sldMk cId="2573645154" sldId="287"/>
+            <ac:spMk id="10" creationId="{068E178C-C961-780F-91F1-30118FAA173B}"/>
+          </ac:spMkLst>
+        </pc:spChg>
+        <pc:picChg chg="add del mod">
+          <ac:chgData name="Tommaso Di Riccio" userId="86fd86f00952e091" providerId="LiveId" clId="{8DC893BE-A14E-4D7D-8698-92E2535F8177}" dt="2023-12-31T15:48:51.532" v="1408" actId="478"/>
+          <ac:picMkLst>
+            <pc:docMk/>
+            <pc:sldMk cId="2573645154" sldId="287"/>
+            <ac:picMk id="6" creationId="{8A1C0D54-81C6-CAF7-6BB0-16F477F88A30}"/>
+          </ac:picMkLst>
+        </pc:picChg>
+        <pc:picChg chg="add mod">
+          <ac:chgData name="Tommaso Di Riccio" userId="86fd86f00952e091" providerId="LiveId" clId="{8DC893BE-A14E-4D7D-8698-92E2535F8177}" dt="2023-12-31T16:06:26.666" v="1514" actId="14100"/>
+          <ac:picMkLst>
+            <pc:docMk/>
+            <pc:sldMk cId="2573645154" sldId="287"/>
+            <ac:picMk id="8" creationId="{ED77282D-D3C4-2298-9F79-0EB717998380}"/>
+          </ac:picMkLst>
+        </pc:picChg>
+      </pc:sldChg>
+      <pc:sldMasterChg chg="modSp modSldLayout">
+        <pc:chgData name="Tommaso Di Riccio" userId="86fd86f00952e091" providerId="LiveId" clId="{8DC893BE-A14E-4D7D-8698-92E2535F8177}" dt="2023-12-30T18:26:52.327" v="10" actId="403"/>
+        <pc:sldMasterMkLst>
+          <pc:docMk/>
+          <pc:sldMasterMk cId="1316544555" sldId="2147483648"/>
+        </pc:sldMasterMkLst>
+        <pc:spChg chg="mod">
+          <ac:chgData name="Tommaso Di Riccio" userId="86fd86f00952e091" providerId="LiveId" clId="{8DC893BE-A14E-4D7D-8698-92E2535F8177}" dt="2023-12-30T18:26:52.327" v="10" actId="403"/>
+          <ac:spMkLst>
+            <pc:docMk/>
+            <pc:sldMasterMk cId="1316544555" sldId="2147483648"/>
+            <ac:spMk id="6" creationId="{CCA14CE1-0F65-023D-4099-CA558017FDA7}"/>
+          </ac:spMkLst>
+        </pc:spChg>
+        <pc:sldLayoutChg chg="modSp">
+          <pc:chgData name="Tommaso Di Riccio" userId="86fd86f00952e091" providerId="LiveId" clId="{8DC893BE-A14E-4D7D-8698-92E2535F8177}" dt="2023-12-30T18:26:22.020" v="5" actId="404"/>
+          <pc:sldLayoutMkLst>
+            <pc:docMk/>
+            <pc:sldMasterMk cId="1316544555" sldId="2147483648"/>
+            <pc:sldLayoutMk cId="3643862790" sldId="2147483649"/>
+          </pc:sldLayoutMkLst>
+          <pc:spChg chg="mod">
+            <ac:chgData name="Tommaso Di Riccio" userId="86fd86f00952e091" providerId="LiveId" clId="{8DC893BE-A14E-4D7D-8698-92E2535F8177}" dt="2023-12-30T18:26:22.020" v="5" actId="404"/>
+            <ac:spMkLst>
+              <pc:docMk/>
+              <pc:sldMasterMk cId="1316544555" sldId="2147483648"/>
+              <pc:sldLayoutMk cId="3643862790" sldId="2147483649"/>
+              <ac:spMk id="6" creationId="{2578F3DE-65B4-777D-E801-E7FC2D89B14C}"/>
+            </ac:spMkLst>
+          </pc:spChg>
+        </pc:sldLayoutChg>
+      </pc:sldMasterChg>
+    </pc:docChg>
+  </pc:docChgLst>
   <pc:docChgLst>
     <pc:chgData name="Tommaso Di Riccio" userId="86fd86f00952e091" providerId="LiveId" clId="{22D272E4-2158-41E7-8704-8F465140BCC8}"/>
     <pc:docChg chg="undo redo custSel addSld delSld modSld">
@@ -1363,7 +1834,7 @@
           <a:p>
             <a:fld id="{DC6CAA1B-BAE1-43B3-A051-D11BAD98619E}" type="datetimeFigureOut">
               <a:rPr lang="it-IT" smtClean="0"/>
-              <a:t>30/12/2023</a:t>
+              <a:t>31/12/2023</a:t>
             </a:fld>
             <a:endParaRPr lang="it-IT"/>
           </a:p>
@@ -1775,9 +2246,9 @@
           <a:bodyPr/>
           <a:lstStyle/>
           <a:p>
-            <a:fld id="{9597AF99-7543-4208-9A09-63750D099606}" type="datetime1">
+            <a:fld id="{06EAD159-ECCC-4B99-9061-D6F46E89BA15}" type="datetime1">
               <a:rPr lang="it-IT" smtClean="0"/>
-              <a:t>30/12/2023</a:t>
+              <a:t>31/12/2023</a:t>
             </a:fld>
             <a:endParaRPr lang="it-IT"/>
           </a:p>
@@ -1827,13 +2298,18 @@
         <p:spPr/>
         <p:txBody>
           <a:bodyPr/>
-          <a:lstStyle/>
+          <a:lstStyle>
+            <a:lvl1pPr>
+              <a:defRPr sz="2000"/>
+            </a:lvl1pPr>
+          </a:lstStyle>
           <a:p>
             <a:fld id="{642154B9-5AE1-4D93-9ACE-3DF3B522DF2F}" type="slidenum">
               <a:rPr lang="it-IT" smtClean="0"/>
+              <a:pPr/>
               <a:t>‹N›</a:t>
             </a:fld>
-            <a:endParaRPr lang="it-IT"/>
+            <a:endParaRPr lang="it-IT" dirty="0"/>
           </a:p>
         </p:txBody>
       </p:sp>
@@ -1973,9 +2449,9 @@
           <a:bodyPr/>
           <a:lstStyle/>
           <a:p>
-            <a:fld id="{E7D30E2A-E2CD-447E-A8C4-934946B88184}" type="datetime1">
+            <a:fld id="{6A23C70C-EEEA-46B2-8489-D1A228A4A8D4}" type="datetime1">
               <a:rPr lang="it-IT" smtClean="0"/>
-              <a:t>30/12/2023</a:t>
+              <a:t>31/12/2023</a:t>
             </a:fld>
             <a:endParaRPr lang="it-IT"/>
           </a:p>
@@ -2181,9 +2657,9 @@
           <a:bodyPr/>
           <a:lstStyle/>
           <a:p>
-            <a:fld id="{D3027936-96D1-4F0C-920F-11252D1DCF7C}" type="datetime1">
+            <a:fld id="{BD4574BD-E0E9-4205-A24E-17EFA78B1364}" type="datetime1">
               <a:rPr lang="it-IT" smtClean="0"/>
-              <a:t>30/12/2023</a:t>
+              <a:t>31/12/2023</a:t>
             </a:fld>
             <a:endParaRPr lang="it-IT"/>
           </a:p>
@@ -2379,9 +2855,9 @@
           <a:bodyPr/>
           <a:lstStyle/>
           <a:p>
-            <a:fld id="{6E693176-7B9D-497B-B83D-24A130A73AD7}" type="datetime1">
+            <a:fld id="{5F60B374-D3B4-490A-BE26-781181F6B59E}" type="datetime1">
               <a:rPr lang="it-IT" smtClean="0"/>
-              <a:t>30/12/2023</a:t>
+              <a:t>31/12/2023</a:t>
             </a:fld>
             <a:endParaRPr lang="it-IT"/>
           </a:p>
@@ -2654,9 +3130,9 @@
           <a:bodyPr/>
           <a:lstStyle/>
           <a:p>
-            <a:fld id="{40850C47-C9E1-44B1-A766-0D0E09416D17}" type="datetime1">
+            <a:fld id="{84EAE18C-1402-4931-A3A7-279EDBAE70A6}" type="datetime1">
               <a:rPr lang="it-IT" smtClean="0"/>
-              <a:t>30/12/2023</a:t>
+              <a:t>31/12/2023</a:t>
             </a:fld>
             <a:endParaRPr lang="it-IT"/>
           </a:p>
@@ -2919,9 +3395,9 @@
           <a:bodyPr/>
           <a:lstStyle/>
           <a:p>
-            <a:fld id="{5FD8E46F-3A5B-41B4-B301-64DC103F3C14}" type="datetime1">
+            <a:fld id="{3C3AAD58-8141-48C7-B401-5F899C382B51}" type="datetime1">
               <a:rPr lang="it-IT" smtClean="0"/>
-              <a:t>30/12/2023</a:t>
+              <a:t>31/12/2023</a:t>
             </a:fld>
             <a:endParaRPr lang="it-IT"/>
           </a:p>
@@ -3331,9 +3807,9 @@
           <a:bodyPr/>
           <a:lstStyle/>
           <a:p>
-            <a:fld id="{0F471108-E953-4647-8960-14B1F5A6A495}" type="datetime1">
+            <a:fld id="{D8DA7516-BAFD-455A-9EAD-0AD6D7337250}" type="datetime1">
               <a:rPr lang="it-IT" smtClean="0"/>
-              <a:t>30/12/2023</a:t>
+              <a:t>31/12/2023</a:t>
             </a:fld>
             <a:endParaRPr lang="it-IT"/>
           </a:p>
@@ -3472,9 +3948,9 @@
           <a:bodyPr/>
           <a:lstStyle/>
           <a:p>
-            <a:fld id="{D63DD220-8E98-4BE5-981B-AE6F8C9ED92D}" type="datetime1">
+            <a:fld id="{501AEAF9-4645-48A5-869A-781E752AB932}" type="datetime1">
               <a:rPr lang="it-IT" smtClean="0"/>
-              <a:t>30/12/2023</a:t>
+              <a:t>31/12/2023</a:t>
             </a:fld>
             <a:endParaRPr lang="it-IT"/>
           </a:p>
@@ -3585,9 +4061,9 @@
           <a:bodyPr/>
           <a:lstStyle/>
           <a:p>
-            <a:fld id="{5C1759D6-6E61-4F1D-898E-E020AE9654D3}" type="datetime1">
+            <a:fld id="{5E1EC909-F26A-4C9A-9727-FCD7BDE27950}" type="datetime1">
               <a:rPr lang="it-IT" smtClean="0"/>
-              <a:t>30/12/2023</a:t>
+              <a:t>31/12/2023</a:t>
             </a:fld>
             <a:endParaRPr lang="it-IT"/>
           </a:p>
@@ -3896,9 +4372,9 @@
           <a:bodyPr/>
           <a:lstStyle/>
           <a:p>
-            <a:fld id="{0E3C1CD7-F9ED-451F-811B-ADB9E6838B1B}" type="datetime1">
+            <a:fld id="{E151D4A7-C70C-478D-B1DB-622D01775169}" type="datetime1">
               <a:rPr lang="it-IT" smtClean="0"/>
-              <a:t>30/12/2023</a:t>
+              <a:t>31/12/2023</a:t>
             </a:fld>
             <a:endParaRPr lang="it-IT"/>
           </a:p>
@@ -4184,9 +4660,9 @@
           <a:bodyPr/>
           <a:lstStyle/>
           <a:p>
-            <a:fld id="{24F16348-E4C7-4C62-8335-B2C80B5E326D}" type="datetime1">
+            <a:fld id="{5C6C38CD-EF23-43DF-971A-C490029A6C2D}" type="datetime1">
               <a:rPr lang="it-IT" smtClean="0"/>
-              <a:t>30/12/2023</a:t>
+              <a:t>31/12/2023</a:t>
             </a:fld>
             <a:endParaRPr lang="it-IT"/>
           </a:p>
@@ -4425,9 +4901,9 @@
             </a:lvl1pPr>
           </a:lstStyle>
           <a:p>
-            <a:fld id="{A93BCDCC-B3C8-4A08-8EA1-505A1A578C35}" type="datetime1">
+            <a:fld id="{6EEF9DFA-B7B0-457E-9FC1-CD4807E6B174}" type="datetime1">
               <a:rPr lang="it-IT" smtClean="0"/>
-              <a:t>30/12/2023</a:t>
+              <a:t>31/12/2023</a:t>
             </a:fld>
             <a:endParaRPr lang="it-IT"/>
           </a:p>
@@ -4505,7 +4981,7 @@
           <a:bodyPr vert="horz" lIns="91440" tIns="45720" rIns="91440" bIns="45720" rtlCol="0" anchor="ctr"/>
           <a:lstStyle>
             <a:lvl1pPr algn="r">
-              <a:defRPr sz="1200">
+              <a:defRPr sz="2400">
                 <a:solidFill>
                   <a:schemeClr val="tx1">
                     <a:tint val="75000"/>
@@ -4517,9 +4993,10 @@
           <a:p>
             <a:fld id="{642154B9-5AE1-4D93-9ACE-3DF3B522DF2F}" type="slidenum">
               <a:rPr lang="it-IT" smtClean="0"/>
+              <a:pPr/>
               <a:t>‹N›</a:t>
             </a:fld>
-            <a:endParaRPr lang="it-IT"/>
+            <a:endParaRPr lang="it-IT" dirty="0"/>
           </a:p>
         </p:txBody>
       </p:sp>
@@ -4899,7 +5376,7 @@
         <p:spPr>
           <a:xfrm>
             <a:off x="1524000" y="3144837"/>
-            <a:ext cx="9144000" cy="3020832"/>
+            <a:ext cx="9144000" cy="3211513"/>
           </a:xfrm>
         </p:spPr>
         <p:txBody>
@@ -4908,24 +5385,44 @@
           </a:bodyPr>
           <a:lstStyle/>
           <a:p>
+            <a:pPr>
+              <a:spcBef>
+                <a:spcPts val="1800"/>
+              </a:spcBef>
+            </a:pPr>
             <a:r>
               <a:rPr lang="it-IT" sz="2800" dirty="0"/>
               <a:t>Tommaso Di Riccio, Marco Minniti, Francesco Simonetti</a:t>
             </a:r>
           </a:p>
           <a:p>
+            <a:pPr>
+              <a:spcBef>
+                <a:spcPts val="1800"/>
+              </a:spcBef>
+            </a:pPr>
             <a:r>
               <a:rPr lang="it-IT" sz="2800" dirty="0"/>
               <a:t>Mensa Martiri</a:t>
             </a:r>
           </a:p>
           <a:p>
+            <a:pPr>
+              <a:spcBef>
+                <a:spcPts val="1800"/>
+              </a:spcBef>
+            </a:pPr>
             <a:r>
               <a:rPr lang="en-US" sz="2800" dirty="0"/>
               <a:t>Computer science - curriculum: Artificial Intelligence </a:t>
             </a:r>
           </a:p>
           <a:p>
+            <a:pPr>
+              <a:spcBef>
+                <a:spcPts val="1800"/>
+              </a:spcBef>
+            </a:pPr>
             <a:r>
               <a:rPr lang="en-US" sz="2800" dirty="0"/>
               <a:t>Date: 24/01/2024</a:t>
@@ -4949,10 +5446,10 @@
       </p:sp>
       <p:sp>
         <p:nvSpPr>
-          <p:cNvPr id="4" name="Segnaposto numero diapositiva 3">
-            <a:extLst>
-              <a:ext uri="{FF2B5EF4-FFF2-40B4-BE49-F238E27FC236}">
-                <a16:creationId xmlns:a16="http://schemas.microsoft.com/office/drawing/2014/main" id="{C8FE8A3E-6B29-5396-1FAD-ACF2D3E96CFA}"/>
+          <p:cNvPr id="5" name="Segnaposto numero diapositiva 4">
+            <a:extLst>
+              <a:ext uri="{FF2B5EF4-FFF2-40B4-BE49-F238E27FC236}">
+                <a16:creationId xmlns:a16="http://schemas.microsoft.com/office/drawing/2014/main" id="{48CFE918-6E8B-1F39-BB6B-83240DCEF9B5}"/>
               </a:ext>
             </a:extLst>
           </p:cNvPr>
@@ -4970,9 +5467,10 @@
           <a:p>
             <a:fld id="{642154B9-5AE1-4D93-9ACE-3DF3B522DF2F}" type="slidenum">
               <a:rPr lang="it-IT" smtClean="0"/>
+              <a:pPr/>
               <a:t>1</a:t>
             </a:fld>
-            <a:endParaRPr lang="it-IT"/>
+            <a:endParaRPr lang="it-IT" dirty="0"/>
           </a:p>
         </p:txBody>
       </p:sp>
@@ -5069,7 +5567,7 @@
         <p:spPr>
           <a:xfrm>
             <a:off x="838200" y="5397979"/>
-            <a:ext cx="10108096" cy="1200329"/>
+            <a:ext cx="10108096" cy="1143070"/>
           </a:xfrm>
           <a:prstGeom prst="rect">
             <a:avLst/>
@@ -5082,6 +5580,11 @@
           </a:bodyPr>
           <a:lstStyle/>
           <a:p>
+            <a:pPr>
+              <a:lnSpc>
+                <a:spcPct val="150000"/>
+              </a:lnSpc>
+            </a:pPr>
             <a:r>
               <a:rPr lang="en-US" sz="2400" b="1" dirty="0"/>
               <a:t>Network</a:t>
@@ -5098,12 +5601,13 @@
               <a:rPr lang="en-US" sz="2400" dirty="0"/>
               <a:t> and Tanh</a:t>
             </a:r>
-            <a:br>
-              <a:rPr lang="en-US" sz="2400" dirty="0"/>
-            </a:br>
-            <a:endParaRPr lang="en-US" sz="2400" dirty="0"/>
-          </a:p>
-          <a:p>
+          </a:p>
+          <a:p>
+            <a:pPr>
+              <a:lnSpc>
+                <a:spcPct val="150000"/>
+              </a:lnSpc>
+            </a:pPr>
             <a:r>
               <a:rPr lang="en-US" sz="2400" b="1" dirty="0"/>
               <a:t>Parameters</a:t>
@@ -5189,10 +5693,10 @@
       </p:pic>
       <p:sp>
         <p:nvSpPr>
-          <p:cNvPr id="3" name="Segnaposto numero diapositiva 2">
-            <a:extLst>
-              <a:ext uri="{FF2B5EF4-FFF2-40B4-BE49-F238E27FC236}">
-                <a16:creationId xmlns:a16="http://schemas.microsoft.com/office/drawing/2014/main" id="{E98603F7-2C84-4E60-19D2-974F8EB8A79C}"/>
+          <p:cNvPr id="5" name="Segnaposto numero diapositiva 4">
+            <a:extLst>
+              <a:ext uri="{FF2B5EF4-FFF2-40B4-BE49-F238E27FC236}">
+                <a16:creationId xmlns:a16="http://schemas.microsoft.com/office/drawing/2014/main" id="{37B4EBCC-9062-CEAF-B856-6DD485E060A6}"/>
               </a:ext>
             </a:extLst>
           </p:cNvPr>
@@ -5306,7 +5810,7 @@
           <p:nvPr>
             <p:extLst>
               <p:ext uri="{D42A27DB-BD31-4B8C-83A1-F6EECF244321}">
-                <p14:modId xmlns:p14="http://schemas.microsoft.com/office/powerpoint/2010/main" val="1935102765"/>
+                <p14:modId xmlns:p14="http://schemas.microsoft.com/office/powerpoint/2010/main" val="2919001035"/>
               </p:ext>
             </p:extLst>
           </p:nvPr>
@@ -5448,7 +5952,7 @@
                       <a:pPr algn="l"/>
                       <a:r>
                         <a:rPr lang="it-IT" dirty="0"/>
-                        <a:t>       (4, 1)     0.5      0</a:t>
+                        <a:t>      (4, 1)      0.5       0</a:t>
                       </a:r>
                     </a:p>
                   </a:txBody>
@@ -5510,7 +6014,7 @@
                       <a:pPr algn="l"/>
                       <a:r>
                         <a:rPr lang="it-IT" dirty="0"/>
-                        <a:t>       (3, 1)     0.2      0</a:t>
+                        <a:t>      (3, 1)      0.2       0</a:t>
                       </a:r>
                     </a:p>
                   </a:txBody>
@@ -5572,7 +6076,7 @@
                       <a:pPr algn="l"/>
                       <a:r>
                         <a:rPr lang="it-IT" dirty="0"/>
-                        <a:t>       (4, 1)     0.3      0</a:t>
+                        <a:t>      (4, 1)      0.3       0</a:t>
                       </a:r>
                     </a:p>
                   </a:txBody>
@@ -5634,7 +6138,7 @@
                       <a:pPr algn="l"/>
                       <a:r>
                         <a:rPr lang="it-IT" dirty="0"/>
-                        <a:t>       (4, 1)     0.3    0.01</a:t>
+                        <a:t>      (4, 1)      0.3     0.01</a:t>
                       </a:r>
                     </a:p>
                   </a:txBody>
@@ -5680,10 +6184,10 @@
       </p:graphicFrame>
       <p:sp>
         <p:nvSpPr>
-          <p:cNvPr id="3" name="Segnaposto numero diapositiva 2">
-            <a:extLst>
-              <a:ext uri="{FF2B5EF4-FFF2-40B4-BE49-F238E27FC236}">
-                <a16:creationId xmlns:a16="http://schemas.microsoft.com/office/drawing/2014/main" id="{64E3CFC9-ED2F-8F49-5A50-F56921281519}"/>
+          <p:cNvPr id="4" name="Segnaposto numero diapositiva 3">
+            <a:extLst>
+              <a:ext uri="{FF2B5EF4-FFF2-40B4-BE49-F238E27FC236}">
+                <a16:creationId xmlns:a16="http://schemas.microsoft.com/office/drawing/2014/main" id="{E1AA89FF-A431-310A-C876-F8E5883DD59B}"/>
               </a:ext>
             </a:extLst>
           </p:cNvPr>
@@ -5916,17 +6420,17 @@
           <a:p>
             <a:r>
               <a:rPr lang="en-US" sz="2800" dirty="0"/>
-              <a:t>At the end, we did a retraining on all data before estimating the CUP test data </a:t>
-            </a:r>
-          </a:p>
-        </p:txBody>
-      </p:sp>
-      <p:sp>
-        <p:nvSpPr>
-          <p:cNvPr id="7" name="Segnaposto numero diapositiva 6">
-            <a:extLst>
-              <a:ext uri="{FF2B5EF4-FFF2-40B4-BE49-F238E27FC236}">
-                <a16:creationId xmlns:a16="http://schemas.microsoft.com/office/drawing/2014/main" id="{30E5C4C9-B5D1-5E95-4AE8-F1B4F5FF3134}"/>
+              <a:t>At the end, we did a retraining on all data before estimating the outputs for the CUP test data </a:t>
+            </a:r>
+          </a:p>
+        </p:txBody>
+      </p:sp>
+      <p:sp>
+        <p:nvSpPr>
+          <p:cNvPr id="3" name="Segnaposto numero diapositiva 2">
+            <a:extLst>
+              <a:ext uri="{FF2B5EF4-FFF2-40B4-BE49-F238E27FC236}">
+                <a16:creationId xmlns:a16="http://schemas.microsoft.com/office/drawing/2014/main" id="{53EBB5C3-03F6-7B33-E306-6545CF5B3F3A}"/>
               </a:ext>
             </a:extLst>
           </p:cNvPr>
@@ -6042,7 +6546,7 @@
           <a:p>
             <a:r>
               <a:rPr lang="en-US" sz="2400" dirty="0"/>
-              <a:t>We experimented with various network architectures, beginning with smaller ones (2 layers, a few dozen units) and progressively increasing their sizes, culminating in a 5-layer structure with nearly one thousand units</a:t>
+              <a:t>We experimented with various network architectures, beginning with smaller ones (2 layers, a few dozen units) and progressively increasing their sizes, culminating in a 5-layer structure with nearly one thousand units.</a:t>
             </a:r>
           </a:p>
           <a:p>
@@ -6051,7 +6555,7 @@
           <a:p>
             <a:r>
               <a:rPr lang="en-US" sz="2400" dirty="0"/>
-              <a:t>For each architecture, we performed a  grid search to evaluate different activation functions, learning rates, batch sizes, momentum values, and regularization lambdas</a:t>
+              <a:t>For each architecture, we performed a  grid search to evaluate different activation functions, learning rates, batch sizes, momentum values, and regularization lambdas.</a:t>
             </a:r>
           </a:p>
           <a:p>
@@ -6060,17 +6564,17 @@
           <a:p>
             <a:r>
               <a:rPr lang="en-US" sz="2400" dirty="0"/>
-              <a:t>Following these initial grid searches, we executed a more refined grid search to find the optimal parameters based on the best-performing configurations identified in the previous steps</a:t>
-            </a:r>
-          </a:p>
-        </p:txBody>
-      </p:sp>
-      <p:sp>
-        <p:nvSpPr>
-          <p:cNvPr id="9" name="Segnaposto numero diapositiva 8">
-            <a:extLst>
-              <a:ext uri="{FF2B5EF4-FFF2-40B4-BE49-F238E27FC236}">
-                <a16:creationId xmlns:a16="http://schemas.microsoft.com/office/drawing/2014/main" id="{90568876-4A3E-149E-05A7-769D2120F3E4}"/>
+              <a:t>Following these initial grid searches, we executed a more refined grid search to find the optimal parameters based on the best-performing configurations identified in the previous steps.</a:t>
+            </a:r>
+          </a:p>
+        </p:txBody>
+      </p:sp>
+      <p:sp>
+        <p:nvSpPr>
+          <p:cNvPr id="3" name="Segnaposto numero diapositiva 2">
+            <a:extLst>
+              <a:ext uri="{FF2B5EF4-FFF2-40B4-BE49-F238E27FC236}">
+                <a16:creationId xmlns:a16="http://schemas.microsoft.com/office/drawing/2014/main" id="{D7C4313C-0149-4D5E-D64A-2447C69B913B}"/>
               </a:ext>
             </a:extLst>
           </p:cNvPr>
@@ -6171,7 +6675,7 @@
           <p:nvPr>
             <p:extLst>
               <p:ext uri="{D42A27DB-BD31-4B8C-83A1-F6EECF244321}">
-                <p14:modId xmlns:p14="http://schemas.microsoft.com/office/powerpoint/2010/main" val="985935849"/>
+                <p14:modId xmlns:p14="http://schemas.microsoft.com/office/powerpoint/2010/main" val="3057078827"/>
               </p:ext>
             </p:extLst>
           </p:nvPr>
@@ -6377,15 +6881,7 @@
                     <a:p>
                       <a:r>
                         <a:rPr lang="en-US" noProof="0" dirty="0"/>
-                        <a:t>Random uniform, </a:t>
-                      </a:r>
-                      <a:r>
-                        <a:rPr lang="en-US" noProof="0" dirty="0" err="1"/>
-                        <a:t>Glorot</a:t>
-                      </a:r>
-                      <a:r>
-                        <a:rPr lang="en-US" noProof="0" dirty="0"/>
-                        <a:t> and Bengio</a:t>
+                        <a:t>Random uniform, Glorot and Bengio [1]</a:t>
                       </a:r>
                     </a:p>
                   </a:txBody>
@@ -6651,10 +7147,10 @@
       </p:graphicFrame>
       <p:sp>
         <p:nvSpPr>
-          <p:cNvPr id="4" name="Segnaposto numero diapositiva 3">
-            <a:extLst>
-              <a:ext uri="{FF2B5EF4-FFF2-40B4-BE49-F238E27FC236}">
-                <a16:creationId xmlns:a16="http://schemas.microsoft.com/office/drawing/2014/main" id="{8C641C17-29F1-5A64-4F99-F93E2DCFF28B}"/>
+          <p:cNvPr id="5" name="Segnaposto numero diapositiva 4">
+            <a:extLst>
+              <a:ext uri="{FF2B5EF4-FFF2-40B4-BE49-F238E27FC236}">
+                <a16:creationId xmlns:a16="http://schemas.microsoft.com/office/drawing/2014/main" id="{6B06F4FB-9E4C-B590-9AB2-BF0CD9D8CED4}"/>
               </a:ext>
             </a:extLst>
           </p:cNvPr>
@@ -6674,7 +7170,7 @@
               <a:rPr lang="it-IT" smtClean="0"/>
               <a:t>14</a:t>
             </a:fld>
-            <a:endParaRPr lang="it-IT" dirty="0"/>
+            <a:endParaRPr lang="it-IT"/>
           </a:p>
         </p:txBody>
       </p:sp>
@@ -6742,35 +7238,6 @@
       </p:sp>
       <p:sp>
         <p:nvSpPr>
-          <p:cNvPr id="4" name="Segnaposto numero diapositiva 3">
-            <a:extLst>
-              <a:ext uri="{FF2B5EF4-FFF2-40B4-BE49-F238E27FC236}">
-                <a16:creationId xmlns:a16="http://schemas.microsoft.com/office/drawing/2014/main" id="{8C641C17-29F1-5A64-4F99-F93E2DCFF28B}"/>
-              </a:ext>
-            </a:extLst>
-          </p:cNvPr>
-          <p:cNvSpPr>
-            <a:spLocks noGrp="1"/>
-          </p:cNvSpPr>
-          <p:nvPr>
-            <p:ph type="sldNum" sz="quarter" idx="12"/>
-          </p:nvPr>
-        </p:nvSpPr>
-        <p:spPr/>
-        <p:txBody>
-          <a:bodyPr/>
-          <a:lstStyle/>
-          <a:p>
-            <a:fld id="{642154B9-5AE1-4D93-9ACE-3DF3B522DF2F}" type="slidenum">
-              <a:rPr lang="it-IT" smtClean="0"/>
-              <a:t>15</a:t>
-            </a:fld>
-            <a:endParaRPr lang="it-IT" dirty="0"/>
-          </a:p>
-        </p:txBody>
-      </p:sp>
-      <p:sp>
-        <p:nvSpPr>
           <p:cNvPr id="7" name="CasellaDiTesto 6">
             <a:extLst>
               <a:ext uri="{FF2B5EF4-FFF2-40B4-BE49-F238E27FC236}">
@@ -7009,23 +7476,7 @@
             </a:r>
             <a:r>
               <a:rPr lang="it-IT" dirty="0"/>
-              <a:t>:  (</a:t>
-            </a:r>
-            <a:r>
-              <a:rPr lang="it-IT" dirty="0" err="1"/>
-              <a:t>Selu</a:t>
-            </a:r>
-            <a:r>
-              <a:rPr lang="it-IT" dirty="0"/>
-              <a:t>, </a:t>
-            </a:r>
-            <a:r>
-              <a:rPr lang="it-IT" dirty="0" err="1"/>
-              <a:t>Selu</a:t>
-            </a:r>
-            <a:r>
-              <a:rPr lang="it-IT" dirty="0"/>
-              <a:t>, Identity)</a:t>
+              <a:t>:  (Selu, Selu, Identity)</a:t>
             </a:r>
           </a:p>
           <a:p>
@@ -7170,39 +7621,7 @@
             </a:r>
             <a:r>
               <a:rPr lang="it-IT" dirty="0"/>
-              <a:t>:  (</a:t>
-            </a:r>
-            <a:r>
-              <a:rPr lang="it-IT" dirty="0" err="1"/>
-              <a:t>Selu</a:t>
-            </a:r>
-            <a:r>
-              <a:rPr lang="it-IT" dirty="0"/>
-              <a:t>, </a:t>
-            </a:r>
-            <a:r>
-              <a:rPr lang="it-IT" dirty="0" err="1"/>
-              <a:t>Selu</a:t>
-            </a:r>
-            <a:r>
-              <a:rPr lang="it-IT" dirty="0"/>
-              <a:t>,  </a:t>
-            </a:r>
-            <a:r>
-              <a:rPr lang="it-IT" dirty="0" err="1"/>
-              <a:t>Selu</a:t>
-            </a:r>
-            <a:r>
-              <a:rPr lang="it-IT" dirty="0"/>
-              <a:t>, </a:t>
-            </a:r>
-            <a:r>
-              <a:rPr lang="it-IT" dirty="0" err="1"/>
-              <a:t>Selu</a:t>
-            </a:r>
-            <a:r>
-              <a:rPr lang="it-IT" dirty="0"/>
-              <a:t>, Identity)</a:t>
+              <a:t>:  (Selu, Selu,  Selu, Selu, Identity)</a:t>
             </a:r>
           </a:p>
           <a:p>
@@ -7404,6 +7823,35 @@
               <a:rPr lang="it-IT" sz="1600" dirty="0"/>
               <a:t>Validation MEE:   0.7773</a:t>
             </a:r>
+          </a:p>
+        </p:txBody>
+      </p:sp>
+      <p:sp>
+        <p:nvSpPr>
+          <p:cNvPr id="3" name="Segnaposto numero diapositiva 2">
+            <a:extLst>
+              <a:ext uri="{FF2B5EF4-FFF2-40B4-BE49-F238E27FC236}">
+                <a16:creationId xmlns:a16="http://schemas.microsoft.com/office/drawing/2014/main" id="{DAD99DA1-3162-472E-6057-E8162088D09D}"/>
+              </a:ext>
+            </a:extLst>
+          </p:cNvPr>
+          <p:cNvSpPr>
+            <a:spLocks noGrp="1"/>
+          </p:cNvSpPr>
+          <p:nvPr>
+            <p:ph type="sldNum" sz="quarter" idx="12"/>
+          </p:nvPr>
+        </p:nvSpPr>
+        <p:spPr/>
+        <p:txBody>
+          <a:bodyPr/>
+          <a:lstStyle/>
+          <a:p>
+            <a:fld id="{642154B9-5AE1-4D93-9ACE-3DF3B522DF2F}" type="slidenum">
+              <a:rPr lang="it-IT" smtClean="0"/>
+              <a:t>15</a:t>
+            </a:fld>
+            <a:endParaRPr lang="it-IT"/>
           </a:p>
         </p:txBody>
       </p:sp>
@@ -7534,6 +7982,35 @@
           </a:p>
         </p:txBody>
       </p:sp>
+      <p:sp>
+        <p:nvSpPr>
+          <p:cNvPr id="4" name="Segnaposto numero diapositiva 3">
+            <a:extLst>
+              <a:ext uri="{FF2B5EF4-FFF2-40B4-BE49-F238E27FC236}">
+                <a16:creationId xmlns:a16="http://schemas.microsoft.com/office/drawing/2014/main" id="{201898EA-1BAA-015C-F062-D4BC3D7EA6CF}"/>
+              </a:ext>
+            </a:extLst>
+          </p:cNvPr>
+          <p:cNvSpPr>
+            <a:spLocks noGrp="1"/>
+          </p:cNvSpPr>
+          <p:nvPr>
+            <p:ph type="sldNum" sz="quarter" idx="12"/>
+          </p:nvPr>
+        </p:nvSpPr>
+        <p:spPr/>
+        <p:txBody>
+          <a:bodyPr/>
+          <a:lstStyle/>
+          <a:p>
+            <a:fld id="{642154B9-5AE1-4D93-9ACE-3DF3B522DF2F}" type="slidenum">
+              <a:rPr lang="it-IT" smtClean="0"/>
+              <a:t>16</a:t>
+            </a:fld>
+            <a:endParaRPr lang="it-IT"/>
+          </a:p>
+        </p:txBody>
+      </p:sp>
     </p:spTree>
     <p:extLst>
       <p:ext uri="{BB962C8B-B14F-4D97-AF65-F5344CB8AC3E}">
@@ -7569,7 +8046,7 @@
           <p:cNvPr id="2" name="Titolo 1">
             <a:extLst>
               <a:ext uri="{FF2B5EF4-FFF2-40B4-BE49-F238E27FC236}">
-                <a16:creationId xmlns:a16="http://schemas.microsoft.com/office/drawing/2014/main" id="{525B4A98-95E4-1C0A-FEA5-267F85CBE9F5}"/>
+                <a16:creationId xmlns:a16="http://schemas.microsoft.com/office/drawing/2014/main" id="{32242F0D-F3C7-5888-B659-FAE035653A8D}"/>
               </a:ext>
             </a:extLst>
           </p:cNvPr>
@@ -7585,32 +8062,192 @@
           <a:bodyPr/>
           <a:lstStyle/>
           <a:p>
-            <a:endParaRPr lang="it-IT"/>
-          </a:p>
-        </p:txBody>
-      </p:sp>
-      <p:sp>
-        <p:nvSpPr>
-          <p:cNvPr id="3" name="Segnaposto contenuto 2">
-            <a:extLst>
-              <a:ext uri="{FF2B5EF4-FFF2-40B4-BE49-F238E27FC236}">
-                <a16:creationId xmlns:a16="http://schemas.microsoft.com/office/drawing/2014/main" id="{898D3325-B379-F040-0DAA-F25CF072AFC0}"/>
-              </a:ext>
-            </a:extLst>
-          </p:cNvPr>
-          <p:cNvSpPr>
-            <a:spLocks noGrp="1"/>
-          </p:cNvSpPr>
-          <p:nvPr>
-            <p:ph idx="1"/>
-          </p:nvPr>
-        </p:nvSpPr>
-        <p:spPr/>
-        <p:txBody>
-          <a:bodyPr/>
-          <a:lstStyle/>
-          <a:p>
-            <a:endParaRPr lang="it-IT"/>
+            <a:r>
+              <a:rPr lang="en-US" b="1" dirty="0"/>
+              <a:t>CUP Results</a:t>
+            </a:r>
+            <a:endParaRPr lang="en-US" dirty="0"/>
+          </a:p>
+        </p:txBody>
+      </p:sp>
+      <p:sp>
+        <p:nvSpPr>
+          <p:cNvPr id="3" name="CasellaDiTesto 2">
+            <a:extLst>
+              <a:ext uri="{FF2B5EF4-FFF2-40B4-BE49-F238E27FC236}">
+                <a16:creationId xmlns:a16="http://schemas.microsoft.com/office/drawing/2014/main" id="{54E0DD3B-63BC-7DC6-3291-D2FDFE5BC30B}"/>
+              </a:ext>
+            </a:extLst>
+          </p:cNvPr>
+          <p:cNvSpPr txBox="1"/>
+          <p:nvPr/>
+        </p:nvSpPr>
+        <p:spPr>
+          <a:xfrm>
+            <a:off x="838199" y="1392030"/>
+            <a:ext cx="10853058" cy="4893647"/>
+          </a:xfrm>
+          <a:prstGeom prst="rect">
+            <a:avLst/>
+          </a:prstGeom>
+          <a:noFill/>
+        </p:spPr>
+        <p:txBody>
+          <a:bodyPr wrap="square" rtlCol="0">
+            <a:spAutoFit/>
+          </a:bodyPr>
+          <a:lstStyle/>
+          <a:p>
+            <a:pPr>
+              <a:lnSpc>
+                <a:spcPct val="150000"/>
+              </a:lnSpc>
+            </a:pPr>
+            <a:r>
+              <a:rPr lang="en-US" sz="2400" dirty="0"/>
+              <a:t>The parameters of the best model found by the last grid search are the following:</a:t>
+            </a:r>
+          </a:p>
+          <a:p>
+            <a:pPr>
+              <a:lnSpc>
+                <a:spcPct val="150000"/>
+              </a:lnSpc>
+            </a:pPr>
+            <a:r>
+              <a:rPr lang="en-US" sz="2400" b="1" i="1" dirty="0"/>
+              <a:t>Layers</a:t>
+            </a:r>
+            <a:r>
+              <a:rPr lang="en-US" sz="2400" dirty="0"/>
+              <a:t>: 5</a:t>
+            </a:r>
+          </a:p>
+          <a:p>
+            <a:r>
+              <a:rPr lang="en-US" sz="2400" b="1" i="1" dirty="0"/>
+              <a:t>Units</a:t>
+            </a:r>
+            <a:r>
+              <a:rPr lang="en-US" sz="2400" dirty="0"/>
+              <a:t>:  </a:t>
+            </a:r>
+            <a:r>
+              <a:rPr lang="it-IT" sz="2400" dirty="0"/>
+              <a:t>(150, 150, 150, 150, 3)</a:t>
+            </a:r>
+          </a:p>
+          <a:p>
+            <a:r>
+              <a:rPr lang="en-US" sz="2400" b="1" i="1" dirty="0"/>
+              <a:t>Activation</a:t>
+            </a:r>
+            <a:r>
+              <a:rPr lang="en-US" sz="2400" dirty="0"/>
+              <a:t> </a:t>
+            </a:r>
+            <a:r>
+              <a:rPr lang="en-US" sz="2400" b="1" i="1" dirty="0"/>
+              <a:t>functions</a:t>
+            </a:r>
+            <a:r>
+              <a:rPr lang="it-IT" sz="2400" dirty="0"/>
+              <a:t>:  (Selu, Selu, Selu, Selu, Identity)</a:t>
+            </a:r>
+          </a:p>
+          <a:p>
+            <a:r>
+              <a:rPr lang="it-IT" sz="2400" b="1" i="1" dirty="0"/>
+              <a:t>Learning</a:t>
+            </a:r>
+            <a:r>
+              <a:rPr lang="it-IT" sz="2400" dirty="0"/>
+              <a:t> </a:t>
+            </a:r>
+            <a:r>
+              <a:rPr lang="it-IT" sz="2400" b="1" i="1" dirty="0"/>
+              <a:t>rate</a:t>
+            </a:r>
+            <a:r>
+              <a:rPr lang="it-IT" sz="2400" dirty="0"/>
+              <a:t>:  0.0006</a:t>
+            </a:r>
+          </a:p>
+          <a:p>
+            <a:r>
+              <a:rPr lang="it-IT" sz="2400" b="1" i="1" dirty="0"/>
+              <a:t>Momentum</a:t>
+            </a:r>
+            <a:r>
+              <a:rPr lang="it-IT" sz="2400" dirty="0"/>
+              <a:t> </a:t>
+            </a:r>
+            <a:r>
+              <a:rPr lang="it-IT" sz="2400" b="1" i="1" dirty="0"/>
+              <a:t>alpha</a:t>
+            </a:r>
+            <a:r>
+              <a:rPr lang="it-IT" sz="2400" dirty="0"/>
+              <a:t>:  0.9</a:t>
+            </a:r>
+          </a:p>
+          <a:p>
+            <a:r>
+              <a:rPr lang="en-US" sz="2400" b="1" i="1" dirty="0"/>
+              <a:t>Nesterov Momentum: </a:t>
+            </a:r>
+            <a:r>
+              <a:rPr lang="en-US" sz="2400" dirty="0"/>
+              <a:t>False</a:t>
+            </a:r>
+            <a:endParaRPr lang="en-US" sz="2400" b="1" i="1" dirty="0"/>
+          </a:p>
+          <a:p>
+            <a:r>
+              <a:rPr lang="en-US" sz="2400" b="1" i="1" dirty="0"/>
+              <a:t>Batch</a:t>
+            </a:r>
+          </a:p>
+          <a:p>
+            <a:r>
+              <a:rPr lang="en-US" sz="2400" b="1" i="1" dirty="0"/>
+              <a:t>Lambda</a:t>
+            </a:r>
+            <a:r>
+              <a:rPr lang="en-US" sz="2400" dirty="0"/>
+              <a:t>:  0</a:t>
+            </a:r>
+            <a:endParaRPr lang="it-IT" sz="2400" dirty="0"/>
+          </a:p>
+          <a:p>
+            <a:r>
+              <a:rPr lang="en-US" sz="2400" b="1" i="1" dirty="0"/>
+              <a:t>Stopping criteria</a:t>
+            </a:r>
+            <a:r>
+              <a:rPr lang="en-US" sz="2400" dirty="0"/>
+              <a:t>: stop training when loss improvement on TR is below 1e-6</a:t>
+            </a:r>
+          </a:p>
+          <a:p>
+            <a:r>
+              <a:rPr lang="en-US" sz="2400" b="1" i="1" dirty="0"/>
+              <a:t>Loss function</a:t>
+            </a:r>
+            <a:r>
+              <a:rPr lang="en-US" sz="2400" dirty="0"/>
+              <a:t>: MSE</a:t>
+            </a:r>
+          </a:p>
+          <a:p>
+            <a:r>
+              <a:rPr lang="en-US" sz="2400" b="1" i="1" dirty="0"/>
+              <a:t>Weight initialization: </a:t>
+            </a:r>
+            <a:r>
+              <a:rPr lang="en-US" sz="2400" dirty="0"/>
+              <a:t>“normalized initialization” - Xavier Glorot and Yoshua Bengio [1]</a:t>
+            </a:r>
           </a:p>
         </p:txBody>
       </p:sp>
@@ -7619,7 +8256,7 @@
           <p:cNvPr id="4" name="Segnaposto numero diapositiva 3">
             <a:extLst>
               <a:ext uri="{FF2B5EF4-FFF2-40B4-BE49-F238E27FC236}">
-                <a16:creationId xmlns:a16="http://schemas.microsoft.com/office/drawing/2014/main" id="{4C11A3A1-F2FF-000C-0585-34D005B95E97}"/>
+                <a16:creationId xmlns:a16="http://schemas.microsoft.com/office/drawing/2014/main" id="{201898EA-1BAA-015C-F062-D4BC3D7EA6CF}"/>
               </a:ext>
             </a:extLst>
           </p:cNvPr>
@@ -7646,7 +8283,7 @@
     </p:spTree>
     <p:extLst>
       <p:ext uri="{BB962C8B-B14F-4D97-AF65-F5344CB8AC3E}">
-        <p14:creationId xmlns:p14="http://schemas.microsoft.com/office/powerpoint/2010/main" val="32131640"/>
+        <p14:creationId xmlns:p14="http://schemas.microsoft.com/office/powerpoint/2010/main" val="322801493"/>
       </p:ext>
     </p:extLst>
   </p:cSld>
@@ -7696,106 +8333,467 @@
           <a:p>
             <a:r>
               <a:rPr lang="en-US" b="1" dirty="0"/>
-              <a:t>Discussion</a:t>
-            </a:r>
-            <a:endParaRPr lang="en-US" dirty="0"/>
-          </a:p>
-        </p:txBody>
-      </p:sp>
-      <p:sp>
-        <p:nvSpPr>
-          <p:cNvPr id="3" name="CasellaDiTesto 2">
-            <a:extLst>
-              <a:ext uri="{FF2B5EF4-FFF2-40B4-BE49-F238E27FC236}">
-                <a16:creationId xmlns:a16="http://schemas.microsoft.com/office/drawing/2014/main" id="{0448DF09-38BE-4CA2-C490-2A9388B7B27C}"/>
-              </a:ext>
-            </a:extLst>
-          </p:cNvPr>
-          <p:cNvSpPr txBox="1"/>
+              <a:t>CUP Results </a:t>
+            </a:r>
+            <a:r>
+              <a:rPr lang="en-US" dirty="0"/>
+              <a:t>- Validation</a:t>
+            </a:r>
+          </a:p>
+        </p:txBody>
+      </p:sp>
+      <p:sp>
+        <p:nvSpPr>
+          <p:cNvPr id="4" name="Segnaposto numero diapositiva 3">
+            <a:extLst>
+              <a:ext uri="{FF2B5EF4-FFF2-40B4-BE49-F238E27FC236}">
+                <a16:creationId xmlns:a16="http://schemas.microsoft.com/office/drawing/2014/main" id="{201898EA-1BAA-015C-F062-D4BC3D7EA6CF}"/>
+              </a:ext>
+            </a:extLst>
+          </p:cNvPr>
+          <p:cNvSpPr>
+            <a:spLocks noGrp="1"/>
+          </p:cNvSpPr>
+          <p:nvPr>
+            <p:ph type="sldNum" sz="quarter" idx="12"/>
+          </p:nvPr>
+        </p:nvSpPr>
+        <p:spPr/>
+        <p:txBody>
+          <a:bodyPr/>
+          <a:lstStyle/>
+          <a:p>
+            <a:fld id="{642154B9-5AE1-4D93-9ACE-3DF3B522DF2F}" type="slidenum">
+              <a:rPr lang="it-IT" smtClean="0"/>
+              <a:t>18</a:t>
+            </a:fld>
+            <a:endParaRPr lang="it-IT"/>
+          </a:p>
+        </p:txBody>
+      </p:sp>
+      <p:pic>
+        <p:nvPicPr>
+          <p:cNvPr id="6" name="Immagine 5" descr="Immagine che contiene testo, schermata, linea, diagramma&#10;&#10;Descrizione generata automaticamente">
+            <a:extLst>
+              <a:ext uri="{FF2B5EF4-FFF2-40B4-BE49-F238E27FC236}">
+                <a16:creationId xmlns:a16="http://schemas.microsoft.com/office/drawing/2014/main" id="{D7B58223-1FA5-09D4-2E77-D46F4A02A3B6}"/>
+              </a:ext>
+            </a:extLst>
+          </p:cNvPr>
+          <p:cNvPicPr>
+            <a:picLocks noChangeAspect="1"/>
+          </p:cNvPicPr>
           <p:nvPr/>
-        </p:nvSpPr>
+        </p:nvPicPr>
+        <p:blipFill>
+          <a:blip r:embed="rId2">
+            <a:extLst>
+              <a:ext uri="{28A0092B-C50C-407E-A947-70E740481C1C}">
+                <a14:useLocalDpi xmlns:a14="http://schemas.microsoft.com/office/drawing/2010/main" val="0"/>
+              </a:ext>
+            </a:extLst>
+          </a:blip>
+          <a:stretch>
+            <a:fillRect/>
+          </a:stretch>
+        </p:blipFill>
         <p:spPr>
           <a:xfrm>
-            <a:off x="914400" y="1690688"/>
-            <a:ext cx="10758196" cy="4524315"/>
+            <a:off x="6727373" y="1530994"/>
+            <a:ext cx="4379196" cy="3469741"/>
           </a:xfrm>
           <a:prstGeom prst="rect">
             <a:avLst/>
           </a:prstGeom>
-          <a:noFill/>
         </p:spPr>
-        <p:txBody>
-          <a:bodyPr wrap="square" rtlCol="0">
-            <a:spAutoFit/>
-          </a:bodyPr>
-          <a:lstStyle/>
-          <a:p>
-            <a:pPr marL="285750" indent="-285750">
-              <a:buFont typeface="Arial" panose="020B0604020202020204" pitchFamily="34" charset="0"/>
-              <a:buChar char="•"/>
-            </a:pPr>
-            <a:r>
-              <a:rPr lang="en-US" sz="2400" dirty="0"/>
-              <a:t>To experiment, we tried many times to overfit the data with big networks and many </a:t>
-            </a:r>
-            <a:r>
-              <a:rPr lang="it-IT" sz="2400" dirty="0"/>
-              <a:t>training </a:t>
-            </a:r>
-            <a:r>
-              <a:rPr lang="en-US" sz="2400" dirty="0"/>
-              <a:t>epochs but</a:t>
-            </a:r>
-            <a:r>
-              <a:rPr lang="it-IT" sz="2400" dirty="0"/>
-              <a:t> </a:t>
-            </a:r>
-            <a:r>
-              <a:rPr lang="en-US" sz="2400" dirty="0"/>
-              <a:t>were unable to do so. We only observed that the validation loss start to decrease slower than the training loss. To verify if there were any issues with our simulator, we conducted tests with Keras and obtained the same results.</a:t>
-            </a:r>
-          </a:p>
-          <a:p>
-            <a:pPr marL="285750" indent="-285750">
-              <a:buFont typeface="Arial" panose="020B0604020202020204" pitchFamily="34" charset="0"/>
-              <a:buChar char="•"/>
-            </a:pPr>
-            <a:endParaRPr lang="en-US" sz="2400" dirty="0"/>
-          </a:p>
-          <a:p>
-            <a:pPr marL="285750" indent="-285750">
-              <a:buFont typeface="Arial" panose="020B0604020202020204" pitchFamily="34" charset="0"/>
-              <a:buChar char="•"/>
-            </a:pPr>
-            <a:r>
-              <a:rPr lang="en-US" sz="2400" dirty="0"/>
-              <a:t>Computing gradients for all the patterns with matrix multiplication, instead of computing them for one pattern at time using scalar products gives a massive improvement in executions time. This enhancement enables the testing of bigger networks and higher epochs in reasonable time.</a:t>
-            </a:r>
-          </a:p>
-          <a:p>
-            <a:pPr marL="285750" indent="-285750">
-              <a:buFont typeface="Arial" panose="020B0604020202020204" pitchFamily="34" charset="0"/>
-              <a:buChar char="•"/>
-            </a:pPr>
-            <a:endParaRPr lang="en-US" sz="2400" dirty="0"/>
-          </a:p>
-          <a:p>
-            <a:pPr marL="285750" indent="-285750">
-              <a:buFont typeface="Arial" panose="020B0604020202020204" pitchFamily="34" charset="0"/>
-              <a:buChar char="•"/>
-            </a:pPr>
-            <a:r>
-              <a:rPr lang="en-US" sz="2400" dirty="0"/>
-              <a:t>Momentum is essential for good learning (especially with batch)</a:t>
-            </a:r>
-            <a:endParaRPr lang="it-IT" sz="2400" dirty="0"/>
-          </a:p>
-        </p:txBody>
-      </p:sp>
+      </p:pic>
+      <p:pic>
+        <p:nvPicPr>
+          <p:cNvPr id="8" name="Immagine 7" descr="Immagine che contiene testo, schermata, diagramma, linea&#10;&#10;Descrizione generata automaticamente">
+            <a:extLst>
+              <a:ext uri="{FF2B5EF4-FFF2-40B4-BE49-F238E27FC236}">
+                <a16:creationId xmlns:a16="http://schemas.microsoft.com/office/drawing/2014/main" id="{37CDE704-8F33-192B-69F9-F3FF4ECDBD42}"/>
+              </a:ext>
+            </a:extLst>
+          </p:cNvPr>
+          <p:cNvPicPr>
+            <a:picLocks noChangeAspect="1"/>
+          </p:cNvPicPr>
+          <p:nvPr/>
+        </p:nvPicPr>
+        <p:blipFill>
+          <a:blip r:embed="rId3">
+            <a:extLst>
+              <a:ext uri="{28A0092B-C50C-407E-A947-70E740481C1C}">
+                <a14:useLocalDpi xmlns:a14="http://schemas.microsoft.com/office/drawing/2010/main" val="0"/>
+              </a:ext>
+            </a:extLst>
+          </a:blip>
+          <a:stretch>
+            <a:fillRect/>
+          </a:stretch>
+        </p:blipFill>
+        <p:spPr>
+          <a:xfrm>
+            <a:off x="1085433" y="1530994"/>
+            <a:ext cx="4379196" cy="3469741"/>
+          </a:xfrm>
+          <a:prstGeom prst="rect">
+            <a:avLst/>
+          </a:prstGeom>
+        </p:spPr>
+      </p:pic>
+      <p:graphicFrame>
+        <p:nvGraphicFramePr>
+          <p:cNvPr id="9" name="Tabella 8">
+            <a:extLst>
+              <a:ext uri="{FF2B5EF4-FFF2-40B4-BE49-F238E27FC236}">
+                <a16:creationId xmlns:a16="http://schemas.microsoft.com/office/drawing/2014/main" id="{9759CEE4-6FE6-04AC-EE3A-60B9C06FA088}"/>
+              </a:ext>
+            </a:extLst>
+          </p:cNvPr>
+          <p:cNvGraphicFramePr>
+            <a:graphicFrameLocks noGrp="1"/>
+          </p:cNvGraphicFramePr>
+          <p:nvPr>
+            <p:extLst>
+              <p:ext uri="{D42A27DB-BD31-4B8C-83A1-F6EECF244321}">
+                <p14:modId xmlns:p14="http://schemas.microsoft.com/office/powerpoint/2010/main" val="771962327"/>
+              </p:ext>
+            </p:extLst>
+          </p:nvPr>
+        </p:nvGraphicFramePr>
+        <p:xfrm>
+          <a:off x="2553738" y="5248910"/>
+          <a:ext cx="7084524" cy="1107440"/>
+        </p:xfrm>
+        <a:graphic>
+          <a:graphicData uri="http://schemas.openxmlformats.org/drawingml/2006/table">
+            <a:tbl>
+              <a:tblPr firstRow="1" bandRow="1">
+                <a:tableStyleId>{5940675A-B579-460E-94D1-54222C63F5DA}</a:tableStyleId>
+              </a:tblPr>
+              <a:tblGrid>
+                <a:gridCol w="2361508">
+                  <a:extLst>
+                    <a:ext uri="{9D8B030D-6E8A-4147-A177-3AD203B41FA5}">
+                      <a16:colId xmlns:a16="http://schemas.microsoft.com/office/drawing/2014/main" val="2721002573"/>
+                    </a:ext>
+                  </a:extLst>
+                </a:gridCol>
+                <a:gridCol w="2361508">
+                  <a:extLst>
+                    <a:ext uri="{9D8B030D-6E8A-4147-A177-3AD203B41FA5}">
+                      <a16:colId xmlns:a16="http://schemas.microsoft.com/office/drawing/2014/main" val="138433513"/>
+                    </a:ext>
+                  </a:extLst>
+                </a:gridCol>
+                <a:gridCol w="2361508">
+                  <a:extLst>
+                    <a:ext uri="{9D8B030D-6E8A-4147-A177-3AD203B41FA5}">
+                      <a16:colId xmlns:a16="http://schemas.microsoft.com/office/drawing/2014/main" val="3601905365"/>
+                    </a:ext>
+                  </a:extLst>
+                </a:gridCol>
+              </a:tblGrid>
+              <a:tr h="0">
+                <a:tc>
+                  <a:txBody>
+                    <a:bodyPr/>
+                    <a:lstStyle/>
+                    <a:p>
+                      <a:pPr algn="ctr"/>
+                      <a:endParaRPr lang="it-IT" dirty="0"/>
+                    </a:p>
+                  </a:txBody>
+                  <a:tcPr>
+                    <a:lnL w="12700" cmpd="sng">
+                      <a:noFill/>
+                    </a:lnL>
+                    <a:lnR w="12700" cap="flat" cmpd="sng" algn="ctr">
+                      <a:solidFill>
+                        <a:schemeClr val="tx1"/>
+                      </a:solidFill>
+                      <a:prstDash val="solid"/>
+                      <a:round/>
+                      <a:headEnd type="none" w="med" len="med"/>
+                      <a:tailEnd type="none" w="med" len="med"/>
+                    </a:lnR>
+                    <a:lnT w="12700" cmpd="sng">
+                      <a:noFill/>
+                    </a:lnT>
+                    <a:lnB w="12700" cap="flat" cmpd="sng" algn="ctr">
+                      <a:solidFill>
+                        <a:schemeClr val="tx1"/>
+                      </a:solidFill>
+                      <a:prstDash val="solid"/>
+                      <a:round/>
+                      <a:headEnd type="none" w="med" len="med"/>
+                      <a:tailEnd type="none" w="med" len="med"/>
+                    </a:lnB>
+                    <a:lnTlToBr w="12700" cmpd="sng">
+                      <a:noFill/>
+                      <a:prstDash val="solid"/>
+                    </a:lnTlToBr>
+                    <a:lnBlToTr w="12700" cmpd="sng">
+                      <a:noFill/>
+                      <a:prstDash val="solid"/>
+                    </a:lnBlToTr>
+                  </a:tcPr>
+                </a:tc>
+                <a:tc>
+                  <a:txBody>
+                    <a:bodyPr/>
+                    <a:lstStyle/>
+                    <a:p>
+                      <a:pPr algn="ctr"/>
+                      <a:r>
+                        <a:rPr lang="it-IT" b="1" dirty="0"/>
+                        <a:t>TR SET</a:t>
+                      </a:r>
+                    </a:p>
+                  </a:txBody>
+                  <a:tcPr>
+                    <a:lnL w="12700" cap="flat" cmpd="sng" algn="ctr">
+                      <a:solidFill>
+                        <a:schemeClr val="tx1"/>
+                      </a:solidFill>
+                      <a:prstDash val="solid"/>
+                      <a:round/>
+                      <a:headEnd type="none" w="med" len="med"/>
+                      <a:tailEnd type="none" w="med" len="med"/>
+                    </a:lnL>
+                    <a:lnR w="12700" cap="flat" cmpd="sng" algn="ctr">
+                      <a:solidFill>
+                        <a:schemeClr val="tx1"/>
+                      </a:solidFill>
+                      <a:prstDash val="solid"/>
+                      <a:round/>
+                      <a:headEnd type="none" w="med" len="med"/>
+                      <a:tailEnd type="none" w="med" len="med"/>
+                    </a:lnR>
+                    <a:lnT w="12700" cap="flat" cmpd="sng" algn="ctr">
+                      <a:solidFill>
+                        <a:schemeClr val="tx1"/>
+                      </a:solidFill>
+                      <a:prstDash val="solid"/>
+                      <a:round/>
+                      <a:headEnd type="none" w="med" len="med"/>
+                      <a:tailEnd type="none" w="med" len="med"/>
+                    </a:lnT>
+                    <a:lnB w="12700" cap="flat" cmpd="sng" algn="ctr">
+                      <a:solidFill>
+                        <a:schemeClr val="tx1"/>
+                      </a:solidFill>
+                      <a:prstDash val="solid"/>
+                      <a:round/>
+                      <a:headEnd type="none" w="med" len="med"/>
+                      <a:tailEnd type="none" w="med" len="med"/>
+                    </a:lnB>
+                  </a:tcPr>
+                </a:tc>
+                <a:tc>
+                  <a:txBody>
+                    <a:bodyPr/>
+                    <a:lstStyle/>
+                    <a:p>
+                      <a:pPr algn="ctr"/>
+                      <a:r>
+                        <a:rPr lang="it-IT" b="1" dirty="0"/>
+                        <a:t>VL SET</a:t>
+                      </a:r>
+                    </a:p>
+                  </a:txBody>
+                  <a:tcPr>
+                    <a:lnL w="12700" cap="flat" cmpd="sng" algn="ctr">
+                      <a:solidFill>
+                        <a:schemeClr val="tx1"/>
+                      </a:solidFill>
+                      <a:prstDash val="solid"/>
+                      <a:round/>
+                      <a:headEnd type="none" w="med" len="med"/>
+                      <a:tailEnd type="none" w="med" len="med"/>
+                    </a:lnL>
+                  </a:tcPr>
+                </a:tc>
+                <a:extLst>
+                  <a:ext uri="{0D108BD9-81ED-4DB2-BD59-A6C34878D82A}">
+                    <a16:rowId xmlns:a16="http://schemas.microsoft.com/office/drawing/2014/main" val="213267520"/>
+                  </a:ext>
+                </a:extLst>
+              </a:tr>
+              <a:tr h="370840">
+                <a:tc>
+                  <a:txBody>
+                    <a:bodyPr/>
+                    <a:lstStyle/>
+                    <a:p>
+                      <a:pPr algn="ctr"/>
+                      <a:r>
+                        <a:rPr lang="it-IT" b="1" dirty="0"/>
+                        <a:t>MSE</a:t>
+                      </a:r>
+                    </a:p>
+                  </a:txBody>
+                  <a:tcPr>
+                    <a:lnL w="12700" cap="flat" cmpd="sng" algn="ctr">
+                      <a:solidFill>
+                        <a:schemeClr val="tx1"/>
+                      </a:solidFill>
+                      <a:prstDash val="solid"/>
+                      <a:round/>
+                      <a:headEnd type="none" w="med" len="med"/>
+                      <a:tailEnd type="none" w="med" len="med"/>
+                    </a:lnL>
+                    <a:lnR w="12700" cap="flat" cmpd="sng" algn="ctr">
+                      <a:solidFill>
+                        <a:schemeClr val="tx1"/>
+                      </a:solidFill>
+                      <a:prstDash val="solid"/>
+                      <a:round/>
+                      <a:headEnd type="none" w="med" len="med"/>
+                      <a:tailEnd type="none" w="med" len="med"/>
+                    </a:lnR>
+                    <a:lnT w="12700" cap="flat" cmpd="sng" algn="ctr">
+                      <a:solidFill>
+                        <a:schemeClr val="tx1"/>
+                      </a:solidFill>
+                      <a:prstDash val="solid"/>
+                      <a:round/>
+                      <a:headEnd type="none" w="med" len="med"/>
+                      <a:tailEnd type="none" w="med" len="med"/>
+                    </a:lnT>
+                    <a:lnB w="12700" cap="flat" cmpd="sng" algn="ctr">
+                      <a:solidFill>
+                        <a:schemeClr val="tx1"/>
+                      </a:solidFill>
+                      <a:prstDash val="solid"/>
+                      <a:round/>
+                      <a:headEnd type="none" w="med" len="med"/>
+                      <a:tailEnd type="none" w="med" len="med"/>
+                    </a:lnB>
+                  </a:tcPr>
+                </a:tc>
+                <a:tc>
+                  <a:txBody>
+                    <a:bodyPr/>
+                    <a:lstStyle/>
+                    <a:p>
+                      <a:pPr algn="ctr"/>
+                      <a:r>
+                        <a:rPr lang="it-IT" dirty="0"/>
+                        <a:t>0.0216</a:t>
+                      </a:r>
+                    </a:p>
+                  </a:txBody>
+                  <a:tcPr>
+                    <a:lnL w="12700" cap="flat" cmpd="sng" algn="ctr">
+                      <a:solidFill>
+                        <a:schemeClr val="tx1"/>
+                      </a:solidFill>
+                      <a:prstDash val="solid"/>
+                      <a:round/>
+                      <a:headEnd type="none" w="med" len="med"/>
+                      <a:tailEnd type="none" w="med" len="med"/>
+                    </a:lnL>
+                    <a:lnT w="12700" cap="flat" cmpd="sng" algn="ctr">
+                      <a:solidFill>
+                        <a:schemeClr val="tx1"/>
+                      </a:solidFill>
+                      <a:prstDash val="solid"/>
+                      <a:round/>
+                      <a:headEnd type="none" w="med" len="med"/>
+                      <a:tailEnd type="none" w="med" len="med"/>
+                    </a:lnT>
+                  </a:tcPr>
+                </a:tc>
+                <a:tc>
+                  <a:txBody>
+                    <a:bodyPr/>
+                    <a:lstStyle/>
+                    <a:p>
+                      <a:pPr algn="ctr"/>
+                      <a:r>
+                        <a:rPr lang="it-IT" dirty="0"/>
+                        <a:t>0.4061</a:t>
+                      </a:r>
+                    </a:p>
+                  </a:txBody>
+                  <a:tcPr/>
+                </a:tc>
+                <a:extLst>
+                  <a:ext uri="{0D108BD9-81ED-4DB2-BD59-A6C34878D82A}">
+                    <a16:rowId xmlns:a16="http://schemas.microsoft.com/office/drawing/2014/main" val="3659162267"/>
+                  </a:ext>
+                </a:extLst>
+              </a:tr>
+              <a:tr h="370840">
+                <a:tc>
+                  <a:txBody>
+                    <a:bodyPr/>
+                    <a:lstStyle/>
+                    <a:p>
+                      <a:pPr algn="ctr"/>
+                      <a:r>
+                        <a:rPr lang="it-IT" b="1" dirty="0"/>
+                        <a:t>MEE</a:t>
+                      </a:r>
+                    </a:p>
+                  </a:txBody>
+                  <a:tcPr>
+                    <a:lnT w="12700" cap="flat" cmpd="sng" algn="ctr">
+                      <a:solidFill>
+                        <a:schemeClr val="tx1"/>
+                      </a:solidFill>
+                      <a:prstDash val="solid"/>
+                      <a:round/>
+                      <a:headEnd type="none" w="med" len="med"/>
+                      <a:tailEnd type="none" w="med" len="med"/>
+                    </a:lnT>
+                  </a:tcPr>
+                </a:tc>
+                <a:tc>
+                  <a:txBody>
+                    <a:bodyPr/>
+                    <a:lstStyle/>
+                    <a:p>
+                      <a:pPr algn="ctr"/>
+                      <a:r>
+                        <a:rPr lang="it-IT" dirty="0"/>
+                        <a:t>0.1290</a:t>
+                      </a:r>
+                    </a:p>
+                  </a:txBody>
+                  <a:tcPr/>
+                </a:tc>
+                <a:tc>
+                  <a:txBody>
+                    <a:bodyPr/>
+                    <a:lstStyle/>
+                    <a:p>
+                      <a:pPr algn="ctr"/>
+                      <a:r>
+                        <a:rPr lang="it-IT" dirty="0"/>
+                        <a:t>0.4886</a:t>
+                      </a:r>
+                    </a:p>
+                  </a:txBody>
+                  <a:tcPr/>
+                </a:tc>
+                <a:extLst>
+                  <a:ext uri="{0D108BD9-81ED-4DB2-BD59-A6C34878D82A}">
+                    <a16:rowId xmlns:a16="http://schemas.microsoft.com/office/drawing/2014/main" val="955969289"/>
+                  </a:ext>
+                </a:extLst>
+              </a:tr>
+            </a:tbl>
+          </a:graphicData>
+        </a:graphic>
+      </p:graphicFrame>
     </p:spTree>
     <p:extLst>
       <p:ext uri="{BB962C8B-B14F-4D97-AF65-F5344CB8AC3E}">
-        <p14:creationId xmlns:p14="http://schemas.microsoft.com/office/powerpoint/2010/main" val="3244110880"/>
+        <p14:creationId xmlns:p14="http://schemas.microsoft.com/office/powerpoint/2010/main" val="2195169816"/>
       </p:ext>
     </p:extLst>
   </p:cSld>
@@ -7845,109 +8843,465 @@
           <a:p>
             <a:r>
               <a:rPr lang="en-US" b="1" dirty="0"/>
-              <a:t>Discussion</a:t>
-            </a:r>
-            <a:endParaRPr lang="en-US" dirty="0"/>
-          </a:p>
-        </p:txBody>
-      </p:sp>
-      <p:sp>
-        <p:nvSpPr>
-          <p:cNvPr id="3" name="CasellaDiTesto 2">
-            <a:extLst>
-              <a:ext uri="{FF2B5EF4-FFF2-40B4-BE49-F238E27FC236}">
-                <a16:creationId xmlns:a16="http://schemas.microsoft.com/office/drawing/2014/main" id="{0448DF09-38BE-4CA2-C490-2A9388B7B27C}"/>
-              </a:ext>
-            </a:extLst>
-          </p:cNvPr>
-          <p:cNvSpPr txBox="1"/>
+              <a:t>CUP Results </a:t>
+            </a:r>
+            <a:r>
+              <a:rPr lang="en-US" dirty="0"/>
+              <a:t>- Test</a:t>
+            </a:r>
+          </a:p>
+        </p:txBody>
+      </p:sp>
+      <p:sp>
+        <p:nvSpPr>
+          <p:cNvPr id="4" name="Segnaposto numero diapositiva 3">
+            <a:extLst>
+              <a:ext uri="{FF2B5EF4-FFF2-40B4-BE49-F238E27FC236}">
+                <a16:creationId xmlns:a16="http://schemas.microsoft.com/office/drawing/2014/main" id="{201898EA-1BAA-015C-F062-D4BC3D7EA6CF}"/>
+              </a:ext>
+            </a:extLst>
+          </p:cNvPr>
+          <p:cNvSpPr>
+            <a:spLocks noGrp="1"/>
+          </p:cNvSpPr>
+          <p:nvPr>
+            <p:ph type="sldNum" sz="quarter" idx="12"/>
+          </p:nvPr>
+        </p:nvSpPr>
+        <p:spPr/>
+        <p:txBody>
+          <a:bodyPr/>
+          <a:lstStyle/>
+          <a:p>
+            <a:fld id="{642154B9-5AE1-4D93-9ACE-3DF3B522DF2F}" type="slidenum">
+              <a:rPr lang="it-IT" smtClean="0"/>
+              <a:t>19</a:t>
+            </a:fld>
+            <a:endParaRPr lang="it-IT"/>
+          </a:p>
+        </p:txBody>
+      </p:sp>
+      <p:pic>
+        <p:nvPicPr>
+          <p:cNvPr id="6" name="Immagine 5">
+            <a:extLst>
+              <a:ext uri="{FF2B5EF4-FFF2-40B4-BE49-F238E27FC236}">
+                <a16:creationId xmlns:a16="http://schemas.microsoft.com/office/drawing/2014/main" id="{D7B58223-1FA5-09D4-2E77-D46F4A02A3B6}"/>
+              </a:ext>
+            </a:extLst>
+          </p:cNvPr>
+          <p:cNvPicPr>
+            <a:picLocks noChangeAspect="1"/>
+          </p:cNvPicPr>
           <p:nvPr/>
-        </p:nvSpPr>
+        </p:nvPicPr>
+        <p:blipFill>
+          <a:blip r:embed="rId2">
+            <a:extLst>
+              <a:ext uri="{28A0092B-C50C-407E-A947-70E740481C1C}">
+                <a14:useLocalDpi xmlns:a14="http://schemas.microsoft.com/office/drawing/2010/main" val="0"/>
+              </a:ext>
+            </a:extLst>
+          </a:blip>
+          <a:srcRect/>
+          <a:stretch/>
+        </p:blipFill>
         <p:spPr>
           <a:xfrm>
-            <a:off x="914400" y="1690688"/>
-            <a:ext cx="10758196" cy="4524315"/>
+            <a:off x="6727373" y="1530994"/>
+            <a:ext cx="4379196" cy="3469740"/>
           </a:xfrm>
           <a:prstGeom prst="rect">
             <a:avLst/>
           </a:prstGeom>
-          <a:noFill/>
         </p:spPr>
-        <p:txBody>
-          <a:bodyPr wrap="square" rtlCol="0">
-            <a:spAutoFit/>
-          </a:bodyPr>
-          <a:lstStyle/>
-          <a:p>
-            <a:pPr marL="285750" indent="-285750">
-              <a:buFont typeface="Arial" panose="020B0604020202020204" pitchFamily="34" charset="0"/>
-              <a:buChar char="•"/>
-            </a:pPr>
-            <a:r>
-              <a:rPr lang="en-US" sz="2400" dirty="0" err="1"/>
-              <a:t>ReLU</a:t>
-            </a:r>
-            <a:r>
-              <a:rPr lang="en-US" sz="2400" dirty="0"/>
-              <a:t> (and its variants like Leaky </a:t>
-            </a:r>
-            <a:r>
-              <a:rPr lang="en-US" sz="2400" dirty="0" err="1"/>
-              <a:t>ReLU</a:t>
-            </a:r>
-            <a:r>
-              <a:rPr lang="en-US" sz="2400" dirty="0"/>
-              <a:t> and </a:t>
-            </a:r>
-            <a:r>
-              <a:rPr lang="en-US" sz="2400" dirty="0" err="1"/>
-              <a:t>SeLU</a:t>
-            </a:r>
-            <a:r>
-              <a:rPr lang="en-US" sz="2400" dirty="0"/>
-              <a:t>) tends to perform better than other activation functions during the training, with a more uniform and stable gradient descent.</a:t>
-            </a:r>
-          </a:p>
-          <a:p>
-            <a:pPr marL="285750" indent="-285750">
-              <a:buFont typeface="Arial" panose="020B0604020202020204" pitchFamily="34" charset="0"/>
-              <a:buChar char="•"/>
-            </a:pPr>
-            <a:endParaRPr lang="en-US" sz="2400" dirty="0"/>
-          </a:p>
-          <a:p>
-            <a:pPr marL="285750" indent="-285750">
-              <a:buFont typeface="Arial" panose="020B0604020202020204" pitchFamily="34" charset="0"/>
-              <a:buChar char="•"/>
-            </a:pPr>
-            <a:r>
-              <a:rPr lang="en-US" sz="2400" dirty="0"/>
-              <a:t>We realized that performing model selection require a lot of time, more than we had anticipated. Given that small tweaks to neural network hyperparameters yield significant variations in both training dynamics and outcomes, the combinations of hyperparameters to test are truly numerous, and for each is required a careful review.</a:t>
-            </a:r>
-          </a:p>
-          <a:p>
-            <a:pPr marL="285750" indent="-285750">
-              <a:buFont typeface="Arial" panose="020B0604020202020204" pitchFamily="34" charset="0"/>
-              <a:buChar char="•"/>
-            </a:pPr>
-            <a:endParaRPr lang="en-US" sz="2400" dirty="0"/>
-          </a:p>
-          <a:p>
-            <a:pPr marL="285750" indent="-285750">
-              <a:buFont typeface="Arial" panose="020B0604020202020204" pitchFamily="34" charset="0"/>
-              <a:buChar char="•"/>
-            </a:pPr>
-            <a:r>
-              <a:rPr lang="en-US" sz="2400" dirty="0"/>
-              <a:t>Rescaling the data using znorm (mean to 0, standard deviation to 1) did not improve the results</a:t>
-            </a:r>
-          </a:p>
-        </p:txBody>
-      </p:sp>
+      </p:pic>
+      <p:pic>
+        <p:nvPicPr>
+          <p:cNvPr id="8" name="Immagine 7">
+            <a:extLst>
+              <a:ext uri="{FF2B5EF4-FFF2-40B4-BE49-F238E27FC236}">
+                <a16:creationId xmlns:a16="http://schemas.microsoft.com/office/drawing/2014/main" id="{37CDE704-8F33-192B-69F9-F3FF4ECDBD42}"/>
+              </a:ext>
+            </a:extLst>
+          </p:cNvPr>
+          <p:cNvPicPr>
+            <a:picLocks noChangeAspect="1"/>
+          </p:cNvPicPr>
+          <p:nvPr/>
+        </p:nvPicPr>
+        <p:blipFill>
+          <a:blip r:embed="rId3">
+            <a:extLst>
+              <a:ext uri="{28A0092B-C50C-407E-A947-70E740481C1C}">
+                <a14:useLocalDpi xmlns:a14="http://schemas.microsoft.com/office/drawing/2010/main" val="0"/>
+              </a:ext>
+            </a:extLst>
+          </a:blip>
+          <a:srcRect/>
+          <a:stretch/>
+        </p:blipFill>
+        <p:spPr>
+          <a:xfrm>
+            <a:off x="1085433" y="1530994"/>
+            <a:ext cx="4379196" cy="3469740"/>
+          </a:xfrm>
+          <a:prstGeom prst="rect">
+            <a:avLst/>
+          </a:prstGeom>
+        </p:spPr>
+      </p:pic>
+      <p:graphicFrame>
+        <p:nvGraphicFramePr>
+          <p:cNvPr id="9" name="Tabella 8">
+            <a:extLst>
+              <a:ext uri="{FF2B5EF4-FFF2-40B4-BE49-F238E27FC236}">
+                <a16:creationId xmlns:a16="http://schemas.microsoft.com/office/drawing/2014/main" id="{9759CEE4-6FE6-04AC-EE3A-60B9C06FA088}"/>
+              </a:ext>
+            </a:extLst>
+          </p:cNvPr>
+          <p:cNvGraphicFramePr>
+            <a:graphicFrameLocks noGrp="1"/>
+          </p:cNvGraphicFramePr>
+          <p:nvPr>
+            <p:extLst>
+              <p:ext uri="{D42A27DB-BD31-4B8C-83A1-F6EECF244321}">
+                <p14:modId xmlns:p14="http://schemas.microsoft.com/office/powerpoint/2010/main" val="2282291796"/>
+              </p:ext>
+            </p:extLst>
+          </p:nvPr>
+        </p:nvGraphicFramePr>
+        <p:xfrm>
+          <a:off x="2553738" y="5248910"/>
+          <a:ext cx="7084524" cy="1107440"/>
+        </p:xfrm>
+        <a:graphic>
+          <a:graphicData uri="http://schemas.openxmlformats.org/drawingml/2006/table">
+            <a:tbl>
+              <a:tblPr firstRow="1" bandRow="1">
+                <a:tableStyleId>{5940675A-B579-460E-94D1-54222C63F5DA}</a:tableStyleId>
+              </a:tblPr>
+              <a:tblGrid>
+                <a:gridCol w="2361508">
+                  <a:extLst>
+                    <a:ext uri="{9D8B030D-6E8A-4147-A177-3AD203B41FA5}">
+                      <a16:colId xmlns:a16="http://schemas.microsoft.com/office/drawing/2014/main" val="2721002573"/>
+                    </a:ext>
+                  </a:extLst>
+                </a:gridCol>
+                <a:gridCol w="2361508">
+                  <a:extLst>
+                    <a:ext uri="{9D8B030D-6E8A-4147-A177-3AD203B41FA5}">
+                      <a16:colId xmlns:a16="http://schemas.microsoft.com/office/drawing/2014/main" val="138433513"/>
+                    </a:ext>
+                  </a:extLst>
+                </a:gridCol>
+                <a:gridCol w="2361508">
+                  <a:extLst>
+                    <a:ext uri="{9D8B030D-6E8A-4147-A177-3AD203B41FA5}">
+                      <a16:colId xmlns:a16="http://schemas.microsoft.com/office/drawing/2014/main" val="3601905365"/>
+                    </a:ext>
+                  </a:extLst>
+                </a:gridCol>
+              </a:tblGrid>
+              <a:tr h="0">
+                <a:tc>
+                  <a:txBody>
+                    <a:bodyPr/>
+                    <a:lstStyle/>
+                    <a:p>
+                      <a:pPr algn="ctr"/>
+                      <a:endParaRPr lang="it-IT" dirty="0"/>
+                    </a:p>
+                  </a:txBody>
+                  <a:tcPr>
+                    <a:lnL w="12700" cmpd="sng">
+                      <a:noFill/>
+                    </a:lnL>
+                    <a:lnR w="12700" cap="flat" cmpd="sng" algn="ctr">
+                      <a:solidFill>
+                        <a:schemeClr val="tx1"/>
+                      </a:solidFill>
+                      <a:prstDash val="solid"/>
+                      <a:round/>
+                      <a:headEnd type="none" w="med" len="med"/>
+                      <a:tailEnd type="none" w="med" len="med"/>
+                    </a:lnR>
+                    <a:lnT w="12700" cmpd="sng">
+                      <a:noFill/>
+                    </a:lnT>
+                    <a:lnB w="12700" cap="flat" cmpd="sng" algn="ctr">
+                      <a:solidFill>
+                        <a:schemeClr val="tx1"/>
+                      </a:solidFill>
+                      <a:prstDash val="solid"/>
+                      <a:round/>
+                      <a:headEnd type="none" w="med" len="med"/>
+                      <a:tailEnd type="none" w="med" len="med"/>
+                    </a:lnB>
+                    <a:lnTlToBr w="12700" cmpd="sng">
+                      <a:noFill/>
+                      <a:prstDash val="solid"/>
+                    </a:lnTlToBr>
+                    <a:lnBlToTr w="12700" cmpd="sng">
+                      <a:noFill/>
+                      <a:prstDash val="solid"/>
+                    </a:lnBlToTr>
+                  </a:tcPr>
+                </a:tc>
+                <a:tc>
+                  <a:txBody>
+                    <a:bodyPr/>
+                    <a:lstStyle/>
+                    <a:p>
+                      <a:pPr algn="ctr"/>
+                      <a:r>
+                        <a:rPr lang="it-IT" b="1" dirty="0"/>
+                        <a:t>TR SET</a:t>
+                      </a:r>
+                    </a:p>
+                  </a:txBody>
+                  <a:tcPr>
+                    <a:lnL w="12700" cap="flat" cmpd="sng" algn="ctr">
+                      <a:solidFill>
+                        <a:schemeClr val="tx1"/>
+                      </a:solidFill>
+                      <a:prstDash val="solid"/>
+                      <a:round/>
+                      <a:headEnd type="none" w="med" len="med"/>
+                      <a:tailEnd type="none" w="med" len="med"/>
+                    </a:lnL>
+                    <a:lnR w="12700" cap="flat" cmpd="sng" algn="ctr">
+                      <a:solidFill>
+                        <a:schemeClr val="tx1"/>
+                      </a:solidFill>
+                      <a:prstDash val="solid"/>
+                      <a:round/>
+                      <a:headEnd type="none" w="med" len="med"/>
+                      <a:tailEnd type="none" w="med" len="med"/>
+                    </a:lnR>
+                    <a:lnT w="12700" cap="flat" cmpd="sng" algn="ctr">
+                      <a:solidFill>
+                        <a:schemeClr val="tx1"/>
+                      </a:solidFill>
+                      <a:prstDash val="solid"/>
+                      <a:round/>
+                      <a:headEnd type="none" w="med" len="med"/>
+                      <a:tailEnd type="none" w="med" len="med"/>
+                    </a:lnT>
+                    <a:lnB w="12700" cap="flat" cmpd="sng" algn="ctr">
+                      <a:solidFill>
+                        <a:schemeClr val="tx1"/>
+                      </a:solidFill>
+                      <a:prstDash val="solid"/>
+                      <a:round/>
+                      <a:headEnd type="none" w="med" len="med"/>
+                      <a:tailEnd type="none" w="med" len="med"/>
+                    </a:lnB>
+                  </a:tcPr>
+                </a:tc>
+                <a:tc>
+                  <a:txBody>
+                    <a:bodyPr/>
+                    <a:lstStyle/>
+                    <a:p>
+                      <a:pPr algn="ctr"/>
+                      <a:r>
+                        <a:rPr lang="it-IT" b="1" dirty="0"/>
+                        <a:t>TS SET</a:t>
+                      </a:r>
+                    </a:p>
+                  </a:txBody>
+                  <a:tcPr>
+                    <a:lnL w="12700" cap="flat" cmpd="sng" algn="ctr">
+                      <a:solidFill>
+                        <a:schemeClr val="tx1"/>
+                      </a:solidFill>
+                      <a:prstDash val="solid"/>
+                      <a:round/>
+                      <a:headEnd type="none" w="med" len="med"/>
+                      <a:tailEnd type="none" w="med" len="med"/>
+                    </a:lnL>
+                  </a:tcPr>
+                </a:tc>
+                <a:extLst>
+                  <a:ext uri="{0D108BD9-81ED-4DB2-BD59-A6C34878D82A}">
+                    <a16:rowId xmlns:a16="http://schemas.microsoft.com/office/drawing/2014/main" val="213267520"/>
+                  </a:ext>
+                </a:extLst>
+              </a:tr>
+              <a:tr h="370840">
+                <a:tc>
+                  <a:txBody>
+                    <a:bodyPr/>
+                    <a:lstStyle/>
+                    <a:p>
+                      <a:pPr algn="ctr"/>
+                      <a:r>
+                        <a:rPr lang="it-IT" b="1" dirty="0"/>
+                        <a:t>MSE</a:t>
+                      </a:r>
+                    </a:p>
+                  </a:txBody>
+                  <a:tcPr>
+                    <a:lnL w="12700" cap="flat" cmpd="sng" algn="ctr">
+                      <a:solidFill>
+                        <a:schemeClr val="tx1"/>
+                      </a:solidFill>
+                      <a:prstDash val="solid"/>
+                      <a:round/>
+                      <a:headEnd type="none" w="med" len="med"/>
+                      <a:tailEnd type="none" w="med" len="med"/>
+                    </a:lnL>
+                    <a:lnR w="12700" cap="flat" cmpd="sng" algn="ctr">
+                      <a:solidFill>
+                        <a:schemeClr val="tx1"/>
+                      </a:solidFill>
+                      <a:prstDash val="solid"/>
+                      <a:round/>
+                      <a:headEnd type="none" w="med" len="med"/>
+                      <a:tailEnd type="none" w="med" len="med"/>
+                    </a:lnR>
+                    <a:lnT w="12700" cap="flat" cmpd="sng" algn="ctr">
+                      <a:solidFill>
+                        <a:schemeClr val="tx1"/>
+                      </a:solidFill>
+                      <a:prstDash val="solid"/>
+                      <a:round/>
+                      <a:headEnd type="none" w="med" len="med"/>
+                      <a:tailEnd type="none" w="med" len="med"/>
+                    </a:lnT>
+                    <a:lnB w="12700" cap="flat" cmpd="sng" algn="ctr">
+                      <a:solidFill>
+                        <a:schemeClr val="tx1"/>
+                      </a:solidFill>
+                      <a:prstDash val="solid"/>
+                      <a:round/>
+                      <a:headEnd type="none" w="med" len="med"/>
+                      <a:tailEnd type="none" w="med" len="med"/>
+                    </a:lnB>
+                  </a:tcPr>
+                </a:tc>
+                <a:tc>
+                  <a:txBody>
+                    <a:bodyPr/>
+                    <a:lstStyle/>
+                    <a:p>
+                      <a:pPr algn="ctr"/>
+                      <a:r>
+                        <a:rPr lang="it-IT" dirty="0"/>
+                        <a:t>0.0299</a:t>
+                      </a:r>
+                    </a:p>
+                  </a:txBody>
+                  <a:tcPr>
+                    <a:lnL w="12700" cap="flat" cmpd="sng" algn="ctr">
+                      <a:solidFill>
+                        <a:schemeClr val="tx1"/>
+                      </a:solidFill>
+                      <a:prstDash val="solid"/>
+                      <a:round/>
+                      <a:headEnd type="none" w="med" len="med"/>
+                      <a:tailEnd type="none" w="med" len="med"/>
+                    </a:lnL>
+                    <a:lnT w="12700" cap="flat" cmpd="sng" algn="ctr">
+                      <a:solidFill>
+                        <a:schemeClr val="tx1"/>
+                      </a:solidFill>
+                      <a:prstDash val="solid"/>
+                      <a:round/>
+                      <a:headEnd type="none" w="med" len="med"/>
+                      <a:tailEnd type="none" w="med" len="med"/>
+                    </a:lnT>
+                  </a:tcPr>
+                </a:tc>
+                <a:tc>
+                  <a:txBody>
+                    <a:bodyPr/>
+                    <a:lstStyle/>
+                    <a:p>
+                      <a:pPr algn="ctr"/>
+                      <a:r>
+                        <a:rPr lang="it-IT" dirty="0"/>
+                        <a:t>0.3843</a:t>
+                      </a:r>
+                    </a:p>
+                  </a:txBody>
+                  <a:tcPr/>
+                </a:tc>
+                <a:extLst>
+                  <a:ext uri="{0D108BD9-81ED-4DB2-BD59-A6C34878D82A}">
+                    <a16:rowId xmlns:a16="http://schemas.microsoft.com/office/drawing/2014/main" val="3659162267"/>
+                  </a:ext>
+                </a:extLst>
+              </a:tr>
+              <a:tr h="370840">
+                <a:tc>
+                  <a:txBody>
+                    <a:bodyPr/>
+                    <a:lstStyle/>
+                    <a:p>
+                      <a:pPr algn="ctr"/>
+                      <a:r>
+                        <a:rPr lang="it-IT" b="1" dirty="0"/>
+                        <a:t>MEE</a:t>
+                      </a:r>
+                    </a:p>
+                  </a:txBody>
+                  <a:tcPr>
+                    <a:lnT w="12700" cap="flat" cmpd="sng" algn="ctr">
+                      <a:solidFill>
+                        <a:schemeClr val="tx1"/>
+                      </a:solidFill>
+                      <a:prstDash val="solid"/>
+                      <a:round/>
+                      <a:headEnd type="none" w="med" len="med"/>
+                      <a:tailEnd type="none" w="med" len="med"/>
+                    </a:lnT>
+                  </a:tcPr>
+                </a:tc>
+                <a:tc>
+                  <a:txBody>
+                    <a:bodyPr/>
+                    <a:lstStyle/>
+                    <a:p>
+                      <a:pPr algn="ctr"/>
+                      <a:r>
+                        <a:rPr lang="it-IT" dirty="0"/>
+                        <a:t>0.1523</a:t>
+                      </a:r>
+                    </a:p>
+                  </a:txBody>
+                  <a:tcPr/>
+                </a:tc>
+                <a:tc>
+                  <a:txBody>
+                    <a:bodyPr/>
+                    <a:lstStyle/>
+                    <a:p>
+                      <a:pPr algn="ctr"/>
+                      <a:r>
+                        <a:rPr lang="it-IT" dirty="0"/>
+                        <a:t>0.4396</a:t>
+                      </a:r>
+                    </a:p>
+                  </a:txBody>
+                  <a:tcPr/>
+                </a:tc>
+                <a:extLst>
+                  <a:ext uri="{0D108BD9-81ED-4DB2-BD59-A6C34878D82A}">
+                    <a16:rowId xmlns:a16="http://schemas.microsoft.com/office/drawing/2014/main" val="955969289"/>
+                  </a:ext>
+                </a:extLst>
+              </a:tr>
+            </a:tbl>
+          </a:graphicData>
+        </a:graphic>
+      </p:graphicFrame>
     </p:spTree>
     <p:extLst>
       <p:ext uri="{BB962C8B-B14F-4D97-AF65-F5344CB8AC3E}">
-        <p14:creationId xmlns:p14="http://schemas.microsoft.com/office/powerpoint/2010/main" val="689527355"/>
+        <p14:creationId xmlns:p14="http://schemas.microsoft.com/office/powerpoint/2010/main" val="863095605"/>
       </p:ext>
     </p:extLst>
   </p:cSld>
@@ -8018,14 +9372,21 @@
             <p:ph idx="1"/>
           </p:nvPr>
         </p:nvSpPr>
-        <p:spPr/>
-        <p:txBody>
-          <a:bodyPr/>
+        <p:spPr>
+          <a:xfrm>
+            <a:off x="838200" y="1825625"/>
+            <a:ext cx="10515600" cy="4743126"/>
+          </a:xfrm>
+        </p:spPr>
+        <p:txBody>
+          <a:bodyPr>
+            <a:normAutofit/>
+          </a:bodyPr>
           <a:lstStyle/>
           <a:p>
             <a:r>
               <a:rPr lang="en-US" dirty="0"/>
-              <a:t>Implement a Neural Network simulator with multiple functionalities to solve classification and regression problems </a:t>
+              <a:t>Implement a Neural Network simulator with multiple functionalities to solve classification and regression problems.</a:t>
             </a:r>
           </a:p>
           <a:p>
@@ -8037,7 +9398,7 @@
           <a:p>
             <a:r>
               <a:rPr lang="en-US" dirty="0"/>
-              <a:t>With the help of grid search, k-fold and double k-fold find the best network architecture and hyperparameters configuration to obtain a model able to predict, with a low error, the CUP challenge targets</a:t>
+              <a:t>With the help of grid search (also random), K-Fold and double K-Fold find the best network architecture and hyperparameters configuration to obtain a model able to predict, with a low error, the CUP challenge targets.</a:t>
             </a:r>
           </a:p>
           <a:p>
@@ -8056,10 +9417,10 @@
       </p:sp>
       <p:sp>
         <p:nvSpPr>
-          <p:cNvPr id="4" name="Segnaposto numero diapositiva 3">
-            <a:extLst>
-              <a:ext uri="{FF2B5EF4-FFF2-40B4-BE49-F238E27FC236}">
-                <a16:creationId xmlns:a16="http://schemas.microsoft.com/office/drawing/2014/main" id="{86A4CF5A-6F2E-EB31-2E04-56EAACBEF952}"/>
+          <p:cNvPr id="5" name="Segnaposto numero diapositiva 4">
+            <a:extLst>
+              <a:ext uri="{FF2B5EF4-FFF2-40B4-BE49-F238E27FC236}">
+                <a16:creationId xmlns:a16="http://schemas.microsoft.com/office/drawing/2014/main" id="{EBA58AE4-415E-35D9-20A6-87373E13CD77}"/>
               </a:ext>
             </a:extLst>
           </p:cNvPr>
@@ -8136,6 +9497,365 @@
           <a:p>
             <a:r>
               <a:rPr lang="en-US" b="1" dirty="0"/>
+              <a:t>Discussion</a:t>
+            </a:r>
+            <a:endParaRPr lang="en-US" dirty="0"/>
+          </a:p>
+        </p:txBody>
+      </p:sp>
+      <p:sp>
+        <p:nvSpPr>
+          <p:cNvPr id="3" name="CasellaDiTesto 2">
+            <a:extLst>
+              <a:ext uri="{FF2B5EF4-FFF2-40B4-BE49-F238E27FC236}">
+                <a16:creationId xmlns:a16="http://schemas.microsoft.com/office/drawing/2014/main" id="{0448DF09-38BE-4CA2-C490-2A9388B7B27C}"/>
+              </a:ext>
+            </a:extLst>
+          </p:cNvPr>
+          <p:cNvSpPr txBox="1"/>
+          <p:nvPr/>
+        </p:nvSpPr>
+        <p:spPr>
+          <a:xfrm>
+            <a:off x="914400" y="1690688"/>
+            <a:ext cx="10758196" cy="4524315"/>
+          </a:xfrm>
+          <a:prstGeom prst="rect">
+            <a:avLst/>
+          </a:prstGeom>
+          <a:noFill/>
+        </p:spPr>
+        <p:txBody>
+          <a:bodyPr wrap="square" rtlCol="0">
+            <a:spAutoFit/>
+          </a:bodyPr>
+          <a:lstStyle/>
+          <a:p>
+            <a:pPr marL="285750" indent="-285750">
+              <a:buFont typeface="Arial" panose="020B0604020202020204" pitchFamily="34" charset="0"/>
+              <a:buChar char="•"/>
+            </a:pPr>
+            <a:r>
+              <a:rPr lang="en-US" sz="2400" dirty="0"/>
+              <a:t>To experiment, we tried many times to overfit the data with big networks and many </a:t>
+            </a:r>
+            <a:r>
+              <a:rPr lang="it-IT" sz="2400" dirty="0"/>
+              <a:t>training </a:t>
+            </a:r>
+            <a:r>
+              <a:rPr lang="en-US" sz="2400" dirty="0"/>
+              <a:t>epochs but</a:t>
+            </a:r>
+            <a:r>
+              <a:rPr lang="it-IT" sz="2400" dirty="0"/>
+              <a:t> </a:t>
+            </a:r>
+            <a:r>
+              <a:rPr lang="en-US" sz="2400" dirty="0"/>
+              <a:t>were unable to do so. We only observed that the validation loss start to decrease slower than the training loss. To verify if there were any issues with our simulator, we conducted tests with Keras and obtained the same results.</a:t>
+            </a:r>
+          </a:p>
+          <a:p>
+            <a:pPr marL="285750" indent="-285750">
+              <a:buFont typeface="Arial" panose="020B0604020202020204" pitchFamily="34" charset="0"/>
+              <a:buChar char="•"/>
+            </a:pPr>
+            <a:endParaRPr lang="en-US" sz="2400" dirty="0"/>
+          </a:p>
+          <a:p>
+            <a:pPr marL="285750" indent="-285750">
+              <a:buFont typeface="Arial" panose="020B0604020202020204" pitchFamily="34" charset="0"/>
+              <a:buChar char="•"/>
+            </a:pPr>
+            <a:r>
+              <a:rPr lang="en-US" sz="2400" dirty="0"/>
+              <a:t>Computing gradients for all the patterns with matrix multiplication, instead of computing them for one pattern at time using scalar products gives a massive improvement in executions time. This enhancement enables the testing of bigger networks and higher epochs in reasonable time.</a:t>
+            </a:r>
+          </a:p>
+          <a:p>
+            <a:pPr marL="285750" indent="-285750">
+              <a:buFont typeface="Arial" panose="020B0604020202020204" pitchFamily="34" charset="0"/>
+              <a:buChar char="•"/>
+            </a:pPr>
+            <a:endParaRPr lang="en-US" sz="2400" dirty="0"/>
+          </a:p>
+          <a:p>
+            <a:pPr marL="285750" indent="-285750">
+              <a:buFont typeface="Arial" panose="020B0604020202020204" pitchFamily="34" charset="0"/>
+              <a:buChar char="•"/>
+            </a:pPr>
+            <a:r>
+              <a:rPr lang="en-US" sz="2400" dirty="0"/>
+              <a:t>Momentum is essential for good learning (especially with batch)</a:t>
+            </a:r>
+            <a:endParaRPr lang="it-IT" sz="2400" dirty="0"/>
+          </a:p>
+        </p:txBody>
+      </p:sp>
+      <p:sp>
+        <p:nvSpPr>
+          <p:cNvPr id="4" name="Segnaposto numero diapositiva 3">
+            <a:extLst>
+              <a:ext uri="{FF2B5EF4-FFF2-40B4-BE49-F238E27FC236}">
+                <a16:creationId xmlns:a16="http://schemas.microsoft.com/office/drawing/2014/main" id="{27DADCDE-31C1-417C-F6D0-EB4A4DCE30CB}"/>
+              </a:ext>
+            </a:extLst>
+          </p:cNvPr>
+          <p:cNvSpPr>
+            <a:spLocks noGrp="1"/>
+          </p:cNvSpPr>
+          <p:nvPr>
+            <p:ph type="sldNum" sz="quarter" idx="12"/>
+          </p:nvPr>
+        </p:nvSpPr>
+        <p:spPr/>
+        <p:txBody>
+          <a:bodyPr/>
+          <a:lstStyle/>
+          <a:p>
+            <a:fld id="{642154B9-5AE1-4D93-9ACE-3DF3B522DF2F}" type="slidenum">
+              <a:rPr lang="it-IT" smtClean="0"/>
+              <a:t>20</a:t>
+            </a:fld>
+            <a:endParaRPr lang="it-IT"/>
+          </a:p>
+        </p:txBody>
+      </p:sp>
+    </p:spTree>
+    <p:extLst>
+      <p:ext uri="{BB962C8B-B14F-4D97-AF65-F5344CB8AC3E}">
+        <p14:creationId xmlns:p14="http://schemas.microsoft.com/office/powerpoint/2010/main" val="3244110880"/>
+      </p:ext>
+    </p:extLst>
+  </p:cSld>
+  <p:clrMapOvr>
+    <a:masterClrMapping/>
+  </p:clrMapOvr>
+</p:sld>
+</file>
+
+<file path=ppt/slides/slide21.xml><?xml version="1.0" encoding="utf-8"?>
+<p:sld xmlns:a="http://schemas.openxmlformats.org/drawingml/2006/main" xmlns:r="http://schemas.openxmlformats.org/officeDocument/2006/relationships" xmlns:p="http://schemas.openxmlformats.org/presentationml/2006/main">
+  <p:cSld>
+    <p:spTree>
+      <p:nvGrpSpPr>
+        <p:cNvPr id="1" name=""/>
+        <p:cNvGrpSpPr/>
+        <p:nvPr/>
+      </p:nvGrpSpPr>
+      <p:grpSpPr>
+        <a:xfrm>
+          <a:off x="0" y="0"/>
+          <a:ext cx="0" cy="0"/>
+          <a:chOff x="0" y="0"/>
+          <a:chExt cx="0" cy="0"/>
+        </a:xfrm>
+      </p:grpSpPr>
+      <p:sp>
+        <p:nvSpPr>
+          <p:cNvPr id="2" name="Titolo 1">
+            <a:extLst>
+              <a:ext uri="{FF2B5EF4-FFF2-40B4-BE49-F238E27FC236}">
+                <a16:creationId xmlns:a16="http://schemas.microsoft.com/office/drawing/2014/main" id="{32242F0D-F3C7-5888-B659-FAE035653A8D}"/>
+              </a:ext>
+            </a:extLst>
+          </p:cNvPr>
+          <p:cNvSpPr>
+            <a:spLocks noGrp="1"/>
+          </p:cNvSpPr>
+          <p:nvPr>
+            <p:ph type="title"/>
+          </p:nvPr>
+        </p:nvSpPr>
+        <p:spPr/>
+        <p:txBody>
+          <a:bodyPr/>
+          <a:lstStyle/>
+          <a:p>
+            <a:r>
+              <a:rPr lang="en-US" b="1" dirty="0"/>
+              <a:t>Discussion</a:t>
+            </a:r>
+            <a:endParaRPr lang="en-US" dirty="0"/>
+          </a:p>
+        </p:txBody>
+      </p:sp>
+      <p:sp>
+        <p:nvSpPr>
+          <p:cNvPr id="3" name="CasellaDiTesto 2">
+            <a:extLst>
+              <a:ext uri="{FF2B5EF4-FFF2-40B4-BE49-F238E27FC236}">
+                <a16:creationId xmlns:a16="http://schemas.microsoft.com/office/drawing/2014/main" id="{0448DF09-38BE-4CA2-C490-2A9388B7B27C}"/>
+              </a:ext>
+            </a:extLst>
+          </p:cNvPr>
+          <p:cNvSpPr txBox="1"/>
+          <p:nvPr/>
+        </p:nvSpPr>
+        <p:spPr>
+          <a:xfrm>
+            <a:off x="914400" y="1690688"/>
+            <a:ext cx="10758196" cy="4524315"/>
+          </a:xfrm>
+          <a:prstGeom prst="rect">
+            <a:avLst/>
+          </a:prstGeom>
+          <a:noFill/>
+        </p:spPr>
+        <p:txBody>
+          <a:bodyPr wrap="square" rtlCol="0">
+            <a:spAutoFit/>
+          </a:bodyPr>
+          <a:lstStyle/>
+          <a:p>
+            <a:pPr marL="285750" indent="-285750">
+              <a:buFont typeface="Arial" panose="020B0604020202020204" pitchFamily="34" charset="0"/>
+              <a:buChar char="•"/>
+            </a:pPr>
+            <a:r>
+              <a:rPr lang="en-US" sz="2400" dirty="0" err="1"/>
+              <a:t>ReLU</a:t>
+            </a:r>
+            <a:r>
+              <a:rPr lang="en-US" sz="2400" dirty="0"/>
+              <a:t> (and its variants like Leaky </a:t>
+            </a:r>
+            <a:r>
+              <a:rPr lang="en-US" sz="2400" dirty="0" err="1"/>
+              <a:t>ReLU</a:t>
+            </a:r>
+            <a:r>
+              <a:rPr lang="en-US" sz="2400" dirty="0"/>
+              <a:t> and </a:t>
+            </a:r>
+            <a:r>
+              <a:rPr lang="en-US" sz="2400" dirty="0" err="1"/>
+              <a:t>SeLU</a:t>
+            </a:r>
+            <a:r>
+              <a:rPr lang="en-US" sz="2400" dirty="0"/>
+              <a:t>) tends to perform better than other activation functions during the training, with a more uniform and stable gradient descent.</a:t>
+            </a:r>
+          </a:p>
+          <a:p>
+            <a:pPr marL="285750" indent="-285750">
+              <a:buFont typeface="Arial" panose="020B0604020202020204" pitchFamily="34" charset="0"/>
+              <a:buChar char="•"/>
+            </a:pPr>
+            <a:endParaRPr lang="en-US" sz="2400" dirty="0"/>
+          </a:p>
+          <a:p>
+            <a:pPr marL="285750" indent="-285750">
+              <a:buFont typeface="Arial" panose="020B0604020202020204" pitchFamily="34" charset="0"/>
+              <a:buChar char="•"/>
+            </a:pPr>
+            <a:r>
+              <a:rPr lang="en-US" sz="2400" dirty="0"/>
+              <a:t>We realized that performing model selection require a lot of time, more than we had anticipated. Given that small tweaks to neural network hyperparameters yield significant variations in both training dynamics and outcomes, the combinations of hyperparameters to test are truly numerous, and for each is required a careful review.</a:t>
+            </a:r>
+          </a:p>
+          <a:p>
+            <a:pPr marL="285750" indent="-285750">
+              <a:buFont typeface="Arial" panose="020B0604020202020204" pitchFamily="34" charset="0"/>
+              <a:buChar char="•"/>
+            </a:pPr>
+            <a:endParaRPr lang="en-US" sz="2400" dirty="0"/>
+          </a:p>
+          <a:p>
+            <a:pPr marL="285750" indent="-285750">
+              <a:buFont typeface="Arial" panose="020B0604020202020204" pitchFamily="34" charset="0"/>
+              <a:buChar char="•"/>
+            </a:pPr>
+            <a:r>
+              <a:rPr lang="en-US" sz="2400" dirty="0"/>
+              <a:t>Rescaling the data using znorm (mean to 0, standard deviation to 1) did not improve the results</a:t>
+            </a:r>
+          </a:p>
+        </p:txBody>
+      </p:sp>
+      <p:sp>
+        <p:nvSpPr>
+          <p:cNvPr id="4" name="Segnaposto numero diapositiva 3">
+            <a:extLst>
+              <a:ext uri="{FF2B5EF4-FFF2-40B4-BE49-F238E27FC236}">
+                <a16:creationId xmlns:a16="http://schemas.microsoft.com/office/drawing/2014/main" id="{2878071C-5785-A130-6658-0C2D8DDD6C40}"/>
+              </a:ext>
+            </a:extLst>
+          </p:cNvPr>
+          <p:cNvSpPr>
+            <a:spLocks noGrp="1"/>
+          </p:cNvSpPr>
+          <p:nvPr>
+            <p:ph type="sldNum" sz="quarter" idx="12"/>
+          </p:nvPr>
+        </p:nvSpPr>
+        <p:spPr/>
+        <p:txBody>
+          <a:bodyPr/>
+          <a:lstStyle/>
+          <a:p>
+            <a:fld id="{642154B9-5AE1-4D93-9ACE-3DF3B522DF2F}" type="slidenum">
+              <a:rPr lang="it-IT" smtClean="0"/>
+              <a:t>21</a:t>
+            </a:fld>
+            <a:endParaRPr lang="it-IT"/>
+          </a:p>
+        </p:txBody>
+      </p:sp>
+    </p:spTree>
+    <p:extLst>
+      <p:ext uri="{BB962C8B-B14F-4D97-AF65-F5344CB8AC3E}">
+        <p14:creationId xmlns:p14="http://schemas.microsoft.com/office/powerpoint/2010/main" val="689527355"/>
+      </p:ext>
+    </p:extLst>
+  </p:cSld>
+  <p:clrMapOvr>
+    <a:masterClrMapping/>
+  </p:clrMapOvr>
+</p:sld>
+</file>
+
+<file path=ppt/slides/slide22.xml><?xml version="1.0" encoding="utf-8"?>
+<p:sld xmlns:a="http://schemas.openxmlformats.org/drawingml/2006/main" xmlns:r="http://schemas.openxmlformats.org/officeDocument/2006/relationships" xmlns:p="http://schemas.openxmlformats.org/presentationml/2006/main">
+  <p:cSld>
+    <p:spTree>
+      <p:nvGrpSpPr>
+        <p:cNvPr id="1" name=""/>
+        <p:cNvGrpSpPr/>
+        <p:nvPr/>
+      </p:nvGrpSpPr>
+      <p:grpSpPr>
+        <a:xfrm>
+          <a:off x="0" y="0"/>
+          <a:ext cx="0" cy="0"/>
+          <a:chOff x="0" y="0"/>
+          <a:chExt cx="0" cy="0"/>
+        </a:xfrm>
+      </p:grpSpPr>
+      <p:sp>
+        <p:nvSpPr>
+          <p:cNvPr id="2" name="Titolo 1">
+            <a:extLst>
+              <a:ext uri="{FF2B5EF4-FFF2-40B4-BE49-F238E27FC236}">
+                <a16:creationId xmlns:a16="http://schemas.microsoft.com/office/drawing/2014/main" id="{32242F0D-F3C7-5888-B659-FAE035653A8D}"/>
+              </a:ext>
+            </a:extLst>
+          </p:cNvPr>
+          <p:cNvSpPr>
+            <a:spLocks noGrp="1"/>
+          </p:cNvSpPr>
+          <p:nvPr>
+            <p:ph type="title"/>
+          </p:nvPr>
+        </p:nvSpPr>
+        <p:spPr/>
+        <p:txBody>
+          <a:bodyPr/>
+          <a:lstStyle/>
+          <a:p>
+            <a:r>
+              <a:rPr lang="en-US" b="1" dirty="0"/>
               <a:t>Conclusions</a:t>
             </a:r>
             <a:endParaRPr lang="en-US" dirty="0"/>
@@ -8195,10 +9915,589 @@
           </a:p>
         </p:txBody>
       </p:sp>
+      <p:sp>
+        <p:nvSpPr>
+          <p:cNvPr id="4" name="Segnaposto numero diapositiva 3">
+            <a:extLst>
+              <a:ext uri="{FF2B5EF4-FFF2-40B4-BE49-F238E27FC236}">
+                <a16:creationId xmlns:a16="http://schemas.microsoft.com/office/drawing/2014/main" id="{BDC88D8C-780E-BE2A-CE9C-7AF5B2014F71}"/>
+              </a:ext>
+            </a:extLst>
+          </p:cNvPr>
+          <p:cNvSpPr>
+            <a:spLocks noGrp="1"/>
+          </p:cNvSpPr>
+          <p:nvPr>
+            <p:ph type="sldNum" sz="quarter" idx="12"/>
+          </p:nvPr>
+        </p:nvSpPr>
+        <p:spPr/>
+        <p:txBody>
+          <a:bodyPr/>
+          <a:lstStyle/>
+          <a:p>
+            <a:fld id="{642154B9-5AE1-4D93-9ACE-3DF3B522DF2F}" type="slidenum">
+              <a:rPr lang="it-IT" smtClean="0"/>
+              <a:t>22</a:t>
+            </a:fld>
+            <a:endParaRPr lang="it-IT"/>
+          </a:p>
+        </p:txBody>
+      </p:sp>
     </p:spTree>
     <p:extLst>
       <p:ext uri="{BB962C8B-B14F-4D97-AF65-F5344CB8AC3E}">
         <p14:creationId xmlns:p14="http://schemas.microsoft.com/office/powerpoint/2010/main" val="2108753129"/>
+      </p:ext>
+    </p:extLst>
+  </p:cSld>
+  <p:clrMapOvr>
+    <a:masterClrMapping/>
+  </p:clrMapOvr>
+</p:sld>
+</file>
+
+<file path=ppt/slides/slide23.xml><?xml version="1.0" encoding="utf-8"?>
+<p:sld xmlns:a="http://schemas.openxmlformats.org/drawingml/2006/main" xmlns:r="http://schemas.openxmlformats.org/officeDocument/2006/relationships" xmlns:p="http://schemas.openxmlformats.org/presentationml/2006/main">
+  <p:cSld>
+    <p:spTree>
+      <p:nvGrpSpPr>
+        <p:cNvPr id="1" name=""/>
+        <p:cNvGrpSpPr/>
+        <p:nvPr/>
+      </p:nvGrpSpPr>
+      <p:grpSpPr>
+        <a:xfrm>
+          <a:off x="0" y="0"/>
+          <a:ext cx="0" cy="0"/>
+          <a:chOff x="0" y="0"/>
+          <a:chExt cx="0" cy="0"/>
+        </a:xfrm>
+      </p:grpSpPr>
+      <p:sp>
+        <p:nvSpPr>
+          <p:cNvPr id="2" name="Titolo 1">
+            <a:extLst>
+              <a:ext uri="{FF2B5EF4-FFF2-40B4-BE49-F238E27FC236}">
+                <a16:creationId xmlns:a16="http://schemas.microsoft.com/office/drawing/2014/main" id="{32242F0D-F3C7-5888-B659-FAE035653A8D}"/>
+              </a:ext>
+            </a:extLst>
+          </p:cNvPr>
+          <p:cNvSpPr>
+            <a:spLocks noGrp="1"/>
+          </p:cNvSpPr>
+          <p:nvPr>
+            <p:ph type="title"/>
+          </p:nvPr>
+        </p:nvSpPr>
+        <p:spPr/>
+        <p:txBody>
+          <a:bodyPr/>
+          <a:lstStyle/>
+          <a:p>
+            <a:r>
+              <a:rPr lang="en-US" b="1" dirty="0"/>
+              <a:t>Conclusions</a:t>
+            </a:r>
+            <a:endParaRPr lang="en-US" dirty="0"/>
+          </a:p>
+        </p:txBody>
+      </p:sp>
+      <p:sp>
+        <p:nvSpPr>
+          <p:cNvPr id="3" name="CasellaDiTesto 2">
+            <a:extLst>
+              <a:ext uri="{FF2B5EF4-FFF2-40B4-BE49-F238E27FC236}">
+                <a16:creationId xmlns:a16="http://schemas.microsoft.com/office/drawing/2014/main" id="{0448DF09-38BE-4CA2-C490-2A9388B7B27C}"/>
+              </a:ext>
+            </a:extLst>
+          </p:cNvPr>
+          <p:cNvSpPr txBox="1"/>
+          <p:nvPr/>
+        </p:nvSpPr>
+        <p:spPr>
+          <a:xfrm>
+            <a:off x="838200" y="1895962"/>
+            <a:ext cx="10758196" cy="3785652"/>
+          </a:xfrm>
+          <a:prstGeom prst="rect">
+            <a:avLst/>
+          </a:prstGeom>
+          <a:noFill/>
+        </p:spPr>
+        <p:txBody>
+          <a:bodyPr wrap="square" rtlCol="0">
+            <a:spAutoFit/>
+          </a:bodyPr>
+          <a:lstStyle/>
+          <a:p>
+            <a:r>
+              <a:rPr lang="en-US" sz="2400" dirty="0"/>
+              <a:t>Name of the results file:     </a:t>
+            </a:r>
+          </a:p>
+          <a:p>
+            <a:endParaRPr lang="en-US" sz="2400" dirty="0"/>
+          </a:p>
+          <a:p>
+            <a:pPr marL="800100" lvl="1" indent="-342900">
+              <a:buFont typeface="Arial" panose="020B0604020202020204" pitchFamily="34" charset="0"/>
+              <a:buChar char="•"/>
+            </a:pPr>
+            <a:r>
+              <a:rPr lang="en-US" sz="2400" dirty="0"/>
+              <a:t>MensaMartiri_ML-CUP23-TS.csv</a:t>
+            </a:r>
+          </a:p>
+          <a:p>
+            <a:pPr marL="800100" lvl="1" indent="-342900">
+              <a:buFont typeface="Arial" panose="020B0604020202020204" pitchFamily="34" charset="0"/>
+              <a:buChar char="•"/>
+            </a:pPr>
+            <a:r>
+              <a:rPr lang="en-US" sz="2400" dirty="0"/>
+              <a:t>MensaMartiri_abstract.txt</a:t>
+            </a:r>
+          </a:p>
+          <a:p>
+            <a:endParaRPr lang="en-US" sz="2400" dirty="0"/>
+          </a:p>
+          <a:p>
+            <a:endParaRPr lang="en-US" sz="2400" dirty="0"/>
+          </a:p>
+          <a:p>
+            <a:r>
+              <a:rPr lang="en-US" sz="2400" dirty="0"/>
+              <a:t>Team name: Mensa </a:t>
+            </a:r>
+            <a:r>
+              <a:rPr lang="en-US" sz="2400" dirty="0" err="1"/>
+              <a:t>Martiri</a:t>
+            </a:r>
+            <a:endParaRPr lang="en-US" sz="2400" dirty="0"/>
+          </a:p>
+          <a:p>
+            <a:endParaRPr lang="en-US" sz="2400" dirty="0"/>
+          </a:p>
+          <a:p>
+            <a:endParaRPr lang="en-US" sz="2400" dirty="0"/>
+          </a:p>
+          <a:p>
+            <a:r>
+              <a:rPr lang="en-US" sz="2400" dirty="0"/>
+              <a:t>Team members: Tommaso Di Riccio, Marco Minniti, Francesco Simonetti</a:t>
+            </a:r>
+          </a:p>
+        </p:txBody>
+      </p:sp>
+      <p:sp>
+        <p:nvSpPr>
+          <p:cNvPr id="4" name="Segnaposto numero diapositiva 3">
+            <a:extLst>
+              <a:ext uri="{FF2B5EF4-FFF2-40B4-BE49-F238E27FC236}">
+                <a16:creationId xmlns:a16="http://schemas.microsoft.com/office/drawing/2014/main" id="{BDC88D8C-780E-BE2A-CE9C-7AF5B2014F71}"/>
+              </a:ext>
+            </a:extLst>
+          </p:cNvPr>
+          <p:cNvSpPr>
+            <a:spLocks noGrp="1"/>
+          </p:cNvSpPr>
+          <p:nvPr>
+            <p:ph type="sldNum" sz="quarter" idx="12"/>
+          </p:nvPr>
+        </p:nvSpPr>
+        <p:spPr/>
+        <p:txBody>
+          <a:bodyPr/>
+          <a:lstStyle/>
+          <a:p>
+            <a:fld id="{642154B9-5AE1-4D93-9ACE-3DF3B522DF2F}" type="slidenum">
+              <a:rPr lang="it-IT" smtClean="0"/>
+              <a:t>23</a:t>
+            </a:fld>
+            <a:endParaRPr lang="it-IT"/>
+          </a:p>
+        </p:txBody>
+      </p:sp>
+    </p:spTree>
+    <p:extLst>
+      <p:ext uri="{BB962C8B-B14F-4D97-AF65-F5344CB8AC3E}">
+        <p14:creationId xmlns:p14="http://schemas.microsoft.com/office/powerpoint/2010/main" val="3940796087"/>
+      </p:ext>
+    </p:extLst>
+  </p:cSld>
+  <p:clrMapOvr>
+    <a:masterClrMapping/>
+  </p:clrMapOvr>
+</p:sld>
+</file>
+
+<file path=ppt/slides/slide24.xml><?xml version="1.0" encoding="utf-8"?>
+<p:sld xmlns:a="http://schemas.openxmlformats.org/drawingml/2006/main" xmlns:r="http://schemas.openxmlformats.org/officeDocument/2006/relationships" xmlns:p="http://schemas.openxmlformats.org/presentationml/2006/main">
+  <p:cSld>
+    <p:spTree>
+      <p:nvGrpSpPr>
+        <p:cNvPr id="1" name=""/>
+        <p:cNvGrpSpPr/>
+        <p:nvPr/>
+      </p:nvGrpSpPr>
+      <p:grpSpPr>
+        <a:xfrm>
+          <a:off x="0" y="0"/>
+          <a:ext cx="0" cy="0"/>
+          <a:chOff x="0" y="0"/>
+          <a:chExt cx="0" cy="0"/>
+        </a:xfrm>
+      </p:grpSpPr>
+      <p:sp>
+        <p:nvSpPr>
+          <p:cNvPr id="2" name="Titolo 1">
+            <a:extLst>
+              <a:ext uri="{FF2B5EF4-FFF2-40B4-BE49-F238E27FC236}">
+                <a16:creationId xmlns:a16="http://schemas.microsoft.com/office/drawing/2014/main" id="{32242F0D-F3C7-5888-B659-FAE035653A8D}"/>
+              </a:ext>
+            </a:extLst>
+          </p:cNvPr>
+          <p:cNvSpPr>
+            <a:spLocks noGrp="1"/>
+          </p:cNvSpPr>
+          <p:nvPr>
+            <p:ph type="title"/>
+          </p:nvPr>
+        </p:nvSpPr>
+        <p:spPr/>
+        <p:txBody>
+          <a:bodyPr/>
+          <a:lstStyle/>
+          <a:p>
+            <a:r>
+              <a:rPr lang="en-US" b="1" dirty="0"/>
+              <a:t>References</a:t>
+            </a:r>
+            <a:endParaRPr lang="en-US" dirty="0"/>
+          </a:p>
+        </p:txBody>
+      </p:sp>
+      <p:sp>
+        <p:nvSpPr>
+          <p:cNvPr id="3" name="CasellaDiTesto 2">
+            <a:extLst>
+              <a:ext uri="{FF2B5EF4-FFF2-40B4-BE49-F238E27FC236}">
+                <a16:creationId xmlns:a16="http://schemas.microsoft.com/office/drawing/2014/main" id="{0448DF09-38BE-4CA2-C490-2A9388B7B27C}"/>
+              </a:ext>
+            </a:extLst>
+          </p:cNvPr>
+          <p:cNvSpPr txBox="1"/>
+          <p:nvPr/>
+        </p:nvSpPr>
+        <p:spPr>
+          <a:xfrm>
+            <a:off x="838200" y="1895962"/>
+            <a:ext cx="10758196" cy="1200329"/>
+          </a:xfrm>
+          <a:prstGeom prst="rect">
+            <a:avLst/>
+          </a:prstGeom>
+          <a:noFill/>
+        </p:spPr>
+        <p:txBody>
+          <a:bodyPr wrap="square" rtlCol="0">
+            <a:spAutoFit/>
+          </a:bodyPr>
+          <a:lstStyle/>
+          <a:p>
+            <a:r>
+              <a:rPr lang="en-US" sz="2400" dirty="0"/>
+              <a:t>[1] X. Glorot &amp; Y. Bengio: Understanding the difficulty of training deep feedforward neural networks. In Proceedings of the Thirteenth International Conference on Artificial Intelligence and Statistics, 249–256, 2010</a:t>
+            </a:r>
+          </a:p>
+        </p:txBody>
+      </p:sp>
+      <p:sp>
+        <p:nvSpPr>
+          <p:cNvPr id="4" name="Segnaposto numero diapositiva 3">
+            <a:extLst>
+              <a:ext uri="{FF2B5EF4-FFF2-40B4-BE49-F238E27FC236}">
+                <a16:creationId xmlns:a16="http://schemas.microsoft.com/office/drawing/2014/main" id="{BDC88D8C-780E-BE2A-CE9C-7AF5B2014F71}"/>
+              </a:ext>
+            </a:extLst>
+          </p:cNvPr>
+          <p:cNvSpPr>
+            <a:spLocks noGrp="1"/>
+          </p:cNvSpPr>
+          <p:nvPr>
+            <p:ph type="sldNum" sz="quarter" idx="12"/>
+          </p:nvPr>
+        </p:nvSpPr>
+        <p:spPr/>
+        <p:txBody>
+          <a:bodyPr/>
+          <a:lstStyle/>
+          <a:p>
+            <a:fld id="{642154B9-5AE1-4D93-9ACE-3DF3B522DF2F}" type="slidenum">
+              <a:rPr lang="it-IT" smtClean="0"/>
+              <a:t>24</a:t>
+            </a:fld>
+            <a:endParaRPr lang="it-IT"/>
+          </a:p>
+        </p:txBody>
+      </p:sp>
+    </p:spTree>
+    <p:extLst>
+      <p:ext uri="{BB962C8B-B14F-4D97-AF65-F5344CB8AC3E}">
+        <p14:creationId xmlns:p14="http://schemas.microsoft.com/office/powerpoint/2010/main" val="2307646240"/>
+      </p:ext>
+    </p:extLst>
+  </p:cSld>
+  <p:clrMapOvr>
+    <a:masterClrMapping/>
+  </p:clrMapOvr>
+</p:sld>
+</file>
+
+<file path=ppt/slides/slide25.xml><?xml version="1.0" encoding="utf-8"?>
+<p:sld xmlns:a="http://schemas.openxmlformats.org/drawingml/2006/main" xmlns:r="http://schemas.openxmlformats.org/officeDocument/2006/relationships" xmlns:p="http://schemas.openxmlformats.org/presentationml/2006/main">
+  <p:cSld>
+    <p:spTree>
+      <p:nvGrpSpPr>
+        <p:cNvPr id="1" name=""/>
+        <p:cNvGrpSpPr/>
+        <p:nvPr/>
+      </p:nvGrpSpPr>
+      <p:grpSpPr>
+        <a:xfrm>
+          <a:off x="0" y="0"/>
+          <a:ext cx="0" cy="0"/>
+          <a:chOff x="0" y="0"/>
+          <a:chExt cx="0" cy="0"/>
+        </a:xfrm>
+      </p:grpSpPr>
+      <p:sp>
+        <p:nvSpPr>
+          <p:cNvPr id="2" name="Titolo 1">
+            <a:extLst>
+              <a:ext uri="{FF2B5EF4-FFF2-40B4-BE49-F238E27FC236}">
+                <a16:creationId xmlns:a16="http://schemas.microsoft.com/office/drawing/2014/main" id="{32242F0D-F3C7-5888-B659-FAE035653A8D}"/>
+              </a:ext>
+            </a:extLst>
+          </p:cNvPr>
+          <p:cNvSpPr>
+            <a:spLocks noGrp="1"/>
+          </p:cNvSpPr>
+          <p:nvPr>
+            <p:ph type="title"/>
+          </p:nvPr>
+        </p:nvSpPr>
+        <p:spPr/>
+        <p:txBody>
+          <a:bodyPr/>
+          <a:lstStyle/>
+          <a:p>
+            <a:r>
+              <a:rPr lang="en-US" b="1" dirty="0"/>
+              <a:t>Appendix</a:t>
+            </a:r>
+            <a:endParaRPr lang="en-US" dirty="0"/>
+          </a:p>
+        </p:txBody>
+      </p:sp>
+      <p:sp>
+        <p:nvSpPr>
+          <p:cNvPr id="3" name="CasellaDiTesto 2">
+            <a:extLst>
+              <a:ext uri="{FF2B5EF4-FFF2-40B4-BE49-F238E27FC236}">
+                <a16:creationId xmlns:a16="http://schemas.microsoft.com/office/drawing/2014/main" id="{0448DF09-38BE-4CA2-C490-2A9388B7B27C}"/>
+              </a:ext>
+            </a:extLst>
+          </p:cNvPr>
+          <p:cNvSpPr txBox="1"/>
+          <p:nvPr/>
+        </p:nvSpPr>
+        <p:spPr>
+          <a:xfrm>
+            <a:off x="838200" y="1665129"/>
+            <a:ext cx="10758196" cy="461665"/>
+          </a:xfrm>
+          <a:prstGeom prst="rect">
+            <a:avLst/>
+          </a:prstGeom>
+          <a:noFill/>
+        </p:spPr>
+        <p:txBody>
+          <a:bodyPr wrap="square" rtlCol="0">
+            <a:spAutoFit/>
+          </a:bodyPr>
+          <a:lstStyle/>
+          <a:p>
+            <a:r>
+              <a:rPr lang="en-US" sz="2400" dirty="0"/>
+              <a:t>Result of the training with </a:t>
+            </a:r>
+            <a:r>
+              <a:rPr lang="en-US" sz="2400" dirty="0" err="1"/>
+              <a:t>Keras</a:t>
+            </a:r>
+            <a:r>
+              <a:rPr lang="en-US" sz="2400" dirty="0"/>
+              <a:t> mentioned in slide 20:</a:t>
+            </a:r>
+          </a:p>
+        </p:txBody>
+      </p:sp>
+      <p:sp>
+        <p:nvSpPr>
+          <p:cNvPr id="4" name="Segnaposto numero diapositiva 3">
+            <a:extLst>
+              <a:ext uri="{FF2B5EF4-FFF2-40B4-BE49-F238E27FC236}">
+                <a16:creationId xmlns:a16="http://schemas.microsoft.com/office/drawing/2014/main" id="{BDC88D8C-780E-BE2A-CE9C-7AF5B2014F71}"/>
+              </a:ext>
+            </a:extLst>
+          </p:cNvPr>
+          <p:cNvSpPr>
+            <a:spLocks noGrp="1"/>
+          </p:cNvSpPr>
+          <p:nvPr>
+            <p:ph type="sldNum" sz="quarter" idx="12"/>
+          </p:nvPr>
+        </p:nvSpPr>
+        <p:spPr/>
+        <p:txBody>
+          <a:bodyPr/>
+          <a:lstStyle/>
+          <a:p>
+            <a:fld id="{642154B9-5AE1-4D93-9ACE-3DF3B522DF2F}" type="slidenum">
+              <a:rPr lang="it-IT" smtClean="0"/>
+              <a:t>25</a:t>
+            </a:fld>
+            <a:endParaRPr lang="it-IT"/>
+          </a:p>
+        </p:txBody>
+      </p:sp>
+      <p:pic>
+        <p:nvPicPr>
+          <p:cNvPr id="8" name="Immagine 7">
+            <a:extLst>
+              <a:ext uri="{FF2B5EF4-FFF2-40B4-BE49-F238E27FC236}">
+                <a16:creationId xmlns:a16="http://schemas.microsoft.com/office/drawing/2014/main" id="{ED77282D-D3C4-2298-9F79-0EB717998380}"/>
+              </a:ext>
+            </a:extLst>
+          </p:cNvPr>
+          <p:cNvPicPr>
+            <a:picLocks noChangeAspect="1"/>
+          </p:cNvPicPr>
+          <p:nvPr/>
+        </p:nvPicPr>
+        <p:blipFill>
+          <a:blip r:embed="rId2">
+            <a:extLst>
+              <a:ext uri="{28A0092B-C50C-407E-A947-70E740481C1C}">
+                <a14:useLocalDpi xmlns:a14="http://schemas.microsoft.com/office/drawing/2010/main" val="0"/>
+              </a:ext>
+            </a:extLst>
+          </a:blip>
+          <a:srcRect/>
+          <a:stretch/>
+        </p:blipFill>
+        <p:spPr>
+          <a:xfrm>
+            <a:off x="3172408" y="2369821"/>
+            <a:ext cx="5288533" cy="4181187"/>
+          </a:xfrm>
+          <a:prstGeom prst="rect">
+            <a:avLst/>
+          </a:prstGeom>
+        </p:spPr>
+      </p:pic>
+      <p:sp>
+        <p:nvSpPr>
+          <p:cNvPr id="9" name="CasellaDiTesto 8">
+            <a:extLst>
+              <a:ext uri="{FF2B5EF4-FFF2-40B4-BE49-F238E27FC236}">
+                <a16:creationId xmlns:a16="http://schemas.microsoft.com/office/drawing/2014/main" id="{F1E30FC7-05A4-38BE-89A2-8C4CDEE2F4FE}"/>
+              </a:ext>
+            </a:extLst>
+          </p:cNvPr>
+          <p:cNvSpPr txBox="1"/>
+          <p:nvPr/>
+        </p:nvSpPr>
+        <p:spPr>
+          <a:xfrm>
+            <a:off x="7827604" y="2537926"/>
+            <a:ext cx="539252" cy="292388"/>
+          </a:xfrm>
+          <a:prstGeom prst="rect">
+            <a:avLst/>
+          </a:prstGeom>
+          <a:noFill/>
+        </p:spPr>
+        <p:txBody>
+          <a:bodyPr wrap="square" rtlCol="0">
+            <a:spAutoFit/>
+          </a:bodyPr>
+          <a:lstStyle/>
+          <a:p>
+            <a:r>
+              <a:rPr lang="it-IT" sz="1300" dirty="0">
+                <a:solidFill>
+                  <a:schemeClr val="tx1">
+                    <a:lumMod val="85000"/>
+                    <a:lumOff val="15000"/>
+                  </a:schemeClr>
+                </a:solidFill>
+              </a:rPr>
+              <a:t>ing</a:t>
+            </a:r>
+          </a:p>
+        </p:txBody>
+      </p:sp>
+      <p:sp>
+        <p:nvSpPr>
+          <p:cNvPr id="10" name="CasellaDiTesto 9">
+            <a:extLst>
+              <a:ext uri="{FF2B5EF4-FFF2-40B4-BE49-F238E27FC236}">
+                <a16:creationId xmlns:a16="http://schemas.microsoft.com/office/drawing/2014/main" id="{068E178C-C961-780F-91F1-30118FAA173B}"/>
+              </a:ext>
+            </a:extLst>
+          </p:cNvPr>
+          <p:cNvSpPr txBox="1"/>
+          <p:nvPr/>
+        </p:nvSpPr>
+        <p:spPr>
+          <a:xfrm>
+            <a:off x="5682343" y="3227869"/>
+            <a:ext cx="2684513" cy="646331"/>
+          </a:xfrm>
+          <a:prstGeom prst="rect">
+            <a:avLst/>
+          </a:prstGeom>
+          <a:noFill/>
+        </p:spPr>
+        <p:txBody>
+          <a:bodyPr wrap="square" rtlCol="0">
+            <a:spAutoFit/>
+          </a:bodyPr>
+          <a:lstStyle/>
+          <a:p>
+            <a:pPr algn="r"/>
+            <a:r>
+              <a:rPr lang="en-US" dirty="0"/>
+              <a:t>Training loss: 0.0448</a:t>
+            </a:r>
+          </a:p>
+          <a:p>
+            <a:pPr algn="r"/>
+            <a:r>
+              <a:rPr lang="en-US" dirty="0"/>
+              <a:t>Validation loss: 0.2865</a:t>
+            </a:r>
+            <a:endParaRPr lang="it-IT" dirty="0"/>
+          </a:p>
+        </p:txBody>
+      </p:sp>
+    </p:spTree>
+    <p:extLst>
+      <p:ext uri="{BB962C8B-B14F-4D97-AF65-F5344CB8AC3E}">
+        <p14:creationId xmlns:p14="http://schemas.microsoft.com/office/powerpoint/2010/main" val="2573645154"/>
       </p:ext>
     </p:extLst>
   </p:cSld>
@@ -8271,8 +10570,8 @@
         </p:nvSpPr>
         <p:spPr>
           <a:xfrm>
-            <a:off x="838200" y="2024408"/>
-            <a:ext cx="10515600" cy="3856718"/>
+            <a:off x="838200" y="1690688"/>
+            <a:ext cx="10515600" cy="4749638"/>
           </a:xfrm>
         </p:spPr>
         <p:txBody>
@@ -8282,7 +10581,7 @@
           <a:lstStyle/>
           <a:p>
             <a:r>
-              <a:rPr lang="en-US" sz="3200" dirty="0"/>
+              <a:rPr lang="en-US" dirty="0"/>
               <a:t>Programming language: Python</a:t>
             </a:r>
           </a:p>
@@ -8291,45 +10590,63 @@
           </a:p>
           <a:p>
             <a:r>
-              <a:rPr lang="en-US" sz="3200" dirty="0"/>
+              <a:rPr lang="en-US" dirty="0"/>
               <a:t>Used libraries:</a:t>
             </a:r>
           </a:p>
           <a:p>
             <a:pPr lvl="1"/>
             <a:r>
-              <a:rPr lang="en-US" sz="2800" dirty="0" err="1"/>
+              <a:rPr lang="en-US" sz="2500" dirty="0" err="1"/>
               <a:t>Numpy</a:t>
             </a:r>
             <a:r>
-              <a:rPr lang="en-US" sz="2800" dirty="0"/>
+              <a:rPr lang="en-US" sz="2500" dirty="0"/>
               <a:t>: to perform linear algebra operations</a:t>
             </a:r>
           </a:p>
           <a:p>
             <a:pPr lvl="1"/>
             <a:r>
-              <a:rPr lang="en-US" sz="2800" dirty="0" err="1"/>
+              <a:rPr lang="en-US" sz="2500" dirty="0" err="1"/>
               <a:t>Sklearn</a:t>
             </a:r>
             <a:r>
-              <a:rPr lang="en-US" sz="2800" dirty="0"/>
-              <a:t>: to performs the one-hot-encoding on the monk dataset</a:t>
+              <a:rPr lang="en-US" sz="2500" dirty="0"/>
+              <a:t>: to performs the one-hot-encoding on the monk datasets</a:t>
             </a:r>
           </a:p>
           <a:p>
             <a:pPr lvl="1"/>
             <a:r>
-              <a:rPr lang="en-US" sz="2800" dirty="0"/>
-              <a:t>Pandas: to read the csv of the dataset</a:t>
+              <a:rPr lang="en-US" sz="2500" dirty="0"/>
+              <a:t>Pandas: to read the csv of the datasets</a:t>
             </a:r>
           </a:p>
           <a:p>
             <a:pPr lvl="1"/>
             <a:r>
-              <a:rPr lang="en-US" sz="2800" dirty="0"/>
+              <a:rPr lang="en-US" sz="2500" dirty="0"/>
               <a:t>Seaborn: to plot the results</a:t>
             </a:r>
+          </a:p>
+          <a:p>
+            <a:endParaRPr lang="en-US" sz="3200" dirty="0"/>
+          </a:p>
+          <a:p>
+            <a:r>
+              <a:rPr lang="en-US" dirty="0"/>
+              <a:t>We exploit Python classes to effortlessly incorporate new functionalities without the need to modify existing code.</a:t>
+            </a:r>
+          </a:p>
+          <a:p>
+            <a:endParaRPr lang="en-US" sz="3200" dirty="0"/>
+          </a:p>
+          <a:p>
+            <a:pPr marL="457200" lvl="1" indent="0">
+              <a:buNone/>
+            </a:pPr>
+            <a:endParaRPr lang="en-US" sz="2800" dirty="0"/>
           </a:p>
           <a:p>
             <a:pPr marL="457200" lvl="1" indent="0">
@@ -8347,10 +10664,10 @@
       </p:sp>
       <p:sp>
         <p:nvSpPr>
-          <p:cNvPr id="4" name="Segnaposto numero diapositiva 3">
-            <a:extLst>
-              <a:ext uri="{FF2B5EF4-FFF2-40B4-BE49-F238E27FC236}">
-                <a16:creationId xmlns:a16="http://schemas.microsoft.com/office/drawing/2014/main" id="{C61F8777-F710-C2DA-368D-C7207EAE0C57}"/>
+          <p:cNvPr id="5" name="Segnaposto numero diapositiva 4">
+            <a:extLst>
+              <a:ext uri="{FF2B5EF4-FFF2-40B4-BE49-F238E27FC236}">
+                <a16:creationId xmlns:a16="http://schemas.microsoft.com/office/drawing/2014/main" id="{EE0BBC6C-067B-50F1-2801-95BCB847D5EC}"/>
               </a:ext>
             </a:extLst>
           </p:cNvPr>
@@ -8370,7 +10687,7 @@
               <a:rPr lang="it-IT" smtClean="0"/>
               <a:t>3</a:t>
             </a:fld>
-            <a:endParaRPr lang="it-IT"/>
+            <a:endParaRPr lang="it-IT" dirty="0"/>
           </a:p>
         </p:txBody>
       </p:sp>
@@ -8500,10 +10817,10 @@
       </p:sp>
       <p:sp>
         <p:nvSpPr>
-          <p:cNvPr id="4" name="Segnaposto numero diapositiva 3">
-            <a:extLst>
-              <a:ext uri="{FF2B5EF4-FFF2-40B4-BE49-F238E27FC236}">
-                <a16:creationId xmlns:a16="http://schemas.microsoft.com/office/drawing/2014/main" id="{32DFF621-12E4-26F1-1B2A-EA00FECF827C}"/>
+          <p:cNvPr id="5" name="Segnaposto numero diapositiva 4">
+            <a:extLst>
+              <a:ext uri="{FF2B5EF4-FFF2-40B4-BE49-F238E27FC236}">
+                <a16:creationId xmlns:a16="http://schemas.microsoft.com/office/drawing/2014/main" id="{A38C5FD4-7C40-F51E-3962-0FFB14B986F2}"/>
               </a:ext>
             </a:extLst>
           </p:cNvPr>
@@ -8664,24 +10981,24 @@
             <a:pPr lvl="1"/>
             <a:r>
               <a:rPr lang="en-US" dirty="0"/>
-              <a:t>Regularization</a:t>
+              <a:t>L2 Regularization</a:t>
             </a:r>
           </a:p>
           <a:p>
             <a:pPr lvl="1"/>
             <a:r>
               <a:rPr lang="en-US" dirty="0"/>
-              <a:t>Early stopping</a:t>
-            </a:r>
-          </a:p>
-        </p:txBody>
-      </p:sp>
-      <p:sp>
-        <p:nvSpPr>
-          <p:cNvPr id="4" name="Segnaposto numero diapositiva 3">
-            <a:extLst>
-              <a:ext uri="{FF2B5EF4-FFF2-40B4-BE49-F238E27FC236}">
-                <a16:creationId xmlns:a16="http://schemas.microsoft.com/office/drawing/2014/main" id="{1B6A770E-E337-5377-8796-6B574F090E47}"/>
+              <a:t>Early stopping or stop the training when improvement on TR loss is low</a:t>
+            </a:r>
+          </a:p>
+        </p:txBody>
+      </p:sp>
+      <p:sp>
+        <p:nvSpPr>
+          <p:cNvPr id="5" name="Segnaposto numero diapositiva 4">
+            <a:extLst>
+              <a:ext uri="{FF2B5EF4-FFF2-40B4-BE49-F238E27FC236}">
+                <a16:creationId xmlns:a16="http://schemas.microsoft.com/office/drawing/2014/main" id="{2B2683B9-7399-7767-E11E-3661CC2DD04A}"/>
               </a:ext>
             </a:extLst>
           </p:cNvPr>
@@ -8850,7 +11167,7 @@
             </a:r>
             <a:r>
               <a:rPr lang="en-US" dirty="0"/>
-              <a:t>: grid search, k-fold, double k-fold</a:t>
+              <a:t>: Grid search, K-Fold, Double K-Fold</a:t>
             </a:r>
           </a:p>
           <a:p>
@@ -8870,10 +11187,10 @@
       </p:sp>
       <p:sp>
         <p:nvSpPr>
-          <p:cNvPr id="4" name="Segnaposto numero diapositiva 3">
-            <a:extLst>
-              <a:ext uri="{FF2B5EF4-FFF2-40B4-BE49-F238E27FC236}">
-                <a16:creationId xmlns:a16="http://schemas.microsoft.com/office/drawing/2014/main" id="{69F2FE71-BA57-9F5B-1900-2E2A967CDF5E}"/>
+          <p:cNvPr id="5" name="Segnaposto numero diapositiva 4">
+            <a:extLst>
+              <a:ext uri="{FF2B5EF4-FFF2-40B4-BE49-F238E27FC236}">
+                <a16:creationId xmlns:a16="http://schemas.microsoft.com/office/drawing/2014/main" id="{80452481-0821-3E70-EB08-EA1C9063C715}"/>
               </a:ext>
             </a:extLst>
           </p:cNvPr>
@@ -9054,7 +11371,7 @@
         <p:spPr>
           <a:xfrm>
             <a:off x="838200" y="5397979"/>
-            <a:ext cx="10108096" cy="1200329"/>
+            <a:ext cx="10108096" cy="1143070"/>
           </a:xfrm>
           <a:prstGeom prst="rect">
             <a:avLst/>
@@ -9067,6 +11384,11 @@
           </a:bodyPr>
           <a:lstStyle/>
           <a:p>
+            <a:pPr>
+              <a:lnSpc>
+                <a:spcPct val="150000"/>
+              </a:lnSpc>
+            </a:pPr>
             <a:r>
               <a:rPr lang="en-US" sz="2400" b="1" dirty="0"/>
               <a:t>Network</a:t>
@@ -9083,12 +11405,13 @@
               <a:rPr lang="en-US" sz="2400" dirty="0"/>
               <a:t> and Tanh</a:t>
             </a:r>
-            <a:br>
-              <a:rPr lang="en-US" sz="2400" dirty="0"/>
-            </a:br>
-            <a:endParaRPr lang="en-US" sz="2400" dirty="0"/>
-          </a:p>
-          <a:p>
+          </a:p>
+          <a:p>
+            <a:pPr>
+              <a:lnSpc>
+                <a:spcPct val="150000"/>
+              </a:lnSpc>
+            </a:pPr>
             <a:r>
               <a:rPr lang="en-US" sz="2400" b="1" dirty="0"/>
               <a:t>Parameters</a:t>
@@ -9102,10 +11425,10 @@
       </p:sp>
       <p:sp>
         <p:nvSpPr>
-          <p:cNvPr id="3" name="Segnaposto numero diapositiva 2">
-            <a:extLst>
-              <a:ext uri="{FF2B5EF4-FFF2-40B4-BE49-F238E27FC236}">
-                <a16:creationId xmlns:a16="http://schemas.microsoft.com/office/drawing/2014/main" id="{B0C88ACA-1DBD-CFE6-049D-C84FDDD07739}"/>
+          <p:cNvPr id="4" name="Segnaposto numero diapositiva 3">
+            <a:extLst>
+              <a:ext uri="{FF2B5EF4-FFF2-40B4-BE49-F238E27FC236}">
+                <a16:creationId xmlns:a16="http://schemas.microsoft.com/office/drawing/2014/main" id="{368DA876-32EA-B2CB-F10C-68745EA87E90}"/>
               </a:ext>
             </a:extLst>
           </p:cNvPr>
@@ -9214,7 +11537,7 @@
         <p:spPr>
           <a:xfrm>
             <a:off x="838200" y="5397979"/>
-            <a:ext cx="10108096" cy="1200329"/>
+            <a:ext cx="10108096" cy="1143070"/>
           </a:xfrm>
           <a:prstGeom prst="rect">
             <a:avLst/>
@@ -9227,6 +11550,11 @@
           </a:bodyPr>
           <a:lstStyle/>
           <a:p>
+            <a:pPr>
+              <a:lnSpc>
+                <a:spcPct val="150000"/>
+              </a:lnSpc>
+            </a:pPr>
             <a:r>
               <a:rPr lang="en-US" sz="2400" b="1" dirty="0"/>
               <a:t>Network</a:t>
@@ -9243,27 +11571,20 @@
               <a:rPr lang="en-US" sz="2400" dirty="0"/>
               <a:t> and Tanh</a:t>
             </a:r>
-            <a:br>
-              <a:rPr lang="en-US" sz="2400" dirty="0"/>
-            </a:br>
-            <a:endParaRPr lang="en-US" sz="2400" dirty="0"/>
-          </a:p>
-          <a:p>
+          </a:p>
+          <a:p>
+            <a:pPr>
+              <a:lnSpc>
+                <a:spcPct val="150000"/>
+              </a:lnSpc>
+            </a:pPr>
             <a:r>
               <a:rPr lang="en-US" sz="2400" b="1" dirty="0"/>
               <a:t>Parameters</a:t>
             </a:r>
             <a:r>
               <a:rPr lang="en-US" sz="2400" dirty="0"/>
-              <a:t>:   Batch,   Learning rate</a:t>
-            </a:r>
-            <a:r>
-              <a:rPr lang="en-US" sz="2400"/>
-              <a:t>: 0.2,   </a:t>
-            </a:r>
-            <a:r>
-              <a:rPr lang="en-US" sz="2400" dirty="0"/>
-              <a:t>Momentum: 0.5,   No regularization</a:t>
+              <a:t>:   Batch,   Learning rate: 0.2,   Momentum: 0.5,   No regularization</a:t>
             </a:r>
           </a:p>
         </p:txBody>
@@ -9342,10 +11663,10 @@
       </p:pic>
       <p:sp>
         <p:nvSpPr>
-          <p:cNvPr id="5" name="Segnaposto numero diapositiva 4">
-            <a:extLst>
-              <a:ext uri="{FF2B5EF4-FFF2-40B4-BE49-F238E27FC236}">
-                <a16:creationId xmlns:a16="http://schemas.microsoft.com/office/drawing/2014/main" id="{7645A5DC-31ED-7D43-9E85-3BD77A322D3B}"/>
+          <p:cNvPr id="6" name="Segnaposto numero diapositiva 5">
+            <a:extLst>
+              <a:ext uri="{FF2B5EF4-FFF2-40B4-BE49-F238E27FC236}">
+                <a16:creationId xmlns:a16="http://schemas.microsoft.com/office/drawing/2014/main" id="{A79A16F6-EB7A-5537-05A6-4F742155C9F5}"/>
               </a:ext>
             </a:extLst>
           </p:cNvPr>
@@ -9462,7 +11783,7 @@
         <p:spPr>
           <a:xfrm>
             <a:off x="838200" y="5397979"/>
-            <a:ext cx="10108096" cy="1200329"/>
+            <a:ext cx="10108096" cy="1143070"/>
           </a:xfrm>
           <a:prstGeom prst="rect">
             <a:avLst/>
@@ -9475,6 +11796,11 @@
           </a:bodyPr>
           <a:lstStyle/>
           <a:p>
+            <a:pPr>
+              <a:lnSpc>
+                <a:spcPct val="150000"/>
+              </a:lnSpc>
+            </a:pPr>
             <a:r>
               <a:rPr lang="en-US" sz="2400" b="1" dirty="0"/>
               <a:t>Network</a:t>
@@ -9491,12 +11817,13 @@
               <a:rPr lang="en-US" sz="2400" dirty="0"/>
               <a:t> and Tanh</a:t>
             </a:r>
-            <a:br>
-              <a:rPr lang="en-US" sz="2400" dirty="0"/>
-            </a:br>
-            <a:endParaRPr lang="en-US" sz="2400" dirty="0"/>
-          </a:p>
-          <a:p>
+          </a:p>
+          <a:p>
+            <a:pPr>
+              <a:lnSpc>
+                <a:spcPct val="150000"/>
+              </a:lnSpc>
+            </a:pPr>
             <a:r>
               <a:rPr lang="en-US" sz="2400" b="1" dirty="0"/>
               <a:t>Parameters</a:t>
@@ -9582,10 +11909,10 @@
       </p:pic>
       <p:sp>
         <p:nvSpPr>
-          <p:cNvPr id="3" name="Segnaposto numero diapositiva 2">
-            <a:extLst>
-              <a:ext uri="{FF2B5EF4-FFF2-40B4-BE49-F238E27FC236}">
-                <a16:creationId xmlns:a16="http://schemas.microsoft.com/office/drawing/2014/main" id="{F70E3DA0-27A0-3B2A-212C-4CE321D5A62B}"/>
+          <p:cNvPr id="4" name="Segnaposto numero diapositiva 3">
+            <a:extLst>
+              <a:ext uri="{FF2B5EF4-FFF2-40B4-BE49-F238E27FC236}">
+                <a16:creationId xmlns:a16="http://schemas.microsoft.com/office/drawing/2014/main" id="{7A3B168E-CFDA-3975-4AF6-4B53FE337D33}"/>
               </a:ext>
             </a:extLst>
           </p:cNvPr>

--- a/Report.pptx
+++ b/Report.pptx
@@ -5,7 +5,7 @@
     <p:sldMasterId id="2147483648" r:id="rId1"/>
   </p:sldMasterIdLst>
   <p:notesMasterIdLst>
-    <p:notesMasterId r:id="rId27"/>
+    <p:notesMasterId r:id="rId30"/>
   </p:notesMasterIdLst>
   <p:sldIdLst>
     <p:sldId id="256" r:id="rId2"/>
@@ -19,20 +19,23 @@
     <p:sldId id="268" r:id="rId10"/>
     <p:sldId id="269" r:id="rId11"/>
     <p:sldId id="271" r:id="rId12"/>
-    <p:sldId id="272" r:id="rId13"/>
-    <p:sldId id="273" r:id="rId14"/>
-    <p:sldId id="274" r:id="rId15"/>
-    <p:sldId id="275" r:id="rId16"/>
-    <p:sldId id="279" r:id="rId17"/>
-    <p:sldId id="282" r:id="rId18"/>
-    <p:sldId id="283" r:id="rId19"/>
-    <p:sldId id="284" r:id="rId20"/>
-    <p:sldId id="276" r:id="rId21"/>
-    <p:sldId id="277" r:id="rId22"/>
-    <p:sldId id="278" r:id="rId23"/>
-    <p:sldId id="285" r:id="rId24"/>
-    <p:sldId id="286" r:id="rId25"/>
-    <p:sldId id="287" r:id="rId26"/>
+    <p:sldId id="290" r:id="rId13"/>
+    <p:sldId id="272" r:id="rId14"/>
+    <p:sldId id="273" r:id="rId15"/>
+    <p:sldId id="274" r:id="rId16"/>
+    <p:sldId id="275" r:id="rId17"/>
+    <p:sldId id="279" r:id="rId18"/>
+    <p:sldId id="288" r:id="rId19"/>
+    <p:sldId id="282" r:id="rId20"/>
+    <p:sldId id="283" r:id="rId21"/>
+    <p:sldId id="284" r:id="rId22"/>
+    <p:sldId id="289" r:id="rId23"/>
+    <p:sldId id="276" r:id="rId24"/>
+    <p:sldId id="277" r:id="rId25"/>
+    <p:sldId id="278" r:id="rId26"/>
+    <p:sldId id="285" r:id="rId27"/>
+    <p:sldId id="286" r:id="rId28"/>
+    <p:sldId id="287" r:id="rId29"/>
   </p:sldIdLst>
   <p:sldSz cx="12192000" cy="6858000"/>
   <p:notesSz cx="6858000" cy="9144000"/>
@@ -142,7 +145,7 @@
 <file path=ppt/revisionInfo.xml><?xml version="1.0" encoding="utf-8"?>
 <p1510:revInfo xmlns:a="http://schemas.openxmlformats.org/drawingml/2006/main" xmlns:r="http://schemas.openxmlformats.org/officeDocument/2006/relationships" xmlns:p1510="http://schemas.microsoft.com/office/powerpoint/2015/10/main">
   <p1510:revLst>
-    <p1510:client id="{8DC893BE-A14E-4D7D-8698-92E2535F8177}" v="31" dt="2023-12-31T16:07:18.358"/>
+    <p1510:client id="{8DC893BE-A14E-4D7D-8698-92E2535F8177}" v="50" dt="2024-01-12T16:42:40.379"/>
   </p1510:revLst>
 </p1510:revInfo>
 </file>
@@ -151,8 +154,8 @@
 <pc:chgInfo xmlns:a="http://schemas.openxmlformats.org/drawingml/2006/main" xmlns:r="http://schemas.openxmlformats.org/officeDocument/2006/relationships" xmlns:ac="http://schemas.microsoft.com/office/drawing/2013/main/command" xmlns:pc="http://schemas.microsoft.com/office/powerpoint/2013/main/command">
   <pc:docChgLst>
     <pc:chgData name="Tommaso Di Riccio" userId="86fd86f00952e091" providerId="LiveId" clId="{8DC893BE-A14E-4D7D-8698-92E2535F8177}"/>
-    <pc:docChg chg="undo custSel addSld delSld modSld modMainMaster">
-      <pc:chgData name="Tommaso Di Riccio" userId="86fd86f00952e091" providerId="LiveId" clId="{8DC893BE-A14E-4D7D-8698-92E2535F8177}" dt="2023-12-31T16:08:30.907" v="1560" actId="14100"/>
+    <pc:docChg chg="undo redo custSel addSld delSld modSld modMainMaster">
+      <pc:chgData name="Tommaso Di Riccio" userId="86fd86f00952e091" providerId="LiveId" clId="{8DC893BE-A14E-4D7D-8698-92E2535F8177}" dt="2024-01-12T16:58:48.119" v="3912" actId="20577"/>
       <pc:docMkLst>
         <pc:docMk/>
       </pc:docMkLst>
@@ -172,13 +175,13 @@
         </pc:spChg>
       </pc:sldChg>
       <pc:sldChg chg="modSp mod">
-        <pc:chgData name="Tommaso Di Riccio" userId="86fd86f00952e091" providerId="LiveId" clId="{8DC893BE-A14E-4D7D-8698-92E2535F8177}" dt="2023-12-31T15:21:40.203" v="1118" actId="20577"/>
+        <pc:chgData name="Tommaso Di Riccio" userId="86fd86f00952e091" providerId="LiveId" clId="{8DC893BE-A14E-4D7D-8698-92E2535F8177}" dt="2024-01-12T14:02:07.629" v="1617" actId="20577"/>
         <pc:sldMkLst>
           <pc:docMk/>
           <pc:sldMk cId="1035383574" sldId="257"/>
         </pc:sldMkLst>
         <pc:spChg chg="mod">
-          <ac:chgData name="Tommaso Di Riccio" userId="86fd86f00952e091" providerId="LiveId" clId="{8DC893BE-A14E-4D7D-8698-92E2535F8177}" dt="2023-12-31T15:21:40.203" v="1118" actId="20577"/>
+          <ac:chgData name="Tommaso Di Riccio" userId="86fd86f00952e091" providerId="LiveId" clId="{8DC893BE-A14E-4D7D-8698-92E2535F8177}" dt="2024-01-12T14:02:07.629" v="1617" actId="20577"/>
           <ac:spMkLst>
             <pc:docMk/>
             <pc:sldMk cId="1035383574" sldId="257"/>
@@ -187,11 +190,19 @@
         </pc:spChg>
       </pc:sldChg>
       <pc:sldChg chg="modSp mod">
-        <pc:chgData name="Tommaso Di Riccio" userId="86fd86f00952e091" providerId="LiveId" clId="{8DC893BE-A14E-4D7D-8698-92E2535F8177}" dt="2023-12-31T15:23:59.863" v="1265" actId="255"/>
+        <pc:chgData name="Tommaso Di Riccio" userId="86fd86f00952e091" providerId="LiveId" clId="{8DC893BE-A14E-4D7D-8698-92E2535F8177}" dt="2024-01-12T14:13:40.184" v="1696" actId="113"/>
         <pc:sldMkLst>
           <pc:docMk/>
           <pc:sldMk cId="3752648632" sldId="258"/>
         </pc:sldMkLst>
+        <pc:spChg chg="mod">
+          <ac:chgData name="Tommaso Di Riccio" userId="86fd86f00952e091" providerId="LiveId" clId="{8DC893BE-A14E-4D7D-8698-92E2535F8177}" dt="2024-01-12T14:13:40.184" v="1696" actId="113"/>
+          <ac:spMkLst>
+            <pc:docMk/>
+            <pc:sldMk cId="3752648632" sldId="258"/>
+            <ac:spMk id="2" creationId="{FD4A98E0-9341-8C17-AB14-45506C4279AD}"/>
+          </ac:spMkLst>
+        </pc:spChg>
         <pc:spChg chg="mod">
           <ac:chgData name="Tommaso Di Riccio" userId="86fd86f00952e091" providerId="LiveId" clId="{8DC893BE-A14E-4D7D-8698-92E2535F8177}" dt="2023-12-31T15:23:59.863" v="1265" actId="255"/>
           <ac:spMkLst>
@@ -202,13 +213,44 @@
         </pc:spChg>
       </pc:sldChg>
       <pc:sldChg chg="modSp mod">
-        <pc:chgData name="Tommaso Di Riccio" userId="86fd86f00952e091" providerId="LiveId" clId="{8DC893BE-A14E-4D7D-8698-92E2535F8177}" dt="2023-12-31T15:24:55.351" v="1282" actId="20577"/>
+        <pc:chgData name="Tommaso Di Riccio" userId="86fd86f00952e091" providerId="LiveId" clId="{8DC893BE-A14E-4D7D-8698-92E2535F8177}" dt="2024-01-12T14:13:53.116" v="1704" actId="13926"/>
+        <pc:sldMkLst>
+          <pc:docMk/>
+          <pc:sldMk cId="3122407211" sldId="259"/>
+        </pc:sldMkLst>
+        <pc:spChg chg="mod">
+          <ac:chgData name="Tommaso Di Riccio" userId="86fd86f00952e091" providerId="LiveId" clId="{8DC893BE-A14E-4D7D-8698-92E2535F8177}" dt="2024-01-12T14:13:53.116" v="1704" actId="13926"/>
+          <ac:spMkLst>
+            <pc:docMk/>
+            <pc:sldMk cId="3122407211" sldId="259"/>
+            <ac:spMk id="2" creationId="{E3DA8900-1AD4-6DC8-BDD6-E9330161A9ED}"/>
+          </ac:spMkLst>
+        </pc:spChg>
+        <pc:spChg chg="mod">
+          <ac:chgData name="Tommaso Di Riccio" userId="86fd86f00952e091" providerId="LiveId" clId="{8DC893BE-A14E-4D7D-8698-92E2535F8177}" dt="2024-01-12T14:08:34.855" v="1627" actId="20577"/>
+          <ac:spMkLst>
+            <pc:docMk/>
+            <pc:sldMk cId="3122407211" sldId="259"/>
+            <ac:spMk id="3" creationId="{956D2AF0-B145-E99F-B9CB-D111DC6D0769}"/>
+          </ac:spMkLst>
+        </pc:spChg>
+      </pc:sldChg>
+      <pc:sldChg chg="modSp mod">
+        <pc:chgData name="Tommaso Di Riccio" userId="86fd86f00952e091" providerId="LiveId" clId="{8DC893BE-A14E-4D7D-8698-92E2535F8177}" dt="2024-01-12T14:13:57.012" v="1706"/>
         <pc:sldMkLst>
           <pc:docMk/>
           <pc:sldMk cId="2923913015" sldId="261"/>
         </pc:sldMkLst>
         <pc:spChg chg="mod">
-          <ac:chgData name="Tommaso Di Riccio" userId="86fd86f00952e091" providerId="LiveId" clId="{8DC893BE-A14E-4D7D-8698-92E2535F8177}" dt="2023-12-31T15:24:55.351" v="1282" actId="20577"/>
+          <ac:chgData name="Tommaso Di Riccio" userId="86fd86f00952e091" providerId="LiveId" clId="{8DC893BE-A14E-4D7D-8698-92E2535F8177}" dt="2024-01-12T14:13:57.012" v="1706"/>
+          <ac:spMkLst>
+            <pc:docMk/>
+            <pc:sldMk cId="2923913015" sldId="261"/>
+            <ac:spMk id="2" creationId="{E3DA8900-1AD4-6DC8-BDD6-E9330161A9ED}"/>
+          </ac:spMkLst>
+        </pc:spChg>
+        <pc:spChg chg="mod">
+          <ac:chgData name="Tommaso Di Riccio" userId="86fd86f00952e091" providerId="LiveId" clId="{8DC893BE-A14E-4D7D-8698-92E2535F8177}" dt="2024-01-12T14:10:17.173" v="1633" actId="20577"/>
           <ac:spMkLst>
             <pc:docMk/>
             <pc:sldMk cId="2923913015" sldId="261"/>
@@ -217,13 +259,21 @@
         </pc:spChg>
       </pc:sldChg>
       <pc:sldChg chg="modSp mod">
-        <pc:chgData name="Tommaso Di Riccio" userId="86fd86f00952e091" providerId="LiveId" clId="{8DC893BE-A14E-4D7D-8698-92E2535F8177}" dt="2023-12-31T15:25:32.150" v="1294" actId="20577"/>
+        <pc:chgData name="Tommaso Di Riccio" userId="86fd86f00952e091" providerId="LiveId" clId="{8DC893BE-A14E-4D7D-8698-92E2535F8177}" dt="2024-01-12T14:14:00.584" v="1708"/>
         <pc:sldMkLst>
           <pc:docMk/>
           <pc:sldMk cId="454432155" sldId="262"/>
         </pc:sldMkLst>
         <pc:spChg chg="mod">
-          <ac:chgData name="Tommaso Di Riccio" userId="86fd86f00952e091" providerId="LiveId" clId="{8DC893BE-A14E-4D7D-8698-92E2535F8177}" dt="2023-12-31T15:25:32.150" v="1294" actId="20577"/>
+          <ac:chgData name="Tommaso Di Riccio" userId="86fd86f00952e091" providerId="LiveId" clId="{8DC893BE-A14E-4D7D-8698-92E2535F8177}" dt="2024-01-12T14:14:00.584" v="1708"/>
+          <ac:spMkLst>
+            <pc:docMk/>
+            <pc:sldMk cId="454432155" sldId="262"/>
+            <ac:spMk id="2" creationId="{B3D50234-5458-7264-EA96-4C4F11AAB29C}"/>
+          </ac:spMkLst>
+        </pc:spChg>
+        <pc:spChg chg="mod">
+          <ac:chgData name="Tommaso Di Riccio" userId="86fd86f00952e091" providerId="LiveId" clId="{8DC893BE-A14E-4D7D-8698-92E2535F8177}" dt="2024-01-12T14:11:08.530" v="1653" actId="20577"/>
           <ac:spMkLst>
             <pc:docMk/>
             <pc:sldMk cId="454432155" sldId="262"/>
@@ -291,14 +341,38 @@
           </ac:spMkLst>
         </pc:spChg>
       </pc:sldChg>
-      <pc:sldChg chg="modSp mod">
-        <pc:chgData name="Tommaso Di Riccio" userId="86fd86f00952e091" providerId="LiveId" clId="{8DC893BE-A14E-4D7D-8698-92E2535F8177}" dt="2023-12-30T18:41:34.626" v="26" actId="20577"/>
+      <pc:sldChg chg="addSp delSp modSp mod">
+        <pc:chgData name="Tommaso Di Riccio" userId="86fd86f00952e091" providerId="LiveId" clId="{8DC893BE-A14E-4D7D-8698-92E2535F8177}" dt="2024-01-12T16:45:37.687" v="3856" actId="1035"/>
         <pc:sldMkLst>
           <pc:docMk/>
           <pc:sldMk cId="2280227574" sldId="271"/>
         </pc:sldMkLst>
-        <pc:graphicFrameChg chg="modGraphic">
-          <ac:chgData name="Tommaso Di Riccio" userId="86fd86f00952e091" providerId="LiveId" clId="{8DC893BE-A14E-4D7D-8698-92E2535F8177}" dt="2023-12-30T18:41:34.626" v="26" actId="20577"/>
+        <pc:spChg chg="add del mod">
+          <ac:chgData name="Tommaso Di Riccio" userId="86fd86f00952e091" providerId="LiveId" clId="{8DC893BE-A14E-4D7D-8698-92E2535F8177}" dt="2024-01-12T16:26:53.832" v="3766" actId="767"/>
+          <ac:spMkLst>
+            <pc:docMk/>
+            <pc:sldMk cId="2280227574" sldId="271"/>
+            <ac:spMk id="6" creationId="{D0D48E78-E09C-976C-35B6-04392E00B801}"/>
+          </ac:spMkLst>
+        </pc:spChg>
+        <pc:spChg chg="add mod">
+          <ac:chgData name="Tommaso Di Riccio" userId="86fd86f00952e091" providerId="LiveId" clId="{8DC893BE-A14E-4D7D-8698-92E2535F8177}" dt="2024-01-12T16:45:37.687" v="3856" actId="1035"/>
+          <ac:spMkLst>
+            <pc:docMk/>
+            <pc:sldMk cId="2280227574" sldId="271"/>
+            <ac:spMk id="7" creationId="{F44D5ECC-15EE-A985-BCD1-BA04159CF61E}"/>
+          </ac:spMkLst>
+        </pc:spChg>
+        <pc:graphicFrameChg chg="add mod modGraphic">
+          <ac:chgData name="Tommaso Di Riccio" userId="86fd86f00952e091" providerId="LiveId" clId="{8DC893BE-A14E-4D7D-8698-92E2535F8177}" dt="2024-01-12T16:26:57.175" v="3772" actId="1076"/>
+          <ac:graphicFrameMkLst>
+            <pc:docMk/>
+            <pc:sldMk cId="2280227574" sldId="271"/>
+            <ac:graphicFrameMk id="3" creationId="{DB66EAC9-E9E8-684B-973C-1F812D1F94C1}"/>
+          </ac:graphicFrameMkLst>
+        </pc:graphicFrameChg>
+        <pc:graphicFrameChg chg="mod modGraphic">
+          <ac:chgData name="Tommaso Di Riccio" userId="86fd86f00952e091" providerId="LiveId" clId="{8DC893BE-A14E-4D7D-8698-92E2535F8177}" dt="2024-01-12T16:43:09.357" v="3850" actId="1076"/>
           <ac:graphicFrameMkLst>
             <pc:docMk/>
             <pc:sldMk cId="2280227574" sldId="271"/>
@@ -307,13 +381,13 @@
         </pc:graphicFrameChg>
       </pc:sldChg>
       <pc:sldChg chg="modSp mod">
-        <pc:chgData name="Tommaso Di Riccio" userId="86fd86f00952e091" providerId="LiveId" clId="{8DC893BE-A14E-4D7D-8698-92E2535F8177}" dt="2023-12-31T09:31:00.606" v="44" actId="20577"/>
+        <pc:chgData name="Tommaso Di Riccio" userId="86fd86f00952e091" providerId="LiveId" clId="{8DC893BE-A14E-4D7D-8698-92E2535F8177}" dt="2024-01-12T14:26:20.895" v="1709" actId="20577"/>
         <pc:sldMkLst>
           <pc:docMk/>
           <pc:sldMk cId="1513754791" sldId="272"/>
         </pc:sldMkLst>
         <pc:spChg chg="mod">
-          <ac:chgData name="Tommaso Di Riccio" userId="86fd86f00952e091" providerId="LiveId" clId="{8DC893BE-A14E-4D7D-8698-92E2535F8177}" dt="2023-12-31T09:31:00.606" v="44" actId="20577"/>
+          <ac:chgData name="Tommaso Di Riccio" userId="86fd86f00952e091" providerId="LiveId" clId="{8DC893BE-A14E-4D7D-8698-92E2535F8177}" dt="2024-01-12T14:26:20.895" v="1709" actId="20577"/>
           <ac:spMkLst>
             <pc:docMk/>
             <pc:sldMk cId="1513754791" sldId="272"/>
@@ -322,13 +396,13 @@
         </pc:spChg>
       </pc:sldChg>
       <pc:sldChg chg="modSp mod">
-        <pc:chgData name="Tommaso Di Riccio" userId="86fd86f00952e091" providerId="LiveId" clId="{8DC893BE-A14E-4D7D-8698-92E2535F8177}" dt="2023-12-31T15:26:10.094" v="1297" actId="20577"/>
+        <pc:chgData name="Tommaso Di Riccio" userId="86fd86f00952e091" providerId="LiveId" clId="{8DC893BE-A14E-4D7D-8698-92E2535F8177}" dt="2024-01-12T14:31:23.165" v="1732" actId="20577"/>
         <pc:sldMkLst>
           <pc:docMk/>
           <pc:sldMk cId="1005539396" sldId="273"/>
         </pc:sldMkLst>
         <pc:spChg chg="mod">
-          <ac:chgData name="Tommaso Di Riccio" userId="86fd86f00952e091" providerId="LiveId" clId="{8DC893BE-A14E-4D7D-8698-92E2535F8177}" dt="2023-12-31T15:26:10.094" v="1297" actId="20577"/>
+          <ac:chgData name="Tommaso Di Riccio" userId="86fd86f00952e091" providerId="LiveId" clId="{8DC893BE-A14E-4D7D-8698-92E2535F8177}" dt="2024-01-12T14:31:23.165" v="1732" actId="20577"/>
           <ac:spMkLst>
             <pc:docMk/>
             <pc:sldMk cId="1005539396" sldId="273"/>
@@ -352,13 +426,66 @@
         </pc:graphicFrameChg>
       </pc:sldChg>
       <pc:sldChg chg="modSp mod">
-        <pc:chgData name="Tommaso Di Riccio" userId="86fd86f00952e091" providerId="LiveId" clId="{8DC893BE-A14E-4D7D-8698-92E2535F8177}" dt="2023-12-30T18:27:41.078" v="12" actId="1076"/>
+        <pc:chgData name="Tommaso Di Riccio" userId="86fd86f00952e091" providerId="LiveId" clId="{8DC893BE-A14E-4D7D-8698-92E2535F8177}" dt="2024-01-12T15:52:58.769" v="3736" actId="1076"/>
+        <pc:sldMkLst>
+          <pc:docMk/>
+          <pc:sldMk cId="3244110880" sldId="276"/>
+        </pc:sldMkLst>
+        <pc:spChg chg="mod">
+          <ac:chgData name="Tommaso Di Riccio" userId="86fd86f00952e091" providerId="LiveId" clId="{8DC893BE-A14E-4D7D-8698-92E2535F8177}" dt="2024-01-12T15:52:58.769" v="3736" actId="1076"/>
+          <ac:spMkLst>
+            <pc:docMk/>
+            <pc:sldMk cId="3244110880" sldId="276"/>
+            <ac:spMk id="3" creationId="{0448DF09-38BE-4CA2-C490-2A9388B7B27C}"/>
+          </ac:spMkLst>
+        </pc:spChg>
+      </pc:sldChg>
+      <pc:sldChg chg="modSp mod">
+        <pc:chgData name="Tommaso Di Riccio" userId="86fd86f00952e091" providerId="LiveId" clId="{8DC893BE-A14E-4D7D-8698-92E2535F8177}" dt="2024-01-12T16:58:48.119" v="3912" actId="20577"/>
+        <pc:sldMkLst>
+          <pc:docMk/>
+          <pc:sldMk cId="689527355" sldId="277"/>
+        </pc:sldMkLst>
+        <pc:spChg chg="mod">
+          <ac:chgData name="Tommaso Di Riccio" userId="86fd86f00952e091" providerId="LiveId" clId="{8DC893BE-A14E-4D7D-8698-92E2535F8177}" dt="2024-01-12T16:58:48.119" v="3912" actId="20577"/>
+          <ac:spMkLst>
+            <pc:docMk/>
+            <pc:sldMk cId="689527355" sldId="277"/>
+            <ac:spMk id="3" creationId="{0448DF09-38BE-4CA2-C490-2A9388B7B27C}"/>
+          </ac:spMkLst>
+        </pc:spChg>
+      </pc:sldChg>
+      <pc:sldChg chg="modSp mod">
+        <pc:chgData name="Tommaso Di Riccio" userId="86fd86f00952e091" providerId="LiveId" clId="{8DC893BE-A14E-4D7D-8698-92E2535F8177}" dt="2024-01-12T15:56:16.577" v="3755" actId="1036"/>
+        <pc:sldMkLst>
+          <pc:docMk/>
+          <pc:sldMk cId="2108753129" sldId="278"/>
+        </pc:sldMkLst>
+        <pc:spChg chg="mod">
+          <ac:chgData name="Tommaso Di Riccio" userId="86fd86f00952e091" providerId="LiveId" clId="{8DC893BE-A14E-4D7D-8698-92E2535F8177}" dt="2024-01-12T15:56:16.577" v="3755" actId="1036"/>
+          <ac:spMkLst>
+            <pc:docMk/>
+            <pc:sldMk cId="2108753129" sldId="278"/>
+            <ac:spMk id="3" creationId="{0448DF09-38BE-4CA2-C490-2A9388B7B27C}"/>
+          </ac:spMkLst>
+        </pc:spChg>
+      </pc:sldChg>
+      <pc:sldChg chg="modSp mod">
+        <pc:chgData name="Tommaso Di Riccio" userId="86fd86f00952e091" providerId="LiveId" clId="{8DC893BE-A14E-4D7D-8698-92E2535F8177}" dt="2024-01-12T15:26:57.103" v="2763" actId="20577"/>
         <pc:sldMkLst>
           <pc:docMk/>
           <pc:sldMk cId="3208590103" sldId="279"/>
         </pc:sldMkLst>
         <pc:spChg chg="mod">
-          <ac:chgData name="Tommaso Di Riccio" userId="86fd86f00952e091" providerId="LiveId" clId="{8DC893BE-A14E-4D7D-8698-92E2535F8177}" dt="2023-12-30T18:27:41.078" v="12" actId="1076"/>
+          <ac:chgData name="Tommaso Di Riccio" userId="86fd86f00952e091" providerId="LiveId" clId="{8DC893BE-A14E-4D7D-8698-92E2535F8177}" dt="2024-01-12T14:46:49.534" v="1981" actId="1076"/>
+          <ac:spMkLst>
+            <pc:docMk/>
+            <pc:sldMk cId="3208590103" sldId="279"/>
+            <ac:spMk id="2" creationId="{32242F0D-F3C7-5888-B659-FAE035653A8D}"/>
+          </ac:spMkLst>
+        </pc:spChg>
+        <pc:spChg chg="mod">
+          <ac:chgData name="Tommaso Di Riccio" userId="86fd86f00952e091" providerId="LiveId" clId="{8DC893BE-A14E-4D7D-8698-92E2535F8177}" dt="2024-01-12T15:26:57.103" v="2763" actId="20577"/>
           <ac:spMkLst>
             <pc:docMk/>
             <pc:sldMk cId="3208590103" sldId="279"/>
@@ -580,6 +707,99 @@
             <ac:picMk id="8" creationId="{ED77282D-D3C4-2298-9F79-0EB717998380}"/>
           </ac:picMkLst>
         </pc:picChg>
+      </pc:sldChg>
+      <pc:sldChg chg="modSp add mod">
+        <pc:chgData name="Tommaso Di Riccio" userId="86fd86f00952e091" providerId="LiveId" clId="{8DC893BE-A14E-4D7D-8698-92E2535F8177}" dt="2024-01-12T15:29:03.669" v="2769" actId="20577"/>
+        <pc:sldMkLst>
+          <pc:docMk/>
+          <pc:sldMk cId="1959447846" sldId="288"/>
+        </pc:sldMkLst>
+        <pc:spChg chg="mod">
+          <ac:chgData name="Tommaso Di Riccio" userId="86fd86f00952e091" providerId="LiveId" clId="{8DC893BE-A14E-4D7D-8698-92E2535F8177}" dt="2024-01-12T15:29:03.669" v="2769" actId="20577"/>
+          <ac:spMkLst>
+            <pc:docMk/>
+            <pc:sldMk cId="1959447846" sldId="288"/>
+            <ac:spMk id="3" creationId="{54E0DD3B-63BC-7DC6-3291-D2FDFE5BC30B}"/>
+          </ac:spMkLst>
+        </pc:spChg>
+      </pc:sldChg>
+      <pc:sldChg chg="addSp delSp modSp add mod">
+        <pc:chgData name="Tommaso Di Riccio" userId="86fd86f00952e091" providerId="LiveId" clId="{8DC893BE-A14E-4D7D-8698-92E2535F8177}" dt="2024-01-12T15:49:54.052" v="3731" actId="20577"/>
+        <pc:sldMkLst>
+          <pc:docMk/>
+          <pc:sldMk cId="230793786" sldId="289"/>
+        </pc:sldMkLst>
+        <pc:spChg chg="mod">
+          <ac:chgData name="Tommaso Di Riccio" userId="86fd86f00952e091" providerId="LiveId" clId="{8DC893BE-A14E-4D7D-8698-92E2535F8177}" dt="2024-01-12T15:35:12.598" v="2785" actId="20577"/>
+          <ac:spMkLst>
+            <pc:docMk/>
+            <pc:sldMk cId="230793786" sldId="289"/>
+            <ac:spMk id="2" creationId="{32242F0D-F3C7-5888-B659-FAE035653A8D}"/>
+          </ac:spMkLst>
+        </pc:spChg>
+        <pc:spChg chg="add mod">
+          <ac:chgData name="Tommaso Di Riccio" userId="86fd86f00952e091" providerId="LiveId" clId="{8DC893BE-A14E-4D7D-8698-92E2535F8177}" dt="2024-01-12T15:41:04.064" v="3026" actId="1076"/>
+          <ac:spMkLst>
+            <pc:docMk/>
+            <pc:sldMk cId="230793786" sldId="289"/>
+            <ac:spMk id="3" creationId="{1306F972-2D32-09B1-11A3-77E38A2727BA}"/>
+          </ac:spMkLst>
+        </pc:spChg>
+        <pc:spChg chg="add mod">
+          <ac:chgData name="Tommaso Di Riccio" userId="86fd86f00952e091" providerId="LiveId" clId="{8DC893BE-A14E-4D7D-8698-92E2535F8177}" dt="2024-01-12T15:49:54.052" v="3731" actId="20577"/>
+          <ac:spMkLst>
+            <pc:docMk/>
+            <pc:sldMk cId="230793786" sldId="289"/>
+            <ac:spMk id="5" creationId="{8C88CD47-2779-34F1-9D90-A49EE1AF9CD8}"/>
+          </ac:spMkLst>
+        </pc:spChg>
+        <pc:graphicFrameChg chg="del modGraphic">
+          <ac:chgData name="Tommaso Di Riccio" userId="86fd86f00952e091" providerId="LiveId" clId="{8DC893BE-A14E-4D7D-8698-92E2535F8177}" dt="2024-01-12T15:35:16.783" v="2789" actId="478"/>
+          <ac:graphicFrameMkLst>
+            <pc:docMk/>
+            <pc:sldMk cId="230793786" sldId="289"/>
+            <ac:graphicFrameMk id="9" creationId="{9759CEE4-6FE6-04AC-EE3A-60B9C06FA088}"/>
+          </ac:graphicFrameMkLst>
+        </pc:graphicFrameChg>
+        <pc:picChg chg="del">
+          <ac:chgData name="Tommaso Di Riccio" userId="86fd86f00952e091" providerId="LiveId" clId="{8DC893BE-A14E-4D7D-8698-92E2535F8177}" dt="2024-01-12T15:35:14.654" v="2787" actId="478"/>
+          <ac:picMkLst>
+            <pc:docMk/>
+            <pc:sldMk cId="230793786" sldId="289"/>
+            <ac:picMk id="6" creationId="{D7B58223-1FA5-09D4-2E77-D46F4A02A3B6}"/>
+          </ac:picMkLst>
+        </pc:picChg>
+        <pc:picChg chg="del">
+          <ac:chgData name="Tommaso Di Riccio" userId="86fd86f00952e091" providerId="LiveId" clId="{8DC893BE-A14E-4D7D-8698-92E2535F8177}" dt="2024-01-12T15:35:14.284" v="2786" actId="478"/>
+          <ac:picMkLst>
+            <pc:docMk/>
+            <pc:sldMk cId="230793786" sldId="289"/>
+            <ac:picMk id="8" creationId="{37CDE704-8F33-192B-69F9-F3FF4ECDBD42}"/>
+          </ac:picMkLst>
+        </pc:picChg>
+      </pc:sldChg>
+      <pc:sldChg chg="addSp modSp add mod">
+        <pc:chgData name="Tommaso Di Riccio" userId="86fd86f00952e091" providerId="LiveId" clId="{8DC893BE-A14E-4D7D-8698-92E2535F8177}" dt="2024-01-12T16:43:30.384" v="3855" actId="1035"/>
+        <pc:sldMkLst>
+          <pc:docMk/>
+          <pc:sldMk cId="4028271109" sldId="290"/>
+        </pc:sldMkLst>
+        <pc:spChg chg="add mod">
+          <ac:chgData name="Tommaso Di Riccio" userId="86fd86f00952e091" providerId="LiveId" clId="{8DC893BE-A14E-4D7D-8698-92E2535F8177}" dt="2024-01-12T16:28:10.401" v="3820" actId="1076"/>
+          <ac:spMkLst>
+            <pc:docMk/>
+            <pc:sldMk cId="4028271109" sldId="290"/>
+            <ac:spMk id="3" creationId="{1CA7B36F-42C3-1D47-5FC0-2218A2CDFEB6}"/>
+          </ac:spMkLst>
+        </pc:spChg>
+        <pc:graphicFrameChg chg="mod modGraphic">
+          <ac:chgData name="Tommaso Di Riccio" userId="86fd86f00952e091" providerId="LiveId" clId="{8DC893BE-A14E-4D7D-8698-92E2535F8177}" dt="2024-01-12T16:43:30.384" v="3855" actId="1035"/>
+          <ac:graphicFrameMkLst>
+            <pc:docMk/>
+            <pc:sldMk cId="4028271109" sldId="290"/>
+            <ac:graphicFrameMk id="5" creationId="{6F78BEA2-0FED-3FE1-64C8-9730D71E9BBF}"/>
+          </ac:graphicFrameMkLst>
+        </pc:graphicFrameChg>
       </pc:sldChg>
       <pc:sldMasterChg chg="modSp modSldLayout">
         <pc:chgData name="Tommaso Di Riccio" userId="86fd86f00952e091" providerId="LiveId" clId="{8DC893BE-A14E-4D7D-8698-92E2535F8177}" dt="2023-12-30T18:26:52.327" v="10" actId="403"/>
@@ -1834,7 +2054,7 @@
           <a:p>
             <a:fld id="{DC6CAA1B-BAE1-43B3-A051-D11BAD98619E}" type="datetimeFigureOut">
               <a:rPr lang="it-IT" smtClean="0"/>
-              <a:t>31/12/2023</a:t>
+              <a:t>12/01/2024</a:t>
             </a:fld>
             <a:endParaRPr lang="it-IT"/>
           </a:p>
@@ -2248,7 +2468,7 @@
           <a:p>
             <a:fld id="{06EAD159-ECCC-4B99-9061-D6F46E89BA15}" type="datetime1">
               <a:rPr lang="it-IT" smtClean="0"/>
-              <a:t>31/12/2023</a:t>
+              <a:t>12/01/2024</a:t>
             </a:fld>
             <a:endParaRPr lang="it-IT"/>
           </a:p>
@@ -2451,7 +2671,7 @@
           <a:p>
             <a:fld id="{6A23C70C-EEEA-46B2-8489-D1A228A4A8D4}" type="datetime1">
               <a:rPr lang="it-IT" smtClean="0"/>
-              <a:t>31/12/2023</a:t>
+              <a:t>12/01/2024</a:t>
             </a:fld>
             <a:endParaRPr lang="it-IT"/>
           </a:p>
@@ -2659,7 +2879,7 @@
           <a:p>
             <a:fld id="{BD4574BD-E0E9-4205-A24E-17EFA78B1364}" type="datetime1">
               <a:rPr lang="it-IT" smtClean="0"/>
-              <a:t>31/12/2023</a:t>
+              <a:t>12/01/2024</a:t>
             </a:fld>
             <a:endParaRPr lang="it-IT"/>
           </a:p>
@@ -2857,7 +3077,7 @@
           <a:p>
             <a:fld id="{5F60B374-D3B4-490A-BE26-781181F6B59E}" type="datetime1">
               <a:rPr lang="it-IT" smtClean="0"/>
-              <a:t>31/12/2023</a:t>
+              <a:t>12/01/2024</a:t>
             </a:fld>
             <a:endParaRPr lang="it-IT"/>
           </a:p>
@@ -3132,7 +3352,7 @@
           <a:p>
             <a:fld id="{84EAE18C-1402-4931-A3A7-279EDBAE70A6}" type="datetime1">
               <a:rPr lang="it-IT" smtClean="0"/>
-              <a:t>31/12/2023</a:t>
+              <a:t>12/01/2024</a:t>
             </a:fld>
             <a:endParaRPr lang="it-IT"/>
           </a:p>
@@ -3397,7 +3617,7 @@
           <a:p>
             <a:fld id="{3C3AAD58-8141-48C7-B401-5F899C382B51}" type="datetime1">
               <a:rPr lang="it-IT" smtClean="0"/>
-              <a:t>31/12/2023</a:t>
+              <a:t>12/01/2024</a:t>
             </a:fld>
             <a:endParaRPr lang="it-IT"/>
           </a:p>
@@ -3809,7 +4029,7 @@
           <a:p>
             <a:fld id="{D8DA7516-BAFD-455A-9EAD-0AD6D7337250}" type="datetime1">
               <a:rPr lang="it-IT" smtClean="0"/>
-              <a:t>31/12/2023</a:t>
+              <a:t>12/01/2024</a:t>
             </a:fld>
             <a:endParaRPr lang="it-IT"/>
           </a:p>
@@ -3950,7 +4170,7 @@
           <a:p>
             <a:fld id="{501AEAF9-4645-48A5-869A-781E752AB932}" type="datetime1">
               <a:rPr lang="it-IT" smtClean="0"/>
-              <a:t>31/12/2023</a:t>
+              <a:t>12/01/2024</a:t>
             </a:fld>
             <a:endParaRPr lang="it-IT"/>
           </a:p>
@@ -4063,7 +4283,7 @@
           <a:p>
             <a:fld id="{5E1EC909-F26A-4C9A-9727-FCD7BDE27950}" type="datetime1">
               <a:rPr lang="it-IT" smtClean="0"/>
-              <a:t>31/12/2023</a:t>
+              <a:t>12/01/2024</a:t>
             </a:fld>
             <a:endParaRPr lang="it-IT"/>
           </a:p>
@@ -4374,7 +4594,7 @@
           <a:p>
             <a:fld id="{E151D4A7-C70C-478D-B1DB-622D01775169}" type="datetime1">
               <a:rPr lang="it-IT" smtClean="0"/>
-              <a:t>31/12/2023</a:t>
+              <a:t>12/01/2024</a:t>
             </a:fld>
             <a:endParaRPr lang="it-IT"/>
           </a:p>
@@ -4662,7 +4882,7 @@
           <a:p>
             <a:fld id="{5C6C38CD-EF23-43DF-971A-C490029A6C2D}" type="datetime1">
               <a:rPr lang="it-IT" smtClean="0"/>
-              <a:t>31/12/2023</a:t>
+              <a:t>12/01/2024</a:t>
             </a:fld>
             <a:endParaRPr lang="it-IT"/>
           </a:p>
@@ -4903,7 +5123,7 @@
           <a:p>
             <a:fld id="{6EEF9DFA-B7B0-457E-9FC1-CD4807E6B174}" type="datetime1">
               <a:rPr lang="it-IT" smtClean="0"/>
-              <a:t>31/12/2023</a:t>
+              <a:t>12/01/2024</a:t>
             </a:fld>
             <a:endParaRPr lang="it-IT"/>
           </a:p>
@@ -5810,13 +6030,13 @@
           <p:nvPr>
             <p:extLst>
               <p:ext uri="{D42A27DB-BD31-4B8C-83A1-F6EECF244321}">
-                <p14:modId xmlns:p14="http://schemas.microsoft.com/office/powerpoint/2010/main" val="2919001035"/>
+                <p14:modId xmlns:p14="http://schemas.microsoft.com/office/powerpoint/2010/main" val="1376775805"/>
               </p:ext>
             </p:extLst>
           </p:nvPr>
         </p:nvGraphicFramePr>
         <p:xfrm>
-          <a:off x="1052026" y="2735077"/>
+          <a:off x="1052026" y="2977672"/>
           <a:ext cx="10087948" cy="2294120"/>
         </p:xfrm>
         <a:graphic>
@@ -6211,6 +6431,49 @@
           </a:p>
         </p:txBody>
       </p:sp>
+      <p:sp>
+        <p:nvSpPr>
+          <p:cNvPr id="7" name="CasellaDiTesto 6">
+            <a:extLst>
+              <a:ext uri="{FF2B5EF4-FFF2-40B4-BE49-F238E27FC236}">
+                <a16:creationId xmlns:a16="http://schemas.microsoft.com/office/drawing/2014/main" id="{F44D5ECC-15EE-A985-BCD1-BA04159CF61E}"/>
+              </a:ext>
+            </a:extLst>
+          </p:cNvPr>
+          <p:cNvSpPr txBox="1"/>
+          <p:nvPr/>
+        </p:nvSpPr>
+        <p:spPr>
+          <a:xfrm>
+            <a:off x="921397" y="1883268"/>
+            <a:ext cx="3788229" cy="523220"/>
+          </a:xfrm>
+          <a:prstGeom prst="rect">
+            <a:avLst/>
+          </a:prstGeom>
+          <a:noFill/>
+        </p:spPr>
+        <p:txBody>
+          <a:bodyPr wrap="square" rtlCol="0">
+            <a:spAutoFit/>
+          </a:bodyPr>
+          <a:lstStyle/>
+          <a:p>
+            <a:r>
+              <a:rPr lang="it-IT" sz="2800" dirty="0"/>
+              <a:t>Best </a:t>
+            </a:r>
+            <a:r>
+              <a:rPr lang="it-IT" sz="2800" dirty="0" err="1"/>
+              <a:t>run</a:t>
+            </a:r>
+            <a:r>
+              <a:rPr lang="it-IT" sz="2800" dirty="0"/>
+              <a:t>:</a:t>
+            </a:r>
+          </a:p>
+        </p:txBody>
+      </p:sp>
     </p:spTree>
     <p:extLst>
       <p:ext uri="{BB962C8B-B14F-4D97-AF65-F5344CB8AC3E}">
@@ -6225,6 +6488,544 @@
 </file>
 
 <file path=ppt/slides/slide12.xml><?xml version="1.0" encoding="utf-8"?>
+<p:sld xmlns:a="http://schemas.openxmlformats.org/drawingml/2006/main" xmlns:r="http://schemas.openxmlformats.org/officeDocument/2006/relationships" xmlns:p="http://schemas.openxmlformats.org/presentationml/2006/main">
+  <p:cSld>
+    <p:spTree>
+      <p:nvGrpSpPr>
+        <p:cNvPr id="1" name=""/>
+        <p:cNvGrpSpPr/>
+        <p:nvPr/>
+      </p:nvGrpSpPr>
+      <p:grpSpPr>
+        <a:xfrm>
+          <a:off x="0" y="0"/>
+          <a:ext cx="0" cy="0"/>
+          <a:chOff x="0" y="0"/>
+          <a:chExt cx="0" cy="0"/>
+        </a:xfrm>
+      </p:grpSpPr>
+      <p:sp>
+        <p:nvSpPr>
+          <p:cNvPr id="2" name="Titolo 1">
+            <a:extLst>
+              <a:ext uri="{FF2B5EF4-FFF2-40B4-BE49-F238E27FC236}">
+                <a16:creationId xmlns:a16="http://schemas.microsoft.com/office/drawing/2014/main" id="{07C9BD57-71B4-B263-393C-C0941AA8C406}"/>
+              </a:ext>
+            </a:extLst>
+          </p:cNvPr>
+          <p:cNvSpPr>
+            <a:spLocks noGrp="1"/>
+          </p:cNvSpPr>
+          <p:nvPr>
+            <p:ph type="title"/>
+          </p:nvPr>
+        </p:nvSpPr>
+        <p:spPr/>
+        <p:txBody>
+          <a:bodyPr/>
+          <a:lstStyle/>
+          <a:p>
+            <a:r>
+              <a:rPr lang="it-IT" b="1" dirty="0"/>
+              <a:t>Monk </a:t>
+            </a:r>
+            <a:r>
+              <a:rPr lang="it-IT" b="1" dirty="0" err="1"/>
+              <a:t>Results</a:t>
+            </a:r>
+            <a:r>
+              <a:rPr lang="it-IT" b="1" dirty="0"/>
+              <a:t> </a:t>
+            </a:r>
+            <a:r>
+              <a:rPr lang="it-IT" dirty="0"/>
+              <a:t>– </a:t>
+            </a:r>
+            <a:r>
+              <a:rPr lang="it-IT" dirty="0" err="1"/>
+              <a:t>Recap</a:t>
+            </a:r>
+            <a:endParaRPr lang="it-IT" dirty="0"/>
+          </a:p>
+        </p:txBody>
+      </p:sp>
+      <p:graphicFrame>
+        <p:nvGraphicFramePr>
+          <p:cNvPr id="5" name="Tabella 4">
+            <a:extLst>
+              <a:ext uri="{FF2B5EF4-FFF2-40B4-BE49-F238E27FC236}">
+                <a16:creationId xmlns:a16="http://schemas.microsoft.com/office/drawing/2014/main" id="{6F78BEA2-0FED-3FE1-64C8-9730D71E9BBF}"/>
+              </a:ext>
+            </a:extLst>
+          </p:cNvPr>
+          <p:cNvGraphicFramePr>
+            <a:graphicFrameLocks noGrp="1"/>
+          </p:cNvGraphicFramePr>
+          <p:nvPr>
+            <p:extLst>
+              <p:ext uri="{D42A27DB-BD31-4B8C-83A1-F6EECF244321}">
+                <p14:modId xmlns:p14="http://schemas.microsoft.com/office/powerpoint/2010/main" val="3689130469"/>
+              </p:ext>
+            </p:extLst>
+          </p:nvPr>
+        </p:nvGraphicFramePr>
+        <p:xfrm>
+          <a:off x="1052026" y="2979096"/>
+          <a:ext cx="10087948" cy="2294120"/>
+        </p:xfrm>
+        <a:graphic>
+          <a:graphicData uri="http://schemas.openxmlformats.org/drawingml/2006/table">
+            <a:tbl>
+              <a:tblPr firstRow="1" bandRow="1">
+                <a:tableStyleId>{5940675A-B579-460E-94D1-54222C63F5DA}</a:tableStyleId>
+              </a:tblPr>
+              <a:tblGrid>
+                <a:gridCol w="2521987">
+                  <a:extLst>
+                    <a:ext uri="{9D8B030D-6E8A-4147-A177-3AD203B41FA5}">
+                      <a16:colId xmlns:a16="http://schemas.microsoft.com/office/drawing/2014/main" val="3539160746"/>
+                    </a:ext>
+                  </a:extLst>
+                </a:gridCol>
+                <a:gridCol w="2521987">
+                  <a:extLst>
+                    <a:ext uri="{9D8B030D-6E8A-4147-A177-3AD203B41FA5}">
+                      <a16:colId xmlns:a16="http://schemas.microsoft.com/office/drawing/2014/main" val="2197855567"/>
+                    </a:ext>
+                  </a:extLst>
+                </a:gridCol>
+                <a:gridCol w="2521987">
+                  <a:extLst>
+                    <a:ext uri="{9D8B030D-6E8A-4147-A177-3AD203B41FA5}">
+                      <a16:colId xmlns:a16="http://schemas.microsoft.com/office/drawing/2014/main" val="1960432961"/>
+                    </a:ext>
+                  </a:extLst>
+                </a:gridCol>
+                <a:gridCol w="2521987">
+                  <a:extLst>
+                    <a:ext uri="{9D8B030D-6E8A-4147-A177-3AD203B41FA5}">
+                      <a16:colId xmlns:a16="http://schemas.microsoft.com/office/drawing/2014/main" val="9022523"/>
+                    </a:ext>
+                  </a:extLst>
+                </a:gridCol>
+              </a:tblGrid>
+              <a:tr h="458824">
+                <a:tc>
+                  <a:txBody>
+                    <a:bodyPr/>
+                    <a:lstStyle/>
+                    <a:p>
+                      <a:pPr algn="ctr"/>
+                      <a:r>
+                        <a:rPr lang="it-IT" b="1" dirty="0"/>
+                        <a:t>Task</a:t>
+                      </a:r>
+                    </a:p>
+                  </a:txBody>
+                  <a:tcPr/>
+                </a:tc>
+                <a:tc>
+                  <a:txBody>
+                    <a:bodyPr/>
+                    <a:lstStyle/>
+                    <a:p>
+                      <a:pPr algn="ctr"/>
+                      <a:r>
+                        <a:rPr lang="it-IT" b="1" dirty="0"/>
+                        <a:t>#Units, </a:t>
+                      </a:r>
+                      <a:r>
+                        <a:rPr lang="it-IT" b="1" dirty="0" err="1"/>
+                        <a:t>eta</a:t>
+                      </a:r>
+                      <a:r>
+                        <a:rPr lang="it-IT" b="1" dirty="0"/>
+                        <a:t>, lambda</a:t>
+                      </a:r>
+                    </a:p>
+                  </a:txBody>
+                  <a:tcPr/>
+                </a:tc>
+                <a:tc>
+                  <a:txBody>
+                    <a:bodyPr/>
+                    <a:lstStyle/>
+                    <a:p>
+                      <a:pPr algn="ctr"/>
+                      <a:r>
+                        <a:rPr lang="it-IT" b="1" dirty="0"/>
+                        <a:t>MSE (TR / TS)</a:t>
+                      </a:r>
+                    </a:p>
+                  </a:txBody>
+                  <a:tcPr/>
+                </a:tc>
+                <a:tc>
+                  <a:txBody>
+                    <a:bodyPr/>
+                    <a:lstStyle/>
+                    <a:p>
+                      <a:pPr algn="ctr"/>
+                      <a:r>
+                        <a:rPr lang="en-US" b="1" noProof="0" dirty="0"/>
+                        <a:t>Accuracy</a:t>
+                      </a:r>
+                      <a:r>
+                        <a:rPr lang="it-IT" b="1" dirty="0"/>
+                        <a:t> (TR / TS) (%)</a:t>
+                      </a:r>
+                    </a:p>
+                  </a:txBody>
+                  <a:tcPr/>
+                </a:tc>
+                <a:extLst>
+                  <a:ext uri="{0D108BD9-81ED-4DB2-BD59-A6C34878D82A}">
+                    <a16:rowId xmlns:a16="http://schemas.microsoft.com/office/drawing/2014/main" val="2639264076"/>
+                  </a:ext>
+                </a:extLst>
+              </a:tr>
+              <a:tr h="458824">
+                <a:tc>
+                  <a:txBody>
+                    <a:bodyPr/>
+                    <a:lstStyle/>
+                    <a:p>
+                      <a:r>
+                        <a:rPr lang="it-IT" dirty="0"/>
+                        <a:t>Monk 1</a:t>
+                      </a:r>
+                    </a:p>
+                  </a:txBody>
+                  <a:tcPr/>
+                </a:tc>
+                <a:tc>
+                  <a:txBody>
+                    <a:bodyPr/>
+                    <a:lstStyle/>
+                    <a:p>
+                      <a:pPr algn="l"/>
+                      <a:r>
+                        <a:rPr lang="it-IT" dirty="0"/>
+                        <a:t>      (4, 1)      0.5       0</a:t>
+                      </a:r>
+                    </a:p>
+                  </a:txBody>
+                  <a:tcPr/>
+                </a:tc>
+                <a:tc>
+                  <a:txBody>
+                    <a:bodyPr/>
+                    <a:lstStyle/>
+                    <a:p>
+                      <a:pPr algn="ctr"/>
+                      <a:r>
+                        <a:rPr lang="it-IT" dirty="0"/>
+                        <a:t>0.0936  /  0.1461</a:t>
+                      </a:r>
+                    </a:p>
+                  </a:txBody>
+                  <a:tcPr/>
+                </a:tc>
+                <a:tc>
+                  <a:txBody>
+                    <a:bodyPr/>
+                    <a:lstStyle/>
+                    <a:p>
+                      <a:pPr algn="ctr"/>
+                      <a:r>
+                        <a:rPr lang="it-IT" dirty="0"/>
+                        <a:t>98%  /  97%</a:t>
+                      </a:r>
+                    </a:p>
+                  </a:txBody>
+                  <a:tcPr/>
+                </a:tc>
+                <a:extLst>
+                  <a:ext uri="{0D108BD9-81ED-4DB2-BD59-A6C34878D82A}">
+                    <a16:rowId xmlns:a16="http://schemas.microsoft.com/office/drawing/2014/main" val="432975300"/>
+                  </a:ext>
+                </a:extLst>
+              </a:tr>
+              <a:tr h="458824">
+                <a:tc>
+                  <a:txBody>
+                    <a:bodyPr/>
+                    <a:lstStyle/>
+                    <a:p>
+                      <a:r>
+                        <a:rPr lang="it-IT" dirty="0"/>
+                        <a:t>Monk 2</a:t>
+                      </a:r>
+                    </a:p>
+                  </a:txBody>
+                  <a:tcPr/>
+                </a:tc>
+                <a:tc>
+                  <a:txBody>
+                    <a:bodyPr/>
+                    <a:lstStyle/>
+                    <a:p>
+                      <a:pPr algn="l"/>
+                      <a:r>
+                        <a:rPr lang="it-IT" dirty="0"/>
+                        <a:t>      (3, 1)      0.2       0</a:t>
+                      </a:r>
+                    </a:p>
+                  </a:txBody>
+                  <a:tcPr/>
+                </a:tc>
+                <a:tc>
+                  <a:txBody>
+                    <a:bodyPr/>
+                    <a:lstStyle/>
+                    <a:p>
+                      <a:pPr algn="ctr"/>
+                      <a:r>
+                        <a:rPr lang="it-IT" dirty="0"/>
+                        <a:t>0.1135  /  0.1367</a:t>
+                      </a:r>
+                    </a:p>
+                  </a:txBody>
+                  <a:tcPr/>
+                </a:tc>
+                <a:tc>
+                  <a:txBody>
+                    <a:bodyPr/>
+                    <a:lstStyle/>
+                    <a:p>
+                      <a:pPr algn="ctr"/>
+                      <a:r>
+                        <a:rPr lang="it-IT" dirty="0"/>
+                        <a:t>96%  /  95%</a:t>
+                      </a:r>
+                    </a:p>
+                  </a:txBody>
+                  <a:tcPr/>
+                </a:tc>
+                <a:extLst>
+                  <a:ext uri="{0D108BD9-81ED-4DB2-BD59-A6C34878D82A}">
+                    <a16:rowId xmlns:a16="http://schemas.microsoft.com/office/drawing/2014/main" val="1194917432"/>
+                  </a:ext>
+                </a:extLst>
+              </a:tr>
+              <a:tr h="458824">
+                <a:tc>
+                  <a:txBody>
+                    <a:bodyPr/>
+                    <a:lstStyle/>
+                    <a:p>
+                      <a:r>
+                        <a:rPr lang="it-IT" dirty="0"/>
+                        <a:t>Monk 3 </a:t>
+                      </a:r>
+                    </a:p>
+                  </a:txBody>
+                  <a:tcPr/>
+                </a:tc>
+                <a:tc>
+                  <a:txBody>
+                    <a:bodyPr/>
+                    <a:lstStyle/>
+                    <a:p>
+                      <a:pPr algn="l"/>
+                      <a:r>
+                        <a:rPr lang="it-IT" dirty="0"/>
+                        <a:t>      (4, 1)      0.3       0</a:t>
+                      </a:r>
+                    </a:p>
+                  </a:txBody>
+                  <a:tcPr/>
+                </a:tc>
+                <a:tc>
+                  <a:txBody>
+                    <a:bodyPr/>
+                    <a:lstStyle/>
+                    <a:p>
+                      <a:pPr algn="ctr"/>
+                      <a:r>
+                        <a:rPr lang="it-IT" dirty="0"/>
+                        <a:t>0.1392  /  0.1782</a:t>
+                      </a:r>
+                    </a:p>
+                  </a:txBody>
+                  <a:tcPr/>
+                </a:tc>
+                <a:tc>
+                  <a:txBody>
+                    <a:bodyPr/>
+                    <a:lstStyle/>
+                    <a:p>
+                      <a:pPr algn="ctr"/>
+                      <a:r>
+                        <a:rPr lang="it-IT" dirty="0"/>
+                        <a:t>97%  /  94% </a:t>
+                      </a:r>
+                    </a:p>
+                  </a:txBody>
+                  <a:tcPr/>
+                </a:tc>
+                <a:extLst>
+                  <a:ext uri="{0D108BD9-81ED-4DB2-BD59-A6C34878D82A}">
+                    <a16:rowId xmlns:a16="http://schemas.microsoft.com/office/drawing/2014/main" val="99942412"/>
+                  </a:ext>
+                </a:extLst>
+              </a:tr>
+              <a:tr h="458824">
+                <a:tc>
+                  <a:txBody>
+                    <a:bodyPr/>
+                    <a:lstStyle/>
+                    <a:p>
+                      <a:r>
+                        <a:rPr lang="it-IT" dirty="0"/>
+                        <a:t>Monk 3 (reg.)</a:t>
+                      </a:r>
+                    </a:p>
+                  </a:txBody>
+                  <a:tcPr/>
+                </a:tc>
+                <a:tc>
+                  <a:txBody>
+                    <a:bodyPr/>
+                    <a:lstStyle/>
+                    <a:p>
+                      <a:pPr algn="l"/>
+                      <a:r>
+                        <a:rPr lang="it-IT" dirty="0"/>
+                        <a:t>      (4, 1)      0.3     0.01</a:t>
+                      </a:r>
+                    </a:p>
+                  </a:txBody>
+                  <a:tcPr/>
+                </a:tc>
+                <a:tc>
+                  <a:txBody>
+                    <a:bodyPr/>
+                    <a:lstStyle/>
+                    <a:p>
+                      <a:pPr algn="ctr"/>
+                      <a:r>
+                        <a:rPr lang="it-IT" dirty="0"/>
+                        <a:t>0.2435  /  0.1889</a:t>
+                      </a:r>
+                    </a:p>
+                  </a:txBody>
+                  <a:tcPr/>
+                </a:tc>
+                <a:tc>
+                  <a:txBody>
+                    <a:bodyPr/>
+                    <a:lstStyle/>
+                    <a:p>
+                      <a:pPr algn="ctr"/>
+                      <a:r>
+                        <a:rPr lang="it-IT" dirty="0"/>
+                        <a:t> 93%   /  97.22% </a:t>
+                      </a:r>
+                    </a:p>
+                  </a:txBody>
+                  <a:tcPr/>
+                </a:tc>
+                <a:extLst>
+                  <a:ext uri="{0D108BD9-81ED-4DB2-BD59-A6C34878D82A}">
+                    <a16:rowId xmlns:a16="http://schemas.microsoft.com/office/drawing/2014/main" val="2575048780"/>
+                  </a:ext>
+                </a:extLst>
+              </a:tr>
+            </a:tbl>
+          </a:graphicData>
+        </a:graphic>
+      </p:graphicFrame>
+      <p:sp>
+        <p:nvSpPr>
+          <p:cNvPr id="4" name="Segnaposto numero diapositiva 3">
+            <a:extLst>
+              <a:ext uri="{FF2B5EF4-FFF2-40B4-BE49-F238E27FC236}">
+                <a16:creationId xmlns:a16="http://schemas.microsoft.com/office/drawing/2014/main" id="{E1AA89FF-A431-310A-C876-F8E5883DD59B}"/>
+              </a:ext>
+            </a:extLst>
+          </p:cNvPr>
+          <p:cNvSpPr>
+            <a:spLocks noGrp="1"/>
+          </p:cNvSpPr>
+          <p:nvPr>
+            <p:ph type="sldNum" sz="quarter" idx="12"/>
+          </p:nvPr>
+        </p:nvSpPr>
+        <p:spPr/>
+        <p:txBody>
+          <a:bodyPr/>
+          <a:lstStyle/>
+          <a:p>
+            <a:fld id="{642154B9-5AE1-4D93-9ACE-3DF3B522DF2F}" type="slidenum">
+              <a:rPr lang="it-IT" smtClean="0"/>
+              <a:t>12</a:t>
+            </a:fld>
+            <a:endParaRPr lang="it-IT"/>
+          </a:p>
+        </p:txBody>
+      </p:sp>
+      <p:sp>
+        <p:nvSpPr>
+          <p:cNvPr id="3" name="CasellaDiTesto 2">
+            <a:extLst>
+              <a:ext uri="{FF2B5EF4-FFF2-40B4-BE49-F238E27FC236}">
+                <a16:creationId xmlns:a16="http://schemas.microsoft.com/office/drawing/2014/main" id="{1CA7B36F-42C3-1D47-5FC0-2218A2CDFEB6}"/>
+              </a:ext>
+            </a:extLst>
+          </p:cNvPr>
+          <p:cNvSpPr txBox="1"/>
+          <p:nvPr/>
+        </p:nvSpPr>
+        <p:spPr>
+          <a:xfrm>
+            <a:off x="949389" y="1831044"/>
+            <a:ext cx="4378390" cy="523220"/>
+          </a:xfrm>
+          <a:prstGeom prst="rect">
+            <a:avLst/>
+          </a:prstGeom>
+          <a:noFill/>
+        </p:spPr>
+        <p:txBody>
+          <a:bodyPr wrap="square" rtlCol="0">
+            <a:spAutoFit/>
+          </a:bodyPr>
+          <a:lstStyle/>
+          <a:p>
+            <a:r>
+              <a:rPr lang="it-IT" sz="2800" dirty="0" err="1"/>
+              <a:t>Average</a:t>
+            </a:r>
+            <a:r>
+              <a:rPr lang="it-IT" sz="2800" dirty="0"/>
+              <a:t> on 200 </a:t>
+            </a:r>
+            <a:r>
+              <a:rPr lang="it-IT" sz="2800" dirty="0" err="1"/>
+              <a:t>runs</a:t>
+            </a:r>
+            <a:r>
+              <a:rPr lang="it-IT" sz="2800" dirty="0"/>
+              <a:t>:</a:t>
+            </a:r>
+          </a:p>
+        </p:txBody>
+      </p:sp>
+    </p:spTree>
+    <p:extLst>
+      <p:ext uri="{BB962C8B-B14F-4D97-AF65-F5344CB8AC3E}">
+        <p14:creationId xmlns:p14="http://schemas.microsoft.com/office/powerpoint/2010/main" val="4028271109"/>
+      </p:ext>
+    </p:extLst>
+  </p:cSld>
+  <p:clrMapOvr>
+    <a:masterClrMapping/>
+  </p:clrMapOvr>
+</p:sld>
+</file>
+
+<file path=ppt/slides/slide13.xml><?xml version="1.0" encoding="utf-8"?>
 <p:sld xmlns:a="http://schemas.openxmlformats.org/drawingml/2006/main" xmlns:r="http://schemas.openxmlformats.org/officeDocument/2006/relationships" xmlns:p="http://schemas.openxmlformats.org/presentationml/2006/main">
   <p:cSld>
     <p:spTree>
@@ -6420,7 +7221,7 @@
           <a:p>
             <a:r>
               <a:rPr lang="en-US" sz="2800" dirty="0"/>
-              <a:t>At the end, we did a retraining on all data before estimating the outputs for the CUP test data </a:t>
+              <a:t>At the end, we did a retraining on all data before estimating the outputs for the CUP test data. </a:t>
             </a:r>
           </a:p>
         </p:txBody>
@@ -6448,9 +7249,9 @@
           <a:p>
             <a:fld id="{642154B9-5AE1-4D93-9ACE-3DF3B522DF2F}" type="slidenum">
               <a:rPr lang="it-IT" smtClean="0"/>
-              <a:t>12</a:t>
+              <a:t>13</a:t>
             </a:fld>
-            <a:endParaRPr lang="it-IT"/>
+            <a:endParaRPr lang="it-IT" dirty="0"/>
           </a:p>
         </p:txBody>
       </p:sp>
@@ -6467,7 +7268,7 @@
 </p:sld>
 </file>
 
-<file path=ppt/slides/slide13.xml><?xml version="1.0" encoding="utf-8"?>
+<file path=ppt/slides/slide14.xml><?xml version="1.0" encoding="utf-8"?>
 <p:sld xmlns:a="http://schemas.openxmlformats.org/drawingml/2006/main" xmlns:r="http://schemas.openxmlformats.org/officeDocument/2006/relationships" xmlns:p="http://schemas.openxmlformats.org/presentationml/2006/main">
   <p:cSld>
     <p:spTree>
@@ -6546,7 +7347,7 @@
           <a:p>
             <a:r>
               <a:rPr lang="en-US" sz="2400" dirty="0"/>
-              <a:t>We experimented with various network architectures, beginning with smaller ones (2 layers, a few dozen units) and progressively increasing their sizes, culminating in a 5-layer structure with nearly one thousand units.</a:t>
+              <a:t>We experimented with various network architectures, beginning with smaller ones (2 layers, a few dozen units) and progressively increasing their sizes, culminating in a 5-layer structure with six hundred units.</a:t>
             </a:r>
           </a:p>
           <a:p>
@@ -6555,7 +7356,7 @@
           <a:p>
             <a:r>
               <a:rPr lang="en-US" sz="2400" dirty="0"/>
-              <a:t>For each architecture, we performed a  grid search to evaluate different activation functions, learning rates, batch sizes, momentum values, and regularization lambdas.</a:t>
+              <a:t>For each architecture, we performed a grid search to evaluate different activation functions, learning rates, batch sizes, momentum values, and regularization lambdas.</a:t>
             </a:r>
           </a:p>
           <a:p>
@@ -6592,7 +7393,7 @@
           <a:p>
             <a:fld id="{642154B9-5AE1-4D93-9ACE-3DF3B522DF2F}" type="slidenum">
               <a:rPr lang="it-IT" smtClean="0"/>
-              <a:t>13</a:t>
+              <a:t>14</a:t>
             </a:fld>
             <a:endParaRPr lang="it-IT"/>
           </a:p>
@@ -6611,7 +7412,7 @@
 </p:sld>
 </file>
 
-<file path=ppt/slides/slide14.xml><?xml version="1.0" encoding="utf-8"?>
+<file path=ppt/slides/slide15.xml><?xml version="1.0" encoding="utf-8"?>
 <p:sld xmlns:a="http://schemas.openxmlformats.org/drawingml/2006/main" xmlns:r="http://schemas.openxmlformats.org/officeDocument/2006/relationships" xmlns:p="http://schemas.openxmlformats.org/presentationml/2006/main">
   <p:cSld>
     <p:spTree>
@@ -7168,7 +7969,7 @@
           <a:p>
             <a:fld id="{642154B9-5AE1-4D93-9ACE-3DF3B522DF2F}" type="slidenum">
               <a:rPr lang="it-IT" smtClean="0"/>
-              <a:t>14</a:t>
+              <a:t>15</a:t>
             </a:fld>
             <a:endParaRPr lang="it-IT"/>
           </a:p>
@@ -7178,687 +7979,6 @@
     <p:extLst>
       <p:ext uri="{BB962C8B-B14F-4D97-AF65-F5344CB8AC3E}">
         <p14:creationId xmlns:p14="http://schemas.microsoft.com/office/powerpoint/2010/main" val="2557478514"/>
-      </p:ext>
-    </p:extLst>
-  </p:cSld>
-  <p:clrMapOvr>
-    <a:masterClrMapping/>
-  </p:clrMapOvr>
-</p:sld>
-</file>
-
-<file path=ppt/slides/slide15.xml><?xml version="1.0" encoding="utf-8"?>
-<p:sld xmlns:a="http://schemas.openxmlformats.org/drawingml/2006/main" xmlns:r="http://schemas.openxmlformats.org/officeDocument/2006/relationships" xmlns:p="http://schemas.openxmlformats.org/presentationml/2006/main">
-  <p:cSld>
-    <p:spTree>
-      <p:nvGrpSpPr>
-        <p:cNvPr id="1" name=""/>
-        <p:cNvGrpSpPr/>
-        <p:nvPr/>
-      </p:nvGrpSpPr>
-      <p:grpSpPr>
-        <a:xfrm>
-          <a:off x="0" y="0"/>
-          <a:ext cx="0" cy="0"/>
-          <a:chOff x="0" y="0"/>
-          <a:chExt cx="0" cy="0"/>
-        </a:xfrm>
-      </p:grpSpPr>
-      <p:sp>
-        <p:nvSpPr>
-          <p:cNvPr id="2" name="Titolo 1">
-            <a:extLst>
-              <a:ext uri="{FF2B5EF4-FFF2-40B4-BE49-F238E27FC236}">
-                <a16:creationId xmlns:a16="http://schemas.microsoft.com/office/drawing/2014/main" id="{32242F0D-F3C7-5888-B659-FAE035653A8D}"/>
-              </a:ext>
-            </a:extLst>
-          </p:cNvPr>
-          <p:cNvSpPr>
-            <a:spLocks noGrp="1"/>
-          </p:cNvSpPr>
-          <p:nvPr>
-            <p:ph type="title"/>
-          </p:nvPr>
-        </p:nvSpPr>
-        <p:spPr/>
-        <p:txBody>
-          <a:bodyPr/>
-          <a:lstStyle/>
-          <a:p>
-            <a:r>
-              <a:rPr lang="en-US" b="1" dirty="0"/>
-              <a:t>CUP Validation schema </a:t>
-            </a:r>
-            <a:r>
-              <a:rPr lang="en-US" dirty="0"/>
-              <a:t>– Grid search</a:t>
-            </a:r>
-          </a:p>
-        </p:txBody>
-      </p:sp>
-      <p:sp>
-        <p:nvSpPr>
-          <p:cNvPr id="7" name="CasellaDiTesto 6">
-            <a:extLst>
-              <a:ext uri="{FF2B5EF4-FFF2-40B4-BE49-F238E27FC236}">
-                <a16:creationId xmlns:a16="http://schemas.microsoft.com/office/drawing/2014/main" id="{1DFBB0B1-2BA2-F8D4-9938-35F901E95237}"/>
-              </a:ext>
-            </a:extLst>
-          </p:cNvPr>
-          <p:cNvSpPr txBox="1"/>
-          <p:nvPr/>
-        </p:nvSpPr>
-        <p:spPr>
-          <a:xfrm>
-            <a:off x="361669" y="4690017"/>
-            <a:ext cx="3825551" cy="1754326"/>
-          </a:xfrm>
-          <a:prstGeom prst="rect">
-            <a:avLst/>
-          </a:prstGeom>
-          <a:noFill/>
-        </p:spPr>
-        <p:txBody>
-          <a:bodyPr wrap="square" rtlCol="0">
-            <a:spAutoFit/>
-          </a:bodyPr>
-          <a:lstStyle/>
-          <a:p>
-            <a:r>
-              <a:rPr lang="it-IT" b="1" i="1" dirty="0" err="1"/>
-              <a:t>Units</a:t>
-            </a:r>
-            <a:r>
-              <a:rPr lang="it-IT" dirty="0"/>
-              <a:t>:  (10, 3)</a:t>
-            </a:r>
-          </a:p>
-          <a:p>
-            <a:r>
-              <a:rPr lang="it-IT" b="1" i="1" dirty="0" err="1"/>
-              <a:t>Activations</a:t>
-            </a:r>
-            <a:r>
-              <a:rPr lang="it-IT" dirty="0"/>
-              <a:t> </a:t>
-            </a:r>
-            <a:r>
-              <a:rPr lang="it-IT" b="1" i="1" dirty="0" err="1"/>
-              <a:t>func</a:t>
-            </a:r>
-            <a:r>
-              <a:rPr lang="it-IT" dirty="0"/>
-              <a:t>:  (</a:t>
-            </a:r>
-            <a:r>
-              <a:rPr lang="it-IT" dirty="0" err="1"/>
-              <a:t>Relu</a:t>
-            </a:r>
-            <a:r>
-              <a:rPr lang="it-IT" dirty="0"/>
-              <a:t>, Identity)</a:t>
-            </a:r>
-          </a:p>
-          <a:p>
-            <a:r>
-              <a:rPr lang="it-IT" b="1" i="1" dirty="0"/>
-              <a:t>Learning</a:t>
-            </a:r>
-            <a:r>
-              <a:rPr lang="it-IT" dirty="0"/>
-              <a:t> </a:t>
-            </a:r>
-            <a:r>
-              <a:rPr lang="it-IT" b="1" i="1" dirty="0"/>
-              <a:t>rate</a:t>
-            </a:r>
-            <a:r>
-              <a:rPr lang="it-IT" dirty="0"/>
-              <a:t>:  0.008</a:t>
-            </a:r>
-          </a:p>
-          <a:p>
-            <a:r>
-              <a:rPr lang="it-IT" b="1" i="1" dirty="0"/>
-              <a:t>Momentum</a:t>
-            </a:r>
-            <a:r>
-              <a:rPr lang="it-IT" dirty="0"/>
-              <a:t> </a:t>
-            </a:r>
-            <a:r>
-              <a:rPr lang="it-IT" b="1" i="1" dirty="0"/>
-              <a:t>alpha</a:t>
-            </a:r>
-            <a:r>
-              <a:rPr lang="it-IT" dirty="0"/>
-              <a:t>:  0.85</a:t>
-            </a:r>
-          </a:p>
-          <a:p>
-            <a:r>
-              <a:rPr lang="it-IT" b="1" i="1" dirty="0"/>
-              <a:t>Batch</a:t>
-            </a:r>
-          </a:p>
-          <a:p>
-            <a:r>
-              <a:rPr lang="it-IT" b="1" i="1" dirty="0"/>
-              <a:t>Lambda</a:t>
-            </a:r>
-            <a:r>
-              <a:rPr lang="it-IT" dirty="0"/>
-              <a:t>:  0</a:t>
-            </a:r>
-          </a:p>
-        </p:txBody>
-      </p:sp>
-      <p:pic>
-        <p:nvPicPr>
-          <p:cNvPr id="11" name="Immagine 10" descr="Immagine che contiene testo, schermata, linea, diagramma&#10;&#10;Descrizione generata automaticamente">
-            <a:extLst>
-              <a:ext uri="{FF2B5EF4-FFF2-40B4-BE49-F238E27FC236}">
-                <a16:creationId xmlns:a16="http://schemas.microsoft.com/office/drawing/2014/main" id="{9AD3F185-04A2-552C-50D3-ED8B41D1808A}"/>
-              </a:ext>
-            </a:extLst>
-          </p:cNvPr>
-          <p:cNvPicPr>
-            <a:picLocks noChangeAspect="1"/>
-          </p:cNvPicPr>
-          <p:nvPr/>
-        </p:nvPicPr>
-        <p:blipFill>
-          <a:blip r:embed="rId2">
-            <a:extLst>
-              <a:ext uri="{28A0092B-C50C-407E-A947-70E740481C1C}">
-                <a14:useLocalDpi xmlns:a14="http://schemas.microsoft.com/office/drawing/2010/main" val="0"/>
-              </a:ext>
-            </a:extLst>
-          </a:blip>
-          <a:stretch>
-            <a:fillRect/>
-          </a:stretch>
-        </p:blipFill>
-        <p:spPr>
-          <a:xfrm>
-            <a:off x="212377" y="1571426"/>
-            <a:ext cx="3721413" cy="2867907"/>
-          </a:xfrm>
-          <a:prstGeom prst="rect">
-            <a:avLst/>
-          </a:prstGeom>
-        </p:spPr>
-      </p:pic>
-      <p:pic>
-        <p:nvPicPr>
-          <p:cNvPr id="13" name="Immagine 12">
-            <a:extLst>
-              <a:ext uri="{FF2B5EF4-FFF2-40B4-BE49-F238E27FC236}">
-                <a16:creationId xmlns:a16="http://schemas.microsoft.com/office/drawing/2014/main" id="{5FAF3382-625F-3D9D-10F2-68C1E0E633D1}"/>
-              </a:ext>
-            </a:extLst>
-          </p:cNvPr>
-          <p:cNvPicPr>
-            <a:picLocks noChangeAspect="1"/>
-          </p:cNvPicPr>
-          <p:nvPr/>
-        </p:nvPicPr>
-        <p:blipFill>
-          <a:blip r:embed="rId3">
-            <a:extLst>
-              <a:ext uri="{28A0092B-C50C-407E-A947-70E740481C1C}">
-                <a14:useLocalDpi xmlns:a14="http://schemas.microsoft.com/office/drawing/2010/main" val="0"/>
-              </a:ext>
-            </a:extLst>
-          </a:blip>
-          <a:srcRect/>
-          <a:stretch/>
-        </p:blipFill>
-        <p:spPr>
-          <a:xfrm>
-            <a:off x="4338314" y="1571426"/>
-            <a:ext cx="3619615" cy="2867907"/>
-          </a:xfrm>
-          <a:prstGeom prst="rect">
-            <a:avLst/>
-          </a:prstGeom>
-        </p:spPr>
-      </p:pic>
-      <p:sp>
-        <p:nvSpPr>
-          <p:cNvPr id="14" name="CasellaDiTesto 13">
-            <a:extLst>
-              <a:ext uri="{FF2B5EF4-FFF2-40B4-BE49-F238E27FC236}">
-                <a16:creationId xmlns:a16="http://schemas.microsoft.com/office/drawing/2014/main" id="{FDB0AC52-F07C-AB47-7DC9-7DF45BA4A73E}"/>
-              </a:ext>
-            </a:extLst>
-          </p:cNvPr>
-          <p:cNvSpPr txBox="1"/>
-          <p:nvPr/>
-        </p:nvSpPr>
-        <p:spPr>
-          <a:xfrm>
-            <a:off x="4385134" y="4690017"/>
-            <a:ext cx="4143570" cy="1754326"/>
-          </a:xfrm>
-          <a:prstGeom prst="rect">
-            <a:avLst/>
-          </a:prstGeom>
-          <a:noFill/>
-        </p:spPr>
-        <p:txBody>
-          <a:bodyPr wrap="square" rtlCol="0">
-            <a:spAutoFit/>
-          </a:bodyPr>
-          <a:lstStyle/>
-          <a:p>
-            <a:r>
-              <a:rPr lang="it-IT" b="1" i="1" dirty="0" err="1"/>
-              <a:t>Units</a:t>
-            </a:r>
-            <a:r>
-              <a:rPr lang="it-IT" dirty="0"/>
-              <a:t>:  (30, 30, 3)</a:t>
-            </a:r>
-          </a:p>
-          <a:p>
-            <a:r>
-              <a:rPr lang="it-IT" b="1" i="1" dirty="0" err="1"/>
-              <a:t>Activations</a:t>
-            </a:r>
-            <a:r>
-              <a:rPr lang="it-IT" dirty="0"/>
-              <a:t> </a:t>
-            </a:r>
-            <a:r>
-              <a:rPr lang="it-IT" b="1" i="1" dirty="0" err="1"/>
-              <a:t>func</a:t>
-            </a:r>
-            <a:r>
-              <a:rPr lang="it-IT" dirty="0"/>
-              <a:t>:  (Selu, Selu, Identity)</a:t>
-            </a:r>
-          </a:p>
-          <a:p>
-            <a:r>
-              <a:rPr lang="it-IT" b="1" i="1" dirty="0"/>
-              <a:t>Learning</a:t>
-            </a:r>
-            <a:r>
-              <a:rPr lang="it-IT" dirty="0"/>
-              <a:t> </a:t>
-            </a:r>
-            <a:r>
-              <a:rPr lang="it-IT" b="1" i="1" dirty="0"/>
-              <a:t>rate</a:t>
-            </a:r>
-            <a:r>
-              <a:rPr lang="it-IT" dirty="0"/>
-              <a:t>:  0.008</a:t>
-            </a:r>
-          </a:p>
-          <a:p>
-            <a:r>
-              <a:rPr lang="it-IT" b="1" i="1" dirty="0"/>
-              <a:t>Momentum</a:t>
-            </a:r>
-            <a:r>
-              <a:rPr lang="it-IT" dirty="0"/>
-              <a:t> </a:t>
-            </a:r>
-            <a:r>
-              <a:rPr lang="it-IT" b="1" i="1" dirty="0"/>
-              <a:t>alpha</a:t>
-            </a:r>
-            <a:r>
-              <a:rPr lang="it-IT" dirty="0"/>
-              <a:t>:  0.85</a:t>
-            </a:r>
-          </a:p>
-          <a:p>
-            <a:r>
-              <a:rPr lang="it-IT" b="1" i="1" dirty="0"/>
-              <a:t>Batch</a:t>
-            </a:r>
-          </a:p>
-          <a:p>
-            <a:r>
-              <a:rPr lang="it-IT" b="1" i="1" dirty="0"/>
-              <a:t>Lambda</a:t>
-            </a:r>
-            <a:r>
-              <a:rPr lang="it-IT" dirty="0"/>
-              <a:t>:  0</a:t>
-            </a:r>
-          </a:p>
-        </p:txBody>
-      </p:sp>
-      <p:pic>
-        <p:nvPicPr>
-          <p:cNvPr id="16" name="Immagine 15" descr="Immagine che contiene testo, schermata, linea, diagramma&#10;&#10;Descrizione generata automaticamente">
-            <a:extLst>
-              <a:ext uri="{FF2B5EF4-FFF2-40B4-BE49-F238E27FC236}">
-                <a16:creationId xmlns:a16="http://schemas.microsoft.com/office/drawing/2014/main" id="{024CDACA-59AF-87E1-A293-656EDE936DCB}"/>
-              </a:ext>
-            </a:extLst>
-          </p:cNvPr>
-          <p:cNvPicPr>
-            <a:picLocks noChangeAspect="1"/>
-          </p:cNvPicPr>
-          <p:nvPr/>
-        </p:nvPicPr>
-        <p:blipFill>
-          <a:blip r:embed="rId4">
-            <a:extLst>
-              <a:ext uri="{28A0092B-C50C-407E-A947-70E740481C1C}">
-                <a14:useLocalDpi xmlns:a14="http://schemas.microsoft.com/office/drawing/2010/main" val="0"/>
-              </a:ext>
-            </a:extLst>
-          </a:blip>
-          <a:stretch>
-            <a:fillRect/>
-          </a:stretch>
-        </p:blipFill>
-        <p:spPr>
-          <a:xfrm>
-            <a:off x="8362455" y="1552005"/>
-            <a:ext cx="3619614" cy="2867906"/>
-          </a:xfrm>
-          <a:prstGeom prst="rect">
-            <a:avLst/>
-          </a:prstGeom>
-        </p:spPr>
-      </p:pic>
-      <p:sp>
-        <p:nvSpPr>
-          <p:cNvPr id="17" name="CasellaDiTesto 16">
-            <a:extLst>
-              <a:ext uri="{FF2B5EF4-FFF2-40B4-BE49-F238E27FC236}">
-                <a16:creationId xmlns:a16="http://schemas.microsoft.com/office/drawing/2014/main" id="{0EDB4EE4-B470-A99C-10B1-C0A7AE2D1A69}"/>
-              </a:ext>
-            </a:extLst>
-          </p:cNvPr>
-          <p:cNvSpPr txBox="1"/>
-          <p:nvPr/>
-        </p:nvSpPr>
-        <p:spPr>
-          <a:xfrm>
-            <a:off x="8482049" y="4620642"/>
-            <a:ext cx="3404268" cy="2031325"/>
-          </a:xfrm>
-          <a:prstGeom prst="rect">
-            <a:avLst/>
-          </a:prstGeom>
-          <a:noFill/>
-        </p:spPr>
-        <p:txBody>
-          <a:bodyPr wrap="square" rtlCol="0">
-            <a:spAutoFit/>
-          </a:bodyPr>
-          <a:lstStyle/>
-          <a:p>
-            <a:r>
-              <a:rPr lang="it-IT" b="1" i="1" dirty="0" err="1"/>
-              <a:t>Units</a:t>
-            </a:r>
-            <a:r>
-              <a:rPr lang="it-IT" dirty="0"/>
-              <a:t>:  (40, 40, 40, 40, 3)</a:t>
-            </a:r>
-          </a:p>
-          <a:p>
-            <a:r>
-              <a:rPr lang="it-IT" b="1" i="1" dirty="0" err="1"/>
-              <a:t>Activations</a:t>
-            </a:r>
-            <a:r>
-              <a:rPr lang="it-IT" dirty="0"/>
-              <a:t> </a:t>
-            </a:r>
-            <a:r>
-              <a:rPr lang="it-IT" b="1" i="1" dirty="0" err="1"/>
-              <a:t>func</a:t>
-            </a:r>
-            <a:r>
-              <a:rPr lang="it-IT" dirty="0"/>
-              <a:t>:  (Selu, Selu,  Selu, Selu, Identity)</a:t>
-            </a:r>
-          </a:p>
-          <a:p>
-            <a:r>
-              <a:rPr lang="it-IT" b="1" i="1" dirty="0"/>
-              <a:t>Learning</a:t>
-            </a:r>
-            <a:r>
-              <a:rPr lang="it-IT" dirty="0"/>
-              <a:t> </a:t>
-            </a:r>
-            <a:r>
-              <a:rPr lang="it-IT" b="1" i="1" dirty="0"/>
-              <a:t>rate</a:t>
-            </a:r>
-            <a:r>
-              <a:rPr lang="it-IT" dirty="0"/>
-              <a:t>:  0.0005 </a:t>
-            </a:r>
-            <a:r>
-              <a:rPr lang="it-IT" dirty="0">
-                <a:sym typeface="Wingdings" panose="05000000000000000000" pitchFamily="2" charset="2"/>
-              </a:rPr>
-              <a:t>→ 0.00005</a:t>
-            </a:r>
-            <a:endParaRPr lang="it-IT" dirty="0"/>
-          </a:p>
-          <a:p>
-            <a:r>
-              <a:rPr lang="it-IT" b="1" i="1" dirty="0"/>
-              <a:t>Momentum</a:t>
-            </a:r>
-            <a:r>
-              <a:rPr lang="it-IT" dirty="0"/>
-              <a:t> </a:t>
-            </a:r>
-            <a:r>
-              <a:rPr lang="it-IT" b="1" i="1" dirty="0"/>
-              <a:t>alpha</a:t>
-            </a:r>
-            <a:r>
-              <a:rPr lang="it-IT" dirty="0"/>
-              <a:t>:  0.9</a:t>
-            </a:r>
-          </a:p>
-          <a:p>
-            <a:r>
-              <a:rPr lang="it-IT" b="1" i="1" dirty="0" err="1"/>
-              <a:t>Minibatch</a:t>
-            </a:r>
-            <a:r>
-              <a:rPr lang="it-IT" dirty="0"/>
-              <a:t> </a:t>
-            </a:r>
-            <a:r>
-              <a:rPr lang="it-IT" b="1" i="1" dirty="0"/>
-              <a:t>size</a:t>
-            </a:r>
-            <a:r>
-              <a:rPr lang="it-IT" dirty="0"/>
-              <a:t>:  200</a:t>
-            </a:r>
-          </a:p>
-          <a:p>
-            <a:r>
-              <a:rPr lang="it-IT" b="1" i="1" dirty="0"/>
-              <a:t>Lambda</a:t>
-            </a:r>
-            <a:r>
-              <a:rPr lang="it-IT" dirty="0"/>
-              <a:t>:  0</a:t>
-            </a:r>
-          </a:p>
-        </p:txBody>
-      </p:sp>
-      <p:sp>
-        <p:nvSpPr>
-          <p:cNvPr id="18" name="CasellaDiTesto 17">
-            <a:extLst>
-              <a:ext uri="{FF2B5EF4-FFF2-40B4-BE49-F238E27FC236}">
-                <a16:creationId xmlns:a16="http://schemas.microsoft.com/office/drawing/2014/main" id="{7DC219A2-9CCE-8674-BA91-882B35D286B1}"/>
-              </a:ext>
-            </a:extLst>
-          </p:cNvPr>
-          <p:cNvSpPr txBox="1"/>
-          <p:nvPr/>
-        </p:nvSpPr>
-        <p:spPr>
-          <a:xfrm>
-            <a:off x="1239080" y="2088279"/>
-            <a:ext cx="2621567" cy="584775"/>
-          </a:xfrm>
-          <a:prstGeom prst="rect">
-            <a:avLst/>
-          </a:prstGeom>
-          <a:noFill/>
-        </p:spPr>
-        <p:txBody>
-          <a:bodyPr wrap="square" rtlCol="0">
-            <a:spAutoFit/>
-          </a:bodyPr>
-          <a:lstStyle/>
-          <a:p>
-            <a:pPr algn="r"/>
-            <a:r>
-              <a:rPr lang="it-IT" sz="1600" dirty="0"/>
-              <a:t>Training MEE:  1.9000</a:t>
-            </a:r>
-          </a:p>
-          <a:p>
-            <a:pPr algn="r"/>
-            <a:r>
-              <a:rPr lang="it-IT" sz="1600" dirty="0"/>
-              <a:t>Validation MEE:   2.1368</a:t>
-            </a:r>
-          </a:p>
-        </p:txBody>
-      </p:sp>
-      <p:sp>
-        <p:nvSpPr>
-          <p:cNvPr id="19" name="CasellaDiTesto 18">
-            <a:extLst>
-              <a:ext uri="{FF2B5EF4-FFF2-40B4-BE49-F238E27FC236}">
-                <a16:creationId xmlns:a16="http://schemas.microsoft.com/office/drawing/2014/main" id="{32CCE01E-9465-02BC-1F71-F77D545D0E68}"/>
-              </a:ext>
-            </a:extLst>
-          </p:cNvPr>
-          <p:cNvSpPr txBox="1"/>
-          <p:nvPr/>
-        </p:nvSpPr>
-        <p:spPr>
-          <a:xfrm>
-            <a:off x="5291676" y="2088279"/>
-            <a:ext cx="2621567" cy="584775"/>
-          </a:xfrm>
-          <a:prstGeom prst="rect">
-            <a:avLst/>
-          </a:prstGeom>
-          <a:noFill/>
-        </p:spPr>
-        <p:txBody>
-          <a:bodyPr wrap="square" rtlCol="0">
-            <a:spAutoFit/>
-          </a:bodyPr>
-          <a:lstStyle/>
-          <a:p>
-            <a:pPr algn="r"/>
-            <a:r>
-              <a:rPr lang="it-IT" sz="1600" dirty="0"/>
-              <a:t>Training MEE:  0.5500</a:t>
-            </a:r>
-          </a:p>
-          <a:p>
-            <a:pPr algn="r"/>
-            <a:r>
-              <a:rPr lang="it-IT" sz="1600" dirty="0"/>
-              <a:t>Validation MEE:   0.8747</a:t>
-            </a:r>
-          </a:p>
-        </p:txBody>
-      </p:sp>
-      <p:sp>
-        <p:nvSpPr>
-          <p:cNvPr id="20" name="CasellaDiTesto 19">
-            <a:extLst>
-              <a:ext uri="{FF2B5EF4-FFF2-40B4-BE49-F238E27FC236}">
-                <a16:creationId xmlns:a16="http://schemas.microsoft.com/office/drawing/2014/main" id="{26D90E17-7A28-76E7-4A6E-D4991A3F6B9E}"/>
-              </a:ext>
-            </a:extLst>
-          </p:cNvPr>
-          <p:cNvSpPr txBox="1"/>
-          <p:nvPr/>
-        </p:nvSpPr>
-        <p:spPr>
-          <a:xfrm>
-            <a:off x="9260296" y="2088278"/>
-            <a:ext cx="2621567" cy="584775"/>
-          </a:xfrm>
-          <a:prstGeom prst="rect">
-            <a:avLst/>
-          </a:prstGeom>
-          <a:noFill/>
-        </p:spPr>
-        <p:txBody>
-          <a:bodyPr wrap="square" rtlCol="0">
-            <a:spAutoFit/>
-          </a:bodyPr>
-          <a:lstStyle/>
-          <a:p>
-            <a:pPr algn="r"/>
-            <a:r>
-              <a:rPr lang="it-IT" sz="1600" dirty="0"/>
-              <a:t>Training MEE:  0.4600</a:t>
-            </a:r>
-          </a:p>
-          <a:p>
-            <a:pPr algn="r"/>
-            <a:r>
-              <a:rPr lang="it-IT" sz="1600" dirty="0"/>
-              <a:t>Validation MEE:   0.7773</a:t>
-            </a:r>
-          </a:p>
-        </p:txBody>
-      </p:sp>
-      <p:sp>
-        <p:nvSpPr>
-          <p:cNvPr id="3" name="Segnaposto numero diapositiva 2">
-            <a:extLst>
-              <a:ext uri="{FF2B5EF4-FFF2-40B4-BE49-F238E27FC236}">
-                <a16:creationId xmlns:a16="http://schemas.microsoft.com/office/drawing/2014/main" id="{DAD99DA1-3162-472E-6057-E8162088D09D}"/>
-              </a:ext>
-            </a:extLst>
-          </p:cNvPr>
-          <p:cNvSpPr>
-            <a:spLocks noGrp="1"/>
-          </p:cNvSpPr>
-          <p:nvPr>
-            <p:ph type="sldNum" sz="quarter" idx="12"/>
-          </p:nvPr>
-        </p:nvSpPr>
-        <p:spPr/>
-        <p:txBody>
-          <a:bodyPr/>
-          <a:lstStyle/>
-          <a:p>
-            <a:fld id="{642154B9-5AE1-4D93-9ACE-3DF3B522DF2F}" type="slidenum">
-              <a:rPr lang="it-IT" smtClean="0"/>
-              <a:t>15</a:t>
-            </a:fld>
-            <a:endParaRPr lang="it-IT"/>
-          </a:p>
-        </p:txBody>
-      </p:sp>
-    </p:spTree>
-    <p:extLst>
-      <p:ext uri="{BB962C8B-B14F-4D97-AF65-F5344CB8AC3E}">
-        <p14:creationId xmlns:p14="http://schemas.microsoft.com/office/powerpoint/2010/main" val="772628214"/>
       </p:ext>
     </p:extLst>
   </p:cSld>
@@ -7908,18 +8028,21 @@
           <a:p>
             <a:r>
               <a:rPr lang="en-US" b="1" dirty="0"/>
-              <a:t>CUP Results</a:t>
-            </a:r>
-            <a:endParaRPr lang="en-US" dirty="0"/>
-          </a:p>
-        </p:txBody>
-      </p:sp>
-      <p:sp>
-        <p:nvSpPr>
-          <p:cNvPr id="3" name="CasellaDiTesto 2">
-            <a:extLst>
-              <a:ext uri="{FF2B5EF4-FFF2-40B4-BE49-F238E27FC236}">
-                <a16:creationId xmlns:a16="http://schemas.microsoft.com/office/drawing/2014/main" id="{54E0DD3B-63BC-7DC6-3291-D2FDFE5BC30B}"/>
+              <a:t>CUP Validation schema </a:t>
+            </a:r>
+            <a:r>
+              <a:rPr lang="en-US" dirty="0"/>
+              <a:t>– Grid search</a:t>
+            </a:r>
+          </a:p>
+        </p:txBody>
+      </p:sp>
+      <p:sp>
+        <p:nvSpPr>
+          <p:cNvPr id="7" name="CasellaDiTesto 6">
+            <a:extLst>
+              <a:ext uri="{FF2B5EF4-FFF2-40B4-BE49-F238E27FC236}">
+                <a16:creationId xmlns:a16="http://schemas.microsoft.com/office/drawing/2014/main" id="{1DFBB0B1-2BA2-F8D4-9938-35F901E95237}"/>
               </a:ext>
             </a:extLst>
           </p:cNvPr>
@@ -7928,8 +8051,8 @@
         </p:nvSpPr>
         <p:spPr>
           <a:xfrm>
-            <a:off x="951722" y="1690688"/>
-            <a:ext cx="10674221" cy="4524315"/>
+            <a:off x="361669" y="4690017"/>
+            <a:ext cx="3825551" cy="1754326"/>
           </a:xfrm>
           <a:prstGeom prst="rect">
             <a:avLst/>
@@ -7943,51 +8066,573 @@
           <a:lstStyle/>
           <a:p>
             <a:r>
-              <a:rPr lang="en-US" sz="2400" dirty="0"/>
-              <a:t>With the various grid searches, we noted that with more layer and more units the validation loss tends to decrease.</a:t>
-            </a:r>
-          </a:p>
-          <a:p>
-            <a:endParaRPr lang="en-US" sz="2400" dirty="0"/>
-          </a:p>
-          <a:p>
-            <a:r>
-              <a:rPr lang="en-US" sz="2400" dirty="0"/>
-              <a:t>In all the grid search in which was possible to have no regularization, the best model was the one not regularized.</a:t>
-            </a:r>
-          </a:p>
-          <a:p>
-            <a:r>
-              <a:rPr lang="en-US" sz="2400" dirty="0"/>
-              <a:t>At the same time a higher momentum was preferred.</a:t>
-            </a:r>
-          </a:p>
-          <a:p>
-            <a:endParaRPr lang="en-US" sz="2400" dirty="0"/>
-          </a:p>
-          <a:p>
-            <a:r>
-              <a:rPr lang="en-US" sz="2400" dirty="0"/>
-              <a:t>Training the model with batch shows a more stable curve with very low impact on the training speed.</a:t>
-            </a:r>
-          </a:p>
-          <a:p>
-            <a:endParaRPr lang="en-US" sz="2400" dirty="0"/>
-          </a:p>
-          <a:p>
-            <a:r>
-              <a:rPr lang="en-US" sz="2400" dirty="0"/>
-              <a:t>Given this, we chose to move towards large models with either no or low regularization, a high momentum, trained with batch and we did a last grid search.</a:t>
-            </a:r>
-          </a:p>
-        </p:txBody>
-      </p:sp>
-      <p:sp>
-        <p:nvSpPr>
-          <p:cNvPr id="4" name="Segnaposto numero diapositiva 3">
-            <a:extLst>
-              <a:ext uri="{FF2B5EF4-FFF2-40B4-BE49-F238E27FC236}">
-                <a16:creationId xmlns:a16="http://schemas.microsoft.com/office/drawing/2014/main" id="{201898EA-1BAA-015C-F062-D4BC3D7EA6CF}"/>
+              <a:rPr lang="it-IT" b="1" i="1" dirty="0" err="1"/>
+              <a:t>Units</a:t>
+            </a:r>
+            <a:r>
+              <a:rPr lang="it-IT" dirty="0"/>
+              <a:t>:  (10, 3)</a:t>
+            </a:r>
+          </a:p>
+          <a:p>
+            <a:r>
+              <a:rPr lang="it-IT" b="1" i="1" dirty="0" err="1"/>
+              <a:t>Activations</a:t>
+            </a:r>
+            <a:r>
+              <a:rPr lang="it-IT" dirty="0"/>
+              <a:t> </a:t>
+            </a:r>
+            <a:r>
+              <a:rPr lang="it-IT" b="1" i="1" dirty="0" err="1"/>
+              <a:t>func</a:t>
+            </a:r>
+            <a:r>
+              <a:rPr lang="it-IT" dirty="0"/>
+              <a:t>:  (</a:t>
+            </a:r>
+            <a:r>
+              <a:rPr lang="it-IT" dirty="0" err="1"/>
+              <a:t>Relu</a:t>
+            </a:r>
+            <a:r>
+              <a:rPr lang="it-IT" dirty="0"/>
+              <a:t>, Identity)</a:t>
+            </a:r>
+          </a:p>
+          <a:p>
+            <a:r>
+              <a:rPr lang="it-IT" b="1" i="1" dirty="0"/>
+              <a:t>Learning</a:t>
+            </a:r>
+            <a:r>
+              <a:rPr lang="it-IT" dirty="0"/>
+              <a:t> </a:t>
+            </a:r>
+            <a:r>
+              <a:rPr lang="it-IT" b="1" i="1" dirty="0"/>
+              <a:t>rate</a:t>
+            </a:r>
+            <a:r>
+              <a:rPr lang="it-IT" dirty="0"/>
+              <a:t>:  0.008</a:t>
+            </a:r>
+          </a:p>
+          <a:p>
+            <a:r>
+              <a:rPr lang="it-IT" b="1" i="1" dirty="0"/>
+              <a:t>Momentum</a:t>
+            </a:r>
+            <a:r>
+              <a:rPr lang="it-IT" dirty="0"/>
+              <a:t> </a:t>
+            </a:r>
+            <a:r>
+              <a:rPr lang="it-IT" b="1" i="1" dirty="0"/>
+              <a:t>alpha</a:t>
+            </a:r>
+            <a:r>
+              <a:rPr lang="it-IT" dirty="0"/>
+              <a:t>:  0.85</a:t>
+            </a:r>
+          </a:p>
+          <a:p>
+            <a:r>
+              <a:rPr lang="it-IT" b="1" i="1" dirty="0"/>
+              <a:t>Batch</a:t>
+            </a:r>
+          </a:p>
+          <a:p>
+            <a:r>
+              <a:rPr lang="it-IT" b="1" i="1" dirty="0"/>
+              <a:t>Lambda</a:t>
+            </a:r>
+            <a:r>
+              <a:rPr lang="it-IT" dirty="0"/>
+              <a:t>:  0</a:t>
+            </a:r>
+          </a:p>
+        </p:txBody>
+      </p:sp>
+      <p:pic>
+        <p:nvPicPr>
+          <p:cNvPr id="11" name="Immagine 10" descr="Immagine che contiene testo, schermata, linea, diagramma&#10;&#10;Descrizione generata automaticamente">
+            <a:extLst>
+              <a:ext uri="{FF2B5EF4-FFF2-40B4-BE49-F238E27FC236}">
+                <a16:creationId xmlns:a16="http://schemas.microsoft.com/office/drawing/2014/main" id="{9AD3F185-04A2-552C-50D3-ED8B41D1808A}"/>
+              </a:ext>
+            </a:extLst>
+          </p:cNvPr>
+          <p:cNvPicPr>
+            <a:picLocks noChangeAspect="1"/>
+          </p:cNvPicPr>
+          <p:nvPr/>
+        </p:nvPicPr>
+        <p:blipFill>
+          <a:blip r:embed="rId2">
+            <a:extLst>
+              <a:ext uri="{28A0092B-C50C-407E-A947-70E740481C1C}">
+                <a14:useLocalDpi xmlns:a14="http://schemas.microsoft.com/office/drawing/2010/main" val="0"/>
+              </a:ext>
+            </a:extLst>
+          </a:blip>
+          <a:stretch>
+            <a:fillRect/>
+          </a:stretch>
+        </p:blipFill>
+        <p:spPr>
+          <a:xfrm>
+            <a:off x="212377" y="1571426"/>
+            <a:ext cx="3721413" cy="2867907"/>
+          </a:xfrm>
+          <a:prstGeom prst="rect">
+            <a:avLst/>
+          </a:prstGeom>
+        </p:spPr>
+      </p:pic>
+      <p:pic>
+        <p:nvPicPr>
+          <p:cNvPr id="13" name="Immagine 12">
+            <a:extLst>
+              <a:ext uri="{FF2B5EF4-FFF2-40B4-BE49-F238E27FC236}">
+                <a16:creationId xmlns:a16="http://schemas.microsoft.com/office/drawing/2014/main" id="{5FAF3382-625F-3D9D-10F2-68C1E0E633D1}"/>
+              </a:ext>
+            </a:extLst>
+          </p:cNvPr>
+          <p:cNvPicPr>
+            <a:picLocks noChangeAspect="1"/>
+          </p:cNvPicPr>
+          <p:nvPr/>
+        </p:nvPicPr>
+        <p:blipFill>
+          <a:blip r:embed="rId3">
+            <a:extLst>
+              <a:ext uri="{28A0092B-C50C-407E-A947-70E740481C1C}">
+                <a14:useLocalDpi xmlns:a14="http://schemas.microsoft.com/office/drawing/2010/main" val="0"/>
+              </a:ext>
+            </a:extLst>
+          </a:blip>
+          <a:srcRect/>
+          <a:stretch/>
+        </p:blipFill>
+        <p:spPr>
+          <a:xfrm>
+            <a:off x="4338314" y="1571426"/>
+            <a:ext cx="3619615" cy="2867907"/>
+          </a:xfrm>
+          <a:prstGeom prst="rect">
+            <a:avLst/>
+          </a:prstGeom>
+        </p:spPr>
+      </p:pic>
+      <p:sp>
+        <p:nvSpPr>
+          <p:cNvPr id="14" name="CasellaDiTesto 13">
+            <a:extLst>
+              <a:ext uri="{FF2B5EF4-FFF2-40B4-BE49-F238E27FC236}">
+                <a16:creationId xmlns:a16="http://schemas.microsoft.com/office/drawing/2014/main" id="{FDB0AC52-F07C-AB47-7DC9-7DF45BA4A73E}"/>
+              </a:ext>
+            </a:extLst>
+          </p:cNvPr>
+          <p:cNvSpPr txBox="1"/>
+          <p:nvPr/>
+        </p:nvSpPr>
+        <p:spPr>
+          <a:xfrm>
+            <a:off x="4385134" y="4690017"/>
+            <a:ext cx="4143570" cy="1754326"/>
+          </a:xfrm>
+          <a:prstGeom prst="rect">
+            <a:avLst/>
+          </a:prstGeom>
+          <a:noFill/>
+        </p:spPr>
+        <p:txBody>
+          <a:bodyPr wrap="square" rtlCol="0">
+            <a:spAutoFit/>
+          </a:bodyPr>
+          <a:lstStyle/>
+          <a:p>
+            <a:r>
+              <a:rPr lang="it-IT" b="1" i="1" dirty="0" err="1"/>
+              <a:t>Units</a:t>
+            </a:r>
+            <a:r>
+              <a:rPr lang="it-IT" dirty="0"/>
+              <a:t>:  (30, 30, 3)</a:t>
+            </a:r>
+          </a:p>
+          <a:p>
+            <a:r>
+              <a:rPr lang="it-IT" b="1" i="1" dirty="0" err="1"/>
+              <a:t>Activations</a:t>
+            </a:r>
+            <a:r>
+              <a:rPr lang="it-IT" dirty="0"/>
+              <a:t> </a:t>
+            </a:r>
+            <a:r>
+              <a:rPr lang="it-IT" b="1" i="1" dirty="0" err="1"/>
+              <a:t>func</a:t>
+            </a:r>
+            <a:r>
+              <a:rPr lang="it-IT" dirty="0"/>
+              <a:t>:  (Selu, Selu, Identity)</a:t>
+            </a:r>
+          </a:p>
+          <a:p>
+            <a:r>
+              <a:rPr lang="it-IT" b="1" i="1" dirty="0"/>
+              <a:t>Learning</a:t>
+            </a:r>
+            <a:r>
+              <a:rPr lang="it-IT" dirty="0"/>
+              <a:t> </a:t>
+            </a:r>
+            <a:r>
+              <a:rPr lang="it-IT" b="1" i="1" dirty="0"/>
+              <a:t>rate</a:t>
+            </a:r>
+            <a:r>
+              <a:rPr lang="it-IT" dirty="0"/>
+              <a:t>:  0.008</a:t>
+            </a:r>
+          </a:p>
+          <a:p>
+            <a:r>
+              <a:rPr lang="it-IT" b="1" i="1" dirty="0"/>
+              <a:t>Momentum</a:t>
+            </a:r>
+            <a:r>
+              <a:rPr lang="it-IT" dirty="0"/>
+              <a:t> </a:t>
+            </a:r>
+            <a:r>
+              <a:rPr lang="it-IT" b="1" i="1" dirty="0"/>
+              <a:t>alpha</a:t>
+            </a:r>
+            <a:r>
+              <a:rPr lang="it-IT" dirty="0"/>
+              <a:t>:  0.85</a:t>
+            </a:r>
+          </a:p>
+          <a:p>
+            <a:r>
+              <a:rPr lang="it-IT" b="1" i="1" dirty="0"/>
+              <a:t>Batch</a:t>
+            </a:r>
+          </a:p>
+          <a:p>
+            <a:r>
+              <a:rPr lang="it-IT" b="1" i="1" dirty="0"/>
+              <a:t>Lambda</a:t>
+            </a:r>
+            <a:r>
+              <a:rPr lang="it-IT" dirty="0"/>
+              <a:t>:  0</a:t>
+            </a:r>
+          </a:p>
+        </p:txBody>
+      </p:sp>
+      <p:pic>
+        <p:nvPicPr>
+          <p:cNvPr id="16" name="Immagine 15" descr="Immagine che contiene testo, schermata, linea, diagramma&#10;&#10;Descrizione generata automaticamente">
+            <a:extLst>
+              <a:ext uri="{FF2B5EF4-FFF2-40B4-BE49-F238E27FC236}">
+                <a16:creationId xmlns:a16="http://schemas.microsoft.com/office/drawing/2014/main" id="{024CDACA-59AF-87E1-A293-656EDE936DCB}"/>
+              </a:ext>
+            </a:extLst>
+          </p:cNvPr>
+          <p:cNvPicPr>
+            <a:picLocks noChangeAspect="1"/>
+          </p:cNvPicPr>
+          <p:nvPr/>
+        </p:nvPicPr>
+        <p:blipFill>
+          <a:blip r:embed="rId4">
+            <a:extLst>
+              <a:ext uri="{28A0092B-C50C-407E-A947-70E740481C1C}">
+                <a14:useLocalDpi xmlns:a14="http://schemas.microsoft.com/office/drawing/2010/main" val="0"/>
+              </a:ext>
+            </a:extLst>
+          </a:blip>
+          <a:stretch>
+            <a:fillRect/>
+          </a:stretch>
+        </p:blipFill>
+        <p:spPr>
+          <a:xfrm>
+            <a:off x="8362455" y="1552005"/>
+            <a:ext cx="3619614" cy="2867906"/>
+          </a:xfrm>
+          <a:prstGeom prst="rect">
+            <a:avLst/>
+          </a:prstGeom>
+        </p:spPr>
+      </p:pic>
+      <p:sp>
+        <p:nvSpPr>
+          <p:cNvPr id="17" name="CasellaDiTesto 16">
+            <a:extLst>
+              <a:ext uri="{FF2B5EF4-FFF2-40B4-BE49-F238E27FC236}">
+                <a16:creationId xmlns:a16="http://schemas.microsoft.com/office/drawing/2014/main" id="{0EDB4EE4-B470-A99C-10B1-C0A7AE2D1A69}"/>
+              </a:ext>
+            </a:extLst>
+          </p:cNvPr>
+          <p:cNvSpPr txBox="1"/>
+          <p:nvPr/>
+        </p:nvSpPr>
+        <p:spPr>
+          <a:xfrm>
+            <a:off x="8482049" y="4620642"/>
+            <a:ext cx="3404268" cy="2031325"/>
+          </a:xfrm>
+          <a:prstGeom prst="rect">
+            <a:avLst/>
+          </a:prstGeom>
+          <a:noFill/>
+        </p:spPr>
+        <p:txBody>
+          <a:bodyPr wrap="square" rtlCol="0">
+            <a:spAutoFit/>
+          </a:bodyPr>
+          <a:lstStyle/>
+          <a:p>
+            <a:r>
+              <a:rPr lang="it-IT" b="1" i="1" dirty="0" err="1"/>
+              <a:t>Units</a:t>
+            </a:r>
+            <a:r>
+              <a:rPr lang="it-IT" dirty="0"/>
+              <a:t>:  (40, 40, 40, 40, 3)</a:t>
+            </a:r>
+          </a:p>
+          <a:p>
+            <a:r>
+              <a:rPr lang="it-IT" b="1" i="1" dirty="0" err="1"/>
+              <a:t>Activations</a:t>
+            </a:r>
+            <a:r>
+              <a:rPr lang="it-IT" dirty="0"/>
+              <a:t> </a:t>
+            </a:r>
+            <a:r>
+              <a:rPr lang="it-IT" b="1" i="1" dirty="0" err="1"/>
+              <a:t>func</a:t>
+            </a:r>
+            <a:r>
+              <a:rPr lang="it-IT" dirty="0"/>
+              <a:t>:  (Selu, Selu,  Selu, Selu, Identity)</a:t>
+            </a:r>
+          </a:p>
+          <a:p>
+            <a:r>
+              <a:rPr lang="it-IT" b="1" i="1" dirty="0"/>
+              <a:t>Learning</a:t>
+            </a:r>
+            <a:r>
+              <a:rPr lang="it-IT" dirty="0"/>
+              <a:t> </a:t>
+            </a:r>
+            <a:r>
+              <a:rPr lang="it-IT" b="1" i="1" dirty="0"/>
+              <a:t>rate</a:t>
+            </a:r>
+            <a:r>
+              <a:rPr lang="it-IT" dirty="0"/>
+              <a:t>:  0.0005 </a:t>
+            </a:r>
+            <a:r>
+              <a:rPr lang="it-IT" dirty="0">
+                <a:sym typeface="Wingdings" panose="05000000000000000000" pitchFamily="2" charset="2"/>
+              </a:rPr>
+              <a:t>→ 0.00005</a:t>
+            </a:r>
+            <a:endParaRPr lang="it-IT" dirty="0"/>
+          </a:p>
+          <a:p>
+            <a:r>
+              <a:rPr lang="it-IT" b="1" i="1" dirty="0"/>
+              <a:t>Momentum</a:t>
+            </a:r>
+            <a:r>
+              <a:rPr lang="it-IT" dirty="0"/>
+              <a:t> </a:t>
+            </a:r>
+            <a:r>
+              <a:rPr lang="it-IT" b="1" i="1" dirty="0"/>
+              <a:t>alpha</a:t>
+            </a:r>
+            <a:r>
+              <a:rPr lang="it-IT" dirty="0"/>
+              <a:t>:  0.9</a:t>
+            </a:r>
+          </a:p>
+          <a:p>
+            <a:r>
+              <a:rPr lang="it-IT" b="1" i="1" dirty="0" err="1"/>
+              <a:t>Minibatch</a:t>
+            </a:r>
+            <a:r>
+              <a:rPr lang="it-IT" dirty="0"/>
+              <a:t> </a:t>
+            </a:r>
+            <a:r>
+              <a:rPr lang="it-IT" b="1" i="1" dirty="0"/>
+              <a:t>size</a:t>
+            </a:r>
+            <a:r>
+              <a:rPr lang="it-IT" dirty="0"/>
+              <a:t>:  200</a:t>
+            </a:r>
+          </a:p>
+          <a:p>
+            <a:r>
+              <a:rPr lang="it-IT" b="1" i="1" dirty="0"/>
+              <a:t>Lambda</a:t>
+            </a:r>
+            <a:r>
+              <a:rPr lang="it-IT" dirty="0"/>
+              <a:t>:  0</a:t>
+            </a:r>
+          </a:p>
+        </p:txBody>
+      </p:sp>
+      <p:sp>
+        <p:nvSpPr>
+          <p:cNvPr id="18" name="CasellaDiTesto 17">
+            <a:extLst>
+              <a:ext uri="{FF2B5EF4-FFF2-40B4-BE49-F238E27FC236}">
+                <a16:creationId xmlns:a16="http://schemas.microsoft.com/office/drawing/2014/main" id="{7DC219A2-9CCE-8674-BA91-882B35D286B1}"/>
+              </a:ext>
+            </a:extLst>
+          </p:cNvPr>
+          <p:cNvSpPr txBox="1"/>
+          <p:nvPr/>
+        </p:nvSpPr>
+        <p:spPr>
+          <a:xfrm>
+            <a:off x="1239080" y="2088279"/>
+            <a:ext cx="2621567" cy="584775"/>
+          </a:xfrm>
+          <a:prstGeom prst="rect">
+            <a:avLst/>
+          </a:prstGeom>
+          <a:noFill/>
+        </p:spPr>
+        <p:txBody>
+          <a:bodyPr wrap="square" rtlCol="0">
+            <a:spAutoFit/>
+          </a:bodyPr>
+          <a:lstStyle/>
+          <a:p>
+            <a:pPr algn="r"/>
+            <a:r>
+              <a:rPr lang="it-IT" sz="1600" dirty="0"/>
+              <a:t>Training MEE:  1.9000</a:t>
+            </a:r>
+          </a:p>
+          <a:p>
+            <a:pPr algn="r"/>
+            <a:r>
+              <a:rPr lang="it-IT" sz="1600" dirty="0"/>
+              <a:t>Validation MEE:   2.1368</a:t>
+            </a:r>
+          </a:p>
+        </p:txBody>
+      </p:sp>
+      <p:sp>
+        <p:nvSpPr>
+          <p:cNvPr id="19" name="CasellaDiTesto 18">
+            <a:extLst>
+              <a:ext uri="{FF2B5EF4-FFF2-40B4-BE49-F238E27FC236}">
+                <a16:creationId xmlns:a16="http://schemas.microsoft.com/office/drawing/2014/main" id="{32CCE01E-9465-02BC-1F71-F77D545D0E68}"/>
+              </a:ext>
+            </a:extLst>
+          </p:cNvPr>
+          <p:cNvSpPr txBox="1"/>
+          <p:nvPr/>
+        </p:nvSpPr>
+        <p:spPr>
+          <a:xfrm>
+            <a:off x="5291676" y="2088279"/>
+            <a:ext cx="2621567" cy="584775"/>
+          </a:xfrm>
+          <a:prstGeom prst="rect">
+            <a:avLst/>
+          </a:prstGeom>
+          <a:noFill/>
+        </p:spPr>
+        <p:txBody>
+          <a:bodyPr wrap="square" rtlCol="0">
+            <a:spAutoFit/>
+          </a:bodyPr>
+          <a:lstStyle/>
+          <a:p>
+            <a:pPr algn="r"/>
+            <a:r>
+              <a:rPr lang="it-IT" sz="1600" dirty="0"/>
+              <a:t>Training MEE:  0.5500</a:t>
+            </a:r>
+          </a:p>
+          <a:p>
+            <a:pPr algn="r"/>
+            <a:r>
+              <a:rPr lang="it-IT" sz="1600" dirty="0"/>
+              <a:t>Validation MEE:   0.8747</a:t>
+            </a:r>
+          </a:p>
+        </p:txBody>
+      </p:sp>
+      <p:sp>
+        <p:nvSpPr>
+          <p:cNvPr id="20" name="CasellaDiTesto 19">
+            <a:extLst>
+              <a:ext uri="{FF2B5EF4-FFF2-40B4-BE49-F238E27FC236}">
+                <a16:creationId xmlns:a16="http://schemas.microsoft.com/office/drawing/2014/main" id="{26D90E17-7A28-76E7-4A6E-D4991A3F6B9E}"/>
+              </a:ext>
+            </a:extLst>
+          </p:cNvPr>
+          <p:cNvSpPr txBox="1"/>
+          <p:nvPr/>
+        </p:nvSpPr>
+        <p:spPr>
+          <a:xfrm>
+            <a:off x="9260296" y="2088278"/>
+            <a:ext cx="2621567" cy="584775"/>
+          </a:xfrm>
+          <a:prstGeom prst="rect">
+            <a:avLst/>
+          </a:prstGeom>
+          <a:noFill/>
+        </p:spPr>
+        <p:txBody>
+          <a:bodyPr wrap="square" rtlCol="0">
+            <a:spAutoFit/>
+          </a:bodyPr>
+          <a:lstStyle/>
+          <a:p>
+            <a:pPr algn="r"/>
+            <a:r>
+              <a:rPr lang="it-IT" sz="1600" dirty="0"/>
+              <a:t>Training MEE:  0.4600</a:t>
+            </a:r>
+          </a:p>
+          <a:p>
+            <a:pPr algn="r"/>
+            <a:r>
+              <a:rPr lang="it-IT" sz="1600" dirty="0"/>
+              <a:t>Validation MEE:   0.7773</a:t>
+            </a:r>
+          </a:p>
+        </p:txBody>
+      </p:sp>
+      <p:sp>
+        <p:nvSpPr>
+          <p:cNvPr id="3" name="Segnaposto numero diapositiva 2">
+            <a:extLst>
+              <a:ext uri="{FF2B5EF4-FFF2-40B4-BE49-F238E27FC236}">
+                <a16:creationId xmlns:a16="http://schemas.microsoft.com/office/drawing/2014/main" id="{DAD99DA1-3162-472E-6057-E8162088D09D}"/>
               </a:ext>
             </a:extLst>
           </p:cNvPr>
@@ -8014,7 +8659,7 @@
     </p:spTree>
     <p:extLst>
       <p:ext uri="{BB962C8B-B14F-4D97-AF65-F5344CB8AC3E}">
-        <p14:creationId xmlns:p14="http://schemas.microsoft.com/office/powerpoint/2010/main" val="3208590103"/>
+        <p14:creationId xmlns:p14="http://schemas.microsoft.com/office/powerpoint/2010/main" val="772628214"/>
       </p:ext>
     </p:extLst>
   </p:cSld>
@@ -8084,8 +8729,8 @@
         </p:nvSpPr>
         <p:spPr>
           <a:xfrm>
-            <a:off x="838199" y="1392030"/>
-            <a:ext cx="10853058" cy="4893647"/>
+            <a:off x="838200" y="1793324"/>
+            <a:ext cx="10685106" cy="4170372"/>
           </a:xfrm>
           <a:prstGeom prst="rect">
             <a:avLst/>
@@ -8099,154 +8744,62 @@
           <a:lstStyle/>
           <a:p>
             <a:pPr>
-              <a:lnSpc>
-                <a:spcPct val="150000"/>
-              </a:lnSpc>
+              <a:spcBef>
+                <a:spcPts val="600"/>
+              </a:spcBef>
             </a:pPr>
             <a:r>
               <a:rPr lang="en-US" sz="2400" dirty="0"/>
-              <a:t>The parameters of the best model found by the last grid search are the following:</a:t>
+              <a:t>With the various grid searches, we noted that with more layers and more units the validation loss tends to decrease.</a:t>
             </a:r>
           </a:p>
           <a:p>
             <a:pPr>
-              <a:lnSpc>
-                <a:spcPct val="150000"/>
-              </a:lnSpc>
+              <a:spcBef>
+                <a:spcPts val="600"/>
+              </a:spcBef>
             </a:pPr>
-            <a:r>
-              <a:rPr lang="en-US" sz="2400" b="1" i="1" dirty="0"/>
-              <a:t>Layers</a:t>
-            </a:r>
+            <a:endParaRPr lang="en-US" sz="2400" dirty="0"/>
+          </a:p>
+          <a:p>
+            <a:pPr>
+              <a:spcBef>
+                <a:spcPts val="600"/>
+              </a:spcBef>
+            </a:pPr>
             <a:r>
               <a:rPr lang="en-US" sz="2400" dirty="0"/>
-              <a:t>: 5</a:t>
-            </a:r>
-          </a:p>
-          <a:p>
-            <a:r>
-              <a:rPr lang="en-US" sz="2400" b="1" i="1" dirty="0"/>
-              <a:t>Units</a:t>
-            </a:r>
+              <a:t>In all the grid searches in which is possible to have no regularization, the best model is the one not regularized.</a:t>
+            </a:r>
+          </a:p>
+          <a:p>
+            <a:pPr>
+              <a:spcBef>
+                <a:spcPts val="600"/>
+              </a:spcBef>
+            </a:pPr>
             <a:r>
               <a:rPr lang="en-US" sz="2400" dirty="0"/>
-              <a:t>:  </a:t>
-            </a:r>
-            <a:r>
-              <a:rPr lang="it-IT" sz="2400" dirty="0"/>
-              <a:t>(150, 150, 150, 150, 3)</a:t>
-            </a:r>
-          </a:p>
-          <a:p>
-            <a:r>
-              <a:rPr lang="en-US" sz="2400" b="1" i="1" dirty="0"/>
-              <a:t>Activation</a:t>
-            </a:r>
+              <a:t>At the same time a higher momentum is preferred.</a:t>
+            </a:r>
+          </a:p>
+          <a:p>
+            <a:pPr>
+              <a:spcBef>
+                <a:spcPts val="600"/>
+              </a:spcBef>
+            </a:pPr>
+            <a:endParaRPr lang="en-US" sz="2400" dirty="0"/>
+          </a:p>
+          <a:p>
+            <a:pPr>
+              <a:spcBef>
+                <a:spcPts val="600"/>
+              </a:spcBef>
+            </a:pPr>
             <a:r>
               <a:rPr lang="en-US" sz="2400" dirty="0"/>
-              <a:t> </a:t>
-            </a:r>
-            <a:r>
-              <a:rPr lang="en-US" sz="2400" b="1" i="1" dirty="0"/>
-              <a:t>functions</a:t>
-            </a:r>
-            <a:r>
-              <a:rPr lang="it-IT" sz="2400" dirty="0"/>
-              <a:t>:  (Selu, Selu, Selu, Selu, Identity)</a:t>
-            </a:r>
-          </a:p>
-          <a:p>
-            <a:r>
-              <a:rPr lang="it-IT" sz="2400" b="1" i="1" dirty="0"/>
-              <a:t>Learning</a:t>
-            </a:r>
-            <a:r>
-              <a:rPr lang="it-IT" sz="2400" dirty="0"/>
-              <a:t> </a:t>
-            </a:r>
-            <a:r>
-              <a:rPr lang="it-IT" sz="2400" b="1" i="1" dirty="0"/>
-              <a:t>rate</a:t>
-            </a:r>
-            <a:r>
-              <a:rPr lang="it-IT" sz="2400" dirty="0"/>
-              <a:t>:  0.0006</a:t>
-            </a:r>
-          </a:p>
-          <a:p>
-            <a:r>
-              <a:rPr lang="it-IT" sz="2400" b="1" i="1" dirty="0"/>
-              <a:t>Momentum</a:t>
-            </a:r>
-            <a:r>
-              <a:rPr lang="it-IT" sz="2400" dirty="0"/>
-              <a:t> </a:t>
-            </a:r>
-            <a:r>
-              <a:rPr lang="it-IT" sz="2400" b="1" i="1" dirty="0"/>
-              <a:t>alpha</a:t>
-            </a:r>
-            <a:r>
-              <a:rPr lang="it-IT" sz="2400" dirty="0"/>
-              <a:t>:  0.9</a:t>
-            </a:r>
-          </a:p>
-          <a:p>
-            <a:r>
-              <a:rPr lang="en-US" sz="2400" b="1" i="1" dirty="0"/>
-              <a:t>Nesterov Momentum: </a:t>
-            </a:r>
-            <a:r>
-              <a:rPr lang="en-US" sz="2400" dirty="0"/>
-              <a:t>False</a:t>
-            </a:r>
-            <a:endParaRPr lang="en-US" sz="2400" b="1" i="1" dirty="0"/>
-          </a:p>
-          <a:p>
-            <a:r>
-              <a:rPr lang="en-US" sz="2400" b="1" i="1" dirty="0"/>
-              <a:t>Batch</a:t>
-            </a:r>
-          </a:p>
-          <a:p>
-            <a:r>
-              <a:rPr lang="en-US" sz="2400" b="1" i="1" dirty="0"/>
-              <a:t>Lambda</a:t>
-            </a:r>
-            <a:r>
-              <a:rPr lang="en-US" sz="2400" dirty="0"/>
-              <a:t>:  0</a:t>
-            </a:r>
-            <a:endParaRPr lang="it-IT" sz="2400" dirty="0"/>
-          </a:p>
-          <a:p>
-            <a:r>
-              <a:rPr lang="en-US" sz="2400" b="1" i="1" dirty="0"/>
-              <a:t>Stopping criteria</a:t>
-            </a:r>
-            <a:r>
-              <a:rPr lang="en-US" sz="2400" dirty="0"/>
-              <a:t>: stop training when loss improvement on TR is below 1e-6</a:t>
-            </a:r>
-          </a:p>
-          <a:p>
-            <a:r>
-              <a:rPr lang="en-US" sz="2400" b="1" i="1" dirty="0"/>
-              <a:t>Loss function</a:t>
-            </a:r>
-            <a:r>
-              <a:rPr lang="en-US" sz="2400" dirty="0"/>
-              <a:t>: MSE</a:t>
-            </a:r>
-          </a:p>
-          <a:p>
-            <a:r>
-              <a:rPr lang="en-US" sz="2400" b="1" i="1" dirty="0"/>
-              <a:t>Weight initialization: </a:t>
-            </a:r>
-            <a:r>
-              <a:rPr lang="en-US" sz="2400" dirty="0"/>
-              <a:t>“normalized initialization” - Xavier Glorot and Yoshua Bengio [1]</a:t>
+              <a:t>In the preliminary trials Nesterov Momentum seemed to have a negligible effect on the training results. Then, we chose to stick with classical momentum to reduce the number of hyperparameters combinations in the grid searches.</a:t>
             </a:r>
           </a:p>
         </p:txBody>
@@ -8276,14 +8829,14 @@
               <a:rPr lang="it-IT" smtClean="0"/>
               <a:t>17</a:t>
             </a:fld>
-            <a:endParaRPr lang="it-IT"/>
+            <a:endParaRPr lang="it-IT" dirty="0"/>
           </a:p>
         </p:txBody>
       </p:sp>
     </p:spTree>
     <p:extLst>
       <p:ext uri="{BB962C8B-B14F-4D97-AF65-F5344CB8AC3E}">
-        <p14:creationId xmlns:p14="http://schemas.microsoft.com/office/powerpoint/2010/main" val="322801493"/>
+        <p14:creationId xmlns:p14="http://schemas.microsoft.com/office/powerpoint/2010/main" val="3208590103"/>
       </p:ext>
     </p:extLst>
   </p:cSld>
@@ -8333,11 +8886,94 @@
           <a:p>
             <a:r>
               <a:rPr lang="en-US" b="1" dirty="0"/>
-              <a:t>CUP Results </a:t>
-            </a:r>
-            <a:r>
-              <a:rPr lang="en-US" dirty="0"/>
-              <a:t>- Validation</a:t>
+              <a:t>CUP Results</a:t>
+            </a:r>
+            <a:endParaRPr lang="en-US" dirty="0"/>
+          </a:p>
+        </p:txBody>
+      </p:sp>
+      <p:sp>
+        <p:nvSpPr>
+          <p:cNvPr id="3" name="CasellaDiTesto 2">
+            <a:extLst>
+              <a:ext uri="{FF2B5EF4-FFF2-40B4-BE49-F238E27FC236}">
+                <a16:creationId xmlns:a16="http://schemas.microsoft.com/office/drawing/2014/main" id="{54E0DD3B-63BC-7DC6-3291-D2FDFE5BC30B}"/>
+              </a:ext>
+            </a:extLst>
+          </p:cNvPr>
+          <p:cNvSpPr txBox="1"/>
+          <p:nvPr/>
+        </p:nvSpPr>
+        <p:spPr>
+          <a:xfrm>
+            <a:off x="838200" y="1910299"/>
+            <a:ext cx="10685106" cy="4093428"/>
+          </a:xfrm>
+          <a:prstGeom prst="rect">
+            <a:avLst/>
+          </a:prstGeom>
+          <a:noFill/>
+        </p:spPr>
+        <p:txBody>
+          <a:bodyPr wrap="square" rtlCol="0">
+            <a:spAutoFit/>
+          </a:bodyPr>
+          <a:lstStyle/>
+          <a:p>
+            <a:pPr>
+              <a:spcBef>
+                <a:spcPts val="600"/>
+              </a:spcBef>
+            </a:pPr>
+            <a:r>
+              <a:rPr lang="en-US" sz="2400" dirty="0"/>
+              <a:t>Using minibatch find a learning rate to have a stable learning curve turns out to be more complex and require using another hyperparameters for the learning rate decay. At the same time batch give good results, stable learning curves with a tradeoff on training speed.</a:t>
+            </a:r>
+          </a:p>
+          <a:p>
+            <a:pPr>
+              <a:spcBef>
+                <a:spcPts val="600"/>
+              </a:spcBef>
+            </a:pPr>
+            <a:endParaRPr lang="en-US" sz="2400" dirty="0"/>
+          </a:p>
+          <a:p>
+            <a:pPr>
+              <a:spcBef>
+                <a:spcPts val="600"/>
+              </a:spcBef>
+            </a:pPr>
+            <a:r>
+              <a:rPr lang="en-US" sz="2400" dirty="0"/>
+              <a:t>The results from the grid search show little improvement on validation loss when </a:t>
+            </a:r>
+            <a:r>
+              <a:rPr lang="en-US" sz="2400" dirty="0" err="1"/>
+              <a:t>SeLU</a:t>
+            </a:r>
+            <a:r>
+              <a:rPr lang="en-US" sz="2400" dirty="0"/>
+              <a:t> is used as activation functions for the hidden layers.</a:t>
+            </a:r>
+          </a:p>
+          <a:p>
+            <a:pPr>
+              <a:spcBef>
+                <a:spcPts val="600"/>
+              </a:spcBef>
+            </a:pPr>
+            <a:endParaRPr lang="en-US" sz="2400" dirty="0"/>
+          </a:p>
+          <a:p>
+            <a:pPr>
+              <a:spcBef>
+                <a:spcPts val="600"/>
+              </a:spcBef>
+            </a:pPr>
+            <a:r>
+              <a:rPr lang="en-US" sz="2400" dirty="0"/>
+              <a:t>Given this, we chose to move towards large models with either no or low regularization, a high momentum, trained with batch and we did a last grid search.</a:t>
             </a:r>
           </a:p>
         </p:txBody>
@@ -8366,6 +9002,512 @@
             <a:fld id="{642154B9-5AE1-4D93-9ACE-3DF3B522DF2F}" type="slidenum">
               <a:rPr lang="it-IT" smtClean="0"/>
               <a:t>18</a:t>
+            </a:fld>
+            <a:endParaRPr lang="it-IT" dirty="0"/>
+          </a:p>
+        </p:txBody>
+      </p:sp>
+    </p:spTree>
+    <p:extLst>
+      <p:ext uri="{BB962C8B-B14F-4D97-AF65-F5344CB8AC3E}">
+        <p14:creationId xmlns:p14="http://schemas.microsoft.com/office/powerpoint/2010/main" val="1959447846"/>
+      </p:ext>
+    </p:extLst>
+  </p:cSld>
+  <p:clrMapOvr>
+    <a:masterClrMapping/>
+  </p:clrMapOvr>
+</p:sld>
+</file>
+
+<file path=ppt/slides/slide19.xml><?xml version="1.0" encoding="utf-8"?>
+<p:sld xmlns:a="http://schemas.openxmlformats.org/drawingml/2006/main" xmlns:r="http://schemas.openxmlformats.org/officeDocument/2006/relationships" xmlns:p="http://schemas.openxmlformats.org/presentationml/2006/main">
+  <p:cSld>
+    <p:spTree>
+      <p:nvGrpSpPr>
+        <p:cNvPr id="1" name=""/>
+        <p:cNvGrpSpPr/>
+        <p:nvPr/>
+      </p:nvGrpSpPr>
+      <p:grpSpPr>
+        <a:xfrm>
+          <a:off x="0" y="0"/>
+          <a:ext cx="0" cy="0"/>
+          <a:chOff x="0" y="0"/>
+          <a:chExt cx="0" cy="0"/>
+        </a:xfrm>
+      </p:grpSpPr>
+      <p:sp>
+        <p:nvSpPr>
+          <p:cNvPr id="2" name="Titolo 1">
+            <a:extLst>
+              <a:ext uri="{FF2B5EF4-FFF2-40B4-BE49-F238E27FC236}">
+                <a16:creationId xmlns:a16="http://schemas.microsoft.com/office/drawing/2014/main" id="{32242F0D-F3C7-5888-B659-FAE035653A8D}"/>
+              </a:ext>
+            </a:extLst>
+          </p:cNvPr>
+          <p:cNvSpPr>
+            <a:spLocks noGrp="1"/>
+          </p:cNvSpPr>
+          <p:nvPr>
+            <p:ph type="title"/>
+          </p:nvPr>
+        </p:nvSpPr>
+        <p:spPr/>
+        <p:txBody>
+          <a:bodyPr/>
+          <a:lstStyle/>
+          <a:p>
+            <a:r>
+              <a:rPr lang="en-US" b="1" dirty="0"/>
+              <a:t>CUP Results</a:t>
+            </a:r>
+            <a:endParaRPr lang="en-US" dirty="0"/>
+          </a:p>
+        </p:txBody>
+      </p:sp>
+      <p:sp>
+        <p:nvSpPr>
+          <p:cNvPr id="3" name="CasellaDiTesto 2">
+            <a:extLst>
+              <a:ext uri="{FF2B5EF4-FFF2-40B4-BE49-F238E27FC236}">
+                <a16:creationId xmlns:a16="http://schemas.microsoft.com/office/drawing/2014/main" id="{54E0DD3B-63BC-7DC6-3291-D2FDFE5BC30B}"/>
+              </a:ext>
+            </a:extLst>
+          </p:cNvPr>
+          <p:cNvSpPr txBox="1"/>
+          <p:nvPr/>
+        </p:nvSpPr>
+        <p:spPr>
+          <a:xfrm>
+            <a:off x="838199" y="1392030"/>
+            <a:ext cx="10853058" cy="4893647"/>
+          </a:xfrm>
+          <a:prstGeom prst="rect">
+            <a:avLst/>
+          </a:prstGeom>
+          <a:noFill/>
+        </p:spPr>
+        <p:txBody>
+          <a:bodyPr wrap="square" rtlCol="0">
+            <a:spAutoFit/>
+          </a:bodyPr>
+          <a:lstStyle/>
+          <a:p>
+            <a:pPr>
+              <a:lnSpc>
+                <a:spcPct val="150000"/>
+              </a:lnSpc>
+            </a:pPr>
+            <a:r>
+              <a:rPr lang="en-US" sz="2400" dirty="0"/>
+              <a:t>The parameters of the best model found by the last grid search are the following:</a:t>
+            </a:r>
+          </a:p>
+          <a:p>
+            <a:pPr>
+              <a:lnSpc>
+                <a:spcPct val="150000"/>
+              </a:lnSpc>
+            </a:pPr>
+            <a:r>
+              <a:rPr lang="en-US" sz="2400" b="1" i="1" dirty="0"/>
+              <a:t>Layers</a:t>
+            </a:r>
+            <a:r>
+              <a:rPr lang="en-US" sz="2400" dirty="0"/>
+              <a:t>: 5</a:t>
+            </a:r>
+          </a:p>
+          <a:p>
+            <a:r>
+              <a:rPr lang="en-US" sz="2400" b="1" i="1" dirty="0"/>
+              <a:t>Units</a:t>
+            </a:r>
+            <a:r>
+              <a:rPr lang="en-US" sz="2400" dirty="0"/>
+              <a:t>:  </a:t>
+            </a:r>
+            <a:r>
+              <a:rPr lang="it-IT" sz="2400" dirty="0"/>
+              <a:t>(150, 150, 150, 150, 3)</a:t>
+            </a:r>
+          </a:p>
+          <a:p>
+            <a:r>
+              <a:rPr lang="en-US" sz="2400" b="1" i="1" dirty="0"/>
+              <a:t>Activation</a:t>
+            </a:r>
+            <a:r>
+              <a:rPr lang="en-US" sz="2400" dirty="0"/>
+              <a:t> </a:t>
+            </a:r>
+            <a:r>
+              <a:rPr lang="en-US" sz="2400" b="1" i="1" dirty="0"/>
+              <a:t>functions</a:t>
+            </a:r>
+            <a:r>
+              <a:rPr lang="it-IT" sz="2400" dirty="0"/>
+              <a:t>:  (Selu, Selu, Selu, Selu, Identity)</a:t>
+            </a:r>
+          </a:p>
+          <a:p>
+            <a:r>
+              <a:rPr lang="it-IT" sz="2400" b="1" i="1" dirty="0"/>
+              <a:t>Learning</a:t>
+            </a:r>
+            <a:r>
+              <a:rPr lang="it-IT" sz="2400" dirty="0"/>
+              <a:t> </a:t>
+            </a:r>
+            <a:r>
+              <a:rPr lang="it-IT" sz="2400" b="1" i="1" dirty="0"/>
+              <a:t>rate</a:t>
+            </a:r>
+            <a:r>
+              <a:rPr lang="it-IT" sz="2400" dirty="0"/>
+              <a:t>:  0.0006</a:t>
+            </a:r>
+          </a:p>
+          <a:p>
+            <a:r>
+              <a:rPr lang="it-IT" sz="2400" b="1" i="1" dirty="0"/>
+              <a:t>Momentum</a:t>
+            </a:r>
+            <a:r>
+              <a:rPr lang="it-IT" sz="2400" dirty="0"/>
+              <a:t> </a:t>
+            </a:r>
+            <a:r>
+              <a:rPr lang="it-IT" sz="2400" b="1" i="1" dirty="0"/>
+              <a:t>alpha</a:t>
+            </a:r>
+            <a:r>
+              <a:rPr lang="it-IT" sz="2400" dirty="0"/>
+              <a:t>:  0.9</a:t>
+            </a:r>
+          </a:p>
+          <a:p>
+            <a:r>
+              <a:rPr lang="en-US" sz="2400" b="1" i="1" dirty="0"/>
+              <a:t>Nesterov Momentum: </a:t>
+            </a:r>
+            <a:r>
+              <a:rPr lang="en-US" sz="2400" dirty="0"/>
+              <a:t>False</a:t>
+            </a:r>
+            <a:endParaRPr lang="en-US" sz="2400" b="1" i="1" dirty="0"/>
+          </a:p>
+          <a:p>
+            <a:r>
+              <a:rPr lang="en-US" sz="2400" b="1" i="1" dirty="0"/>
+              <a:t>Batch</a:t>
+            </a:r>
+          </a:p>
+          <a:p>
+            <a:r>
+              <a:rPr lang="en-US" sz="2400" b="1" i="1" dirty="0"/>
+              <a:t>Lambda</a:t>
+            </a:r>
+            <a:r>
+              <a:rPr lang="en-US" sz="2400" dirty="0"/>
+              <a:t>:  0</a:t>
+            </a:r>
+            <a:endParaRPr lang="it-IT" sz="2400" dirty="0"/>
+          </a:p>
+          <a:p>
+            <a:r>
+              <a:rPr lang="en-US" sz="2400" b="1" i="1" dirty="0"/>
+              <a:t>Stopping criteria</a:t>
+            </a:r>
+            <a:r>
+              <a:rPr lang="en-US" sz="2400" dirty="0"/>
+              <a:t>: stop training when loss improvement on TR is below 1e-6</a:t>
+            </a:r>
+          </a:p>
+          <a:p>
+            <a:r>
+              <a:rPr lang="en-US" sz="2400" b="1" i="1" dirty="0"/>
+              <a:t>Loss function</a:t>
+            </a:r>
+            <a:r>
+              <a:rPr lang="en-US" sz="2400" dirty="0"/>
+              <a:t>: MSE</a:t>
+            </a:r>
+          </a:p>
+          <a:p>
+            <a:r>
+              <a:rPr lang="en-US" sz="2400" b="1" i="1" dirty="0"/>
+              <a:t>Weight initialization: </a:t>
+            </a:r>
+            <a:r>
+              <a:rPr lang="en-US" sz="2400" dirty="0"/>
+              <a:t>“normalized initialization” - Xavier Glorot and Yoshua Bengio [1]</a:t>
+            </a:r>
+          </a:p>
+        </p:txBody>
+      </p:sp>
+      <p:sp>
+        <p:nvSpPr>
+          <p:cNvPr id="4" name="Segnaposto numero diapositiva 3">
+            <a:extLst>
+              <a:ext uri="{FF2B5EF4-FFF2-40B4-BE49-F238E27FC236}">
+                <a16:creationId xmlns:a16="http://schemas.microsoft.com/office/drawing/2014/main" id="{201898EA-1BAA-015C-F062-D4BC3D7EA6CF}"/>
+              </a:ext>
+            </a:extLst>
+          </p:cNvPr>
+          <p:cNvSpPr>
+            <a:spLocks noGrp="1"/>
+          </p:cNvSpPr>
+          <p:nvPr>
+            <p:ph type="sldNum" sz="quarter" idx="12"/>
+          </p:nvPr>
+        </p:nvSpPr>
+        <p:spPr/>
+        <p:txBody>
+          <a:bodyPr/>
+          <a:lstStyle/>
+          <a:p>
+            <a:fld id="{642154B9-5AE1-4D93-9ACE-3DF3B522DF2F}" type="slidenum">
+              <a:rPr lang="it-IT" smtClean="0"/>
+              <a:t>19</a:t>
+            </a:fld>
+            <a:endParaRPr lang="it-IT"/>
+          </a:p>
+        </p:txBody>
+      </p:sp>
+    </p:spTree>
+    <p:extLst>
+      <p:ext uri="{BB962C8B-B14F-4D97-AF65-F5344CB8AC3E}">
+        <p14:creationId xmlns:p14="http://schemas.microsoft.com/office/powerpoint/2010/main" val="322801493"/>
+      </p:ext>
+    </p:extLst>
+  </p:cSld>
+  <p:clrMapOvr>
+    <a:masterClrMapping/>
+  </p:clrMapOvr>
+</p:sld>
+</file>
+
+<file path=ppt/slides/slide2.xml><?xml version="1.0" encoding="utf-8"?>
+<p:sld xmlns:a="http://schemas.openxmlformats.org/drawingml/2006/main" xmlns:r="http://schemas.openxmlformats.org/officeDocument/2006/relationships" xmlns:p="http://schemas.openxmlformats.org/presentationml/2006/main">
+  <p:cSld>
+    <p:spTree>
+      <p:nvGrpSpPr>
+        <p:cNvPr id="1" name=""/>
+        <p:cNvGrpSpPr/>
+        <p:nvPr/>
+      </p:nvGrpSpPr>
+      <p:grpSpPr>
+        <a:xfrm>
+          <a:off x="0" y="0"/>
+          <a:ext cx="0" cy="0"/>
+          <a:chOff x="0" y="0"/>
+          <a:chExt cx="0" cy="0"/>
+        </a:xfrm>
+      </p:grpSpPr>
+      <p:sp>
+        <p:nvSpPr>
+          <p:cNvPr id="2" name="Titolo 1">
+            <a:extLst>
+              <a:ext uri="{FF2B5EF4-FFF2-40B4-BE49-F238E27FC236}">
+                <a16:creationId xmlns:a16="http://schemas.microsoft.com/office/drawing/2014/main" id="{E84D8D9F-15EA-30D8-79AA-C02335F8D650}"/>
+              </a:ext>
+            </a:extLst>
+          </p:cNvPr>
+          <p:cNvSpPr>
+            <a:spLocks noGrp="1"/>
+          </p:cNvSpPr>
+          <p:nvPr>
+            <p:ph type="title"/>
+          </p:nvPr>
+        </p:nvSpPr>
+        <p:spPr/>
+        <p:txBody>
+          <a:bodyPr/>
+          <a:lstStyle/>
+          <a:p>
+            <a:r>
+              <a:rPr lang="en-US" b="1" dirty="0"/>
+              <a:t>Objectives</a:t>
+            </a:r>
+          </a:p>
+        </p:txBody>
+      </p:sp>
+      <p:sp>
+        <p:nvSpPr>
+          <p:cNvPr id="3" name="Segnaposto contenuto 2">
+            <a:extLst>
+              <a:ext uri="{FF2B5EF4-FFF2-40B4-BE49-F238E27FC236}">
+                <a16:creationId xmlns:a16="http://schemas.microsoft.com/office/drawing/2014/main" id="{44613253-3423-3031-784D-6A66531EC89A}"/>
+              </a:ext>
+            </a:extLst>
+          </p:cNvPr>
+          <p:cNvSpPr>
+            <a:spLocks noGrp="1"/>
+          </p:cNvSpPr>
+          <p:nvPr>
+            <p:ph idx="1"/>
+          </p:nvPr>
+        </p:nvSpPr>
+        <p:spPr>
+          <a:xfrm>
+            <a:off x="838200" y="1825625"/>
+            <a:ext cx="10515600" cy="4743126"/>
+          </a:xfrm>
+        </p:spPr>
+        <p:txBody>
+          <a:bodyPr>
+            <a:normAutofit/>
+          </a:bodyPr>
+          <a:lstStyle/>
+          <a:p>
+            <a:r>
+              <a:rPr lang="en-US" dirty="0"/>
+              <a:t>Implement a Neural Network simulator with multiple functionalities to solve classification and regression problems.</a:t>
+            </a:r>
+          </a:p>
+          <a:p>
+            <a:pPr marL="0" indent="0">
+              <a:buNone/>
+            </a:pPr>
+            <a:endParaRPr lang="en-US" dirty="0"/>
+          </a:p>
+          <a:p>
+            <a:r>
+              <a:rPr lang="en-US" dirty="0"/>
+              <a:t>With the help of (random) grid search, K-Fold and double K-Fold find the best network architecture and hyperparameters configuration to obtain a model able to predict the CUP challenge targets with a low error.</a:t>
+            </a:r>
+          </a:p>
+          <a:p>
+            <a:endParaRPr lang="en-US" dirty="0"/>
+          </a:p>
+          <a:p>
+            <a:r>
+              <a:rPr lang="en-US" dirty="0"/>
+              <a:t>We used a Feedforward Neural Network trained with gradient descent algorithm, using backpropagation to calculate the gradients.</a:t>
+            </a:r>
+          </a:p>
+          <a:p>
+            <a:endParaRPr lang="en-US" dirty="0"/>
+          </a:p>
+        </p:txBody>
+      </p:sp>
+      <p:sp>
+        <p:nvSpPr>
+          <p:cNvPr id="5" name="Segnaposto numero diapositiva 4">
+            <a:extLst>
+              <a:ext uri="{FF2B5EF4-FFF2-40B4-BE49-F238E27FC236}">
+                <a16:creationId xmlns:a16="http://schemas.microsoft.com/office/drawing/2014/main" id="{EBA58AE4-415E-35D9-20A6-87373E13CD77}"/>
+              </a:ext>
+            </a:extLst>
+          </p:cNvPr>
+          <p:cNvSpPr>
+            <a:spLocks noGrp="1"/>
+          </p:cNvSpPr>
+          <p:nvPr>
+            <p:ph type="sldNum" sz="quarter" idx="12"/>
+          </p:nvPr>
+        </p:nvSpPr>
+        <p:spPr/>
+        <p:txBody>
+          <a:bodyPr/>
+          <a:lstStyle/>
+          <a:p>
+            <a:fld id="{642154B9-5AE1-4D93-9ACE-3DF3B522DF2F}" type="slidenum">
+              <a:rPr lang="it-IT" smtClean="0"/>
+              <a:t>2</a:t>
+            </a:fld>
+            <a:endParaRPr lang="it-IT"/>
+          </a:p>
+        </p:txBody>
+      </p:sp>
+    </p:spTree>
+    <p:extLst>
+      <p:ext uri="{BB962C8B-B14F-4D97-AF65-F5344CB8AC3E}">
+        <p14:creationId xmlns:p14="http://schemas.microsoft.com/office/powerpoint/2010/main" val="1035383574"/>
+      </p:ext>
+    </p:extLst>
+  </p:cSld>
+  <p:clrMapOvr>
+    <a:masterClrMapping/>
+  </p:clrMapOvr>
+</p:sld>
+</file>
+
+<file path=ppt/slides/slide20.xml><?xml version="1.0" encoding="utf-8"?>
+<p:sld xmlns:a="http://schemas.openxmlformats.org/drawingml/2006/main" xmlns:r="http://schemas.openxmlformats.org/officeDocument/2006/relationships" xmlns:p="http://schemas.openxmlformats.org/presentationml/2006/main">
+  <p:cSld>
+    <p:spTree>
+      <p:nvGrpSpPr>
+        <p:cNvPr id="1" name=""/>
+        <p:cNvGrpSpPr/>
+        <p:nvPr/>
+      </p:nvGrpSpPr>
+      <p:grpSpPr>
+        <a:xfrm>
+          <a:off x="0" y="0"/>
+          <a:ext cx="0" cy="0"/>
+          <a:chOff x="0" y="0"/>
+          <a:chExt cx="0" cy="0"/>
+        </a:xfrm>
+      </p:grpSpPr>
+      <p:sp>
+        <p:nvSpPr>
+          <p:cNvPr id="2" name="Titolo 1">
+            <a:extLst>
+              <a:ext uri="{FF2B5EF4-FFF2-40B4-BE49-F238E27FC236}">
+                <a16:creationId xmlns:a16="http://schemas.microsoft.com/office/drawing/2014/main" id="{32242F0D-F3C7-5888-B659-FAE035653A8D}"/>
+              </a:ext>
+            </a:extLst>
+          </p:cNvPr>
+          <p:cNvSpPr>
+            <a:spLocks noGrp="1"/>
+          </p:cNvSpPr>
+          <p:nvPr>
+            <p:ph type="title"/>
+          </p:nvPr>
+        </p:nvSpPr>
+        <p:spPr/>
+        <p:txBody>
+          <a:bodyPr/>
+          <a:lstStyle/>
+          <a:p>
+            <a:r>
+              <a:rPr lang="en-US" b="1" dirty="0"/>
+              <a:t>CUP Results </a:t>
+            </a:r>
+            <a:r>
+              <a:rPr lang="en-US" dirty="0"/>
+              <a:t>- Validation</a:t>
+            </a:r>
+          </a:p>
+        </p:txBody>
+      </p:sp>
+      <p:sp>
+        <p:nvSpPr>
+          <p:cNvPr id="4" name="Segnaposto numero diapositiva 3">
+            <a:extLst>
+              <a:ext uri="{FF2B5EF4-FFF2-40B4-BE49-F238E27FC236}">
+                <a16:creationId xmlns:a16="http://schemas.microsoft.com/office/drawing/2014/main" id="{201898EA-1BAA-015C-F062-D4BC3D7EA6CF}"/>
+              </a:ext>
+            </a:extLst>
+          </p:cNvPr>
+          <p:cNvSpPr>
+            <a:spLocks noGrp="1"/>
+          </p:cNvSpPr>
+          <p:nvPr>
+            <p:ph type="sldNum" sz="quarter" idx="12"/>
+          </p:nvPr>
+        </p:nvSpPr>
+        <p:spPr/>
+        <p:txBody>
+          <a:bodyPr/>
+          <a:lstStyle/>
+          <a:p>
+            <a:fld id="{642154B9-5AE1-4D93-9ACE-3DF3B522DF2F}" type="slidenum">
+              <a:rPr lang="it-IT" smtClean="0"/>
+              <a:t>20</a:t>
             </a:fld>
             <a:endParaRPr lang="it-IT"/>
           </a:p>
@@ -8803,7 +9945,7 @@
 </p:sld>
 </file>
 
-<file path=ppt/slides/slide19.xml><?xml version="1.0" encoding="utf-8"?>
+<file path=ppt/slides/slide21.xml><?xml version="1.0" encoding="utf-8"?>
 <p:sld xmlns:a="http://schemas.openxmlformats.org/drawingml/2006/main" xmlns:r="http://schemas.openxmlformats.org/officeDocument/2006/relationships" xmlns:p="http://schemas.openxmlformats.org/presentationml/2006/main">
   <p:cSld>
     <p:spTree>
@@ -8875,7 +10017,7 @@
           <a:p>
             <a:fld id="{642154B9-5AE1-4D93-9ACE-3DF3B522DF2F}" type="slidenum">
               <a:rPr lang="it-IT" smtClean="0"/>
-              <a:t>19</a:t>
+              <a:t>21</a:t>
             </a:fld>
             <a:endParaRPr lang="it-IT"/>
           </a:p>
@@ -9311,511 +10453,6 @@
 </p:sld>
 </file>
 
-<file path=ppt/slides/slide2.xml><?xml version="1.0" encoding="utf-8"?>
-<p:sld xmlns:a="http://schemas.openxmlformats.org/drawingml/2006/main" xmlns:r="http://schemas.openxmlformats.org/officeDocument/2006/relationships" xmlns:p="http://schemas.openxmlformats.org/presentationml/2006/main">
-  <p:cSld>
-    <p:spTree>
-      <p:nvGrpSpPr>
-        <p:cNvPr id="1" name=""/>
-        <p:cNvGrpSpPr/>
-        <p:nvPr/>
-      </p:nvGrpSpPr>
-      <p:grpSpPr>
-        <a:xfrm>
-          <a:off x="0" y="0"/>
-          <a:ext cx="0" cy="0"/>
-          <a:chOff x="0" y="0"/>
-          <a:chExt cx="0" cy="0"/>
-        </a:xfrm>
-      </p:grpSpPr>
-      <p:sp>
-        <p:nvSpPr>
-          <p:cNvPr id="2" name="Titolo 1">
-            <a:extLst>
-              <a:ext uri="{FF2B5EF4-FFF2-40B4-BE49-F238E27FC236}">
-                <a16:creationId xmlns:a16="http://schemas.microsoft.com/office/drawing/2014/main" id="{E84D8D9F-15EA-30D8-79AA-C02335F8D650}"/>
-              </a:ext>
-            </a:extLst>
-          </p:cNvPr>
-          <p:cNvSpPr>
-            <a:spLocks noGrp="1"/>
-          </p:cNvSpPr>
-          <p:nvPr>
-            <p:ph type="title"/>
-          </p:nvPr>
-        </p:nvSpPr>
-        <p:spPr/>
-        <p:txBody>
-          <a:bodyPr/>
-          <a:lstStyle/>
-          <a:p>
-            <a:r>
-              <a:rPr lang="en-US" b="1" dirty="0"/>
-              <a:t>Objectives</a:t>
-            </a:r>
-          </a:p>
-        </p:txBody>
-      </p:sp>
-      <p:sp>
-        <p:nvSpPr>
-          <p:cNvPr id="3" name="Segnaposto contenuto 2">
-            <a:extLst>
-              <a:ext uri="{FF2B5EF4-FFF2-40B4-BE49-F238E27FC236}">
-                <a16:creationId xmlns:a16="http://schemas.microsoft.com/office/drawing/2014/main" id="{44613253-3423-3031-784D-6A66531EC89A}"/>
-              </a:ext>
-            </a:extLst>
-          </p:cNvPr>
-          <p:cNvSpPr>
-            <a:spLocks noGrp="1"/>
-          </p:cNvSpPr>
-          <p:nvPr>
-            <p:ph idx="1"/>
-          </p:nvPr>
-        </p:nvSpPr>
-        <p:spPr>
-          <a:xfrm>
-            <a:off x="838200" y="1825625"/>
-            <a:ext cx="10515600" cy="4743126"/>
-          </a:xfrm>
-        </p:spPr>
-        <p:txBody>
-          <a:bodyPr>
-            <a:normAutofit/>
-          </a:bodyPr>
-          <a:lstStyle/>
-          <a:p>
-            <a:r>
-              <a:rPr lang="en-US" dirty="0"/>
-              <a:t>Implement a Neural Network simulator with multiple functionalities to solve classification and regression problems.</a:t>
-            </a:r>
-          </a:p>
-          <a:p>
-            <a:pPr marL="0" indent="0">
-              <a:buNone/>
-            </a:pPr>
-            <a:endParaRPr lang="en-US" dirty="0"/>
-          </a:p>
-          <a:p>
-            <a:r>
-              <a:rPr lang="en-US" dirty="0"/>
-              <a:t>With the help of grid search (also random), K-Fold and double K-Fold find the best network architecture and hyperparameters configuration to obtain a model able to predict, with a low error, the CUP challenge targets.</a:t>
-            </a:r>
-          </a:p>
-          <a:p>
-            <a:endParaRPr lang="en-US" dirty="0"/>
-          </a:p>
-          <a:p>
-            <a:r>
-              <a:rPr lang="en-US" dirty="0"/>
-              <a:t>We used a Feedforward Neural Network trained with gradient descent algorithm, using backpropagation to calculate the gradients.</a:t>
-            </a:r>
-          </a:p>
-          <a:p>
-            <a:endParaRPr lang="en-US" dirty="0"/>
-          </a:p>
-        </p:txBody>
-      </p:sp>
-      <p:sp>
-        <p:nvSpPr>
-          <p:cNvPr id="5" name="Segnaposto numero diapositiva 4">
-            <a:extLst>
-              <a:ext uri="{FF2B5EF4-FFF2-40B4-BE49-F238E27FC236}">
-                <a16:creationId xmlns:a16="http://schemas.microsoft.com/office/drawing/2014/main" id="{EBA58AE4-415E-35D9-20A6-87373E13CD77}"/>
-              </a:ext>
-            </a:extLst>
-          </p:cNvPr>
-          <p:cNvSpPr>
-            <a:spLocks noGrp="1"/>
-          </p:cNvSpPr>
-          <p:nvPr>
-            <p:ph type="sldNum" sz="quarter" idx="12"/>
-          </p:nvPr>
-        </p:nvSpPr>
-        <p:spPr/>
-        <p:txBody>
-          <a:bodyPr/>
-          <a:lstStyle/>
-          <a:p>
-            <a:fld id="{642154B9-5AE1-4D93-9ACE-3DF3B522DF2F}" type="slidenum">
-              <a:rPr lang="it-IT" smtClean="0"/>
-              <a:t>2</a:t>
-            </a:fld>
-            <a:endParaRPr lang="it-IT"/>
-          </a:p>
-        </p:txBody>
-      </p:sp>
-    </p:spTree>
-    <p:extLst>
-      <p:ext uri="{BB962C8B-B14F-4D97-AF65-F5344CB8AC3E}">
-        <p14:creationId xmlns:p14="http://schemas.microsoft.com/office/powerpoint/2010/main" val="1035383574"/>
-      </p:ext>
-    </p:extLst>
-  </p:cSld>
-  <p:clrMapOvr>
-    <a:masterClrMapping/>
-  </p:clrMapOvr>
-</p:sld>
-</file>
-
-<file path=ppt/slides/slide20.xml><?xml version="1.0" encoding="utf-8"?>
-<p:sld xmlns:a="http://schemas.openxmlformats.org/drawingml/2006/main" xmlns:r="http://schemas.openxmlformats.org/officeDocument/2006/relationships" xmlns:p="http://schemas.openxmlformats.org/presentationml/2006/main">
-  <p:cSld>
-    <p:spTree>
-      <p:nvGrpSpPr>
-        <p:cNvPr id="1" name=""/>
-        <p:cNvGrpSpPr/>
-        <p:nvPr/>
-      </p:nvGrpSpPr>
-      <p:grpSpPr>
-        <a:xfrm>
-          <a:off x="0" y="0"/>
-          <a:ext cx="0" cy="0"/>
-          <a:chOff x="0" y="0"/>
-          <a:chExt cx="0" cy="0"/>
-        </a:xfrm>
-      </p:grpSpPr>
-      <p:sp>
-        <p:nvSpPr>
-          <p:cNvPr id="2" name="Titolo 1">
-            <a:extLst>
-              <a:ext uri="{FF2B5EF4-FFF2-40B4-BE49-F238E27FC236}">
-                <a16:creationId xmlns:a16="http://schemas.microsoft.com/office/drawing/2014/main" id="{32242F0D-F3C7-5888-B659-FAE035653A8D}"/>
-              </a:ext>
-            </a:extLst>
-          </p:cNvPr>
-          <p:cNvSpPr>
-            <a:spLocks noGrp="1"/>
-          </p:cNvSpPr>
-          <p:nvPr>
-            <p:ph type="title"/>
-          </p:nvPr>
-        </p:nvSpPr>
-        <p:spPr/>
-        <p:txBody>
-          <a:bodyPr/>
-          <a:lstStyle/>
-          <a:p>
-            <a:r>
-              <a:rPr lang="en-US" b="1" dirty="0"/>
-              <a:t>Discussion</a:t>
-            </a:r>
-            <a:endParaRPr lang="en-US" dirty="0"/>
-          </a:p>
-        </p:txBody>
-      </p:sp>
-      <p:sp>
-        <p:nvSpPr>
-          <p:cNvPr id="3" name="CasellaDiTesto 2">
-            <a:extLst>
-              <a:ext uri="{FF2B5EF4-FFF2-40B4-BE49-F238E27FC236}">
-                <a16:creationId xmlns:a16="http://schemas.microsoft.com/office/drawing/2014/main" id="{0448DF09-38BE-4CA2-C490-2A9388B7B27C}"/>
-              </a:ext>
-            </a:extLst>
-          </p:cNvPr>
-          <p:cNvSpPr txBox="1"/>
-          <p:nvPr/>
-        </p:nvSpPr>
-        <p:spPr>
-          <a:xfrm>
-            <a:off x="914400" y="1690688"/>
-            <a:ext cx="10758196" cy="4524315"/>
-          </a:xfrm>
-          <a:prstGeom prst="rect">
-            <a:avLst/>
-          </a:prstGeom>
-          <a:noFill/>
-        </p:spPr>
-        <p:txBody>
-          <a:bodyPr wrap="square" rtlCol="0">
-            <a:spAutoFit/>
-          </a:bodyPr>
-          <a:lstStyle/>
-          <a:p>
-            <a:pPr marL="285750" indent="-285750">
-              <a:buFont typeface="Arial" panose="020B0604020202020204" pitchFamily="34" charset="0"/>
-              <a:buChar char="•"/>
-            </a:pPr>
-            <a:r>
-              <a:rPr lang="en-US" sz="2400" dirty="0"/>
-              <a:t>To experiment, we tried many times to overfit the data with big networks and many </a:t>
-            </a:r>
-            <a:r>
-              <a:rPr lang="it-IT" sz="2400" dirty="0"/>
-              <a:t>training </a:t>
-            </a:r>
-            <a:r>
-              <a:rPr lang="en-US" sz="2400" dirty="0"/>
-              <a:t>epochs but</a:t>
-            </a:r>
-            <a:r>
-              <a:rPr lang="it-IT" sz="2400" dirty="0"/>
-              <a:t> </a:t>
-            </a:r>
-            <a:r>
-              <a:rPr lang="en-US" sz="2400" dirty="0"/>
-              <a:t>were unable to do so. We only observed that the validation loss start to decrease slower than the training loss. To verify if there were any issues with our simulator, we conducted tests with Keras and obtained the same results.</a:t>
-            </a:r>
-          </a:p>
-          <a:p>
-            <a:pPr marL="285750" indent="-285750">
-              <a:buFont typeface="Arial" panose="020B0604020202020204" pitchFamily="34" charset="0"/>
-              <a:buChar char="•"/>
-            </a:pPr>
-            <a:endParaRPr lang="en-US" sz="2400" dirty="0"/>
-          </a:p>
-          <a:p>
-            <a:pPr marL="285750" indent="-285750">
-              <a:buFont typeface="Arial" panose="020B0604020202020204" pitchFamily="34" charset="0"/>
-              <a:buChar char="•"/>
-            </a:pPr>
-            <a:r>
-              <a:rPr lang="en-US" sz="2400" dirty="0"/>
-              <a:t>Computing gradients for all the patterns with matrix multiplication, instead of computing them for one pattern at time using scalar products gives a massive improvement in executions time. This enhancement enables the testing of bigger networks and higher epochs in reasonable time.</a:t>
-            </a:r>
-          </a:p>
-          <a:p>
-            <a:pPr marL="285750" indent="-285750">
-              <a:buFont typeface="Arial" panose="020B0604020202020204" pitchFamily="34" charset="0"/>
-              <a:buChar char="•"/>
-            </a:pPr>
-            <a:endParaRPr lang="en-US" sz="2400" dirty="0"/>
-          </a:p>
-          <a:p>
-            <a:pPr marL="285750" indent="-285750">
-              <a:buFont typeface="Arial" panose="020B0604020202020204" pitchFamily="34" charset="0"/>
-              <a:buChar char="•"/>
-            </a:pPr>
-            <a:r>
-              <a:rPr lang="en-US" sz="2400" dirty="0"/>
-              <a:t>Momentum is essential for good learning (especially with batch)</a:t>
-            </a:r>
-            <a:endParaRPr lang="it-IT" sz="2400" dirty="0"/>
-          </a:p>
-        </p:txBody>
-      </p:sp>
-      <p:sp>
-        <p:nvSpPr>
-          <p:cNvPr id="4" name="Segnaposto numero diapositiva 3">
-            <a:extLst>
-              <a:ext uri="{FF2B5EF4-FFF2-40B4-BE49-F238E27FC236}">
-                <a16:creationId xmlns:a16="http://schemas.microsoft.com/office/drawing/2014/main" id="{27DADCDE-31C1-417C-F6D0-EB4A4DCE30CB}"/>
-              </a:ext>
-            </a:extLst>
-          </p:cNvPr>
-          <p:cNvSpPr>
-            <a:spLocks noGrp="1"/>
-          </p:cNvSpPr>
-          <p:nvPr>
-            <p:ph type="sldNum" sz="quarter" idx="12"/>
-          </p:nvPr>
-        </p:nvSpPr>
-        <p:spPr/>
-        <p:txBody>
-          <a:bodyPr/>
-          <a:lstStyle/>
-          <a:p>
-            <a:fld id="{642154B9-5AE1-4D93-9ACE-3DF3B522DF2F}" type="slidenum">
-              <a:rPr lang="it-IT" smtClean="0"/>
-              <a:t>20</a:t>
-            </a:fld>
-            <a:endParaRPr lang="it-IT"/>
-          </a:p>
-        </p:txBody>
-      </p:sp>
-    </p:spTree>
-    <p:extLst>
-      <p:ext uri="{BB962C8B-B14F-4D97-AF65-F5344CB8AC3E}">
-        <p14:creationId xmlns:p14="http://schemas.microsoft.com/office/powerpoint/2010/main" val="3244110880"/>
-      </p:ext>
-    </p:extLst>
-  </p:cSld>
-  <p:clrMapOvr>
-    <a:masterClrMapping/>
-  </p:clrMapOvr>
-</p:sld>
-</file>
-
-<file path=ppt/slides/slide21.xml><?xml version="1.0" encoding="utf-8"?>
-<p:sld xmlns:a="http://schemas.openxmlformats.org/drawingml/2006/main" xmlns:r="http://schemas.openxmlformats.org/officeDocument/2006/relationships" xmlns:p="http://schemas.openxmlformats.org/presentationml/2006/main">
-  <p:cSld>
-    <p:spTree>
-      <p:nvGrpSpPr>
-        <p:cNvPr id="1" name=""/>
-        <p:cNvGrpSpPr/>
-        <p:nvPr/>
-      </p:nvGrpSpPr>
-      <p:grpSpPr>
-        <a:xfrm>
-          <a:off x="0" y="0"/>
-          <a:ext cx="0" cy="0"/>
-          <a:chOff x="0" y="0"/>
-          <a:chExt cx="0" cy="0"/>
-        </a:xfrm>
-      </p:grpSpPr>
-      <p:sp>
-        <p:nvSpPr>
-          <p:cNvPr id="2" name="Titolo 1">
-            <a:extLst>
-              <a:ext uri="{FF2B5EF4-FFF2-40B4-BE49-F238E27FC236}">
-                <a16:creationId xmlns:a16="http://schemas.microsoft.com/office/drawing/2014/main" id="{32242F0D-F3C7-5888-B659-FAE035653A8D}"/>
-              </a:ext>
-            </a:extLst>
-          </p:cNvPr>
-          <p:cNvSpPr>
-            <a:spLocks noGrp="1"/>
-          </p:cNvSpPr>
-          <p:nvPr>
-            <p:ph type="title"/>
-          </p:nvPr>
-        </p:nvSpPr>
-        <p:spPr/>
-        <p:txBody>
-          <a:bodyPr/>
-          <a:lstStyle/>
-          <a:p>
-            <a:r>
-              <a:rPr lang="en-US" b="1" dirty="0"/>
-              <a:t>Discussion</a:t>
-            </a:r>
-            <a:endParaRPr lang="en-US" dirty="0"/>
-          </a:p>
-        </p:txBody>
-      </p:sp>
-      <p:sp>
-        <p:nvSpPr>
-          <p:cNvPr id="3" name="CasellaDiTesto 2">
-            <a:extLst>
-              <a:ext uri="{FF2B5EF4-FFF2-40B4-BE49-F238E27FC236}">
-                <a16:creationId xmlns:a16="http://schemas.microsoft.com/office/drawing/2014/main" id="{0448DF09-38BE-4CA2-C490-2A9388B7B27C}"/>
-              </a:ext>
-            </a:extLst>
-          </p:cNvPr>
-          <p:cNvSpPr txBox="1"/>
-          <p:nvPr/>
-        </p:nvSpPr>
-        <p:spPr>
-          <a:xfrm>
-            <a:off x="914400" y="1690688"/>
-            <a:ext cx="10758196" cy="4524315"/>
-          </a:xfrm>
-          <a:prstGeom prst="rect">
-            <a:avLst/>
-          </a:prstGeom>
-          <a:noFill/>
-        </p:spPr>
-        <p:txBody>
-          <a:bodyPr wrap="square" rtlCol="0">
-            <a:spAutoFit/>
-          </a:bodyPr>
-          <a:lstStyle/>
-          <a:p>
-            <a:pPr marL="285750" indent="-285750">
-              <a:buFont typeface="Arial" panose="020B0604020202020204" pitchFamily="34" charset="0"/>
-              <a:buChar char="•"/>
-            </a:pPr>
-            <a:r>
-              <a:rPr lang="en-US" sz="2400" dirty="0" err="1"/>
-              <a:t>ReLU</a:t>
-            </a:r>
-            <a:r>
-              <a:rPr lang="en-US" sz="2400" dirty="0"/>
-              <a:t> (and its variants like Leaky </a:t>
-            </a:r>
-            <a:r>
-              <a:rPr lang="en-US" sz="2400" dirty="0" err="1"/>
-              <a:t>ReLU</a:t>
-            </a:r>
-            <a:r>
-              <a:rPr lang="en-US" sz="2400" dirty="0"/>
-              <a:t> and </a:t>
-            </a:r>
-            <a:r>
-              <a:rPr lang="en-US" sz="2400" dirty="0" err="1"/>
-              <a:t>SeLU</a:t>
-            </a:r>
-            <a:r>
-              <a:rPr lang="en-US" sz="2400" dirty="0"/>
-              <a:t>) tends to perform better than other activation functions during the training, with a more uniform and stable gradient descent.</a:t>
-            </a:r>
-          </a:p>
-          <a:p>
-            <a:pPr marL="285750" indent="-285750">
-              <a:buFont typeface="Arial" panose="020B0604020202020204" pitchFamily="34" charset="0"/>
-              <a:buChar char="•"/>
-            </a:pPr>
-            <a:endParaRPr lang="en-US" sz="2400" dirty="0"/>
-          </a:p>
-          <a:p>
-            <a:pPr marL="285750" indent="-285750">
-              <a:buFont typeface="Arial" panose="020B0604020202020204" pitchFamily="34" charset="0"/>
-              <a:buChar char="•"/>
-            </a:pPr>
-            <a:r>
-              <a:rPr lang="en-US" sz="2400" dirty="0"/>
-              <a:t>We realized that performing model selection require a lot of time, more than we had anticipated. Given that small tweaks to neural network hyperparameters yield significant variations in both training dynamics and outcomes, the combinations of hyperparameters to test are truly numerous, and for each is required a careful review.</a:t>
-            </a:r>
-          </a:p>
-          <a:p>
-            <a:pPr marL="285750" indent="-285750">
-              <a:buFont typeface="Arial" panose="020B0604020202020204" pitchFamily="34" charset="0"/>
-              <a:buChar char="•"/>
-            </a:pPr>
-            <a:endParaRPr lang="en-US" sz="2400" dirty="0"/>
-          </a:p>
-          <a:p>
-            <a:pPr marL="285750" indent="-285750">
-              <a:buFont typeface="Arial" panose="020B0604020202020204" pitchFamily="34" charset="0"/>
-              <a:buChar char="•"/>
-            </a:pPr>
-            <a:r>
-              <a:rPr lang="en-US" sz="2400" dirty="0"/>
-              <a:t>Rescaling the data using znorm (mean to 0, standard deviation to 1) did not improve the results</a:t>
-            </a:r>
-          </a:p>
-        </p:txBody>
-      </p:sp>
-      <p:sp>
-        <p:nvSpPr>
-          <p:cNvPr id="4" name="Segnaposto numero diapositiva 3">
-            <a:extLst>
-              <a:ext uri="{FF2B5EF4-FFF2-40B4-BE49-F238E27FC236}">
-                <a16:creationId xmlns:a16="http://schemas.microsoft.com/office/drawing/2014/main" id="{2878071C-5785-A130-6658-0C2D8DDD6C40}"/>
-              </a:ext>
-            </a:extLst>
-          </p:cNvPr>
-          <p:cNvSpPr>
-            <a:spLocks noGrp="1"/>
-          </p:cNvSpPr>
-          <p:nvPr>
-            <p:ph type="sldNum" sz="quarter" idx="12"/>
-          </p:nvPr>
-        </p:nvSpPr>
-        <p:spPr/>
-        <p:txBody>
-          <a:bodyPr/>
-          <a:lstStyle/>
-          <a:p>
-            <a:fld id="{642154B9-5AE1-4D93-9ACE-3DF3B522DF2F}" type="slidenum">
-              <a:rPr lang="it-IT" smtClean="0"/>
-              <a:t>21</a:t>
-            </a:fld>
-            <a:endParaRPr lang="it-IT"/>
-          </a:p>
-        </p:txBody>
-      </p:sp>
-    </p:spTree>
-    <p:extLst>
-      <p:ext uri="{BB962C8B-B14F-4D97-AF65-F5344CB8AC3E}">
-        <p14:creationId xmlns:p14="http://schemas.microsoft.com/office/powerpoint/2010/main" val="689527355"/>
-      </p:ext>
-    </p:extLst>
-  </p:cSld>
-  <p:clrMapOvr>
-    <a:masterClrMapping/>
-  </p:clrMapOvr>
-</p:sld>
-</file>
-
 <file path=ppt/slides/slide22.xml><?xml version="1.0" encoding="utf-8"?>
 <p:sld xmlns:a="http://schemas.openxmlformats.org/drawingml/2006/main" xmlns:r="http://schemas.openxmlformats.org/officeDocument/2006/relationships" xmlns:p="http://schemas.openxmlformats.org/presentationml/2006/main">
   <p:cSld>
@@ -9856,9 +10493,41 @@
           <a:p>
             <a:r>
               <a:rPr lang="en-US" b="1" dirty="0"/>
-              <a:t>Conclusions</a:t>
-            </a:r>
-            <a:endParaRPr lang="en-US" dirty="0"/>
+              <a:t>CUP Results </a:t>
+            </a:r>
+            <a:r>
+              <a:rPr lang="en-US" dirty="0"/>
+              <a:t>– Computing time</a:t>
+            </a:r>
+          </a:p>
+        </p:txBody>
+      </p:sp>
+      <p:sp>
+        <p:nvSpPr>
+          <p:cNvPr id="4" name="Segnaposto numero diapositiva 3">
+            <a:extLst>
+              <a:ext uri="{FF2B5EF4-FFF2-40B4-BE49-F238E27FC236}">
+                <a16:creationId xmlns:a16="http://schemas.microsoft.com/office/drawing/2014/main" id="{201898EA-1BAA-015C-F062-D4BC3D7EA6CF}"/>
+              </a:ext>
+            </a:extLst>
+          </p:cNvPr>
+          <p:cNvSpPr>
+            <a:spLocks noGrp="1"/>
+          </p:cNvSpPr>
+          <p:nvPr>
+            <p:ph type="sldNum" sz="quarter" idx="12"/>
+          </p:nvPr>
+        </p:nvSpPr>
+        <p:spPr/>
+        <p:txBody>
+          <a:bodyPr/>
+          <a:lstStyle/>
+          <a:p>
+            <a:fld id="{642154B9-5AE1-4D93-9ACE-3DF3B522DF2F}" type="slidenum">
+              <a:rPr lang="it-IT" smtClean="0"/>
+              <a:t>22</a:t>
+            </a:fld>
+            <a:endParaRPr lang="it-IT"/>
           </a:p>
         </p:txBody>
       </p:sp>
@@ -9867,7 +10536,7 @@
           <p:cNvPr id="3" name="CasellaDiTesto 2">
             <a:extLst>
               <a:ext uri="{FF2B5EF4-FFF2-40B4-BE49-F238E27FC236}">
-                <a16:creationId xmlns:a16="http://schemas.microsoft.com/office/drawing/2014/main" id="{0448DF09-38BE-4CA2-C490-2A9388B7B27C}"/>
+                <a16:creationId xmlns:a16="http://schemas.microsoft.com/office/drawing/2014/main" id="{1306F972-2D32-09B1-11A3-77E38A2727BA}"/>
               </a:ext>
             </a:extLst>
           </p:cNvPr>
@@ -9877,7 +10546,7 @@
         <p:spPr>
           <a:xfrm>
             <a:off x="838200" y="1690688"/>
-            <a:ext cx="10758196" cy="4154984"/>
+            <a:ext cx="10142375" cy="1938992"/>
           </a:xfrm>
           <a:prstGeom prst="rect">
             <a:avLst/>
@@ -9892,7 +10561,17 @@
           <a:p>
             <a:r>
               <a:rPr lang="en-US" sz="2400" dirty="0"/>
-              <a:t>This project allowed us to find a connection between the theory and the practice studied during the course, indeed we dialed with overfitting, regularization, networks architecture and many other aspects discussed in the lectures.</a:t>
+              <a:t>First laptop:</a:t>
+            </a:r>
+          </a:p>
+          <a:p>
+            <a:pPr marL="342900" indent="-342900">
+              <a:buFont typeface="Arial" panose="020B0604020202020204" pitchFamily="34" charset="0"/>
+              <a:buChar char="•"/>
+            </a:pPr>
+            <a:r>
+              <a:rPr lang="en-US" sz="2400" dirty="0"/>
+              <a:t>Intel i7  8-th generation, non-dedicated GPU:		≈ 14 minutes</a:t>
             </a:r>
           </a:p>
           <a:p>
@@ -9901,53 +10580,60 @@
           <a:p>
             <a:r>
               <a:rPr lang="en-US" sz="2400" dirty="0"/>
-              <a:t>Creating an NN simulator from scratch was a demanding challenge, but very educational. This collaborative project not only expanded our technical knowledge but also enriched our experience in working collaboratively within a group setting.</a:t>
-            </a:r>
-          </a:p>
-          <a:p>
-            <a:endParaRPr lang="en-US" sz="2400" dirty="0"/>
-          </a:p>
-          <a:p>
+              <a:t>Second laptop:</a:t>
+            </a:r>
+          </a:p>
+          <a:p>
+            <a:pPr marL="342900" indent="-342900">
+              <a:buFont typeface="Arial" panose="020B0604020202020204" pitchFamily="34" charset="0"/>
+              <a:buChar char="•"/>
+            </a:pPr>
             <a:r>
               <a:rPr lang="en-US" sz="2400" dirty="0"/>
-              <a:t>In conclusion regarding our project, we believe we've not only delved into fascinating concepts but also acquired practical skills that will prove precious in our academic and professional journey ahead. </a:t>
-            </a:r>
-          </a:p>
-        </p:txBody>
-      </p:sp>
-      <p:sp>
-        <p:nvSpPr>
-          <p:cNvPr id="4" name="Segnaposto numero diapositiva 3">
-            <a:extLst>
-              <a:ext uri="{FF2B5EF4-FFF2-40B4-BE49-F238E27FC236}">
-                <a16:creationId xmlns:a16="http://schemas.microsoft.com/office/drawing/2014/main" id="{BDC88D8C-780E-BE2A-CE9C-7AF5B2014F71}"/>
-              </a:ext>
-            </a:extLst>
-          </p:cNvPr>
-          <p:cNvSpPr>
-            <a:spLocks noGrp="1"/>
-          </p:cNvSpPr>
-          <p:nvPr>
-            <p:ph type="sldNum" sz="quarter" idx="12"/>
-          </p:nvPr>
-        </p:nvSpPr>
-        <p:spPr/>
-        <p:txBody>
-          <a:bodyPr/>
+              <a:t>Intel i9  9-th generation, non-dedicated GPU:		≈ 9 minutes</a:t>
+            </a:r>
+          </a:p>
+        </p:txBody>
+      </p:sp>
+      <p:sp>
+        <p:nvSpPr>
+          <p:cNvPr id="5" name="CasellaDiTesto 4">
+            <a:extLst>
+              <a:ext uri="{FF2B5EF4-FFF2-40B4-BE49-F238E27FC236}">
+                <a16:creationId xmlns:a16="http://schemas.microsoft.com/office/drawing/2014/main" id="{8C88CD47-2779-34F1-9D90-A49EE1AF9CD8}"/>
+              </a:ext>
+            </a:extLst>
+          </p:cNvPr>
+          <p:cNvSpPr txBox="1"/>
+          <p:nvPr/>
+        </p:nvSpPr>
+        <p:spPr>
+          <a:xfrm>
+            <a:off x="838200" y="4023519"/>
+            <a:ext cx="10448731" cy="2308324"/>
+          </a:xfrm>
+          <a:prstGeom prst="rect">
+            <a:avLst/>
+          </a:prstGeom>
+          <a:noFill/>
+        </p:spPr>
+        <p:txBody>
+          <a:bodyPr wrap="square" rtlCol="0">
+            <a:spAutoFit/>
+          </a:bodyPr>
           <a:lstStyle/>
           <a:p>
-            <a:fld id="{642154B9-5AE1-4D93-9ACE-3DF3B522DF2F}" type="slidenum">
-              <a:rPr lang="it-IT" smtClean="0"/>
-              <a:t>22</a:t>
-            </a:fld>
-            <a:endParaRPr lang="it-IT"/>
+            <a:r>
+              <a:rPr lang="en-US" sz="2400" dirty="0"/>
+              <a:t>This computing time are the results of an optimization of the backpropagation phase. We rewrite the entire code switching from the old version, where the gradients were computed one pattern at the time using only scalar product and summed, to a new version in which gradients are computed for all the data in the batch using matrix product. With the same hardware, this training is unfeasible using the old version.</a:t>
+            </a:r>
           </a:p>
         </p:txBody>
       </p:sp>
     </p:spTree>
     <p:extLst>
       <p:ext uri="{BB962C8B-B14F-4D97-AF65-F5344CB8AC3E}">
-        <p14:creationId xmlns:p14="http://schemas.microsoft.com/office/powerpoint/2010/main" val="2108753129"/>
+        <p14:creationId xmlns:p14="http://schemas.microsoft.com/office/powerpoint/2010/main" val="230793786"/>
       </p:ext>
     </p:extLst>
   </p:cSld>
@@ -9997,7 +10683,7 @@
           <a:p>
             <a:r>
               <a:rPr lang="en-US" b="1" dirty="0"/>
-              <a:t>Conclusions</a:t>
+              <a:t>Discussion</a:t>
             </a:r>
             <a:endParaRPr lang="en-US" dirty="0"/>
           </a:p>
@@ -10017,8 +10703,8 @@
         </p:nvSpPr>
         <p:spPr>
           <a:xfrm>
-            <a:off x="838200" y="1895962"/>
-            <a:ext cx="10758196" cy="3785652"/>
+            <a:off x="838200" y="1946027"/>
+            <a:ext cx="10758196" cy="4154984"/>
           </a:xfrm>
           <a:prstGeom prst="rect">
             <a:avLst/>
@@ -10031,62 +10717,85 @@
           </a:bodyPr>
           <a:lstStyle/>
           <a:p>
-            <a:r>
-              <a:rPr lang="en-US" sz="2400" dirty="0"/>
-              <a:t>Name of the results file:     </a:t>
-            </a:r>
-          </a:p>
-          <a:p>
-            <a:endParaRPr lang="en-US" sz="2400" dirty="0"/>
-          </a:p>
-          <a:p>
-            <a:pPr marL="800100" lvl="1" indent="-342900">
+            <a:pPr marL="285750" indent="-285750">
               <a:buFont typeface="Arial" panose="020B0604020202020204" pitchFamily="34" charset="0"/>
               <a:buChar char="•"/>
             </a:pPr>
             <a:r>
               <a:rPr lang="en-US" sz="2400" dirty="0"/>
-              <a:t>MensaMartiri_ML-CUP23-TS.csv</a:t>
-            </a:r>
-          </a:p>
-          <a:p>
-            <a:pPr marL="800100" lvl="1" indent="-342900">
+              <a:t>To experiment, we tried many times to overfit the data with big networks and many </a:t>
+            </a:r>
+            <a:r>
+              <a:rPr lang="it-IT" sz="2400" dirty="0"/>
+              <a:t>training </a:t>
+            </a:r>
+            <a:r>
+              <a:rPr lang="en-US" sz="2400" dirty="0"/>
+              <a:t>epochs but</a:t>
+            </a:r>
+            <a:r>
+              <a:rPr lang="it-IT" sz="2400" dirty="0"/>
+              <a:t> </a:t>
+            </a:r>
+            <a:r>
+              <a:rPr lang="en-US" sz="2400" dirty="0"/>
+              <a:t>were unable to do so. We only observed that the validation loss start to decrease slower than the training loss. To verify if there were any issues with our simulator, we conducted tests with Keras and obtained the same results.</a:t>
+            </a:r>
+          </a:p>
+          <a:p>
+            <a:pPr marL="285750" indent="-285750">
               <a:buFont typeface="Arial" panose="020B0604020202020204" pitchFamily="34" charset="0"/>
               <a:buChar char="•"/>
             </a:pPr>
+            <a:endParaRPr lang="en-US" sz="2400" dirty="0"/>
+          </a:p>
+          <a:p>
+            <a:pPr marL="285750" indent="-285750">
+              <a:buFont typeface="Arial" panose="020B0604020202020204" pitchFamily="34" charset="0"/>
+              <a:buChar char="•"/>
+            </a:pPr>
+            <a:r>
+              <a:rPr lang="en-US" sz="2400" dirty="0" err="1"/>
+              <a:t>ReLU</a:t>
+            </a:r>
             <a:r>
               <a:rPr lang="en-US" sz="2400" dirty="0"/>
-              <a:t>MensaMartiri_abstract.txt</a:t>
-            </a:r>
-          </a:p>
-          <a:p>
+              <a:t> (and its variants like Leaky </a:t>
+            </a:r>
+            <a:r>
+              <a:rPr lang="en-US" sz="2400" dirty="0" err="1"/>
+              <a:t>ReLU</a:t>
+            </a:r>
+            <a:r>
+              <a:rPr lang="en-US" sz="2400" dirty="0"/>
+              <a:t> and </a:t>
+            </a:r>
+            <a:r>
+              <a:rPr lang="en-US" sz="2400" dirty="0" err="1"/>
+              <a:t>SeLU</a:t>
+            </a:r>
+            <a:r>
+              <a:rPr lang="en-US" sz="2400" dirty="0"/>
+              <a:t>) tends to perform better than other activation functions during the training, with a more uniform and stable gradient descent.</a:t>
+            </a:r>
+          </a:p>
+          <a:p>
+            <a:pPr marL="285750" indent="-285750">
+              <a:buFont typeface="Arial" panose="020B0604020202020204" pitchFamily="34" charset="0"/>
+              <a:buChar char="•"/>
+            </a:pPr>
             <a:endParaRPr lang="en-US" sz="2400" dirty="0"/>
           </a:p>
           <a:p>
-            <a:endParaRPr lang="en-US" sz="2400" dirty="0"/>
-          </a:p>
-          <a:p>
+            <a:pPr marL="285750" indent="-285750">
+              <a:buFont typeface="Arial" panose="020B0604020202020204" pitchFamily="34" charset="0"/>
+              <a:buChar char="•"/>
+            </a:pPr>
             <a:r>
               <a:rPr lang="en-US" sz="2400" dirty="0"/>
-              <a:t>Team name: Mensa </a:t>
-            </a:r>
-            <a:r>
-              <a:rPr lang="en-US" sz="2400" dirty="0" err="1"/>
-              <a:t>Martiri</a:t>
-            </a:r>
-            <a:endParaRPr lang="en-US" sz="2400" dirty="0"/>
-          </a:p>
-          <a:p>
-            <a:endParaRPr lang="en-US" sz="2400" dirty="0"/>
-          </a:p>
-          <a:p>
-            <a:endParaRPr lang="en-US" sz="2400" dirty="0"/>
-          </a:p>
-          <a:p>
-            <a:r>
-              <a:rPr lang="en-US" sz="2400" dirty="0"/>
-              <a:t>Team members: Tommaso Di Riccio, Marco Minniti, Francesco Simonetti</a:t>
-            </a:r>
+              <a:t>Momentum is essential for good learning (especially with batch)</a:t>
+            </a:r>
+            <a:endParaRPr lang="it-IT" sz="2400" dirty="0"/>
           </a:p>
         </p:txBody>
       </p:sp>
@@ -10095,7 +10804,7 @@
           <p:cNvPr id="4" name="Segnaposto numero diapositiva 3">
             <a:extLst>
               <a:ext uri="{FF2B5EF4-FFF2-40B4-BE49-F238E27FC236}">
-                <a16:creationId xmlns:a16="http://schemas.microsoft.com/office/drawing/2014/main" id="{BDC88D8C-780E-BE2A-CE9C-7AF5B2014F71}"/>
+                <a16:creationId xmlns:a16="http://schemas.microsoft.com/office/drawing/2014/main" id="{27DADCDE-31C1-417C-F6D0-EB4A4DCE30CB}"/>
               </a:ext>
             </a:extLst>
           </p:cNvPr>
@@ -10115,14 +10824,14 @@
               <a:rPr lang="it-IT" smtClean="0"/>
               <a:t>23</a:t>
             </a:fld>
-            <a:endParaRPr lang="it-IT"/>
+            <a:endParaRPr lang="it-IT" dirty="0"/>
           </a:p>
         </p:txBody>
       </p:sp>
     </p:spTree>
     <p:extLst>
       <p:ext uri="{BB962C8B-B14F-4D97-AF65-F5344CB8AC3E}">
-        <p14:creationId xmlns:p14="http://schemas.microsoft.com/office/powerpoint/2010/main" val="3940796087"/>
+        <p14:creationId xmlns:p14="http://schemas.microsoft.com/office/powerpoint/2010/main" val="3244110880"/>
       </p:ext>
     </p:extLst>
   </p:cSld>
@@ -10172,7 +10881,7 @@
           <a:p>
             <a:r>
               <a:rPr lang="en-US" b="1" dirty="0"/>
-              <a:t>References</a:t>
+              <a:t>Discussion</a:t>
             </a:r>
             <a:endParaRPr lang="en-US" dirty="0"/>
           </a:p>
@@ -10192,8 +10901,8 @@
         </p:nvSpPr>
         <p:spPr>
           <a:xfrm>
-            <a:off x="838200" y="1895962"/>
-            <a:ext cx="10758196" cy="1200329"/>
+            <a:off x="838200" y="1952160"/>
+            <a:ext cx="10758196" cy="4154984"/>
           </a:xfrm>
           <a:prstGeom prst="rect">
             <a:avLst/>
@@ -10206,9 +10915,47 @@
           </a:bodyPr>
           <a:lstStyle/>
           <a:p>
+            <a:pPr marL="285750" indent="-285750">
+              <a:buFont typeface="Arial" panose="020B0604020202020204" pitchFamily="34" charset="0"/>
+              <a:buChar char="•"/>
+            </a:pPr>
             <a:r>
               <a:rPr lang="en-US" sz="2400" dirty="0"/>
-              <a:t>[1] X. Glorot &amp; Y. Bengio: Understanding the difficulty of training deep feedforward neural networks. In Proceedings of the Thirteenth International Conference on Artificial Intelligence and Statistics, 249–256, 2010</a:t>
+              <a:t>We realized that performing model selection require a lot of time, more than we had anticipated. Given that small tweaks to neural network hyperparameters yield significant variations in both training dynamics and outcomes, the combinations of hyperparameters to test are truly numerous, and for each is required a careful review.</a:t>
+            </a:r>
+          </a:p>
+          <a:p>
+            <a:pPr marL="285750" indent="-285750">
+              <a:buFont typeface="Arial" panose="020B0604020202020204" pitchFamily="34" charset="0"/>
+              <a:buChar char="•"/>
+            </a:pPr>
+            <a:endParaRPr lang="en-US" sz="2400" dirty="0"/>
+          </a:p>
+          <a:p>
+            <a:pPr marL="285750" indent="-285750">
+              <a:buFont typeface="Arial" panose="020B0604020202020204" pitchFamily="34" charset="0"/>
+              <a:buChar char="•"/>
+            </a:pPr>
+            <a:r>
+              <a:rPr lang="en-US" sz="2400" dirty="0"/>
+              <a:t>Rescaling the data using znorm (mean to 0, standard deviation to 1) did not improve the results</a:t>
+            </a:r>
+          </a:p>
+          <a:p>
+            <a:pPr marL="285750" indent="-285750">
+              <a:buFont typeface="Arial" panose="020B0604020202020204" pitchFamily="34" charset="0"/>
+              <a:buChar char="•"/>
+            </a:pPr>
+            <a:endParaRPr lang="en-US" sz="2400" dirty="0"/>
+          </a:p>
+          <a:p>
+            <a:pPr marL="285750" indent="-285750">
+              <a:buFont typeface="Arial" panose="020B0604020202020204" pitchFamily="34" charset="0"/>
+              <a:buChar char="•"/>
+            </a:pPr>
+            <a:r>
+              <a:rPr lang="en-US" sz="2400" dirty="0"/>
+              <a:t>Monk training highlights the impact of weight initialization in small networks on the final accuracy.</a:t>
             </a:r>
           </a:p>
         </p:txBody>
@@ -10218,7 +10965,7 @@
           <p:cNvPr id="4" name="Segnaposto numero diapositiva 3">
             <a:extLst>
               <a:ext uri="{FF2B5EF4-FFF2-40B4-BE49-F238E27FC236}">
-                <a16:creationId xmlns:a16="http://schemas.microsoft.com/office/drawing/2014/main" id="{BDC88D8C-780E-BE2A-CE9C-7AF5B2014F71}"/>
+                <a16:creationId xmlns:a16="http://schemas.microsoft.com/office/drawing/2014/main" id="{2878071C-5785-A130-6658-0C2D8DDD6C40}"/>
               </a:ext>
             </a:extLst>
           </p:cNvPr>
@@ -10245,7 +10992,7 @@
     </p:spTree>
     <p:extLst>
       <p:ext uri="{BB962C8B-B14F-4D97-AF65-F5344CB8AC3E}">
-        <p14:creationId xmlns:p14="http://schemas.microsoft.com/office/powerpoint/2010/main" val="2307646240"/>
+        <p14:creationId xmlns:p14="http://schemas.microsoft.com/office/powerpoint/2010/main" val="689527355"/>
       </p:ext>
     </p:extLst>
   </p:cSld>
@@ -10295,6 +11042,445 @@
           <a:p>
             <a:r>
               <a:rPr lang="en-US" b="1" dirty="0"/>
+              <a:t>Conclusions</a:t>
+            </a:r>
+            <a:endParaRPr lang="en-US" dirty="0"/>
+          </a:p>
+        </p:txBody>
+      </p:sp>
+      <p:sp>
+        <p:nvSpPr>
+          <p:cNvPr id="3" name="CasellaDiTesto 2">
+            <a:extLst>
+              <a:ext uri="{FF2B5EF4-FFF2-40B4-BE49-F238E27FC236}">
+                <a16:creationId xmlns:a16="http://schemas.microsoft.com/office/drawing/2014/main" id="{0448DF09-38BE-4CA2-C490-2A9388B7B27C}"/>
+              </a:ext>
+            </a:extLst>
+          </p:cNvPr>
+          <p:cNvSpPr txBox="1"/>
+          <p:nvPr/>
+        </p:nvSpPr>
+        <p:spPr>
+          <a:xfrm>
+            <a:off x="838200" y="1867971"/>
+            <a:ext cx="10758196" cy="4154984"/>
+          </a:xfrm>
+          <a:prstGeom prst="rect">
+            <a:avLst/>
+          </a:prstGeom>
+          <a:noFill/>
+        </p:spPr>
+        <p:txBody>
+          <a:bodyPr wrap="square" rtlCol="0">
+            <a:spAutoFit/>
+          </a:bodyPr>
+          <a:lstStyle/>
+          <a:p>
+            <a:r>
+              <a:rPr lang="en-US" sz="2400" dirty="0"/>
+              <a:t>This project allowed us to find a connection between the theory and the practice studied during the course, indeed we dialed with overfitting, regularization, networks architecture and many other aspects discussed in the lectures.</a:t>
+            </a:r>
+          </a:p>
+          <a:p>
+            <a:endParaRPr lang="en-US" sz="2400" dirty="0"/>
+          </a:p>
+          <a:p>
+            <a:r>
+              <a:rPr lang="en-US" sz="2400" dirty="0"/>
+              <a:t>Creating an NN simulator from scratch was a demanding challenge, but very educational. This collaborative project not only expanded our technical knowledge but also enriched our experience in working collaboratively within a group setting.</a:t>
+            </a:r>
+          </a:p>
+          <a:p>
+            <a:endParaRPr lang="en-US" sz="2400" dirty="0"/>
+          </a:p>
+          <a:p>
+            <a:r>
+              <a:rPr lang="en-US" sz="2400" dirty="0"/>
+              <a:t>In conclusion regarding our project, we believe we've not only delved into fascinating concepts but also acquired practical skills that will prove precious in our academic and professional journey ahead. </a:t>
+            </a:r>
+          </a:p>
+        </p:txBody>
+      </p:sp>
+      <p:sp>
+        <p:nvSpPr>
+          <p:cNvPr id="4" name="Segnaposto numero diapositiva 3">
+            <a:extLst>
+              <a:ext uri="{FF2B5EF4-FFF2-40B4-BE49-F238E27FC236}">
+                <a16:creationId xmlns:a16="http://schemas.microsoft.com/office/drawing/2014/main" id="{BDC88D8C-780E-BE2A-CE9C-7AF5B2014F71}"/>
+              </a:ext>
+            </a:extLst>
+          </p:cNvPr>
+          <p:cNvSpPr>
+            <a:spLocks noGrp="1"/>
+          </p:cNvSpPr>
+          <p:nvPr>
+            <p:ph type="sldNum" sz="quarter" idx="12"/>
+          </p:nvPr>
+        </p:nvSpPr>
+        <p:spPr/>
+        <p:txBody>
+          <a:bodyPr/>
+          <a:lstStyle/>
+          <a:p>
+            <a:fld id="{642154B9-5AE1-4D93-9ACE-3DF3B522DF2F}" type="slidenum">
+              <a:rPr lang="it-IT" smtClean="0"/>
+              <a:t>25</a:t>
+            </a:fld>
+            <a:endParaRPr lang="it-IT"/>
+          </a:p>
+        </p:txBody>
+      </p:sp>
+    </p:spTree>
+    <p:extLst>
+      <p:ext uri="{BB962C8B-B14F-4D97-AF65-F5344CB8AC3E}">
+        <p14:creationId xmlns:p14="http://schemas.microsoft.com/office/powerpoint/2010/main" val="2108753129"/>
+      </p:ext>
+    </p:extLst>
+  </p:cSld>
+  <p:clrMapOvr>
+    <a:masterClrMapping/>
+  </p:clrMapOvr>
+</p:sld>
+</file>
+
+<file path=ppt/slides/slide26.xml><?xml version="1.0" encoding="utf-8"?>
+<p:sld xmlns:a="http://schemas.openxmlformats.org/drawingml/2006/main" xmlns:r="http://schemas.openxmlformats.org/officeDocument/2006/relationships" xmlns:p="http://schemas.openxmlformats.org/presentationml/2006/main">
+  <p:cSld>
+    <p:spTree>
+      <p:nvGrpSpPr>
+        <p:cNvPr id="1" name=""/>
+        <p:cNvGrpSpPr/>
+        <p:nvPr/>
+      </p:nvGrpSpPr>
+      <p:grpSpPr>
+        <a:xfrm>
+          <a:off x="0" y="0"/>
+          <a:ext cx="0" cy="0"/>
+          <a:chOff x="0" y="0"/>
+          <a:chExt cx="0" cy="0"/>
+        </a:xfrm>
+      </p:grpSpPr>
+      <p:sp>
+        <p:nvSpPr>
+          <p:cNvPr id="2" name="Titolo 1">
+            <a:extLst>
+              <a:ext uri="{FF2B5EF4-FFF2-40B4-BE49-F238E27FC236}">
+                <a16:creationId xmlns:a16="http://schemas.microsoft.com/office/drawing/2014/main" id="{32242F0D-F3C7-5888-B659-FAE035653A8D}"/>
+              </a:ext>
+            </a:extLst>
+          </p:cNvPr>
+          <p:cNvSpPr>
+            <a:spLocks noGrp="1"/>
+          </p:cNvSpPr>
+          <p:nvPr>
+            <p:ph type="title"/>
+          </p:nvPr>
+        </p:nvSpPr>
+        <p:spPr/>
+        <p:txBody>
+          <a:bodyPr/>
+          <a:lstStyle/>
+          <a:p>
+            <a:r>
+              <a:rPr lang="en-US" b="1" dirty="0"/>
+              <a:t>Conclusions</a:t>
+            </a:r>
+            <a:endParaRPr lang="en-US" dirty="0"/>
+          </a:p>
+        </p:txBody>
+      </p:sp>
+      <p:sp>
+        <p:nvSpPr>
+          <p:cNvPr id="3" name="CasellaDiTesto 2">
+            <a:extLst>
+              <a:ext uri="{FF2B5EF4-FFF2-40B4-BE49-F238E27FC236}">
+                <a16:creationId xmlns:a16="http://schemas.microsoft.com/office/drawing/2014/main" id="{0448DF09-38BE-4CA2-C490-2A9388B7B27C}"/>
+              </a:ext>
+            </a:extLst>
+          </p:cNvPr>
+          <p:cNvSpPr txBox="1"/>
+          <p:nvPr/>
+        </p:nvSpPr>
+        <p:spPr>
+          <a:xfrm>
+            <a:off x="838200" y="1895962"/>
+            <a:ext cx="10758196" cy="3785652"/>
+          </a:xfrm>
+          <a:prstGeom prst="rect">
+            <a:avLst/>
+          </a:prstGeom>
+          <a:noFill/>
+        </p:spPr>
+        <p:txBody>
+          <a:bodyPr wrap="square" rtlCol="0">
+            <a:spAutoFit/>
+          </a:bodyPr>
+          <a:lstStyle/>
+          <a:p>
+            <a:r>
+              <a:rPr lang="en-US" sz="2400" dirty="0"/>
+              <a:t>Name of the results file:     </a:t>
+            </a:r>
+          </a:p>
+          <a:p>
+            <a:endParaRPr lang="en-US" sz="2400" dirty="0"/>
+          </a:p>
+          <a:p>
+            <a:pPr marL="800100" lvl="1" indent="-342900">
+              <a:buFont typeface="Arial" panose="020B0604020202020204" pitchFamily="34" charset="0"/>
+              <a:buChar char="•"/>
+            </a:pPr>
+            <a:r>
+              <a:rPr lang="en-US" sz="2400" dirty="0"/>
+              <a:t>MensaMartiri_ML-CUP23-TS.csv</a:t>
+            </a:r>
+          </a:p>
+          <a:p>
+            <a:pPr marL="800100" lvl="1" indent="-342900">
+              <a:buFont typeface="Arial" panose="020B0604020202020204" pitchFamily="34" charset="0"/>
+              <a:buChar char="•"/>
+            </a:pPr>
+            <a:r>
+              <a:rPr lang="en-US" sz="2400" dirty="0"/>
+              <a:t>MensaMartiri_abstract.txt</a:t>
+            </a:r>
+          </a:p>
+          <a:p>
+            <a:endParaRPr lang="en-US" sz="2400" dirty="0"/>
+          </a:p>
+          <a:p>
+            <a:endParaRPr lang="en-US" sz="2400" dirty="0"/>
+          </a:p>
+          <a:p>
+            <a:r>
+              <a:rPr lang="en-US" sz="2400" dirty="0"/>
+              <a:t>Team name: Mensa </a:t>
+            </a:r>
+            <a:r>
+              <a:rPr lang="en-US" sz="2400" dirty="0" err="1"/>
+              <a:t>Martiri</a:t>
+            </a:r>
+            <a:endParaRPr lang="en-US" sz="2400" dirty="0"/>
+          </a:p>
+          <a:p>
+            <a:endParaRPr lang="en-US" sz="2400" dirty="0"/>
+          </a:p>
+          <a:p>
+            <a:endParaRPr lang="en-US" sz="2400" dirty="0"/>
+          </a:p>
+          <a:p>
+            <a:r>
+              <a:rPr lang="en-US" sz="2400" dirty="0"/>
+              <a:t>Team members: Tommaso Di Riccio, Marco Minniti, Francesco Simonetti</a:t>
+            </a:r>
+          </a:p>
+        </p:txBody>
+      </p:sp>
+      <p:sp>
+        <p:nvSpPr>
+          <p:cNvPr id="4" name="Segnaposto numero diapositiva 3">
+            <a:extLst>
+              <a:ext uri="{FF2B5EF4-FFF2-40B4-BE49-F238E27FC236}">
+                <a16:creationId xmlns:a16="http://schemas.microsoft.com/office/drawing/2014/main" id="{BDC88D8C-780E-BE2A-CE9C-7AF5B2014F71}"/>
+              </a:ext>
+            </a:extLst>
+          </p:cNvPr>
+          <p:cNvSpPr>
+            <a:spLocks noGrp="1"/>
+          </p:cNvSpPr>
+          <p:nvPr>
+            <p:ph type="sldNum" sz="quarter" idx="12"/>
+          </p:nvPr>
+        </p:nvSpPr>
+        <p:spPr/>
+        <p:txBody>
+          <a:bodyPr/>
+          <a:lstStyle/>
+          <a:p>
+            <a:fld id="{642154B9-5AE1-4D93-9ACE-3DF3B522DF2F}" type="slidenum">
+              <a:rPr lang="it-IT" smtClean="0"/>
+              <a:t>26</a:t>
+            </a:fld>
+            <a:endParaRPr lang="it-IT"/>
+          </a:p>
+        </p:txBody>
+      </p:sp>
+    </p:spTree>
+    <p:extLst>
+      <p:ext uri="{BB962C8B-B14F-4D97-AF65-F5344CB8AC3E}">
+        <p14:creationId xmlns:p14="http://schemas.microsoft.com/office/powerpoint/2010/main" val="3940796087"/>
+      </p:ext>
+    </p:extLst>
+  </p:cSld>
+  <p:clrMapOvr>
+    <a:masterClrMapping/>
+  </p:clrMapOvr>
+</p:sld>
+</file>
+
+<file path=ppt/slides/slide27.xml><?xml version="1.0" encoding="utf-8"?>
+<p:sld xmlns:a="http://schemas.openxmlformats.org/drawingml/2006/main" xmlns:r="http://schemas.openxmlformats.org/officeDocument/2006/relationships" xmlns:p="http://schemas.openxmlformats.org/presentationml/2006/main">
+  <p:cSld>
+    <p:spTree>
+      <p:nvGrpSpPr>
+        <p:cNvPr id="1" name=""/>
+        <p:cNvGrpSpPr/>
+        <p:nvPr/>
+      </p:nvGrpSpPr>
+      <p:grpSpPr>
+        <a:xfrm>
+          <a:off x="0" y="0"/>
+          <a:ext cx="0" cy="0"/>
+          <a:chOff x="0" y="0"/>
+          <a:chExt cx="0" cy="0"/>
+        </a:xfrm>
+      </p:grpSpPr>
+      <p:sp>
+        <p:nvSpPr>
+          <p:cNvPr id="2" name="Titolo 1">
+            <a:extLst>
+              <a:ext uri="{FF2B5EF4-FFF2-40B4-BE49-F238E27FC236}">
+                <a16:creationId xmlns:a16="http://schemas.microsoft.com/office/drawing/2014/main" id="{32242F0D-F3C7-5888-B659-FAE035653A8D}"/>
+              </a:ext>
+            </a:extLst>
+          </p:cNvPr>
+          <p:cNvSpPr>
+            <a:spLocks noGrp="1"/>
+          </p:cNvSpPr>
+          <p:nvPr>
+            <p:ph type="title"/>
+          </p:nvPr>
+        </p:nvSpPr>
+        <p:spPr/>
+        <p:txBody>
+          <a:bodyPr/>
+          <a:lstStyle/>
+          <a:p>
+            <a:r>
+              <a:rPr lang="en-US" b="1" dirty="0"/>
+              <a:t>References</a:t>
+            </a:r>
+            <a:endParaRPr lang="en-US" dirty="0"/>
+          </a:p>
+        </p:txBody>
+      </p:sp>
+      <p:sp>
+        <p:nvSpPr>
+          <p:cNvPr id="3" name="CasellaDiTesto 2">
+            <a:extLst>
+              <a:ext uri="{FF2B5EF4-FFF2-40B4-BE49-F238E27FC236}">
+                <a16:creationId xmlns:a16="http://schemas.microsoft.com/office/drawing/2014/main" id="{0448DF09-38BE-4CA2-C490-2A9388B7B27C}"/>
+              </a:ext>
+            </a:extLst>
+          </p:cNvPr>
+          <p:cNvSpPr txBox="1"/>
+          <p:nvPr/>
+        </p:nvSpPr>
+        <p:spPr>
+          <a:xfrm>
+            <a:off x="838200" y="1895962"/>
+            <a:ext cx="10758196" cy="1200329"/>
+          </a:xfrm>
+          <a:prstGeom prst="rect">
+            <a:avLst/>
+          </a:prstGeom>
+          <a:noFill/>
+        </p:spPr>
+        <p:txBody>
+          <a:bodyPr wrap="square" rtlCol="0">
+            <a:spAutoFit/>
+          </a:bodyPr>
+          <a:lstStyle/>
+          <a:p>
+            <a:r>
+              <a:rPr lang="en-US" sz="2400" dirty="0"/>
+              <a:t>[1] X. Glorot &amp; Y. Bengio: Understanding the difficulty of training deep feedforward neural networks. In Proceedings of the Thirteenth International Conference on Artificial Intelligence and Statistics, 249–256, 2010</a:t>
+            </a:r>
+          </a:p>
+        </p:txBody>
+      </p:sp>
+      <p:sp>
+        <p:nvSpPr>
+          <p:cNvPr id="4" name="Segnaposto numero diapositiva 3">
+            <a:extLst>
+              <a:ext uri="{FF2B5EF4-FFF2-40B4-BE49-F238E27FC236}">
+                <a16:creationId xmlns:a16="http://schemas.microsoft.com/office/drawing/2014/main" id="{BDC88D8C-780E-BE2A-CE9C-7AF5B2014F71}"/>
+              </a:ext>
+            </a:extLst>
+          </p:cNvPr>
+          <p:cNvSpPr>
+            <a:spLocks noGrp="1"/>
+          </p:cNvSpPr>
+          <p:nvPr>
+            <p:ph type="sldNum" sz="quarter" idx="12"/>
+          </p:nvPr>
+        </p:nvSpPr>
+        <p:spPr/>
+        <p:txBody>
+          <a:bodyPr/>
+          <a:lstStyle/>
+          <a:p>
+            <a:fld id="{642154B9-5AE1-4D93-9ACE-3DF3B522DF2F}" type="slidenum">
+              <a:rPr lang="it-IT" smtClean="0"/>
+              <a:t>27</a:t>
+            </a:fld>
+            <a:endParaRPr lang="it-IT"/>
+          </a:p>
+        </p:txBody>
+      </p:sp>
+    </p:spTree>
+    <p:extLst>
+      <p:ext uri="{BB962C8B-B14F-4D97-AF65-F5344CB8AC3E}">
+        <p14:creationId xmlns:p14="http://schemas.microsoft.com/office/powerpoint/2010/main" val="2307646240"/>
+      </p:ext>
+    </p:extLst>
+  </p:cSld>
+  <p:clrMapOvr>
+    <a:masterClrMapping/>
+  </p:clrMapOvr>
+</p:sld>
+</file>
+
+<file path=ppt/slides/slide28.xml><?xml version="1.0" encoding="utf-8"?>
+<p:sld xmlns:a="http://schemas.openxmlformats.org/drawingml/2006/main" xmlns:r="http://schemas.openxmlformats.org/officeDocument/2006/relationships" xmlns:p="http://schemas.openxmlformats.org/presentationml/2006/main">
+  <p:cSld>
+    <p:spTree>
+      <p:nvGrpSpPr>
+        <p:cNvPr id="1" name=""/>
+        <p:cNvGrpSpPr/>
+        <p:nvPr/>
+      </p:nvGrpSpPr>
+      <p:grpSpPr>
+        <a:xfrm>
+          <a:off x="0" y="0"/>
+          <a:ext cx="0" cy="0"/>
+          <a:chOff x="0" y="0"/>
+          <a:chExt cx="0" cy="0"/>
+        </a:xfrm>
+      </p:grpSpPr>
+      <p:sp>
+        <p:nvSpPr>
+          <p:cNvPr id="2" name="Titolo 1">
+            <a:extLst>
+              <a:ext uri="{FF2B5EF4-FFF2-40B4-BE49-F238E27FC236}">
+                <a16:creationId xmlns:a16="http://schemas.microsoft.com/office/drawing/2014/main" id="{32242F0D-F3C7-5888-B659-FAE035653A8D}"/>
+              </a:ext>
+            </a:extLst>
+          </p:cNvPr>
+          <p:cNvSpPr>
+            <a:spLocks noGrp="1"/>
+          </p:cNvSpPr>
+          <p:nvPr>
+            <p:ph type="title"/>
+          </p:nvPr>
+        </p:nvSpPr>
+        <p:spPr/>
+        <p:txBody>
+          <a:bodyPr/>
+          <a:lstStyle/>
+          <a:p>
+            <a:r>
+              <a:rPr lang="en-US" b="1" dirty="0"/>
               <a:t>Appendix</a:t>
             </a:r>
             <a:endParaRPr lang="en-US" dirty="0"/>
@@ -10367,7 +11553,7 @@
           <a:p>
             <a:fld id="{642154B9-5AE1-4D93-9ACE-3DF3B522DF2F}" type="slidenum">
               <a:rPr lang="it-IT" smtClean="0"/>
-              <a:t>25</a:t>
+              <a:t>28</a:t>
             </a:fld>
             <a:endParaRPr lang="it-IT"/>
           </a:p>
@@ -10547,8 +11733,21 @@
           <a:p>
             <a:r>
               <a:rPr lang="it-IT" b="1" dirty="0"/>
-              <a:t>Method</a:t>
-            </a:r>
+              <a:t>Method </a:t>
+            </a:r>
+            <a:r>
+              <a:rPr lang="it-IT" dirty="0"/>
+              <a:t>–</a:t>
+            </a:r>
+            <a:r>
+              <a:rPr lang="it-IT" b="1" dirty="0"/>
+              <a:t> </a:t>
+            </a:r>
+            <a:r>
+              <a:rPr lang="it-IT" dirty="0" err="1"/>
+              <a:t>Overview</a:t>
+            </a:r>
+            <a:endParaRPr lang="it-IT" dirty="0"/>
           </a:p>
         </p:txBody>
       </p:sp>
@@ -10744,7 +11943,19 @@
           <a:p>
             <a:r>
               <a:rPr lang="it-IT" b="1" dirty="0"/>
-              <a:t>Method</a:t>
+              <a:t>Method </a:t>
+            </a:r>
+            <a:r>
+              <a:rPr lang="it-IT" dirty="0"/>
+              <a:t>–</a:t>
+            </a:r>
+            <a:r>
+              <a:rPr lang="it-IT" b="1" dirty="0"/>
+              <a:t> </a:t>
+            </a:r>
+            <a:r>
+              <a:rPr lang="it-IT" dirty="0"/>
+              <a:t>Code</a:t>
             </a:r>
           </a:p>
         </p:txBody>
@@ -10796,7 +12007,7 @@
             </a:r>
             <a:r>
               <a:rPr lang="en-US" dirty="0"/>
-              <a:t>: a class representing the structure of the network with the methods for training, testing and predicting.</a:t>
+              <a:t>: a class representing the structure of the network with the methods for training, validating and predicting.</a:t>
             </a:r>
             <a:br>
               <a:rPr lang="en-US" dirty="0"/>
@@ -10897,8 +12108,21 @@
           <a:p>
             <a:r>
               <a:rPr lang="it-IT" b="1" dirty="0"/>
-              <a:t>Method</a:t>
-            </a:r>
+              <a:t>Method </a:t>
+            </a:r>
+            <a:r>
+              <a:rPr lang="it-IT" dirty="0"/>
+              <a:t>–</a:t>
+            </a:r>
+            <a:r>
+              <a:rPr lang="it-IT" b="1" dirty="0"/>
+              <a:t> </a:t>
+            </a:r>
+            <a:r>
+              <a:rPr lang="it-IT" dirty="0"/>
+              <a:t>Code</a:t>
+            </a:r>
+            <a:endParaRPr lang="it-IT" b="1" dirty="0"/>
           </a:p>
         </p:txBody>
       </p:sp>
@@ -10988,7 +12212,7 @@
             <a:pPr lvl="1"/>
             <a:r>
               <a:rPr lang="en-US" dirty="0"/>
-              <a:t>Early stopping or stop the training when improvement on TR loss is low</a:t>
+              <a:t>Early stopping or stopping the training when improvement on TR loss is low</a:t>
             </a:r>
           </a:p>
         </p:txBody>
@@ -11075,8 +12299,21 @@
           <a:p>
             <a:r>
               <a:rPr lang="it-IT" b="1" dirty="0"/>
-              <a:t>Method</a:t>
-            </a:r>
+              <a:t>Method </a:t>
+            </a:r>
+            <a:r>
+              <a:rPr lang="it-IT" dirty="0"/>
+              <a:t>–</a:t>
+            </a:r>
+            <a:r>
+              <a:rPr lang="it-IT" b="1" dirty="0"/>
+              <a:t> </a:t>
+            </a:r>
+            <a:r>
+              <a:rPr lang="it-IT" dirty="0"/>
+              <a:t>Code</a:t>
+            </a:r>
+            <a:endParaRPr lang="it-IT" b="1" dirty="0"/>
           </a:p>
         </p:txBody>
       </p:sp>
@@ -11167,7 +12404,7 @@
             </a:r>
             <a:r>
               <a:rPr lang="en-US" dirty="0"/>
-              <a:t>: Grid search, K-Fold, Double K-Fold</a:t>
+              <a:t>: Grid search, Random grid search, K-Fold, Double K-Fold</a:t>
             </a:r>
           </a:p>
           <a:p>

--- a/Report.pptx
+++ b/Report.pptx
@@ -145,7 +145,7 @@
 <file path=ppt/revisionInfo.xml><?xml version="1.0" encoding="utf-8"?>
 <p1510:revInfo xmlns:a="http://schemas.openxmlformats.org/drawingml/2006/main" xmlns:r="http://schemas.openxmlformats.org/officeDocument/2006/relationships" xmlns:p1510="http://schemas.microsoft.com/office/powerpoint/2015/10/main">
   <p1510:revLst>
-    <p1510:client id="{8DC893BE-A14E-4D7D-8698-92E2535F8177}" v="50" dt="2024-01-12T16:42:40.379"/>
+    <p1510:client id="{8DC893BE-A14E-4D7D-8698-92E2535F8177}" v="53" dt="2024-01-13T10:53:31.434"/>
   </p1510:revLst>
 </p1510:revInfo>
 </file>
@@ -155,7 +155,7 @@
   <pc:docChgLst>
     <pc:chgData name="Tommaso Di Riccio" userId="86fd86f00952e091" providerId="LiveId" clId="{8DC893BE-A14E-4D7D-8698-92E2535F8177}"/>
     <pc:docChg chg="undo redo custSel addSld delSld modSld modMainMaster">
-      <pc:chgData name="Tommaso Di Riccio" userId="86fd86f00952e091" providerId="LiveId" clId="{8DC893BE-A14E-4D7D-8698-92E2535F8177}" dt="2024-01-12T16:58:48.119" v="3912" actId="20577"/>
+      <pc:chgData name="Tommaso Di Riccio" userId="86fd86f00952e091" providerId="LiveId" clId="{8DC893BE-A14E-4D7D-8698-92E2535F8177}" dt="2024-01-13T11:33:14.255" v="3993" actId="20577"/>
       <pc:docMkLst>
         <pc:docMk/>
       </pc:docMkLst>
@@ -326,12 +326,20 @@
           </ac:spMkLst>
         </pc:spChg>
       </pc:sldChg>
-      <pc:sldChg chg="modSp mod">
-        <pc:chgData name="Tommaso Di Riccio" userId="86fd86f00952e091" providerId="LiveId" clId="{8DC893BE-A14E-4D7D-8698-92E2535F8177}" dt="2023-12-31T14:51:56.967" v="982" actId="2710"/>
+      <pc:sldChg chg="addSp modSp mod">
+        <pc:chgData name="Tommaso Di Riccio" userId="86fd86f00952e091" providerId="LiveId" clId="{8DC893BE-A14E-4D7D-8698-92E2535F8177}" dt="2024-01-13T10:33:39.497" v="3928" actId="1035"/>
         <pc:sldMkLst>
           <pc:docMk/>
           <pc:sldMk cId="221542106" sldId="269"/>
         </pc:sldMkLst>
+        <pc:spChg chg="add mod">
+          <ac:chgData name="Tommaso Di Riccio" userId="86fd86f00952e091" providerId="LiveId" clId="{8DC893BE-A14E-4D7D-8698-92E2535F8177}" dt="2024-01-13T10:33:39.497" v="3928" actId="1035"/>
+          <ac:spMkLst>
+            <pc:docMk/>
+            <pc:sldMk cId="221542106" sldId="269"/>
+            <ac:spMk id="3" creationId="{C84F95D1-F66A-9555-A2AE-C23CD85E0071}"/>
+          </ac:spMkLst>
+        </pc:spChg>
         <pc:spChg chg="mod">
           <ac:chgData name="Tommaso Di Riccio" userId="86fd86f00952e091" providerId="LiveId" clId="{8DC893BE-A14E-4D7D-8698-92E2535F8177}" dt="2023-12-31T14:51:56.967" v="982" actId="2710"/>
           <ac:spMkLst>
@@ -340,6 +348,14 @@
             <ac:spMk id="12" creationId="{AB1903AD-6EDE-48BB-5F37-3977933308EF}"/>
           </ac:spMkLst>
         </pc:spChg>
+        <pc:picChg chg="mod">
+          <ac:chgData name="Tommaso Di Riccio" userId="86fd86f00952e091" providerId="LiveId" clId="{8DC893BE-A14E-4D7D-8698-92E2535F8177}" dt="2024-01-13T10:31:51.531" v="3916" actId="1036"/>
+          <ac:picMkLst>
+            <pc:docMk/>
+            <pc:sldMk cId="221542106" sldId="269"/>
+            <ac:picMk id="4" creationId="{4AFF3A22-4B2F-3444-2A78-F0700228FDCB}"/>
+          </ac:picMkLst>
+        </pc:picChg>
       </pc:sldChg>
       <pc:sldChg chg="addSp delSp modSp mod">
         <pc:chgData name="Tommaso Di Riccio" userId="86fd86f00952e091" providerId="LiveId" clId="{8DC893BE-A14E-4D7D-8698-92E2535F8177}" dt="2024-01-12T16:45:37.687" v="3856" actId="1035"/>
@@ -411,13 +427,13 @@
         </pc:spChg>
       </pc:sldChg>
       <pc:sldChg chg="modSp mod">
-        <pc:chgData name="Tommaso Di Riccio" userId="86fd86f00952e091" providerId="LiveId" clId="{8DC893BE-A14E-4D7D-8698-92E2535F8177}" dt="2023-12-31T15:33:27.154" v="1329" actId="20577"/>
+        <pc:chgData name="Tommaso Di Riccio" userId="86fd86f00952e091" providerId="LiveId" clId="{8DC893BE-A14E-4D7D-8698-92E2535F8177}" dt="2024-01-13T10:54:34.210" v="3986" actId="20577"/>
         <pc:sldMkLst>
           <pc:docMk/>
           <pc:sldMk cId="2557478514" sldId="274"/>
         </pc:sldMkLst>
-        <pc:graphicFrameChg chg="modGraphic">
-          <ac:chgData name="Tommaso Di Riccio" userId="86fd86f00952e091" providerId="LiveId" clId="{8DC893BE-A14E-4D7D-8698-92E2535F8177}" dt="2023-12-31T15:33:27.154" v="1329" actId="20577"/>
+        <pc:graphicFrameChg chg="mod modGraphic">
+          <ac:chgData name="Tommaso Di Riccio" userId="86fd86f00952e091" providerId="LiveId" clId="{8DC893BE-A14E-4D7D-8698-92E2535F8177}" dt="2024-01-13T10:54:34.210" v="3986" actId="20577"/>
           <ac:graphicFrameMkLst>
             <pc:docMk/>
             <pc:sldMk cId="2557478514" sldId="274"/>
@@ -426,13 +442,13 @@
         </pc:graphicFrameChg>
       </pc:sldChg>
       <pc:sldChg chg="modSp mod">
-        <pc:chgData name="Tommaso Di Riccio" userId="86fd86f00952e091" providerId="LiveId" clId="{8DC893BE-A14E-4D7D-8698-92E2535F8177}" dt="2024-01-12T15:52:58.769" v="3736" actId="1076"/>
+        <pc:chgData name="Tommaso Di Riccio" userId="86fd86f00952e091" providerId="LiveId" clId="{8DC893BE-A14E-4D7D-8698-92E2535F8177}" dt="2024-01-13T11:33:14.255" v="3993" actId="20577"/>
         <pc:sldMkLst>
           <pc:docMk/>
           <pc:sldMk cId="3244110880" sldId="276"/>
         </pc:sldMkLst>
         <pc:spChg chg="mod">
-          <ac:chgData name="Tommaso Di Riccio" userId="86fd86f00952e091" providerId="LiveId" clId="{8DC893BE-A14E-4D7D-8698-92E2535F8177}" dt="2024-01-12T15:52:58.769" v="3736" actId="1076"/>
+          <ac:chgData name="Tommaso Di Riccio" userId="86fd86f00952e091" providerId="LiveId" clId="{8DC893BE-A14E-4D7D-8698-92E2535F8177}" dt="2024-01-13T11:33:14.255" v="3993" actId="20577"/>
           <ac:spMkLst>
             <pc:docMk/>
             <pc:sldMk cId="3244110880" sldId="276"/>
@@ -441,13 +457,13 @@
         </pc:spChg>
       </pc:sldChg>
       <pc:sldChg chg="modSp mod">
-        <pc:chgData name="Tommaso Di Riccio" userId="86fd86f00952e091" providerId="LiveId" clId="{8DC893BE-A14E-4D7D-8698-92E2535F8177}" dt="2024-01-12T16:58:48.119" v="3912" actId="20577"/>
+        <pc:chgData name="Tommaso Di Riccio" userId="86fd86f00952e091" providerId="LiveId" clId="{8DC893BE-A14E-4D7D-8698-92E2535F8177}" dt="2024-01-13T11:31:58.656" v="3992" actId="20577"/>
         <pc:sldMkLst>
           <pc:docMk/>
           <pc:sldMk cId="689527355" sldId="277"/>
         </pc:sldMkLst>
         <pc:spChg chg="mod">
-          <ac:chgData name="Tommaso Di Riccio" userId="86fd86f00952e091" providerId="LiveId" clId="{8DC893BE-A14E-4D7D-8698-92E2535F8177}" dt="2024-01-12T16:58:48.119" v="3912" actId="20577"/>
+          <ac:chgData name="Tommaso Di Riccio" userId="86fd86f00952e091" providerId="LiveId" clId="{8DC893BE-A14E-4D7D-8698-92E2535F8177}" dt="2024-01-13T11:31:58.656" v="3992" actId="20577"/>
           <ac:spMkLst>
             <pc:docMk/>
             <pc:sldMk cId="689527355" sldId="277"/>
@@ -456,13 +472,13 @@
         </pc:spChg>
       </pc:sldChg>
       <pc:sldChg chg="modSp mod">
-        <pc:chgData name="Tommaso Di Riccio" userId="86fd86f00952e091" providerId="LiveId" clId="{8DC893BE-A14E-4D7D-8698-92E2535F8177}" dt="2024-01-12T15:56:16.577" v="3755" actId="1036"/>
+        <pc:chgData name="Tommaso Di Riccio" userId="86fd86f00952e091" providerId="LiveId" clId="{8DC893BE-A14E-4D7D-8698-92E2535F8177}" dt="2024-01-13T11:31:37.608" v="3991" actId="20577"/>
         <pc:sldMkLst>
           <pc:docMk/>
           <pc:sldMk cId="2108753129" sldId="278"/>
         </pc:sldMkLst>
         <pc:spChg chg="mod">
-          <ac:chgData name="Tommaso Di Riccio" userId="86fd86f00952e091" providerId="LiveId" clId="{8DC893BE-A14E-4D7D-8698-92E2535F8177}" dt="2024-01-12T15:56:16.577" v="3755" actId="1036"/>
+          <ac:chgData name="Tommaso Di Riccio" userId="86fd86f00952e091" providerId="LiveId" clId="{8DC893BE-A14E-4D7D-8698-92E2535F8177}" dt="2024-01-13T11:31:37.608" v="3991" actId="20577"/>
           <ac:spMkLst>
             <pc:docMk/>
             <pc:sldMk cId="2108753129" sldId="278"/>
@@ -2054,7 +2070,7 @@
           <a:p>
             <a:fld id="{DC6CAA1B-BAE1-43B3-A051-D11BAD98619E}" type="datetimeFigureOut">
               <a:rPr lang="it-IT" smtClean="0"/>
-              <a:t>12/01/2024</a:t>
+              <a:t>13/01/2024</a:t>
             </a:fld>
             <a:endParaRPr lang="it-IT"/>
           </a:p>
@@ -2468,7 +2484,7 @@
           <a:p>
             <a:fld id="{06EAD159-ECCC-4B99-9061-D6F46E89BA15}" type="datetime1">
               <a:rPr lang="it-IT" smtClean="0"/>
-              <a:t>12/01/2024</a:t>
+              <a:t>13/01/2024</a:t>
             </a:fld>
             <a:endParaRPr lang="it-IT"/>
           </a:p>
@@ -2671,7 +2687,7 @@
           <a:p>
             <a:fld id="{6A23C70C-EEEA-46B2-8489-D1A228A4A8D4}" type="datetime1">
               <a:rPr lang="it-IT" smtClean="0"/>
-              <a:t>12/01/2024</a:t>
+              <a:t>13/01/2024</a:t>
             </a:fld>
             <a:endParaRPr lang="it-IT"/>
           </a:p>
@@ -2879,7 +2895,7 @@
           <a:p>
             <a:fld id="{BD4574BD-E0E9-4205-A24E-17EFA78B1364}" type="datetime1">
               <a:rPr lang="it-IT" smtClean="0"/>
-              <a:t>12/01/2024</a:t>
+              <a:t>13/01/2024</a:t>
             </a:fld>
             <a:endParaRPr lang="it-IT"/>
           </a:p>
@@ -3077,7 +3093,7 @@
           <a:p>
             <a:fld id="{5F60B374-D3B4-490A-BE26-781181F6B59E}" type="datetime1">
               <a:rPr lang="it-IT" smtClean="0"/>
-              <a:t>12/01/2024</a:t>
+              <a:t>13/01/2024</a:t>
             </a:fld>
             <a:endParaRPr lang="it-IT"/>
           </a:p>
@@ -3352,7 +3368,7 @@
           <a:p>
             <a:fld id="{84EAE18C-1402-4931-A3A7-279EDBAE70A6}" type="datetime1">
               <a:rPr lang="it-IT" smtClean="0"/>
-              <a:t>12/01/2024</a:t>
+              <a:t>13/01/2024</a:t>
             </a:fld>
             <a:endParaRPr lang="it-IT"/>
           </a:p>
@@ -3617,7 +3633,7 @@
           <a:p>
             <a:fld id="{3C3AAD58-8141-48C7-B401-5F899C382B51}" type="datetime1">
               <a:rPr lang="it-IT" smtClean="0"/>
-              <a:t>12/01/2024</a:t>
+              <a:t>13/01/2024</a:t>
             </a:fld>
             <a:endParaRPr lang="it-IT"/>
           </a:p>
@@ -4029,7 +4045,7 @@
           <a:p>
             <a:fld id="{D8DA7516-BAFD-455A-9EAD-0AD6D7337250}" type="datetime1">
               <a:rPr lang="it-IT" smtClean="0"/>
-              <a:t>12/01/2024</a:t>
+              <a:t>13/01/2024</a:t>
             </a:fld>
             <a:endParaRPr lang="it-IT"/>
           </a:p>
@@ -4170,7 +4186,7 @@
           <a:p>
             <a:fld id="{501AEAF9-4645-48A5-869A-781E752AB932}" type="datetime1">
               <a:rPr lang="it-IT" smtClean="0"/>
-              <a:t>12/01/2024</a:t>
+              <a:t>13/01/2024</a:t>
             </a:fld>
             <a:endParaRPr lang="it-IT"/>
           </a:p>
@@ -4283,7 +4299,7 @@
           <a:p>
             <a:fld id="{5E1EC909-F26A-4C9A-9727-FCD7BDE27950}" type="datetime1">
               <a:rPr lang="it-IT" smtClean="0"/>
-              <a:t>12/01/2024</a:t>
+              <a:t>13/01/2024</a:t>
             </a:fld>
             <a:endParaRPr lang="it-IT"/>
           </a:p>
@@ -4594,7 +4610,7 @@
           <a:p>
             <a:fld id="{E151D4A7-C70C-478D-B1DB-622D01775169}" type="datetime1">
               <a:rPr lang="it-IT" smtClean="0"/>
-              <a:t>12/01/2024</a:t>
+              <a:t>13/01/2024</a:t>
             </a:fld>
             <a:endParaRPr lang="it-IT"/>
           </a:p>
@@ -4882,7 +4898,7 @@
           <a:p>
             <a:fld id="{5C6C38CD-EF23-43DF-971A-C490029A6C2D}" type="datetime1">
               <a:rPr lang="it-IT" smtClean="0"/>
-              <a:t>12/01/2024</a:t>
+              <a:t>13/01/2024</a:t>
             </a:fld>
             <a:endParaRPr lang="it-IT"/>
           </a:p>
@@ -5123,7 +5139,7 @@
           <a:p>
             <a:fld id="{6EEF9DFA-B7B0-457E-9FC1-CD4807E6B174}" type="datetime1">
               <a:rPr lang="it-IT" smtClean="0"/>
-              <a:t>12/01/2024</a:t>
+              <a:t>13/01/2024</a:t>
             </a:fld>
             <a:endParaRPr lang="it-IT"/>
           </a:p>
@@ -5867,7 +5883,7 @@
         </p:blipFill>
         <p:spPr>
           <a:xfrm>
-            <a:off x="6727131" y="1565849"/>
+            <a:off x="6727131" y="1603173"/>
             <a:ext cx="4569521" cy="3490828"/>
           </a:xfrm>
           <a:prstGeom prst="rect">
@@ -5937,6 +5953,41 @@
               <a:t>10</a:t>
             </a:fld>
             <a:endParaRPr lang="it-IT"/>
+          </a:p>
+        </p:txBody>
+      </p:sp>
+      <p:sp>
+        <p:nvSpPr>
+          <p:cNvPr id="3" name="CasellaDiTesto 2">
+            <a:extLst>
+              <a:ext uri="{FF2B5EF4-FFF2-40B4-BE49-F238E27FC236}">
+                <a16:creationId xmlns:a16="http://schemas.microsoft.com/office/drawing/2014/main" id="{C84F95D1-F66A-9555-A2AE-C23CD85E0071}"/>
+              </a:ext>
+            </a:extLst>
+          </p:cNvPr>
+          <p:cNvSpPr txBox="1"/>
+          <p:nvPr/>
+        </p:nvSpPr>
+        <p:spPr>
+          <a:xfrm>
+            <a:off x="7035282" y="1597346"/>
+            <a:ext cx="457200" cy="246221"/>
+          </a:xfrm>
+          <a:prstGeom prst="rect">
+            <a:avLst/>
+          </a:prstGeom>
+          <a:noFill/>
+        </p:spPr>
+        <p:txBody>
+          <a:bodyPr wrap="square" rtlCol="0">
+            <a:spAutoFit/>
+          </a:bodyPr>
+          <a:lstStyle/>
+          <a:p>
+            <a:r>
+              <a:rPr lang="it-IT" sz="1000" dirty="0"/>
+              <a:t>1 -</a:t>
+            </a:r>
           </a:p>
         </p:txBody>
       </p:sp>
@@ -7476,7 +7527,7 @@
           <p:nvPr>
             <p:extLst>
               <p:ext uri="{D42A27DB-BD31-4B8C-83A1-F6EECF244321}">
-                <p14:modId xmlns:p14="http://schemas.microsoft.com/office/powerpoint/2010/main" val="3057078827"/>
+                <p14:modId xmlns:p14="http://schemas.microsoft.com/office/powerpoint/2010/main" val="4161735611"/>
               </p:ext>
             </p:extLst>
           </p:nvPr>
@@ -7645,7 +7696,7 @@
                       </a:r>
                       <a:r>
                         <a:rPr lang="en-US" noProof="0" dirty="0" err="1"/>
-                        <a:t>Selu</a:t>
+                        <a:t>SeLU</a:t>
                       </a:r>
                       <a:r>
                         <a:rPr lang="en-US" noProof="0" dirty="0"/>
@@ -7682,7 +7733,15 @@
                     <a:p>
                       <a:r>
                         <a:rPr lang="en-US" noProof="0" dirty="0"/>
-                        <a:t>Random uniform, Glorot and Bengio [1]</a:t>
+                        <a:t>Random uniform,  </a:t>
+                      </a:r>
+                      <a:r>
+                        <a:rPr lang="en-US" noProof="0" dirty="0" err="1"/>
+                        <a:t>Glorot</a:t>
+                      </a:r>
+                      <a:r>
+                        <a:rPr lang="en-US" noProof="0" dirty="0"/>
+                        <a:t> and Bengio [1]</a:t>
                       </a:r>
                     </a:p>
                   </a:txBody>
@@ -7880,7 +7939,7 @@
                     <a:p>
                       <a:r>
                         <a:rPr lang="en-US" noProof="0" dirty="0"/>
-                        <a:t>0,   0.0001,   0.00001,   0.000005</a:t>
+                        <a:t>None  -  From  0.000005  to  0.0001</a:t>
                       </a:r>
                     </a:p>
                   </a:txBody>
@@ -10739,7 +10798,7 @@
             </a:r>
             <a:r>
               <a:rPr lang="en-US" sz="2400" dirty="0"/>
-              <a:t>were unable to do so. We only observed that the validation loss start to decrease slower than the training loss. To verify if there were any issues with our simulator, we conducted tests with Keras and obtained the same results.</a:t>
+              <a:t>were unable to do so. We only observed that the validation loss starts to decrease slower than the training loss. To verify if there were any issues with our simulator, we conducted tests with Keras and obtained the same results.</a:t>
             </a:r>
           </a:p>
           <a:p>
@@ -10921,7 +10980,7 @@
             </a:pPr>
             <a:r>
               <a:rPr lang="en-US" sz="2400" dirty="0"/>
-              <a:t>We realized that performing model selection require a lot of time, more than we had anticipated. Given that small tweaks to neural network hyperparameters yield significant variations in both training dynamics and outcomes, the combinations of hyperparameters to test are truly numerous, and for each is required a careful review.</a:t>
+              <a:t>We realized that performing model selection requires a lot of time, more than we had anticipated. Given that small tweaks to neural network hyperparameters yield significant variations in both training dynamics and outcomes, the combinations of hyperparameters to test are truly numerous, and for each is required a careful review.</a:t>
             </a:r>
           </a:p>
           <a:p>
@@ -11078,7 +11137,7 @@
           <a:p>
             <a:r>
               <a:rPr lang="en-US" sz="2400" dirty="0"/>
-              <a:t>This project allowed us to find a connection between the theory and the practice studied during the course, indeed we dialed with overfitting, regularization, networks architecture and many other aspects discussed in the lectures.</a:t>
+              <a:t>This project allowed us to find a connection between the theory and the practice studied during the course, indeed we dialed with overfitting, regularization, network architectures, and many other aspects discussed in the lectures.</a:t>
             </a:r>
           </a:p>
           <a:p>
